--- a/TriFunction/그림용.pptx
+++ b/TriFunction/그림용.pptx
@@ -5,18 +5,19 @@
     <p:sldMasterId id="2147483648" r:id="rId1"/>
   </p:sldMasterIdLst>
   <p:notesMasterIdLst>
-    <p:notesMasterId r:id="rId11"/>
+    <p:notesMasterId r:id="rId12"/>
   </p:notesMasterIdLst>
   <p:sldIdLst>
     <p:sldId id="256" r:id="rId2"/>
     <p:sldId id="257" r:id="rId3"/>
     <p:sldId id="258" r:id="rId4"/>
     <p:sldId id="259" r:id="rId5"/>
-    <p:sldId id="261" r:id="rId6"/>
-    <p:sldId id="262" r:id="rId7"/>
-    <p:sldId id="263" r:id="rId8"/>
-    <p:sldId id="264" r:id="rId9"/>
-    <p:sldId id="265" r:id="rId10"/>
+    <p:sldId id="262" r:id="rId6"/>
+    <p:sldId id="266" r:id="rId7"/>
+    <p:sldId id="267" r:id="rId8"/>
+    <p:sldId id="263" r:id="rId9"/>
+    <p:sldId id="264" r:id="rId10"/>
+    <p:sldId id="265" r:id="rId11"/>
   </p:sldIdLst>
   <p:sldSz cx="12192000" cy="6858000"/>
   <p:notesSz cx="6858000" cy="9144000"/>
@@ -205,7 +206,7 @@
           <a:p>
             <a:fld id="{7A69A65F-D152-468D-9567-D5957D3F5103}" type="datetimeFigureOut">
               <a:rPr lang="ko-KR" altLang="en-US" smtClean="0"/>
-              <a:t>2018-09-28</a:t>
+              <a:t>2018-09-29</a:t>
             </a:fld>
             <a:endParaRPr lang="ko-KR" altLang="en-US"/>
           </a:p>
@@ -604,7 +605,7 @@
           <a:p>
             <a:fld id="{39D6D5D5-D1C6-465B-B735-E2307C7708EA}" type="datetimeFigureOut">
               <a:rPr lang="ko-KR" altLang="en-US" smtClean="0"/>
-              <a:t>2018-09-28</a:t>
+              <a:t>2018-09-29</a:t>
             </a:fld>
             <a:endParaRPr lang="ko-KR" altLang="en-US"/>
           </a:p>
@@ -774,7 +775,7 @@
           <a:p>
             <a:fld id="{39D6D5D5-D1C6-465B-B735-E2307C7708EA}" type="datetimeFigureOut">
               <a:rPr lang="ko-KR" altLang="en-US" smtClean="0"/>
-              <a:t>2018-09-28</a:t>
+              <a:t>2018-09-29</a:t>
             </a:fld>
             <a:endParaRPr lang="ko-KR" altLang="en-US"/>
           </a:p>
@@ -954,7 +955,7 @@
           <a:p>
             <a:fld id="{39D6D5D5-D1C6-465B-B735-E2307C7708EA}" type="datetimeFigureOut">
               <a:rPr lang="ko-KR" altLang="en-US" smtClean="0"/>
-              <a:t>2018-09-28</a:t>
+              <a:t>2018-09-29</a:t>
             </a:fld>
             <a:endParaRPr lang="ko-KR" altLang="en-US"/>
           </a:p>
@@ -1124,7 +1125,7 @@
           <a:p>
             <a:fld id="{39D6D5D5-D1C6-465B-B735-E2307C7708EA}" type="datetimeFigureOut">
               <a:rPr lang="ko-KR" altLang="en-US" smtClean="0"/>
-              <a:t>2018-09-28</a:t>
+              <a:t>2018-09-29</a:t>
             </a:fld>
             <a:endParaRPr lang="ko-KR" altLang="en-US"/>
           </a:p>
@@ -1370,7 +1371,7 @@
           <a:p>
             <a:fld id="{39D6D5D5-D1C6-465B-B735-E2307C7708EA}" type="datetimeFigureOut">
               <a:rPr lang="ko-KR" altLang="en-US" smtClean="0"/>
-              <a:t>2018-09-28</a:t>
+              <a:t>2018-09-29</a:t>
             </a:fld>
             <a:endParaRPr lang="ko-KR" altLang="en-US"/>
           </a:p>
@@ -1602,7 +1603,7 @@
           <a:p>
             <a:fld id="{39D6D5D5-D1C6-465B-B735-E2307C7708EA}" type="datetimeFigureOut">
               <a:rPr lang="ko-KR" altLang="en-US" smtClean="0"/>
-              <a:t>2018-09-28</a:t>
+              <a:t>2018-09-29</a:t>
             </a:fld>
             <a:endParaRPr lang="ko-KR" altLang="en-US"/>
           </a:p>
@@ -1969,7 +1970,7 @@
           <a:p>
             <a:fld id="{39D6D5D5-D1C6-465B-B735-E2307C7708EA}" type="datetimeFigureOut">
               <a:rPr lang="ko-KR" altLang="en-US" smtClean="0"/>
-              <a:t>2018-09-28</a:t>
+              <a:t>2018-09-29</a:t>
             </a:fld>
             <a:endParaRPr lang="ko-KR" altLang="en-US"/>
           </a:p>
@@ -2087,7 +2088,7 @@
           <a:p>
             <a:fld id="{39D6D5D5-D1C6-465B-B735-E2307C7708EA}" type="datetimeFigureOut">
               <a:rPr lang="ko-KR" altLang="en-US" smtClean="0"/>
-              <a:t>2018-09-28</a:t>
+              <a:t>2018-09-29</a:t>
             </a:fld>
             <a:endParaRPr lang="ko-KR" altLang="en-US"/>
           </a:p>
@@ -2182,7 +2183,7 @@
           <a:p>
             <a:fld id="{39D6D5D5-D1C6-465B-B735-E2307C7708EA}" type="datetimeFigureOut">
               <a:rPr lang="ko-KR" altLang="en-US" smtClean="0"/>
-              <a:t>2018-09-28</a:t>
+              <a:t>2018-09-29</a:t>
             </a:fld>
             <a:endParaRPr lang="ko-KR" altLang="en-US"/>
           </a:p>
@@ -2459,7 +2460,7 @@
           <a:p>
             <a:fld id="{39D6D5D5-D1C6-465B-B735-E2307C7708EA}" type="datetimeFigureOut">
               <a:rPr lang="ko-KR" altLang="en-US" smtClean="0"/>
-              <a:t>2018-09-28</a:t>
+              <a:t>2018-09-29</a:t>
             </a:fld>
             <a:endParaRPr lang="ko-KR" altLang="en-US"/>
           </a:p>
@@ -2712,7 +2713,7 @@
           <a:p>
             <a:fld id="{39D6D5D5-D1C6-465B-B735-E2307C7708EA}" type="datetimeFigureOut">
               <a:rPr lang="ko-KR" altLang="en-US" smtClean="0"/>
-              <a:t>2018-09-28</a:t>
+              <a:t>2018-09-29</a:t>
             </a:fld>
             <a:endParaRPr lang="ko-KR" altLang="en-US"/>
           </a:p>
@@ -2925,7 +2926,7 @@
           <a:p>
             <a:fld id="{39D6D5D5-D1C6-465B-B735-E2307C7708EA}" type="datetimeFigureOut">
               <a:rPr lang="ko-KR" altLang="en-US" smtClean="0"/>
-              <a:t>2018-09-28</a:t>
+              <a:t>2018-09-29</a:t>
             </a:fld>
             <a:endParaRPr lang="ko-KR" altLang="en-US"/>
           </a:p>
@@ -3399,6 +3400,43 @@
 </p:sld>
 </file>
 
+<file path=ppt/slides/slide10.xml><?xml version="1.0" encoding="utf-8"?>
+<p:sld xmlns:a="http://schemas.openxmlformats.org/drawingml/2006/main" xmlns:r="http://schemas.openxmlformats.org/officeDocument/2006/relationships" xmlns:p="http://schemas.openxmlformats.org/presentationml/2006/main">
+  <p:cSld>
+    <p:spTree>
+      <p:nvGrpSpPr>
+        <p:cNvPr id="1" name=""/>
+        <p:cNvGrpSpPr/>
+        <p:nvPr/>
+      </p:nvGrpSpPr>
+      <p:grpSpPr>
+        <a:xfrm>
+          <a:off x="0" y="0"/>
+          <a:ext cx="0" cy="0"/>
+          <a:chOff x="0" y="0"/>
+          <a:chExt cx="0" cy="0"/>
+        </a:xfrm>
+      </p:grpSpPr>
+    </p:spTree>
+    <p:extLst>
+      <p:ext uri="{BB962C8B-B14F-4D97-AF65-F5344CB8AC3E}">
+        <p14:creationId xmlns:p14="http://schemas.microsoft.com/office/powerpoint/2010/main" val="4022564585"/>
+      </p:ext>
+    </p:extLst>
+  </p:cSld>
+  <p:clrMapOvr>
+    <a:masterClrMapping/>
+  </p:clrMapOvr>
+  <p:timing>
+    <p:tnLst>
+      <p:par>
+        <p:cTn id="1" dur="indefinite" restart="never" nodeType="tmRoot"/>
+      </p:par>
+    </p:tnLst>
+  </p:timing>
+</p:sld>
+</file>
+
 <file path=ppt/slides/slide2.xml><?xml version="1.0" encoding="utf-8"?>
 <p:sld xmlns:a="http://schemas.openxmlformats.org/drawingml/2006/main" xmlns:r="http://schemas.openxmlformats.org/officeDocument/2006/relationships" xmlns:p="http://schemas.openxmlformats.org/presentationml/2006/main">
   <p:cSld>
@@ -4060,13 +4098,18 @@
           <a:p>
             <a:pPr algn="ctr"/>
             <a:r>
-              <a:rPr lang="en-US" altLang="ko-KR" dirty="0" smtClean="0">
+              <a:rPr lang="ko-KR" altLang="en-US" dirty="0" smtClean="0">
                 <a:solidFill>
                   <a:schemeClr val="tx1"/>
                 </a:solidFill>
               </a:rPr>
-              <a:t>Easy</a:t>
-            </a:r>
+              <a:t>스토리</a:t>
+            </a:r>
+            <a:endParaRPr lang="en-US" altLang="ko-KR" dirty="0" smtClean="0">
+              <a:solidFill>
+                <a:schemeClr val="tx1"/>
+              </a:solidFill>
+            </a:endParaRPr>
           </a:p>
         </p:txBody>
       </p:sp>
@@ -4120,8 +4163,13 @@
                   <a:schemeClr val="tx1"/>
                 </a:solidFill>
               </a:rPr>
-              <a:t>Normal</a:t>
-            </a:r>
+              <a:t>Infinity</a:t>
+            </a:r>
+            <a:endParaRPr lang="en-US" altLang="ko-KR" dirty="0" smtClean="0">
+              <a:solidFill>
+                <a:schemeClr val="tx1"/>
+              </a:solidFill>
+            </a:endParaRPr>
           </a:p>
         </p:txBody>
       </p:sp>
@@ -4165,31 +4213,12 @@
           <a:p>
             <a:pPr algn="ctr"/>
             <a:r>
-              <a:rPr lang="en-US" altLang="ko-KR" dirty="0" smtClean="0">
-                <a:solidFill>
-                  <a:schemeClr val="tx1"/>
-                </a:solidFill>
-              </a:rPr>
-              <a:t>Easy Mode</a:t>
-            </a:r>
-          </a:p>
-          <a:p>
-            <a:pPr algn="ctr"/>
-            <a:r>
-              <a:rPr lang="en-US" altLang="ko-KR" dirty="0" smtClean="0">
-                <a:solidFill>
-                  <a:schemeClr val="tx1"/>
-                </a:solidFill>
-              </a:rPr>
-              <a:t>sin, sec, tan</a:t>
-            </a:r>
-            <a:r>
               <a:rPr lang="ko-KR" altLang="en-US" dirty="0" smtClean="0">
                 <a:solidFill>
                   <a:schemeClr val="tx1"/>
                 </a:solidFill>
               </a:rPr>
-              <a:t>만 나옴</a:t>
+              <a:t>스토리모드</a:t>
             </a:r>
             <a:endParaRPr lang="ko-KR" altLang="en-US" dirty="0">
               <a:solidFill>
@@ -4239,53 +4268,12 @@
           <a:p>
             <a:pPr algn="ctr"/>
             <a:r>
-              <a:rPr lang="en-US" altLang="ko-KR" dirty="0" smtClean="0">
+              <a:rPr lang="ko-KR" altLang="en-US" dirty="0" err="1" smtClean="0">
                 <a:solidFill>
                   <a:schemeClr val="tx1"/>
                 </a:solidFill>
               </a:rPr>
-              <a:t>Normal Mode</a:t>
-            </a:r>
-          </a:p>
-          <a:p>
-            <a:pPr algn="ctr"/>
-            <a:r>
-              <a:rPr lang="en-US" altLang="ko-KR" dirty="0">
-                <a:solidFill>
-                  <a:schemeClr val="tx1"/>
-                </a:solidFill>
-              </a:rPr>
-              <a:t>s</a:t>
-            </a:r>
-            <a:r>
-              <a:rPr lang="en-US" altLang="ko-KR" dirty="0" smtClean="0">
-                <a:solidFill>
-                  <a:schemeClr val="tx1"/>
-                </a:solidFill>
-              </a:rPr>
-              <a:t>in, sec, tan, </a:t>
-            </a:r>
-          </a:p>
-          <a:p>
-            <a:pPr algn="ctr"/>
-            <a:r>
-              <a:rPr lang="en-US" altLang="ko-KR" dirty="0" smtClean="0">
-                <a:solidFill>
-                  <a:schemeClr val="tx1"/>
-                </a:solidFill>
-              </a:rPr>
-              <a:t>cos, cosec, cotan</a:t>
-            </a:r>
-          </a:p>
-          <a:p>
-            <a:pPr algn="ctr"/>
-            <a:r>
-              <a:rPr lang="ko-KR" altLang="en-US" dirty="0" smtClean="0">
-                <a:solidFill>
-                  <a:schemeClr val="tx1"/>
-                </a:solidFill>
-              </a:rPr>
-              <a:t>가 나옴</a:t>
+              <a:t>무한모드</a:t>
             </a:r>
             <a:endParaRPr lang="ko-KR" altLang="en-US" dirty="0">
               <a:solidFill>
@@ -4402,1393 +4390,6 @@
 </file>
 
 <file path=ppt/slides/slide5.xml><?xml version="1.0" encoding="utf-8"?>
-<p:sld xmlns:a="http://schemas.openxmlformats.org/drawingml/2006/main" xmlns:r="http://schemas.openxmlformats.org/officeDocument/2006/relationships" xmlns:p="http://schemas.openxmlformats.org/presentationml/2006/main">
-  <p:cSld>
-    <p:spTree>
-      <p:nvGrpSpPr>
-        <p:cNvPr id="1" name=""/>
-        <p:cNvGrpSpPr/>
-        <p:nvPr/>
-      </p:nvGrpSpPr>
-      <p:grpSpPr>
-        <a:xfrm>
-          <a:off x="0" y="0"/>
-          <a:ext cx="0" cy="0"/>
-          <a:chOff x="0" y="0"/>
-          <a:chExt cx="0" cy="0"/>
-        </a:xfrm>
-      </p:grpSpPr>
-      <p:sp>
-        <p:nvSpPr>
-          <p:cNvPr id="4" name="Rectangle 2"/>
-          <p:cNvSpPr>
-            <a:spLocks noChangeArrowheads="1"/>
-          </p:cNvSpPr>
-          <p:nvPr/>
-        </p:nvSpPr>
-        <p:spPr bwMode="auto">
-          <a:xfrm>
-            <a:off x="-838354" y="-5241302"/>
-            <a:ext cx="3062453" cy="252847"/>
-          </a:xfrm>
-          <a:prstGeom prst="rect">
-            <a:avLst/>
-          </a:prstGeom>
-          <a:noFill/>
-          <a:ln>
-            <a:noFill/>
-          </a:ln>
-          <a:effectLst/>
-          <a:extLst>
-            <a:ext uri="{909E8E84-426E-40DD-AFC4-6F175D3DCCD1}">
-              <a14:hiddenFill xmlns:a14="http://schemas.microsoft.com/office/drawing/2010/main">
-                <a:solidFill>
-                  <a:schemeClr val="accent1"/>
-                </a:solidFill>
-              </a14:hiddenFill>
-            </a:ext>
-            <a:ext uri="{91240B29-F687-4F45-9708-019B960494DF}">
-              <a14:hiddenLine xmlns:a14="http://schemas.microsoft.com/office/drawing/2010/main" w="9525">
-                <a:solidFill>
-                  <a:schemeClr val="tx1"/>
-                </a:solidFill>
-                <a:miter lim="800000"/>
-                <a:headEnd/>
-                <a:tailEnd/>
-              </a14:hiddenLine>
-            </a:ext>
-            <a:ext uri="{AF507438-7753-43E0-B8FC-AC1667EBCBE1}">
-              <a14:hiddenEffects xmlns:a14="http://schemas.microsoft.com/office/drawing/2010/main">
-                <a:effectLst>
-                  <a:outerShdw dist="35921" dir="2700000" algn="ctr" rotWithShape="0">
-                    <a:schemeClr val="bg2"/>
-                  </a:outerShdw>
-                </a:effectLst>
-              </a14:hiddenEffects>
-            </a:ext>
-          </a:extLst>
-        </p:spPr>
-        <p:txBody>
-          <a:bodyPr vert="horz" wrap="square" lIns="91440" tIns="45720" rIns="91440" bIns="45720" numCol="1" anchor="ctr" anchorCtr="0" compatLnSpc="1">
-            <a:prstTxWarp prst="textNoShape">
-              <a:avLst/>
-            </a:prstTxWarp>
-            <a:spAutoFit/>
-          </a:bodyPr>
-          <a:lstStyle/>
-          <a:p>
-            <a:endParaRPr lang="ko-KR" altLang="en-US"/>
-          </a:p>
-        </p:txBody>
-      </p:sp>
-      <p:sp>
-        <p:nvSpPr>
-          <p:cNvPr id="10" name="타원 9"/>
-          <p:cNvSpPr/>
-          <p:nvPr/>
-        </p:nvSpPr>
-        <p:spPr>
-          <a:xfrm>
-            <a:off x="506746" y="2644757"/>
-            <a:ext cx="1577972" cy="1471352"/>
-          </a:xfrm>
-          <a:prstGeom prst="ellipse">
-            <a:avLst/>
-          </a:prstGeom>
-        </p:spPr>
-        <p:style>
-          <a:lnRef idx="2">
-            <a:schemeClr val="accent1">
-              <a:shade val="50000"/>
-            </a:schemeClr>
-          </a:lnRef>
-          <a:fillRef idx="1">
-            <a:schemeClr val="accent1"/>
-          </a:fillRef>
-          <a:effectRef idx="0">
-            <a:schemeClr val="accent1"/>
-          </a:effectRef>
-          <a:fontRef idx="minor">
-            <a:schemeClr val="lt1"/>
-          </a:fontRef>
-        </p:style>
-        <p:txBody>
-          <a:bodyPr rtlCol="0" anchor="ctr"/>
-          <a:lstStyle/>
-          <a:p>
-            <a:pPr algn="ctr"/>
-            <a:r>
-              <a:rPr lang="ko-KR" altLang="en-US" dirty="0" err="1" smtClean="0"/>
-              <a:t>깨봉</a:t>
-            </a:r>
-            <a:endParaRPr lang="ko-KR" altLang="en-US" dirty="0"/>
-          </a:p>
-        </p:txBody>
-      </p:sp>
-      <p:grpSp>
-        <p:nvGrpSpPr>
-          <p:cNvPr id="42" name="그룹 41"/>
-          <p:cNvGrpSpPr/>
-          <p:nvPr/>
-        </p:nvGrpSpPr>
-        <p:grpSpPr>
-          <a:xfrm>
-            <a:off x="2233594" y="2187476"/>
-            <a:ext cx="2695329" cy="2335726"/>
-            <a:chOff x="1909435" y="2214853"/>
-            <a:chExt cx="2656721" cy="2302269"/>
-          </a:xfrm>
-        </p:grpSpPr>
-        <p:sp>
-          <p:nvSpPr>
-            <p:cNvPr id="11" name="직각 삼각형 10"/>
-            <p:cNvSpPr/>
-            <p:nvPr/>
-          </p:nvSpPr>
-          <p:spPr>
-            <a:xfrm flipH="1">
-              <a:off x="2444718" y="2214853"/>
-              <a:ext cx="2121438" cy="1744039"/>
-            </a:xfrm>
-            <a:prstGeom prst="rtTriangle">
-              <a:avLst/>
-            </a:prstGeom>
-            <a:noFill/>
-            <a:ln w="38100">
-              <a:solidFill>
-                <a:schemeClr val="tx1"/>
-              </a:solidFill>
-            </a:ln>
-          </p:spPr>
-          <p:style>
-            <a:lnRef idx="2">
-              <a:schemeClr val="accent1">
-                <a:shade val="50000"/>
-              </a:schemeClr>
-            </a:lnRef>
-            <a:fillRef idx="1">
-              <a:schemeClr val="accent1"/>
-            </a:fillRef>
-            <a:effectRef idx="0">
-              <a:schemeClr val="accent1"/>
-            </a:effectRef>
-            <a:fontRef idx="minor">
-              <a:schemeClr val="lt1"/>
-            </a:fontRef>
-          </p:style>
-          <p:txBody>
-            <a:bodyPr rtlCol="0" anchor="ctr"/>
-            <a:lstStyle/>
-            <a:p>
-              <a:pPr algn="ctr"/>
-              <a:endParaRPr lang="ko-KR" altLang="en-US"/>
-            </a:p>
-          </p:txBody>
-        </p:sp>
-        <p:sp>
-          <p:nvSpPr>
-            <p:cNvPr id="12" name="원호 11"/>
-            <p:cNvSpPr/>
-            <p:nvPr/>
-          </p:nvSpPr>
-          <p:spPr>
-            <a:xfrm>
-              <a:off x="1909435" y="3390382"/>
-              <a:ext cx="1126740" cy="1126740"/>
-            </a:xfrm>
-            <a:prstGeom prst="arc">
-              <a:avLst>
-                <a:gd name="adj1" fmla="val 19187776"/>
-                <a:gd name="adj2" fmla="val 0"/>
-              </a:avLst>
-            </a:prstGeom>
-            <a:ln w="38100">
-              <a:solidFill>
-                <a:srgbClr val="FF0000"/>
-              </a:solidFill>
-            </a:ln>
-          </p:spPr>
-          <p:style>
-            <a:lnRef idx="1">
-              <a:schemeClr val="accent1"/>
-            </a:lnRef>
-            <a:fillRef idx="0">
-              <a:schemeClr val="accent1"/>
-            </a:fillRef>
-            <a:effectRef idx="0">
-              <a:schemeClr val="accent1"/>
-            </a:effectRef>
-            <a:fontRef idx="minor">
-              <a:schemeClr val="tx1"/>
-            </a:fontRef>
-          </p:style>
-          <p:txBody>
-            <a:bodyPr rtlCol="0" anchor="ctr"/>
-            <a:lstStyle/>
-            <a:p>
-              <a:pPr algn="ctr"/>
-              <a:endParaRPr lang="ko-KR" altLang="en-US"/>
-            </a:p>
-          </p:txBody>
-        </p:sp>
-      </p:grpSp>
-      <p:sp>
-        <p:nvSpPr>
-          <p:cNvPr id="15" name="원호 14"/>
-          <p:cNvSpPr/>
-          <p:nvPr/>
-        </p:nvSpPr>
-        <p:spPr>
-          <a:xfrm rot="10800000">
-            <a:off x="4224863" y="1566862"/>
-            <a:ext cx="1362136" cy="1362136"/>
-          </a:xfrm>
-          <a:prstGeom prst="arc">
-            <a:avLst>
-              <a:gd name="adj1" fmla="val 16200000"/>
-              <a:gd name="adj2" fmla="val 19275865"/>
-            </a:avLst>
-          </a:prstGeom>
-          <a:ln w="38100">
-            <a:solidFill>
-              <a:srgbClr val="56D1F8"/>
-            </a:solidFill>
-          </a:ln>
-        </p:spPr>
-        <p:style>
-          <a:lnRef idx="1">
-            <a:schemeClr val="accent1"/>
-          </a:lnRef>
-          <a:fillRef idx="0">
-            <a:schemeClr val="accent1"/>
-          </a:fillRef>
-          <a:effectRef idx="0">
-            <a:schemeClr val="accent1"/>
-          </a:effectRef>
-          <a:fontRef idx="minor">
-            <a:schemeClr val="tx1"/>
-          </a:fontRef>
-        </p:style>
-        <p:txBody>
-          <a:bodyPr rtlCol="0" anchor="ctr"/>
-          <a:lstStyle/>
-          <a:p>
-            <a:pPr algn="ctr"/>
-            <a:endParaRPr lang="ko-KR" altLang="en-US"/>
-          </a:p>
-        </p:txBody>
-      </p:sp>
-      <p:sp>
-        <p:nvSpPr>
-          <p:cNvPr id="16" name="타원 15"/>
-          <p:cNvSpPr/>
-          <p:nvPr/>
-        </p:nvSpPr>
-        <p:spPr>
-          <a:xfrm>
-            <a:off x="-399685" y="655588"/>
-            <a:ext cx="6162461" cy="6162461"/>
-          </a:xfrm>
-          <a:prstGeom prst="ellipse">
-            <a:avLst/>
-          </a:prstGeom>
-          <a:noFill/>
-          <a:ln w="38100">
-            <a:solidFill>
-              <a:schemeClr val="tx2">
-                <a:lumMod val="40000"/>
-                <a:lumOff val="60000"/>
-              </a:schemeClr>
-            </a:solidFill>
-          </a:ln>
-        </p:spPr>
-        <p:style>
-          <a:lnRef idx="2">
-            <a:schemeClr val="accent1">
-              <a:shade val="50000"/>
-            </a:schemeClr>
-          </a:lnRef>
-          <a:fillRef idx="1">
-            <a:schemeClr val="accent1"/>
-          </a:fillRef>
-          <a:effectRef idx="0">
-            <a:schemeClr val="accent1"/>
-          </a:effectRef>
-          <a:fontRef idx="minor">
-            <a:schemeClr val="lt1"/>
-          </a:fontRef>
-        </p:style>
-        <p:txBody>
-          <a:bodyPr rtlCol="0" anchor="ctr"/>
-          <a:lstStyle/>
-          <a:p>
-            <a:pPr algn="ctr"/>
-            <a:endParaRPr lang="ko-KR" altLang="en-US"/>
-          </a:p>
-        </p:txBody>
-      </p:sp>
-      <p:sp>
-        <p:nvSpPr>
-          <p:cNvPr id="21" name="타원 20"/>
-          <p:cNvSpPr/>
-          <p:nvPr/>
-        </p:nvSpPr>
-        <p:spPr>
-          <a:xfrm>
-            <a:off x="8009000" y="121971"/>
-            <a:ext cx="1577972" cy="1471352"/>
-          </a:xfrm>
-          <a:prstGeom prst="ellipse">
-            <a:avLst/>
-          </a:prstGeom>
-          <a:solidFill>
-            <a:srgbClr val="FFFF00"/>
-          </a:solidFill>
-          <a:ln>
-            <a:noFill/>
-          </a:ln>
-        </p:spPr>
-        <p:style>
-          <a:lnRef idx="2">
-            <a:schemeClr val="accent1">
-              <a:shade val="50000"/>
-            </a:schemeClr>
-          </a:lnRef>
-          <a:fillRef idx="1">
-            <a:schemeClr val="accent1"/>
-          </a:fillRef>
-          <a:effectRef idx="0">
-            <a:schemeClr val="accent1"/>
-          </a:effectRef>
-          <a:fontRef idx="minor">
-            <a:schemeClr val="lt1"/>
-          </a:fontRef>
-        </p:style>
-        <p:txBody>
-          <a:bodyPr rtlCol="0" anchor="ctr"/>
-          <a:lstStyle/>
-          <a:p>
-            <a:pPr algn="ctr"/>
-            <a:r>
-              <a:rPr lang="ko-KR" altLang="en-US" dirty="0">
-                <a:solidFill>
-                  <a:schemeClr val="tx1"/>
-                </a:solidFill>
-              </a:rPr>
-              <a:t>적</a:t>
-            </a:r>
-          </a:p>
-        </p:txBody>
-      </p:sp>
-      <p:sp>
-        <p:nvSpPr>
-          <p:cNvPr id="22" name="타원 21"/>
-          <p:cNvSpPr/>
-          <p:nvPr/>
-        </p:nvSpPr>
-        <p:spPr>
-          <a:xfrm>
-            <a:off x="9973052" y="1469343"/>
-            <a:ext cx="764422" cy="712772"/>
-          </a:xfrm>
-          <a:prstGeom prst="ellipse">
-            <a:avLst/>
-          </a:prstGeom>
-          <a:solidFill>
-            <a:schemeClr val="tx1"/>
-          </a:solidFill>
-          <a:ln>
-            <a:noFill/>
-          </a:ln>
-        </p:spPr>
-        <p:style>
-          <a:lnRef idx="2">
-            <a:schemeClr val="accent1">
-              <a:shade val="50000"/>
-            </a:schemeClr>
-          </a:lnRef>
-          <a:fillRef idx="1">
-            <a:schemeClr val="accent1"/>
-          </a:fillRef>
-          <a:effectRef idx="0">
-            <a:schemeClr val="accent1"/>
-          </a:effectRef>
-          <a:fontRef idx="minor">
-            <a:schemeClr val="lt1"/>
-          </a:fontRef>
-        </p:style>
-        <p:txBody>
-          <a:bodyPr rtlCol="0" anchor="ctr"/>
-          <a:lstStyle/>
-          <a:p>
-            <a:pPr algn="ctr"/>
-            <a:r>
-              <a:rPr lang="en-US" altLang="ko-KR" dirty="0" smtClean="0"/>
-              <a:t>sin</a:t>
-            </a:r>
-            <a:endParaRPr lang="ko-KR" altLang="en-US" dirty="0"/>
-          </a:p>
-        </p:txBody>
-      </p:sp>
-      <p:sp>
-        <p:nvSpPr>
-          <p:cNvPr id="23" name="타원 22"/>
-          <p:cNvSpPr/>
-          <p:nvPr/>
-        </p:nvSpPr>
-        <p:spPr>
-          <a:xfrm>
-            <a:off x="11046016" y="1313412"/>
-            <a:ext cx="764422" cy="712772"/>
-          </a:xfrm>
-          <a:prstGeom prst="ellipse">
-            <a:avLst/>
-          </a:prstGeom>
-          <a:solidFill>
-            <a:schemeClr val="tx1"/>
-          </a:solidFill>
-          <a:ln>
-            <a:noFill/>
-          </a:ln>
-        </p:spPr>
-        <p:style>
-          <a:lnRef idx="2">
-            <a:schemeClr val="accent1">
-              <a:shade val="50000"/>
-            </a:schemeClr>
-          </a:lnRef>
-          <a:fillRef idx="1">
-            <a:schemeClr val="accent1"/>
-          </a:fillRef>
-          <a:effectRef idx="0">
-            <a:schemeClr val="accent1"/>
-          </a:effectRef>
-          <a:fontRef idx="minor">
-            <a:schemeClr val="lt1"/>
-          </a:fontRef>
-        </p:style>
-        <p:txBody>
-          <a:bodyPr rtlCol="0" anchor="ctr"/>
-          <a:lstStyle/>
-          <a:p>
-            <a:pPr algn="ctr"/>
-            <a:r>
-              <a:rPr lang="en-US" altLang="ko-KR" dirty="0" smtClean="0"/>
-              <a:t>cos</a:t>
-            </a:r>
-            <a:endParaRPr lang="ko-KR" altLang="en-US" dirty="0"/>
-          </a:p>
-        </p:txBody>
-      </p:sp>
-      <p:sp>
-        <p:nvSpPr>
-          <p:cNvPr id="28" name="폭발 2 27"/>
-          <p:cNvSpPr/>
-          <p:nvPr/>
-        </p:nvSpPr>
-        <p:spPr>
-          <a:xfrm>
-            <a:off x="146551" y="3841654"/>
-            <a:ext cx="2793077" cy="3093635"/>
-          </a:xfrm>
-          <a:prstGeom prst="irregularSeal2">
-            <a:avLst/>
-          </a:prstGeom>
-          <a:solidFill>
-            <a:srgbClr val="56D1F8">
-              <a:alpha val="85000"/>
-            </a:srgbClr>
-          </a:solidFill>
-          <a:ln>
-            <a:noFill/>
-          </a:ln>
-        </p:spPr>
-        <p:style>
-          <a:lnRef idx="2">
-            <a:schemeClr val="accent1">
-              <a:shade val="50000"/>
-            </a:schemeClr>
-          </a:lnRef>
-          <a:fillRef idx="1">
-            <a:schemeClr val="accent1"/>
-          </a:fillRef>
-          <a:effectRef idx="0">
-            <a:schemeClr val="accent1"/>
-          </a:effectRef>
-          <a:fontRef idx="minor">
-            <a:schemeClr val="lt1"/>
-          </a:fontRef>
-        </p:style>
-        <p:txBody>
-          <a:bodyPr rtlCol="0" anchor="ctr"/>
-          <a:lstStyle/>
-          <a:p>
-            <a:pPr algn="ctr"/>
-            <a:endParaRPr lang="ko-KR" altLang="en-US"/>
-          </a:p>
-        </p:txBody>
-      </p:sp>
-      <p:sp>
-        <p:nvSpPr>
-          <p:cNvPr id="24" name="타원 23"/>
-          <p:cNvSpPr/>
-          <p:nvPr/>
-        </p:nvSpPr>
-        <p:spPr>
-          <a:xfrm>
-            <a:off x="10098345" y="2432423"/>
-            <a:ext cx="764422" cy="712772"/>
-          </a:xfrm>
-          <a:prstGeom prst="ellipse">
-            <a:avLst/>
-          </a:prstGeom>
-          <a:solidFill>
-            <a:schemeClr val="tx1"/>
-          </a:solidFill>
-          <a:ln>
-            <a:noFill/>
-          </a:ln>
-        </p:spPr>
-        <p:style>
-          <a:lnRef idx="2">
-            <a:schemeClr val="accent1">
-              <a:shade val="50000"/>
-            </a:schemeClr>
-          </a:lnRef>
-          <a:fillRef idx="1">
-            <a:schemeClr val="accent1"/>
-          </a:fillRef>
-          <a:effectRef idx="0">
-            <a:schemeClr val="accent1"/>
-          </a:effectRef>
-          <a:fontRef idx="minor">
-            <a:schemeClr val="lt1"/>
-          </a:fontRef>
-        </p:style>
-        <p:txBody>
-          <a:bodyPr rtlCol="0" anchor="ctr"/>
-          <a:lstStyle/>
-          <a:p>
-            <a:pPr algn="ctr"/>
-            <a:r>
-              <a:rPr lang="en-US" altLang="ko-KR" dirty="0" smtClean="0"/>
-              <a:t>sec</a:t>
-            </a:r>
-            <a:endParaRPr lang="ko-KR" altLang="en-US" dirty="0"/>
-          </a:p>
-        </p:txBody>
-      </p:sp>
-      <p:sp>
-        <p:nvSpPr>
-          <p:cNvPr id="26" name="타원 25"/>
-          <p:cNvSpPr/>
-          <p:nvPr/>
-        </p:nvSpPr>
-        <p:spPr>
-          <a:xfrm>
-            <a:off x="10242436" y="3380433"/>
-            <a:ext cx="764422" cy="712772"/>
-          </a:xfrm>
-          <a:prstGeom prst="ellipse">
-            <a:avLst/>
-          </a:prstGeom>
-          <a:solidFill>
-            <a:schemeClr val="tx1"/>
-          </a:solidFill>
-          <a:ln>
-            <a:noFill/>
-          </a:ln>
-        </p:spPr>
-        <p:style>
-          <a:lnRef idx="2">
-            <a:schemeClr val="accent1">
-              <a:shade val="50000"/>
-            </a:schemeClr>
-          </a:lnRef>
-          <a:fillRef idx="1">
-            <a:schemeClr val="accent1"/>
-          </a:fillRef>
-          <a:effectRef idx="0">
-            <a:schemeClr val="accent1"/>
-          </a:effectRef>
-          <a:fontRef idx="minor">
-            <a:schemeClr val="lt1"/>
-          </a:fontRef>
-        </p:style>
-        <p:txBody>
-          <a:bodyPr rtlCol="0" anchor="ctr"/>
-          <a:lstStyle/>
-          <a:p>
-            <a:pPr algn="ctr"/>
-            <a:r>
-              <a:rPr lang="en-US" altLang="ko-KR" dirty="0" smtClean="0"/>
-              <a:t>tan</a:t>
-            </a:r>
-            <a:endParaRPr lang="ko-KR" altLang="en-US" dirty="0"/>
-          </a:p>
-        </p:txBody>
-      </p:sp>
-      <p:grpSp>
-        <p:nvGrpSpPr>
-          <p:cNvPr id="18" name="그룹 17"/>
-          <p:cNvGrpSpPr/>
-          <p:nvPr/>
-        </p:nvGrpSpPr>
-        <p:grpSpPr>
-          <a:xfrm>
-            <a:off x="11162548" y="2360815"/>
-            <a:ext cx="764422" cy="712772"/>
-            <a:chOff x="9042803" y="4156364"/>
-            <a:chExt cx="764422" cy="712772"/>
-          </a:xfrm>
-        </p:grpSpPr>
-        <p:sp>
-          <p:nvSpPr>
-            <p:cNvPr id="25" name="타원 24"/>
-            <p:cNvSpPr/>
-            <p:nvPr/>
-          </p:nvSpPr>
-          <p:spPr>
-            <a:xfrm>
-              <a:off x="9042803" y="4156364"/>
-              <a:ext cx="764422" cy="712772"/>
-            </a:xfrm>
-            <a:prstGeom prst="ellipse">
-              <a:avLst/>
-            </a:prstGeom>
-            <a:solidFill>
-              <a:schemeClr val="tx1"/>
-            </a:solidFill>
-            <a:ln>
-              <a:noFill/>
-            </a:ln>
-          </p:spPr>
-          <p:style>
-            <a:lnRef idx="2">
-              <a:schemeClr val="accent1">
-                <a:shade val="50000"/>
-              </a:schemeClr>
-            </a:lnRef>
-            <a:fillRef idx="1">
-              <a:schemeClr val="accent1"/>
-            </a:fillRef>
-            <a:effectRef idx="0">
-              <a:schemeClr val="accent1"/>
-            </a:effectRef>
-            <a:fontRef idx="minor">
-              <a:schemeClr val="lt1"/>
-            </a:fontRef>
-          </p:style>
-          <p:txBody>
-            <a:bodyPr rtlCol="0" anchor="ctr"/>
-            <a:lstStyle/>
-            <a:p>
-              <a:pPr algn="ctr"/>
-              <a:endParaRPr lang="ko-KR" altLang="en-US" dirty="0"/>
-            </a:p>
-          </p:txBody>
-        </p:sp>
-        <p:sp>
-          <p:nvSpPr>
-            <p:cNvPr id="17" name="TextBox 16"/>
-            <p:cNvSpPr txBox="1"/>
-            <p:nvPr/>
-          </p:nvSpPr>
-          <p:spPr>
-            <a:xfrm>
-              <a:off x="9042803" y="4309561"/>
-              <a:ext cx="763351" cy="369332"/>
-            </a:xfrm>
-            <a:prstGeom prst="rect">
-              <a:avLst/>
-            </a:prstGeom>
-            <a:noFill/>
-          </p:spPr>
-          <p:txBody>
-            <a:bodyPr wrap="none" rtlCol="0">
-              <a:spAutoFit/>
-            </a:bodyPr>
-            <a:lstStyle/>
-            <a:p>
-              <a:r>
-                <a:rPr lang="en-US" altLang="ko-KR" dirty="0" smtClean="0">
-                  <a:solidFill>
-                    <a:schemeClr val="bg1"/>
-                  </a:solidFill>
-                </a:rPr>
-                <a:t>cosec</a:t>
-              </a:r>
-              <a:endParaRPr lang="ko-KR" altLang="en-US" dirty="0">
-                <a:solidFill>
-                  <a:schemeClr val="bg1"/>
-                </a:solidFill>
-              </a:endParaRPr>
-            </a:p>
-          </p:txBody>
-        </p:sp>
-      </p:grpSp>
-      <p:grpSp>
-        <p:nvGrpSpPr>
-          <p:cNvPr id="19" name="그룹 18"/>
-          <p:cNvGrpSpPr/>
-          <p:nvPr/>
-        </p:nvGrpSpPr>
-        <p:grpSpPr>
-          <a:xfrm>
-            <a:off x="11188486" y="3399907"/>
-            <a:ext cx="774337" cy="712772"/>
-            <a:chOff x="9068741" y="5195456"/>
-            <a:chExt cx="774337" cy="712772"/>
-          </a:xfrm>
-        </p:grpSpPr>
-        <p:sp>
-          <p:nvSpPr>
-            <p:cNvPr id="27" name="타원 26"/>
-            <p:cNvSpPr/>
-            <p:nvPr/>
-          </p:nvSpPr>
-          <p:spPr>
-            <a:xfrm>
-              <a:off x="9068741" y="5195456"/>
-              <a:ext cx="764422" cy="712772"/>
-            </a:xfrm>
-            <a:prstGeom prst="ellipse">
-              <a:avLst/>
-            </a:prstGeom>
-            <a:solidFill>
-              <a:schemeClr val="tx1"/>
-            </a:solidFill>
-            <a:ln>
-              <a:noFill/>
-            </a:ln>
-          </p:spPr>
-          <p:style>
-            <a:lnRef idx="2">
-              <a:schemeClr val="accent1">
-                <a:shade val="50000"/>
-              </a:schemeClr>
-            </a:lnRef>
-            <a:fillRef idx="1">
-              <a:schemeClr val="accent1"/>
-            </a:fillRef>
-            <a:effectRef idx="0">
-              <a:schemeClr val="accent1"/>
-            </a:effectRef>
-            <a:fontRef idx="minor">
-              <a:schemeClr val="lt1"/>
-            </a:fontRef>
-          </p:style>
-          <p:txBody>
-            <a:bodyPr rtlCol="0" anchor="ctr"/>
-            <a:lstStyle/>
-            <a:p>
-              <a:pPr algn="ctr"/>
-              <a:endParaRPr lang="ko-KR" altLang="en-US" dirty="0"/>
-            </a:p>
-          </p:txBody>
-        </p:sp>
-        <p:sp>
-          <p:nvSpPr>
-            <p:cNvPr id="29" name="TextBox 28"/>
-            <p:cNvSpPr txBox="1"/>
-            <p:nvPr/>
-          </p:nvSpPr>
-          <p:spPr>
-            <a:xfrm>
-              <a:off x="9078125" y="5347702"/>
-              <a:ext cx="764953" cy="369332"/>
-            </a:xfrm>
-            <a:prstGeom prst="rect">
-              <a:avLst/>
-            </a:prstGeom>
-            <a:noFill/>
-          </p:spPr>
-          <p:txBody>
-            <a:bodyPr wrap="none" rtlCol="0">
-              <a:spAutoFit/>
-            </a:bodyPr>
-            <a:lstStyle/>
-            <a:p>
-              <a:r>
-                <a:rPr lang="en-US" altLang="ko-KR" dirty="0" smtClean="0">
-                  <a:solidFill>
-                    <a:schemeClr val="bg1"/>
-                  </a:solidFill>
-                </a:rPr>
-                <a:t>cotan</a:t>
-              </a:r>
-              <a:endParaRPr lang="ko-KR" altLang="en-US" dirty="0">
-                <a:solidFill>
-                  <a:schemeClr val="bg1"/>
-                </a:solidFill>
-              </a:endParaRPr>
-            </a:p>
-          </p:txBody>
-        </p:sp>
-      </p:grpSp>
-      <p:grpSp>
-        <p:nvGrpSpPr>
-          <p:cNvPr id="32" name="그룹 31"/>
-          <p:cNvGrpSpPr/>
-          <p:nvPr/>
-        </p:nvGrpSpPr>
-        <p:grpSpPr>
-          <a:xfrm>
-            <a:off x="2233594" y="456966"/>
-            <a:ext cx="958121" cy="1212832"/>
-            <a:chOff x="6281907" y="3090487"/>
-            <a:chExt cx="958121" cy="1212832"/>
-          </a:xfrm>
-        </p:grpSpPr>
-        <p:sp>
-          <p:nvSpPr>
-            <p:cNvPr id="31" name="직사각형 30"/>
-            <p:cNvSpPr/>
-            <p:nvPr/>
-          </p:nvSpPr>
-          <p:spPr>
-            <a:xfrm rot="20840044">
-              <a:off x="6281907" y="3379989"/>
-              <a:ext cx="497251" cy="923330"/>
-            </a:xfrm>
-            <a:prstGeom prst="rect">
-              <a:avLst/>
-            </a:prstGeom>
-            <a:noFill/>
-          </p:spPr>
-          <p:txBody>
-            <a:bodyPr wrap="none" lIns="91440" tIns="45720" rIns="91440" bIns="45720">
-              <a:spAutoFit/>
-              <a:scene3d>
-                <a:camera prst="orthographicFront"/>
-                <a:lightRig rig="harsh" dir="t"/>
-              </a:scene3d>
-              <a:sp3d extrusionH="57150" prstMaterial="matte">
-                <a:bevelT w="63500" h="12700" prst="angle"/>
-                <a:contourClr>
-                  <a:schemeClr val="bg1">
-                    <a:lumMod val="65000"/>
-                  </a:schemeClr>
-                </a:contourClr>
-              </a:sp3d>
-            </a:bodyPr>
-            <a:lstStyle/>
-            <a:p>
-              <a:pPr algn="ctr"/>
-              <a:r>
-                <a:rPr lang="en-US" altLang="ko-KR" sz="5400" b="1" dirty="0" smtClean="0">
-                  <a:ln/>
-                  <a:solidFill>
-                    <a:schemeClr val="accent3"/>
-                  </a:solidFill>
-                </a:rPr>
-                <a:t>?</a:t>
-              </a:r>
-              <a:endParaRPr lang="en-US" altLang="ko-KR" sz="5400" b="1" dirty="0">
-                <a:ln/>
-                <a:solidFill>
-                  <a:srgbClr val="FF0000"/>
-                </a:solidFill>
-              </a:endParaRPr>
-            </a:p>
-          </p:txBody>
-        </p:sp>
-        <p:sp>
-          <p:nvSpPr>
-            <p:cNvPr id="36" name="직사각형 35"/>
-            <p:cNvSpPr/>
-            <p:nvPr/>
-          </p:nvSpPr>
-          <p:spPr>
-            <a:xfrm rot="2385248">
-              <a:off x="6742777" y="3371015"/>
-              <a:ext cx="497251" cy="923330"/>
-            </a:xfrm>
-            <a:prstGeom prst="rect">
-              <a:avLst/>
-            </a:prstGeom>
-            <a:noFill/>
-            <a:scene3d>
-              <a:camera prst="orthographicFront">
-                <a:rot lat="1200000" lon="1200000" rev="0"/>
-              </a:camera>
-              <a:lightRig rig="threePt" dir="t"/>
-            </a:scene3d>
-          </p:spPr>
-          <p:txBody>
-            <a:bodyPr wrap="none" lIns="91440" tIns="45720" rIns="91440" bIns="45720">
-              <a:spAutoFit/>
-              <a:scene3d>
-                <a:camera prst="orthographicFront"/>
-                <a:lightRig rig="harsh" dir="t"/>
-              </a:scene3d>
-              <a:sp3d extrusionH="57150" prstMaterial="matte">
-                <a:bevelT w="63500" h="12700" prst="angle"/>
-                <a:contourClr>
-                  <a:schemeClr val="bg1">
-                    <a:lumMod val="65000"/>
-                  </a:schemeClr>
-                </a:contourClr>
-              </a:sp3d>
-            </a:bodyPr>
-            <a:lstStyle/>
-            <a:p>
-              <a:pPr algn="ctr"/>
-              <a:r>
-                <a:rPr lang="en-US" altLang="ko-KR" sz="5400" b="1" dirty="0" smtClean="0">
-                  <a:ln/>
-                  <a:solidFill>
-                    <a:srgbClr val="FFFF00"/>
-                  </a:solidFill>
-                </a:rPr>
-                <a:t>?</a:t>
-              </a:r>
-              <a:endParaRPr lang="en-US" altLang="ko-KR" sz="5400" b="1" dirty="0">
-                <a:ln/>
-                <a:solidFill>
-                  <a:srgbClr val="FF0000"/>
-                </a:solidFill>
-              </a:endParaRPr>
-            </a:p>
-          </p:txBody>
-        </p:sp>
-        <p:sp>
-          <p:nvSpPr>
-            <p:cNvPr id="37" name="직사각형 36"/>
-            <p:cNvSpPr/>
-            <p:nvPr/>
-          </p:nvSpPr>
-          <p:spPr>
-            <a:xfrm rot="20297045">
-              <a:off x="6476573" y="3090487"/>
-              <a:ext cx="497251" cy="923330"/>
-            </a:xfrm>
-            <a:prstGeom prst="rect">
-              <a:avLst/>
-            </a:prstGeom>
-            <a:noFill/>
-          </p:spPr>
-          <p:txBody>
-            <a:bodyPr wrap="none" lIns="91440" tIns="45720" rIns="91440" bIns="45720">
-              <a:spAutoFit/>
-              <a:scene3d>
-                <a:camera prst="orthographicFront"/>
-                <a:lightRig rig="harsh" dir="t"/>
-              </a:scene3d>
-              <a:sp3d extrusionH="57150" prstMaterial="matte">
-                <a:bevelT w="63500" h="12700" prst="angle"/>
-                <a:contourClr>
-                  <a:schemeClr val="bg1">
-                    <a:lumMod val="65000"/>
-                  </a:schemeClr>
-                </a:contourClr>
-              </a:sp3d>
-            </a:bodyPr>
-            <a:lstStyle/>
-            <a:p>
-              <a:pPr algn="ctr"/>
-              <a:r>
-                <a:rPr lang="en-US" altLang="ko-KR" sz="5400" b="1" dirty="0" smtClean="0">
-                  <a:ln/>
-                  <a:solidFill>
-                    <a:srgbClr val="FF0000"/>
-                  </a:solidFill>
-                </a:rPr>
-                <a:t>?</a:t>
-              </a:r>
-              <a:endParaRPr lang="en-US" altLang="ko-KR" sz="5400" b="1" dirty="0">
-                <a:ln/>
-                <a:solidFill>
-                  <a:srgbClr val="FF0000"/>
-                </a:solidFill>
-              </a:endParaRPr>
-            </a:p>
-          </p:txBody>
-        </p:sp>
-      </p:grpSp>
-      <p:pic>
-        <p:nvPicPr>
-          <p:cNvPr id="34" name="그림 33"/>
-          <p:cNvPicPr>
-            <a:picLocks noChangeAspect="1"/>
-          </p:cNvPicPr>
-          <p:nvPr/>
-        </p:nvPicPr>
-        <p:blipFill>
-          <a:blip r:embed="rId2">
-            <a:extLst>
-              <a:ext uri="{BEBA8EAE-BF5A-486C-A8C5-ECC9F3942E4B}">
-                <a14:imgProps xmlns:a14="http://schemas.microsoft.com/office/drawing/2010/main">
-                  <a14:imgLayer r:embed="rId3">
-                    <a14:imgEffect>
-                      <a14:backgroundRemoval t="10000" b="90000" l="10000" r="90000">
-                        <a14:foregroundMark x1="26979" y1="68148" x2="26979" y2="68148"/>
-                        <a14:foregroundMark x1="23646" y1="53519" x2="23646" y2="53519"/>
-                        <a14:foregroundMark x1="33229" y1="41111" x2="33229" y2="41111"/>
-                        <a14:foregroundMark x1="48125" y1="38519" x2="48125" y2="38519"/>
-                        <a14:foregroundMark x1="62813" y1="41296" x2="62813" y2="41296"/>
-                        <a14:foregroundMark x1="70313" y1="52593" x2="70313" y2="52593"/>
-                        <a14:foregroundMark x1="64479" y1="69444" x2="64479" y2="69444"/>
-                      </a14:backgroundRemoval>
-                    </a14:imgEffect>
-                  </a14:imgLayer>
-                </a14:imgProps>
-              </a:ext>
-            </a:extLst>
-          </a:blip>
-          <a:stretch>
-            <a:fillRect/>
-          </a:stretch>
-        </p:blipFill>
-        <p:spPr>
-          <a:xfrm>
-            <a:off x="-469443" y="804079"/>
-            <a:ext cx="3696471" cy="2079265"/>
-          </a:xfrm>
-          <a:prstGeom prst="rect">
-            <a:avLst/>
-          </a:prstGeom>
-        </p:spPr>
-      </p:pic>
-      <p:sp>
-        <p:nvSpPr>
-          <p:cNvPr id="49" name="타원 48"/>
-          <p:cNvSpPr/>
-          <p:nvPr/>
-        </p:nvSpPr>
-        <p:spPr>
-          <a:xfrm>
-            <a:off x="7545382" y="1667944"/>
-            <a:ext cx="1577972" cy="1471352"/>
-          </a:xfrm>
-          <a:prstGeom prst="ellipse">
-            <a:avLst/>
-          </a:prstGeom>
-          <a:solidFill>
-            <a:srgbClr val="FFC000"/>
-          </a:solidFill>
-          <a:ln>
-            <a:noFill/>
-          </a:ln>
-        </p:spPr>
-        <p:style>
-          <a:lnRef idx="2">
-            <a:schemeClr val="accent1">
-              <a:shade val="50000"/>
-            </a:schemeClr>
-          </a:lnRef>
-          <a:fillRef idx="1">
-            <a:schemeClr val="accent1"/>
-          </a:fillRef>
-          <a:effectRef idx="0">
-            <a:schemeClr val="accent1"/>
-          </a:effectRef>
-          <a:fontRef idx="minor">
-            <a:schemeClr val="lt1"/>
-          </a:fontRef>
-        </p:style>
-        <p:txBody>
-          <a:bodyPr rtlCol="0" anchor="ctr"/>
-          <a:lstStyle/>
-          <a:p>
-            <a:pPr algn="ctr"/>
-            <a:r>
-              <a:rPr lang="ko-KR" altLang="en-US" dirty="0">
-                <a:solidFill>
-                  <a:schemeClr val="tx1"/>
-                </a:solidFill>
-              </a:rPr>
-              <a:t>적</a:t>
-            </a:r>
-          </a:p>
-        </p:txBody>
-      </p:sp>
-      <p:sp>
-        <p:nvSpPr>
-          <p:cNvPr id="50" name="타원 49"/>
-          <p:cNvSpPr/>
-          <p:nvPr/>
-        </p:nvSpPr>
-        <p:spPr>
-          <a:xfrm>
-            <a:off x="7976108" y="2866290"/>
-            <a:ext cx="1577972" cy="1471352"/>
-          </a:xfrm>
-          <a:prstGeom prst="ellipse">
-            <a:avLst/>
-          </a:prstGeom>
-          <a:solidFill>
-            <a:srgbClr val="FF0000"/>
-          </a:solidFill>
-          <a:ln>
-            <a:noFill/>
-          </a:ln>
-        </p:spPr>
-        <p:style>
-          <a:lnRef idx="2">
-            <a:schemeClr val="accent1">
-              <a:shade val="50000"/>
-            </a:schemeClr>
-          </a:lnRef>
-          <a:fillRef idx="1">
-            <a:schemeClr val="accent1"/>
-          </a:fillRef>
-          <a:effectRef idx="0">
-            <a:schemeClr val="accent1"/>
-          </a:effectRef>
-          <a:fontRef idx="minor">
-            <a:schemeClr val="lt1"/>
-          </a:fontRef>
-        </p:style>
-        <p:txBody>
-          <a:bodyPr rtlCol="0" anchor="ctr"/>
-          <a:lstStyle/>
-          <a:p>
-            <a:pPr algn="ctr"/>
-            <a:r>
-              <a:rPr lang="ko-KR" altLang="en-US" dirty="0">
-                <a:solidFill>
-                  <a:schemeClr val="tx1"/>
-                </a:solidFill>
-              </a:rPr>
-              <a:t>적</a:t>
-            </a:r>
-          </a:p>
-        </p:txBody>
-      </p:sp>
-      <p:sp>
-        <p:nvSpPr>
-          <p:cNvPr id="51" name="타원 50"/>
-          <p:cNvSpPr/>
-          <p:nvPr/>
-        </p:nvSpPr>
-        <p:spPr>
-          <a:xfrm>
-            <a:off x="8376698" y="4370338"/>
-            <a:ext cx="1577972" cy="1471352"/>
-          </a:xfrm>
-          <a:prstGeom prst="ellipse">
-            <a:avLst/>
-          </a:prstGeom>
-          <a:solidFill>
-            <a:srgbClr val="C00000"/>
-          </a:solidFill>
-          <a:ln>
-            <a:noFill/>
-          </a:ln>
-        </p:spPr>
-        <p:style>
-          <a:lnRef idx="2">
-            <a:schemeClr val="accent1">
-              <a:shade val="50000"/>
-            </a:schemeClr>
-          </a:lnRef>
-          <a:fillRef idx="1">
-            <a:schemeClr val="accent1"/>
-          </a:fillRef>
-          <a:effectRef idx="0">
-            <a:schemeClr val="accent1"/>
-          </a:effectRef>
-          <a:fontRef idx="minor">
-            <a:schemeClr val="lt1"/>
-          </a:fontRef>
-        </p:style>
-        <p:txBody>
-          <a:bodyPr rtlCol="0" anchor="ctr"/>
-          <a:lstStyle/>
-          <a:p>
-            <a:pPr algn="ctr"/>
-            <a:r>
-              <a:rPr lang="ko-KR" altLang="en-US" dirty="0">
-                <a:solidFill>
-                  <a:schemeClr val="tx1"/>
-                </a:solidFill>
-              </a:rPr>
-              <a:t>적</a:t>
-            </a:r>
-          </a:p>
-        </p:txBody>
-      </p:sp>
-      <p:sp>
-        <p:nvSpPr>
-          <p:cNvPr id="43" name="타원 42"/>
-          <p:cNvSpPr/>
-          <p:nvPr/>
-        </p:nvSpPr>
-        <p:spPr>
-          <a:xfrm>
-            <a:off x="2490025" y="1593323"/>
-            <a:ext cx="1348641" cy="1348641"/>
-          </a:xfrm>
-          <a:prstGeom prst="ellipse">
-            <a:avLst/>
-          </a:prstGeom>
-          <a:solidFill>
-            <a:srgbClr val="FFFF00"/>
-          </a:solidFill>
-        </p:spPr>
-        <p:style>
-          <a:lnRef idx="0">
-            <a:schemeClr val="accent4"/>
-          </a:lnRef>
-          <a:fillRef idx="3">
-            <a:schemeClr val="accent4"/>
-          </a:fillRef>
-          <a:effectRef idx="3">
-            <a:schemeClr val="accent4"/>
-          </a:effectRef>
-          <a:fontRef idx="minor">
-            <a:schemeClr val="lt1"/>
-          </a:fontRef>
-        </p:style>
-        <p:txBody>
-          <a:bodyPr rtlCol="0" anchor="ctr"/>
-          <a:lstStyle/>
-          <a:p>
-            <a:pPr algn="ctr"/>
-            <a:r>
-              <a:rPr lang="ko-KR" altLang="en-US" smtClean="0">
-                <a:solidFill>
-                  <a:schemeClr val="tx1"/>
-                </a:solidFill>
-              </a:rPr>
-              <a:t>빗변</a:t>
-            </a:r>
-            <a:endParaRPr lang="ko-KR" altLang="en-US">
-              <a:solidFill>
-                <a:schemeClr val="tx1"/>
-              </a:solidFill>
-            </a:endParaRPr>
-          </a:p>
-        </p:txBody>
-      </p:sp>
-      <p:sp>
-        <p:nvSpPr>
-          <p:cNvPr id="54" name="타원 53"/>
-          <p:cNvSpPr/>
-          <p:nvPr/>
-        </p:nvSpPr>
-        <p:spPr>
-          <a:xfrm>
-            <a:off x="3388419" y="4220327"/>
-            <a:ext cx="1348641" cy="1348641"/>
-          </a:xfrm>
-          <a:prstGeom prst="ellipse">
-            <a:avLst/>
-          </a:prstGeom>
-          <a:solidFill>
-            <a:srgbClr val="FFFF00"/>
-          </a:solidFill>
-        </p:spPr>
-        <p:style>
-          <a:lnRef idx="0">
-            <a:schemeClr val="accent4"/>
-          </a:lnRef>
-          <a:fillRef idx="3">
-            <a:schemeClr val="accent4"/>
-          </a:fillRef>
-          <a:effectRef idx="3">
-            <a:schemeClr val="accent4"/>
-          </a:effectRef>
-          <a:fontRef idx="minor">
-            <a:schemeClr val="lt1"/>
-          </a:fontRef>
-        </p:style>
-        <p:txBody>
-          <a:bodyPr rtlCol="0" anchor="ctr"/>
-          <a:lstStyle/>
-          <a:p>
-            <a:pPr algn="ctr"/>
-            <a:r>
-              <a:rPr lang="ko-KR" altLang="en-US" smtClean="0">
-                <a:solidFill>
-                  <a:schemeClr val="tx1"/>
-                </a:solidFill>
-              </a:rPr>
-              <a:t>밑변</a:t>
-            </a:r>
-            <a:endParaRPr lang="ko-KR" altLang="en-US">
-              <a:solidFill>
-                <a:schemeClr val="tx1"/>
-              </a:solidFill>
-            </a:endParaRPr>
-          </a:p>
-        </p:txBody>
-      </p:sp>
-      <p:sp>
-        <p:nvSpPr>
-          <p:cNvPr id="55" name="타원 54"/>
-          <p:cNvSpPr/>
-          <p:nvPr/>
-        </p:nvSpPr>
-        <p:spPr>
-          <a:xfrm>
-            <a:off x="5359649" y="2350117"/>
-            <a:ext cx="1348641" cy="1348641"/>
-          </a:xfrm>
-          <a:prstGeom prst="ellipse">
-            <a:avLst/>
-          </a:prstGeom>
-          <a:solidFill>
-            <a:srgbClr val="FFFF00"/>
-          </a:solidFill>
-        </p:spPr>
-        <p:style>
-          <a:lnRef idx="0">
-            <a:schemeClr val="accent4"/>
-          </a:lnRef>
-          <a:fillRef idx="3">
-            <a:schemeClr val="accent4"/>
-          </a:fillRef>
-          <a:effectRef idx="3">
-            <a:schemeClr val="accent4"/>
-          </a:effectRef>
-          <a:fontRef idx="minor">
-            <a:schemeClr val="lt1"/>
-          </a:fontRef>
-        </p:style>
-        <p:txBody>
-          <a:bodyPr rtlCol="0" anchor="ctr"/>
-          <a:lstStyle/>
-          <a:p>
-            <a:pPr algn="ctr"/>
-            <a:r>
-              <a:rPr lang="ko-KR" altLang="en-US" dirty="0" smtClean="0">
-                <a:solidFill>
-                  <a:schemeClr val="tx1"/>
-                </a:solidFill>
-              </a:rPr>
-              <a:t>높이</a:t>
-            </a:r>
-            <a:endParaRPr lang="ko-KR" altLang="en-US" dirty="0">
-              <a:solidFill>
-                <a:schemeClr val="tx1"/>
-              </a:solidFill>
-            </a:endParaRPr>
-          </a:p>
-        </p:txBody>
-      </p:sp>
-    </p:spTree>
-    <p:extLst>
-      <p:ext uri="{BB962C8B-B14F-4D97-AF65-F5344CB8AC3E}">
-        <p14:creationId xmlns:p14="http://schemas.microsoft.com/office/powerpoint/2010/main" val="3228824922"/>
-      </p:ext>
-    </p:extLst>
-  </p:cSld>
-  <p:clrMapOvr>
-    <a:masterClrMapping/>
-  </p:clrMapOvr>
-  <p:timing>
-    <p:tnLst>
-      <p:par>
-        <p:cTn id="1" dur="indefinite" restart="never" nodeType="tmRoot"/>
-      </p:par>
-    </p:tnLst>
-  </p:timing>
-</p:sld>
-</file>
-
-<file path=ppt/slides/slide6.xml><?xml version="1.0" encoding="utf-8"?>
 <p:sld xmlns:a="http://schemas.openxmlformats.org/drawingml/2006/main" xmlns:r="http://schemas.openxmlformats.org/officeDocument/2006/relationships" xmlns:p="http://schemas.openxmlformats.org/presentationml/2006/main">
   <p:cSld>
     <p:spTree>
@@ -6393,6 +4994,734 @@
           </a:p>
         </p:txBody>
       </p:sp>
+      <p:sp>
+        <p:nvSpPr>
+          <p:cNvPr id="18" name="타원 17"/>
+          <p:cNvSpPr/>
+          <p:nvPr/>
+        </p:nvSpPr>
+        <p:spPr>
+          <a:xfrm>
+            <a:off x="8009000" y="121971"/>
+            <a:ext cx="1577972" cy="1471352"/>
+          </a:xfrm>
+          <a:prstGeom prst="ellipse">
+            <a:avLst/>
+          </a:prstGeom>
+          <a:solidFill>
+            <a:srgbClr val="FFFF00"/>
+          </a:solidFill>
+          <a:ln>
+            <a:noFill/>
+          </a:ln>
+        </p:spPr>
+        <p:style>
+          <a:lnRef idx="2">
+            <a:schemeClr val="accent1">
+              <a:shade val="50000"/>
+            </a:schemeClr>
+          </a:lnRef>
+          <a:fillRef idx="1">
+            <a:schemeClr val="accent1"/>
+          </a:fillRef>
+          <a:effectRef idx="0">
+            <a:schemeClr val="accent1"/>
+          </a:effectRef>
+          <a:fontRef idx="minor">
+            <a:schemeClr val="lt1"/>
+          </a:fontRef>
+        </p:style>
+        <p:txBody>
+          <a:bodyPr rtlCol="0" anchor="ctr"/>
+          <a:lstStyle/>
+          <a:p>
+            <a:pPr algn="ctr"/>
+            <a:r>
+              <a:rPr lang="ko-KR" altLang="en-US" dirty="0">
+                <a:solidFill>
+                  <a:schemeClr val="tx1"/>
+                </a:solidFill>
+              </a:rPr>
+              <a:t>적</a:t>
+            </a:r>
+          </a:p>
+        </p:txBody>
+      </p:sp>
+      <p:sp>
+        <p:nvSpPr>
+          <p:cNvPr id="19" name="타원 18"/>
+          <p:cNvSpPr/>
+          <p:nvPr/>
+        </p:nvSpPr>
+        <p:spPr>
+          <a:xfrm>
+            <a:off x="7545382" y="1667944"/>
+            <a:ext cx="1577972" cy="1471352"/>
+          </a:xfrm>
+          <a:prstGeom prst="ellipse">
+            <a:avLst/>
+          </a:prstGeom>
+          <a:solidFill>
+            <a:srgbClr val="FFC000"/>
+          </a:solidFill>
+          <a:ln>
+            <a:noFill/>
+          </a:ln>
+        </p:spPr>
+        <p:style>
+          <a:lnRef idx="2">
+            <a:schemeClr val="accent1">
+              <a:shade val="50000"/>
+            </a:schemeClr>
+          </a:lnRef>
+          <a:fillRef idx="1">
+            <a:schemeClr val="accent1"/>
+          </a:fillRef>
+          <a:effectRef idx="0">
+            <a:schemeClr val="accent1"/>
+          </a:effectRef>
+          <a:fontRef idx="minor">
+            <a:schemeClr val="lt1"/>
+          </a:fontRef>
+        </p:style>
+        <p:txBody>
+          <a:bodyPr rtlCol="0" anchor="ctr"/>
+          <a:lstStyle/>
+          <a:p>
+            <a:pPr algn="ctr"/>
+            <a:r>
+              <a:rPr lang="ko-KR" altLang="en-US" dirty="0">
+                <a:solidFill>
+                  <a:schemeClr val="tx1"/>
+                </a:solidFill>
+              </a:rPr>
+              <a:t>적</a:t>
+            </a:r>
+          </a:p>
+        </p:txBody>
+      </p:sp>
+      <p:sp>
+        <p:nvSpPr>
+          <p:cNvPr id="20" name="타원 19"/>
+          <p:cNvSpPr/>
+          <p:nvPr/>
+        </p:nvSpPr>
+        <p:spPr>
+          <a:xfrm>
+            <a:off x="8376698" y="4370338"/>
+            <a:ext cx="1577972" cy="1471352"/>
+          </a:xfrm>
+          <a:prstGeom prst="ellipse">
+            <a:avLst/>
+          </a:prstGeom>
+          <a:solidFill>
+            <a:srgbClr val="C00000"/>
+          </a:solidFill>
+          <a:ln>
+            <a:noFill/>
+          </a:ln>
+        </p:spPr>
+        <p:style>
+          <a:lnRef idx="2">
+            <a:schemeClr val="accent1">
+              <a:shade val="50000"/>
+            </a:schemeClr>
+          </a:lnRef>
+          <a:fillRef idx="1">
+            <a:schemeClr val="accent1"/>
+          </a:fillRef>
+          <a:effectRef idx="0">
+            <a:schemeClr val="accent1"/>
+          </a:effectRef>
+          <a:fontRef idx="minor">
+            <a:schemeClr val="lt1"/>
+          </a:fontRef>
+        </p:style>
+        <p:txBody>
+          <a:bodyPr rtlCol="0" anchor="ctr"/>
+          <a:lstStyle/>
+          <a:p>
+            <a:pPr algn="ctr"/>
+            <a:r>
+              <a:rPr lang="ko-KR" altLang="en-US" dirty="0">
+                <a:solidFill>
+                  <a:schemeClr val="tx1"/>
+                </a:solidFill>
+              </a:rPr>
+              <a:t>적</a:t>
+            </a:r>
+          </a:p>
+        </p:txBody>
+      </p:sp>
+      <p:sp>
+        <p:nvSpPr>
+          <p:cNvPr id="21" name="폭발 2 20"/>
+          <p:cNvSpPr/>
+          <p:nvPr/>
+        </p:nvSpPr>
+        <p:spPr>
+          <a:xfrm>
+            <a:off x="146551" y="3841654"/>
+            <a:ext cx="2793077" cy="3093635"/>
+          </a:xfrm>
+          <a:prstGeom prst="irregularSeal2">
+            <a:avLst/>
+          </a:prstGeom>
+          <a:solidFill>
+            <a:srgbClr val="56D1F8">
+              <a:alpha val="85000"/>
+            </a:srgbClr>
+          </a:solidFill>
+          <a:ln>
+            <a:noFill/>
+          </a:ln>
+        </p:spPr>
+        <p:style>
+          <a:lnRef idx="2">
+            <a:schemeClr val="accent1">
+              <a:shade val="50000"/>
+            </a:schemeClr>
+          </a:lnRef>
+          <a:fillRef idx="1">
+            <a:schemeClr val="accent1"/>
+          </a:fillRef>
+          <a:effectRef idx="0">
+            <a:schemeClr val="accent1"/>
+          </a:effectRef>
+          <a:fontRef idx="minor">
+            <a:schemeClr val="lt1"/>
+          </a:fontRef>
+        </p:style>
+        <p:txBody>
+          <a:bodyPr rtlCol="0" anchor="ctr"/>
+          <a:lstStyle/>
+          <a:p>
+            <a:pPr algn="ctr"/>
+            <a:endParaRPr lang="ko-KR" altLang="en-US"/>
+          </a:p>
+        </p:txBody>
+      </p:sp>
+      <p:sp>
+        <p:nvSpPr>
+          <p:cNvPr id="22" name="타원 21"/>
+          <p:cNvSpPr/>
+          <p:nvPr/>
+        </p:nvSpPr>
+        <p:spPr>
+          <a:xfrm>
+            <a:off x="-399685" y="655588"/>
+            <a:ext cx="6162461" cy="6162461"/>
+          </a:xfrm>
+          <a:prstGeom prst="ellipse">
+            <a:avLst/>
+          </a:prstGeom>
+          <a:noFill/>
+          <a:ln w="38100">
+            <a:solidFill>
+              <a:schemeClr val="tx2">
+                <a:lumMod val="40000"/>
+                <a:lumOff val="60000"/>
+              </a:schemeClr>
+            </a:solidFill>
+          </a:ln>
+        </p:spPr>
+        <p:style>
+          <a:lnRef idx="2">
+            <a:schemeClr val="accent1">
+              <a:shade val="50000"/>
+            </a:schemeClr>
+          </a:lnRef>
+          <a:fillRef idx="1">
+            <a:schemeClr val="accent1"/>
+          </a:fillRef>
+          <a:effectRef idx="0">
+            <a:schemeClr val="accent1"/>
+          </a:effectRef>
+          <a:fontRef idx="minor">
+            <a:schemeClr val="lt1"/>
+          </a:fontRef>
+        </p:style>
+        <p:txBody>
+          <a:bodyPr rtlCol="0" anchor="ctr"/>
+          <a:lstStyle/>
+          <a:p>
+            <a:pPr algn="ctr"/>
+            <a:endParaRPr lang="ko-KR" altLang="en-US"/>
+          </a:p>
+        </p:txBody>
+      </p:sp>
+      <p:grpSp>
+        <p:nvGrpSpPr>
+          <p:cNvPr id="23" name="그룹 22"/>
+          <p:cNvGrpSpPr/>
+          <p:nvPr/>
+        </p:nvGrpSpPr>
+        <p:grpSpPr>
+          <a:xfrm>
+            <a:off x="2233594" y="456966"/>
+            <a:ext cx="958121" cy="1212832"/>
+            <a:chOff x="6281907" y="3090487"/>
+            <a:chExt cx="958121" cy="1212832"/>
+          </a:xfrm>
+        </p:grpSpPr>
+        <p:sp>
+          <p:nvSpPr>
+            <p:cNvPr id="24" name="직사각형 23"/>
+            <p:cNvSpPr/>
+            <p:nvPr/>
+          </p:nvSpPr>
+          <p:spPr>
+            <a:xfrm rot="20840044">
+              <a:off x="6281907" y="3379989"/>
+              <a:ext cx="497251" cy="923330"/>
+            </a:xfrm>
+            <a:prstGeom prst="rect">
+              <a:avLst/>
+            </a:prstGeom>
+            <a:noFill/>
+          </p:spPr>
+          <p:txBody>
+            <a:bodyPr wrap="none" lIns="91440" tIns="45720" rIns="91440" bIns="45720">
+              <a:spAutoFit/>
+              <a:scene3d>
+                <a:camera prst="orthographicFront"/>
+                <a:lightRig rig="harsh" dir="t"/>
+              </a:scene3d>
+              <a:sp3d extrusionH="57150" prstMaterial="matte">
+                <a:bevelT w="63500" h="12700" prst="angle"/>
+                <a:contourClr>
+                  <a:schemeClr val="bg1">
+                    <a:lumMod val="65000"/>
+                  </a:schemeClr>
+                </a:contourClr>
+              </a:sp3d>
+            </a:bodyPr>
+            <a:lstStyle/>
+            <a:p>
+              <a:pPr algn="ctr"/>
+              <a:r>
+                <a:rPr lang="en-US" altLang="ko-KR" sz="5400" b="1" dirty="0" smtClean="0">
+                  <a:ln/>
+                  <a:solidFill>
+                    <a:schemeClr val="accent3"/>
+                  </a:solidFill>
+                </a:rPr>
+                <a:t>?</a:t>
+              </a:r>
+              <a:endParaRPr lang="en-US" altLang="ko-KR" sz="5400" b="1" dirty="0">
+                <a:ln/>
+                <a:solidFill>
+                  <a:srgbClr val="FF0000"/>
+                </a:solidFill>
+              </a:endParaRPr>
+            </a:p>
+          </p:txBody>
+        </p:sp>
+        <p:sp>
+          <p:nvSpPr>
+            <p:cNvPr id="25" name="직사각형 24"/>
+            <p:cNvSpPr/>
+            <p:nvPr/>
+          </p:nvSpPr>
+          <p:spPr>
+            <a:xfrm rot="2385248">
+              <a:off x="6742777" y="3371015"/>
+              <a:ext cx="497251" cy="923330"/>
+            </a:xfrm>
+            <a:prstGeom prst="rect">
+              <a:avLst/>
+            </a:prstGeom>
+            <a:noFill/>
+            <a:scene3d>
+              <a:camera prst="orthographicFront">
+                <a:rot lat="1200000" lon="1200000" rev="0"/>
+              </a:camera>
+              <a:lightRig rig="threePt" dir="t"/>
+            </a:scene3d>
+          </p:spPr>
+          <p:txBody>
+            <a:bodyPr wrap="none" lIns="91440" tIns="45720" rIns="91440" bIns="45720">
+              <a:spAutoFit/>
+              <a:scene3d>
+                <a:camera prst="orthographicFront"/>
+                <a:lightRig rig="harsh" dir="t"/>
+              </a:scene3d>
+              <a:sp3d extrusionH="57150" prstMaterial="matte">
+                <a:bevelT w="63500" h="12700" prst="angle"/>
+                <a:contourClr>
+                  <a:schemeClr val="bg1">
+                    <a:lumMod val="65000"/>
+                  </a:schemeClr>
+                </a:contourClr>
+              </a:sp3d>
+            </a:bodyPr>
+            <a:lstStyle/>
+            <a:p>
+              <a:pPr algn="ctr"/>
+              <a:r>
+                <a:rPr lang="en-US" altLang="ko-KR" sz="5400" b="1" dirty="0" smtClean="0">
+                  <a:ln/>
+                  <a:solidFill>
+                    <a:srgbClr val="FFFF00"/>
+                  </a:solidFill>
+                </a:rPr>
+                <a:t>?</a:t>
+              </a:r>
+              <a:endParaRPr lang="en-US" altLang="ko-KR" sz="5400" b="1" dirty="0">
+                <a:ln/>
+                <a:solidFill>
+                  <a:srgbClr val="FF0000"/>
+                </a:solidFill>
+              </a:endParaRPr>
+            </a:p>
+          </p:txBody>
+        </p:sp>
+        <p:sp>
+          <p:nvSpPr>
+            <p:cNvPr id="26" name="직사각형 25"/>
+            <p:cNvSpPr/>
+            <p:nvPr/>
+          </p:nvSpPr>
+          <p:spPr>
+            <a:xfrm rot="20297045">
+              <a:off x="6476573" y="3090487"/>
+              <a:ext cx="497251" cy="923330"/>
+            </a:xfrm>
+            <a:prstGeom prst="rect">
+              <a:avLst/>
+            </a:prstGeom>
+            <a:noFill/>
+          </p:spPr>
+          <p:txBody>
+            <a:bodyPr wrap="none" lIns="91440" tIns="45720" rIns="91440" bIns="45720">
+              <a:spAutoFit/>
+              <a:scene3d>
+                <a:camera prst="orthographicFront"/>
+                <a:lightRig rig="harsh" dir="t"/>
+              </a:scene3d>
+              <a:sp3d extrusionH="57150" prstMaterial="matte">
+                <a:bevelT w="63500" h="12700" prst="angle"/>
+                <a:contourClr>
+                  <a:schemeClr val="bg1">
+                    <a:lumMod val="65000"/>
+                  </a:schemeClr>
+                </a:contourClr>
+              </a:sp3d>
+            </a:bodyPr>
+            <a:lstStyle/>
+            <a:p>
+              <a:pPr algn="ctr"/>
+              <a:r>
+                <a:rPr lang="en-US" altLang="ko-KR" sz="5400" b="1" dirty="0" smtClean="0">
+                  <a:ln/>
+                  <a:solidFill>
+                    <a:srgbClr val="FF0000"/>
+                  </a:solidFill>
+                </a:rPr>
+                <a:t>?</a:t>
+              </a:r>
+              <a:endParaRPr lang="en-US" altLang="ko-KR" sz="5400" b="1" dirty="0">
+                <a:ln/>
+                <a:solidFill>
+                  <a:srgbClr val="FF0000"/>
+                </a:solidFill>
+              </a:endParaRPr>
+            </a:p>
+          </p:txBody>
+        </p:sp>
+      </p:grpSp>
+      <p:pic>
+        <p:nvPicPr>
+          <p:cNvPr id="27" name="그림 26"/>
+          <p:cNvPicPr>
+            <a:picLocks noChangeAspect="1"/>
+          </p:cNvPicPr>
+          <p:nvPr/>
+        </p:nvPicPr>
+        <p:blipFill>
+          <a:blip r:embed="rId3">
+            <a:extLst>
+              <a:ext uri="{BEBA8EAE-BF5A-486C-A8C5-ECC9F3942E4B}">
+                <a14:imgProps xmlns:a14="http://schemas.microsoft.com/office/drawing/2010/main">
+                  <a14:imgLayer r:embed="rId4">
+                    <a14:imgEffect>
+                      <a14:backgroundRemoval t="10000" b="90000" l="10000" r="90000">
+                        <a14:foregroundMark x1="26979" y1="68148" x2="26979" y2="68148"/>
+                        <a14:foregroundMark x1="23646" y1="53519" x2="23646" y2="53519"/>
+                        <a14:foregroundMark x1="33229" y1="41111" x2="33229" y2="41111"/>
+                        <a14:foregroundMark x1="48125" y1="38519" x2="48125" y2="38519"/>
+                        <a14:foregroundMark x1="62813" y1="41296" x2="62813" y2="41296"/>
+                        <a14:foregroundMark x1="70313" y1="52593" x2="70313" y2="52593"/>
+                        <a14:foregroundMark x1="64479" y1="69444" x2="64479" y2="69444"/>
+                      </a14:backgroundRemoval>
+                    </a14:imgEffect>
+                  </a14:imgLayer>
+                </a14:imgProps>
+              </a:ext>
+            </a:extLst>
+          </a:blip>
+          <a:stretch>
+            <a:fillRect/>
+          </a:stretch>
+        </p:blipFill>
+        <p:spPr>
+          <a:xfrm>
+            <a:off x="-469443" y="804079"/>
+            <a:ext cx="3696471" cy="2079265"/>
+          </a:xfrm>
+          <a:prstGeom prst="rect">
+            <a:avLst/>
+          </a:prstGeom>
+        </p:spPr>
+      </p:pic>
+      <p:sp>
+        <p:nvSpPr>
+          <p:cNvPr id="35" name="타원 34"/>
+          <p:cNvSpPr/>
+          <p:nvPr/>
+        </p:nvSpPr>
+        <p:spPr>
+          <a:xfrm>
+            <a:off x="11216630" y="1316842"/>
+            <a:ext cx="764422" cy="712772"/>
+          </a:xfrm>
+          <a:prstGeom prst="ellipse">
+            <a:avLst/>
+          </a:prstGeom>
+          <a:solidFill>
+            <a:schemeClr val="tx1"/>
+          </a:solidFill>
+          <a:ln>
+            <a:noFill/>
+          </a:ln>
+        </p:spPr>
+        <p:style>
+          <a:lnRef idx="2">
+            <a:schemeClr val="accent1">
+              <a:shade val="50000"/>
+            </a:schemeClr>
+          </a:lnRef>
+          <a:fillRef idx="1">
+            <a:schemeClr val="accent1"/>
+          </a:fillRef>
+          <a:effectRef idx="0">
+            <a:schemeClr val="accent1"/>
+          </a:effectRef>
+          <a:fontRef idx="minor">
+            <a:schemeClr val="lt1"/>
+          </a:fontRef>
+        </p:style>
+        <p:txBody>
+          <a:bodyPr rtlCol="0" anchor="ctr"/>
+          <a:lstStyle/>
+          <a:p>
+            <a:pPr algn="ctr"/>
+            <a:r>
+              <a:rPr lang="en-US" altLang="ko-KR" dirty="0" smtClean="0"/>
+              <a:t>cos</a:t>
+            </a:r>
+            <a:endParaRPr lang="ko-KR" altLang="en-US" dirty="0"/>
+          </a:p>
+        </p:txBody>
+      </p:sp>
+      <p:grpSp>
+        <p:nvGrpSpPr>
+          <p:cNvPr id="36" name="그룹 35"/>
+          <p:cNvGrpSpPr/>
+          <p:nvPr/>
+        </p:nvGrpSpPr>
+        <p:grpSpPr>
+          <a:xfrm>
+            <a:off x="11333162" y="2364245"/>
+            <a:ext cx="764422" cy="712772"/>
+            <a:chOff x="9042803" y="4156364"/>
+            <a:chExt cx="764422" cy="712772"/>
+          </a:xfrm>
+        </p:grpSpPr>
+        <p:sp>
+          <p:nvSpPr>
+            <p:cNvPr id="37" name="타원 36"/>
+            <p:cNvSpPr/>
+            <p:nvPr/>
+          </p:nvSpPr>
+          <p:spPr>
+            <a:xfrm>
+              <a:off x="9042803" y="4156364"/>
+              <a:ext cx="764422" cy="712772"/>
+            </a:xfrm>
+            <a:prstGeom prst="ellipse">
+              <a:avLst/>
+            </a:prstGeom>
+            <a:solidFill>
+              <a:schemeClr val="tx1"/>
+            </a:solidFill>
+            <a:ln>
+              <a:noFill/>
+            </a:ln>
+          </p:spPr>
+          <p:style>
+            <a:lnRef idx="2">
+              <a:schemeClr val="accent1">
+                <a:shade val="50000"/>
+              </a:schemeClr>
+            </a:lnRef>
+            <a:fillRef idx="1">
+              <a:schemeClr val="accent1"/>
+            </a:fillRef>
+            <a:effectRef idx="0">
+              <a:schemeClr val="accent1"/>
+            </a:effectRef>
+            <a:fontRef idx="minor">
+              <a:schemeClr val="lt1"/>
+            </a:fontRef>
+          </p:style>
+          <p:txBody>
+            <a:bodyPr rtlCol="0" anchor="ctr"/>
+            <a:lstStyle/>
+            <a:p>
+              <a:pPr algn="ctr"/>
+              <a:endParaRPr lang="ko-KR" altLang="en-US" dirty="0"/>
+            </a:p>
+          </p:txBody>
+        </p:sp>
+        <p:sp>
+          <p:nvSpPr>
+            <p:cNvPr id="38" name="TextBox 37"/>
+            <p:cNvSpPr txBox="1"/>
+            <p:nvPr/>
+          </p:nvSpPr>
+          <p:spPr>
+            <a:xfrm>
+              <a:off x="9042803" y="4309561"/>
+              <a:ext cx="763351" cy="369332"/>
+            </a:xfrm>
+            <a:prstGeom prst="rect">
+              <a:avLst/>
+            </a:prstGeom>
+            <a:noFill/>
+          </p:spPr>
+          <p:txBody>
+            <a:bodyPr wrap="none" rtlCol="0">
+              <a:spAutoFit/>
+            </a:bodyPr>
+            <a:lstStyle/>
+            <a:p>
+              <a:r>
+                <a:rPr lang="en-US" altLang="ko-KR" dirty="0" smtClean="0">
+                  <a:solidFill>
+                    <a:schemeClr val="bg1"/>
+                  </a:solidFill>
+                </a:rPr>
+                <a:t>cosec</a:t>
+              </a:r>
+              <a:endParaRPr lang="ko-KR" altLang="en-US" dirty="0">
+                <a:solidFill>
+                  <a:schemeClr val="bg1"/>
+                </a:solidFill>
+              </a:endParaRPr>
+            </a:p>
+          </p:txBody>
+        </p:sp>
+      </p:grpSp>
+      <p:grpSp>
+        <p:nvGrpSpPr>
+          <p:cNvPr id="39" name="그룹 38"/>
+          <p:cNvGrpSpPr/>
+          <p:nvPr/>
+        </p:nvGrpSpPr>
+        <p:grpSpPr>
+          <a:xfrm>
+            <a:off x="11359100" y="3403337"/>
+            <a:ext cx="774337" cy="712772"/>
+            <a:chOff x="9068741" y="5195456"/>
+            <a:chExt cx="774337" cy="712772"/>
+          </a:xfrm>
+        </p:grpSpPr>
+        <p:sp>
+          <p:nvSpPr>
+            <p:cNvPr id="40" name="타원 39"/>
+            <p:cNvSpPr/>
+            <p:nvPr/>
+          </p:nvSpPr>
+          <p:spPr>
+            <a:xfrm>
+              <a:off x="9068741" y="5195456"/>
+              <a:ext cx="764422" cy="712772"/>
+            </a:xfrm>
+            <a:prstGeom prst="ellipse">
+              <a:avLst/>
+            </a:prstGeom>
+            <a:solidFill>
+              <a:schemeClr val="tx1"/>
+            </a:solidFill>
+            <a:ln>
+              <a:noFill/>
+            </a:ln>
+          </p:spPr>
+          <p:style>
+            <a:lnRef idx="2">
+              <a:schemeClr val="accent1">
+                <a:shade val="50000"/>
+              </a:schemeClr>
+            </a:lnRef>
+            <a:fillRef idx="1">
+              <a:schemeClr val="accent1"/>
+            </a:fillRef>
+            <a:effectRef idx="0">
+              <a:schemeClr val="accent1"/>
+            </a:effectRef>
+            <a:fontRef idx="minor">
+              <a:schemeClr val="lt1"/>
+            </a:fontRef>
+          </p:style>
+          <p:txBody>
+            <a:bodyPr rtlCol="0" anchor="ctr"/>
+            <a:lstStyle/>
+            <a:p>
+              <a:pPr algn="ctr"/>
+              <a:endParaRPr lang="ko-KR" altLang="en-US" dirty="0"/>
+            </a:p>
+          </p:txBody>
+        </p:sp>
+        <p:sp>
+          <p:nvSpPr>
+            <p:cNvPr id="41" name="TextBox 40"/>
+            <p:cNvSpPr txBox="1"/>
+            <p:nvPr/>
+          </p:nvSpPr>
+          <p:spPr>
+            <a:xfrm>
+              <a:off x="9078125" y="5347702"/>
+              <a:ext cx="764953" cy="369332"/>
+            </a:xfrm>
+            <a:prstGeom prst="rect">
+              <a:avLst/>
+            </a:prstGeom>
+            <a:noFill/>
+          </p:spPr>
+          <p:txBody>
+            <a:bodyPr wrap="none" rtlCol="0">
+              <a:spAutoFit/>
+            </a:bodyPr>
+            <a:lstStyle/>
+            <a:p>
+              <a:r>
+                <a:rPr lang="en-US" altLang="ko-KR" dirty="0" smtClean="0">
+                  <a:solidFill>
+                    <a:schemeClr val="bg1"/>
+                  </a:solidFill>
+                </a:rPr>
+                <a:t>cotan</a:t>
+              </a:r>
+              <a:endParaRPr lang="ko-KR" altLang="en-US" dirty="0">
+                <a:solidFill>
+                  <a:schemeClr val="bg1"/>
+                </a:solidFill>
+              </a:endParaRPr>
+            </a:p>
+          </p:txBody>
+        </p:sp>
+      </p:grpSp>
     </p:spTree>
     <p:extLst>
       <p:ext uri="{BB962C8B-B14F-4D97-AF65-F5344CB8AC3E}">
@@ -6413,7 +5742,1395 @@
 </p:sld>
 </file>
 
+<file path=ppt/slides/slide6.xml><?xml version="1.0" encoding="utf-8"?>
+<p:sld xmlns:a="http://schemas.openxmlformats.org/drawingml/2006/main" xmlns:r="http://schemas.openxmlformats.org/officeDocument/2006/relationships" xmlns:p="http://schemas.openxmlformats.org/presentationml/2006/main">
+  <p:cSld>
+    <p:spTree>
+      <p:nvGrpSpPr>
+        <p:cNvPr id="1" name=""/>
+        <p:cNvGrpSpPr/>
+        <p:nvPr/>
+      </p:nvGrpSpPr>
+      <p:grpSpPr>
+        <a:xfrm>
+          <a:off x="0" y="0"/>
+          <a:ext cx="0" cy="0"/>
+          <a:chOff x="0" y="0"/>
+          <a:chExt cx="0" cy="0"/>
+        </a:xfrm>
+      </p:grpSpPr>
+      <p:sp>
+        <p:nvSpPr>
+          <p:cNvPr id="4" name="Rectangle 2"/>
+          <p:cNvSpPr>
+            <a:spLocks noChangeArrowheads="1"/>
+          </p:cNvSpPr>
+          <p:nvPr/>
+        </p:nvSpPr>
+        <p:spPr bwMode="auto">
+          <a:xfrm>
+            <a:off x="-838354" y="-5241302"/>
+            <a:ext cx="3062453" cy="252847"/>
+          </a:xfrm>
+          <a:prstGeom prst="rect">
+            <a:avLst/>
+          </a:prstGeom>
+          <a:noFill/>
+          <a:ln>
+            <a:noFill/>
+          </a:ln>
+          <a:effectLst/>
+          <a:extLst>
+            <a:ext uri="{909E8E84-426E-40DD-AFC4-6F175D3DCCD1}">
+              <a14:hiddenFill xmlns:a14="http://schemas.microsoft.com/office/drawing/2010/main">
+                <a:solidFill>
+                  <a:schemeClr val="accent1"/>
+                </a:solidFill>
+              </a14:hiddenFill>
+            </a:ext>
+            <a:ext uri="{91240B29-F687-4F45-9708-019B960494DF}">
+              <a14:hiddenLine xmlns:a14="http://schemas.microsoft.com/office/drawing/2010/main" w="9525">
+                <a:solidFill>
+                  <a:schemeClr val="tx1"/>
+                </a:solidFill>
+                <a:miter lim="800000"/>
+                <a:headEnd/>
+                <a:tailEnd/>
+              </a14:hiddenLine>
+            </a:ext>
+            <a:ext uri="{AF507438-7753-43E0-B8FC-AC1667EBCBE1}">
+              <a14:hiddenEffects xmlns:a14="http://schemas.microsoft.com/office/drawing/2010/main">
+                <a:effectLst>
+                  <a:outerShdw dist="35921" dir="2700000" algn="ctr" rotWithShape="0">
+                    <a:schemeClr val="bg2"/>
+                  </a:outerShdw>
+                </a:effectLst>
+              </a14:hiddenEffects>
+            </a:ext>
+          </a:extLst>
+        </p:spPr>
+        <p:txBody>
+          <a:bodyPr vert="horz" wrap="square" lIns="91440" tIns="45720" rIns="91440" bIns="45720" numCol="1" anchor="ctr" anchorCtr="0" compatLnSpc="1">
+            <a:prstTxWarp prst="textNoShape">
+              <a:avLst/>
+            </a:prstTxWarp>
+            <a:spAutoFit/>
+          </a:bodyPr>
+          <a:lstStyle/>
+          <a:p>
+            <a:endParaRPr lang="ko-KR" altLang="en-US"/>
+          </a:p>
+        </p:txBody>
+      </p:sp>
+      <p:sp>
+        <p:nvSpPr>
+          <p:cNvPr id="10" name="타원 9"/>
+          <p:cNvSpPr/>
+          <p:nvPr/>
+        </p:nvSpPr>
+        <p:spPr>
+          <a:xfrm>
+            <a:off x="1354471" y="2701907"/>
+            <a:ext cx="1577972" cy="1471352"/>
+          </a:xfrm>
+          <a:prstGeom prst="ellipse">
+            <a:avLst/>
+          </a:prstGeom>
+        </p:spPr>
+        <p:style>
+          <a:lnRef idx="2">
+            <a:schemeClr val="accent1">
+              <a:shade val="50000"/>
+            </a:schemeClr>
+          </a:lnRef>
+          <a:fillRef idx="1">
+            <a:schemeClr val="accent1"/>
+          </a:fillRef>
+          <a:effectRef idx="0">
+            <a:schemeClr val="accent1"/>
+          </a:effectRef>
+          <a:fontRef idx="minor">
+            <a:schemeClr val="lt1"/>
+          </a:fontRef>
+        </p:style>
+        <p:txBody>
+          <a:bodyPr rtlCol="0" anchor="ctr"/>
+          <a:lstStyle/>
+          <a:p>
+            <a:pPr algn="ctr"/>
+            <a:r>
+              <a:rPr lang="ko-KR" altLang="en-US" dirty="0" err="1" smtClean="0"/>
+              <a:t>깨봉</a:t>
+            </a:r>
+            <a:endParaRPr lang="ko-KR" altLang="en-US" dirty="0"/>
+          </a:p>
+        </p:txBody>
+      </p:sp>
+      <p:sp>
+        <p:nvSpPr>
+          <p:cNvPr id="11" name="직각 삼각형 10"/>
+          <p:cNvSpPr/>
+          <p:nvPr/>
+        </p:nvSpPr>
+        <p:spPr>
+          <a:xfrm flipH="1">
+            <a:off x="4095737" y="2298137"/>
+            <a:ext cx="2152267" cy="1769384"/>
+          </a:xfrm>
+          <a:prstGeom prst="rtTriangle">
+            <a:avLst/>
+          </a:prstGeom>
+          <a:noFill/>
+          <a:ln w="38100">
+            <a:solidFill>
+              <a:schemeClr val="tx1"/>
+            </a:solidFill>
+          </a:ln>
+        </p:spPr>
+        <p:style>
+          <a:lnRef idx="2">
+            <a:schemeClr val="accent1">
+              <a:shade val="50000"/>
+            </a:schemeClr>
+          </a:lnRef>
+          <a:fillRef idx="1">
+            <a:schemeClr val="accent1"/>
+          </a:fillRef>
+          <a:effectRef idx="0">
+            <a:schemeClr val="accent1"/>
+          </a:effectRef>
+          <a:fontRef idx="minor">
+            <a:schemeClr val="lt1"/>
+          </a:fontRef>
+        </p:style>
+        <p:txBody>
+          <a:bodyPr rtlCol="0" anchor="ctr"/>
+          <a:lstStyle/>
+          <a:p>
+            <a:pPr algn="ctr"/>
+            <a:endParaRPr lang="ko-KR" altLang="en-US"/>
+          </a:p>
+        </p:txBody>
+      </p:sp>
+      <p:sp>
+        <p:nvSpPr>
+          <p:cNvPr id="12" name="원호 11"/>
+          <p:cNvSpPr/>
+          <p:nvPr/>
+        </p:nvSpPr>
+        <p:spPr>
+          <a:xfrm>
+            <a:off x="3552675" y="3490749"/>
+            <a:ext cx="1143114" cy="1143114"/>
+          </a:xfrm>
+          <a:prstGeom prst="arc">
+            <a:avLst>
+              <a:gd name="adj1" fmla="val 19187776"/>
+              <a:gd name="adj2" fmla="val 0"/>
+            </a:avLst>
+          </a:prstGeom>
+          <a:ln w="38100">
+            <a:solidFill>
+              <a:srgbClr val="FF0000"/>
+            </a:solidFill>
+          </a:ln>
+        </p:spPr>
+        <p:style>
+          <a:lnRef idx="1">
+            <a:schemeClr val="accent1"/>
+          </a:lnRef>
+          <a:fillRef idx="0">
+            <a:schemeClr val="accent1"/>
+          </a:fillRef>
+          <a:effectRef idx="0">
+            <a:schemeClr val="accent1"/>
+          </a:effectRef>
+          <a:fontRef idx="minor">
+            <a:schemeClr val="tx1"/>
+          </a:fontRef>
+        </p:style>
+        <p:txBody>
+          <a:bodyPr rtlCol="0" anchor="ctr"/>
+          <a:lstStyle/>
+          <a:p>
+            <a:pPr algn="ctr"/>
+            <a:endParaRPr lang="ko-KR" altLang="en-US"/>
+          </a:p>
+        </p:txBody>
+      </p:sp>
+      <p:sp>
+        <p:nvSpPr>
+          <p:cNvPr id="15" name="원호 14"/>
+          <p:cNvSpPr/>
+          <p:nvPr/>
+        </p:nvSpPr>
+        <p:spPr>
+          <a:xfrm rot="10800000">
+            <a:off x="5543944" y="1677523"/>
+            <a:ext cx="1362136" cy="1362136"/>
+          </a:xfrm>
+          <a:prstGeom prst="arc">
+            <a:avLst>
+              <a:gd name="adj1" fmla="val 16200000"/>
+              <a:gd name="adj2" fmla="val 19275865"/>
+            </a:avLst>
+          </a:prstGeom>
+          <a:ln w="38100">
+            <a:solidFill>
+              <a:srgbClr val="56D1F8"/>
+            </a:solidFill>
+          </a:ln>
+        </p:spPr>
+        <p:style>
+          <a:lnRef idx="1">
+            <a:schemeClr val="accent1"/>
+          </a:lnRef>
+          <a:fillRef idx="0">
+            <a:schemeClr val="accent1"/>
+          </a:fillRef>
+          <a:effectRef idx="0">
+            <a:schemeClr val="accent1"/>
+          </a:effectRef>
+          <a:fontRef idx="minor">
+            <a:schemeClr val="tx1"/>
+          </a:fontRef>
+        </p:style>
+        <p:txBody>
+          <a:bodyPr rtlCol="0" anchor="ctr"/>
+          <a:lstStyle/>
+          <a:p>
+            <a:pPr algn="ctr"/>
+            <a:endParaRPr lang="ko-KR" altLang="en-US"/>
+          </a:p>
+        </p:txBody>
+      </p:sp>
+      <p:sp>
+        <p:nvSpPr>
+          <p:cNvPr id="22" name="타원 21"/>
+          <p:cNvSpPr/>
+          <p:nvPr/>
+        </p:nvSpPr>
+        <p:spPr>
+          <a:xfrm>
+            <a:off x="9821030" y="4320576"/>
+            <a:ext cx="764422" cy="712772"/>
+          </a:xfrm>
+          <a:prstGeom prst="ellipse">
+            <a:avLst/>
+          </a:prstGeom>
+          <a:solidFill>
+            <a:schemeClr val="tx1"/>
+          </a:solidFill>
+          <a:ln>
+            <a:noFill/>
+          </a:ln>
+        </p:spPr>
+        <p:style>
+          <a:lnRef idx="2">
+            <a:schemeClr val="accent1">
+              <a:shade val="50000"/>
+            </a:schemeClr>
+          </a:lnRef>
+          <a:fillRef idx="1">
+            <a:schemeClr val="accent1"/>
+          </a:fillRef>
+          <a:effectRef idx="0">
+            <a:schemeClr val="accent1"/>
+          </a:effectRef>
+          <a:fontRef idx="minor">
+            <a:schemeClr val="lt1"/>
+          </a:fontRef>
+        </p:style>
+        <p:txBody>
+          <a:bodyPr rtlCol="0" anchor="ctr"/>
+          <a:lstStyle/>
+          <a:p>
+            <a:pPr algn="ctr"/>
+            <a:r>
+              <a:rPr lang="en-US" altLang="ko-KR" dirty="0" smtClean="0"/>
+              <a:t>sin</a:t>
+            </a:r>
+            <a:endParaRPr lang="ko-KR" altLang="en-US" dirty="0"/>
+          </a:p>
+        </p:txBody>
+      </p:sp>
+      <p:sp>
+        <p:nvSpPr>
+          <p:cNvPr id="24" name="타원 23"/>
+          <p:cNvSpPr/>
+          <p:nvPr/>
+        </p:nvSpPr>
+        <p:spPr>
+          <a:xfrm>
+            <a:off x="11343615" y="4320576"/>
+            <a:ext cx="764422" cy="712772"/>
+          </a:xfrm>
+          <a:prstGeom prst="ellipse">
+            <a:avLst/>
+          </a:prstGeom>
+          <a:solidFill>
+            <a:schemeClr val="tx1"/>
+          </a:solidFill>
+          <a:ln>
+            <a:noFill/>
+          </a:ln>
+        </p:spPr>
+        <p:style>
+          <a:lnRef idx="2">
+            <a:schemeClr val="accent1">
+              <a:shade val="50000"/>
+            </a:schemeClr>
+          </a:lnRef>
+          <a:fillRef idx="1">
+            <a:schemeClr val="accent1"/>
+          </a:fillRef>
+          <a:effectRef idx="0">
+            <a:schemeClr val="accent1"/>
+          </a:effectRef>
+          <a:fontRef idx="minor">
+            <a:schemeClr val="lt1"/>
+          </a:fontRef>
+        </p:style>
+        <p:txBody>
+          <a:bodyPr rtlCol="0" anchor="ctr"/>
+          <a:lstStyle/>
+          <a:p>
+            <a:pPr algn="ctr"/>
+            <a:r>
+              <a:rPr lang="en-US" altLang="ko-KR" dirty="0" smtClean="0"/>
+              <a:t>sec</a:t>
+            </a:r>
+            <a:endParaRPr lang="ko-KR" altLang="en-US" dirty="0"/>
+          </a:p>
+        </p:txBody>
+      </p:sp>
+      <p:sp>
+        <p:nvSpPr>
+          <p:cNvPr id="26" name="타원 25"/>
+          <p:cNvSpPr/>
+          <p:nvPr/>
+        </p:nvSpPr>
+        <p:spPr>
+          <a:xfrm>
+            <a:off x="10585659" y="4320576"/>
+            <a:ext cx="764422" cy="712772"/>
+          </a:xfrm>
+          <a:prstGeom prst="ellipse">
+            <a:avLst/>
+          </a:prstGeom>
+          <a:solidFill>
+            <a:schemeClr val="tx1"/>
+          </a:solidFill>
+          <a:ln>
+            <a:noFill/>
+          </a:ln>
+        </p:spPr>
+        <p:style>
+          <a:lnRef idx="2">
+            <a:schemeClr val="accent1">
+              <a:shade val="50000"/>
+            </a:schemeClr>
+          </a:lnRef>
+          <a:fillRef idx="1">
+            <a:schemeClr val="accent1"/>
+          </a:fillRef>
+          <a:effectRef idx="0">
+            <a:schemeClr val="accent1"/>
+          </a:effectRef>
+          <a:fontRef idx="minor">
+            <a:schemeClr val="lt1"/>
+          </a:fontRef>
+        </p:style>
+        <p:txBody>
+          <a:bodyPr rtlCol="0" anchor="ctr"/>
+          <a:lstStyle/>
+          <a:p>
+            <a:pPr algn="ctr"/>
+            <a:r>
+              <a:rPr lang="en-US" altLang="ko-KR" dirty="0" smtClean="0"/>
+              <a:t>tan</a:t>
+            </a:r>
+            <a:endParaRPr lang="ko-KR" altLang="en-US" dirty="0"/>
+          </a:p>
+        </p:txBody>
+      </p:sp>
+      <p:sp>
+        <p:nvSpPr>
+          <p:cNvPr id="50" name="타원 49"/>
+          <p:cNvSpPr/>
+          <p:nvPr/>
+        </p:nvSpPr>
+        <p:spPr>
+          <a:xfrm>
+            <a:off x="9414255" y="2684041"/>
+            <a:ext cx="1577972" cy="1471352"/>
+          </a:xfrm>
+          <a:prstGeom prst="ellipse">
+            <a:avLst/>
+          </a:prstGeom>
+          <a:solidFill>
+            <a:srgbClr val="FF0000"/>
+          </a:solidFill>
+          <a:ln>
+            <a:noFill/>
+          </a:ln>
+        </p:spPr>
+        <p:style>
+          <a:lnRef idx="2">
+            <a:schemeClr val="accent1">
+              <a:shade val="50000"/>
+            </a:schemeClr>
+          </a:lnRef>
+          <a:fillRef idx="1">
+            <a:schemeClr val="accent1"/>
+          </a:fillRef>
+          <a:effectRef idx="0">
+            <a:schemeClr val="accent1"/>
+          </a:effectRef>
+          <a:fontRef idx="minor">
+            <a:schemeClr val="lt1"/>
+          </a:fontRef>
+        </p:style>
+        <p:txBody>
+          <a:bodyPr rtlCol="0" anchor="ctr"/>
+          <a:lstStyle/>
+          <a:p>
+            <a:pPr algn="ctr"/>
+            <a:r>
+              <a:rPr lang="ko-KR" altLang="en-US" dirty="0">
+                <a:solidFill>
+                  <a:schemeClr val="tx1"/>
+                </a:solidFill>
+              </a:rPr>
+              <a:t>적</a:t>
+            </a:r>
+          </a:p>
+        </p:txBody>
+      </p:sp>
+      <p:sp>
+        <p:nvSpPr>
+          <p:cNvPr id="43" name="타원 42"/>
+          <p:cNvSpPr/>
+          <p:nvPr/>
+        </p:nvSpPr>
+        <p:spPr>
+          <a:xfrm>
+            <a:off x="3552675" y="1157480"/>
+            <a:ext cx="1348641" cy="1348641"/>
+          </a:xfrm>
+          <a:prstGeom prst="ellipse">
+            <a:avLst/>
+          </a:prstGeom>
+          <a:solidFill>
+            <a:srgbClr val="FFFF00"/>
+          </a:solidFill>
+        </p:spPr>
+        <p:style>
+          <a:lnRef idx="0">
+            <a:schemeClr val="accent4"/>
+          </a:lnRef>
+          <a:fillRef idx="3">
+            <a:schemeClr val="accent4"/>
+          </a:fillRef>
+          <a:effectRef idx="3">
+            <a:schemeClr val="accent4"/>
+          </a:effectRef>
+          <a:fontRef idx="minor">
+            <a:schemeClr val="lt1"/>
+          </a:fontRef>
+        </p:style>
+        <p:txBody>
+          <a:bodyPr rtlCol="0" anchor="ctr"/>
+          <a:lstStyle/>
+          <a:p>
+            <a:pPr algn="ctr"/>
+            <a:r>
+              <a:rPr lang="ko-KR" altLang="en-US" smtClean="0">
+                <a:solidFill>
+                  <a:schemeClr val="tx1"/>
+                </a:solidFill>
+              </a:rPr>
+              <a:t>빗변</a:t>
+            </a:r>
+            <a:endParaRPr lang="ko-KR" altLang="en-US">
+              <a:solidFill>
+                <a:schemeClr val="tx1"/>
+              </a:solidFill>
+            </a:endParaRPr>
+          </a:p>
+        </p:txBody>
+      </p:sp>
+      <p:sp>
+        <p:nvSpPr>
+          <p:cNvPr id="54" name="타원 53"/>
+          <p:cNvSpPr/>
+          <p:nvPr/>
+        </p:nvSpPr>
+        <p:spPr>
+          <a:xfrm>
+            <a:off x="4707500" y="4330988"/>
+            <a:ext cx="1348641" cy="1348641"/>
+          </a:xfrm>
+          <a:prstGeom prst="ellipse">
+            <a:avLst/>
+          </a:prstGeom>
+          <a:solidFill>
+            <a:srgbClr val="FFFF00"/>
+          </a:solidFill>
+        </p:spPr>
+        <p:style>
+          <a:lnRef idx="0">
+            <a:schemeClr val="accent4"/>
+          </a:lnRef>
+          <a:fillRef idx="3">
+            <a:schemeClr val="accent4"/>
+          </a:fillRef>
+          <a:effectRef idx="3">
+            <a:schemeClr val="accent4"/>
+          </a:effectRef>
+          <a:fontRef idx="minor">
+            <a:schemeClr val="lt1"/>
+          </a:fontRef>
+        </p:style>
+        <p:txBody>
+          <a:bodyPr rtlCol="0" anchor="ctr"/>
+          <a:lstStyle/>
+          <a:p>
+            <a:pPr algn="ctr"/>
+            <a:r>
+              <a:rPr lang="ko-KR" altLang="en-US" smtClean="0">
+                <a:solidFill>
+                  <a:schemeClr val="tx1"/>
+                </a:solidFill>
+              </a:rPr>
+              <a:t>밑변</a:t>
+            </a:r>
+            <a:endParaRPr lang="ko-KR" altLang="en-US">
+              <a:solidFill>
+                <a:schemeClr val="tx1"/>
+              </a:solidFill>
+            </a:endParaRPr>
+          </a:p>
+        </p:txBody>
+      </p:sp>
+      <p:sp>
+        <p:nvSpPr>
+          <p:cNvPr id="55" name="타원 54"/>
+          <p:cNvSpPr/>
+          <p:nvPr/>
+        </p:nvSpPr>
+        <p:spPr>
+          <a:xfrm>
+            <a:off x="6678730" y="2460778"/>
+            <a:ext cx="1348641" cy="1348641"/>
+          </a:xfrm>
+          <a:prstGeom prst="ellipse">
+            <a:avLst/>
+          </a:prstGeom>
+          <a:solidFill>
+            <a:srgbClr val="FFFF00"/>
+          </a:solidFill>
+        </p:spPr>
+        <p:style>
+          <a:lnRef idx="0">
+            <a:schemeClr val="accent4"/>
+          </a:lnRef>
+          <a:fillRef idx="3">
+            <a:schemeClr val="accent4"/>
+          </a:fillRef>
+          <a:effectRef idx="3">
+            <a:schemeClr val="accent4"/>
+          </a:effectRef>
+          <a:fontRef idx="minor">
+            <a:schemeClr val="lt1"/>
+          </a:fontRef>
+        </p:style>
+        <p:txBody>
+          <a:bodyPr rtlCol="0" anchor="ctr"/>
+          <a:lstStyle/>
+          <a:p>
+            <a:pPr algn="ctr"/>
+            <a:r>
+              <a:rPr lang="ko-KR" altLang="en-US" dirty="0" smtClean="0">
+                <a:solidFill>
+                  <a:schemeClr val="tx1"/>
+                </a:solidFill>
+              </a:rPr>
+              <a:t>높이</a:t>
+            </a:r>
+            <a:endParaRPr lang="ko-KR" altLang="en-US" dirty="0">
+              <a:solidFill>
+                <a:schemeClr val="tx1"/>
+              </a:solidFill>
+            </a:endParaRPr>
+          </a:p>
+        </p:txBody>
+      </p:sp>
+    </p:spTree>
+    <p:extLst>
+      <p:ext uri="{BB962C8B-B14F-4D97-AF65-F5344CB8AC3E}">
+        <p14:creationId xmlns:p14="http://schemas.microsoft.com/office/powerpoint/2010/main" val="893833073"/>
+      </p:ext>
+    </p:extLst>
+  </p:cSld>
+  <p:clrMapOvr>
+    <a:masterClrMapping/>
+  </p:clrMapOvr>
+  <p:timing>
+    <p:tnLst>
+      <p:par>
+        <p:cTn id="1" dur="indefinite" restart="never" nodeType="tmRoot"/>
+      </p:par>
+    </p:tnLst>
+  </p:timing>
+</p:sld>
+</file>
+
 <file path=ppt/slides/slide7.xml><?xml version="1.0" encoding="utf-8"?>
+<p:sld xmlns:a="http://schemas.openxmlformats.org/drawingml/2006/main" xmlns:r="http://schemas.openxmlformats.org/officeDocument/2006/relationships" xmlns:p="http://schemas.openxmlformats.org/presentationml/2006/main">
+  <p:cSld>
+    <p:spTree>
+      <p:nvGrpSpPr>
+        <p:cNvPr id="1" name=""/>
+        <p:cNvGrpSpPr/>
+        <p:nvPr/>
+      </p:nvGrpSpPr>
+      <p:grpSpPr>
+        <a:xfrm>
+          <a:off x="0" y="0"/>
+          <a:ext cx="0" cy="0"/>
+          <a:chOff x="0" y="0"/>
+          <a:chExt cx="0" cy="0"/>
+        </a:xfrm>
+      </p:grpSpPr>
+      <p:sp>
+        <p:nvSpPr>
+          <p:cNvPr id="4" name="Rectangle 2"/>
+          <p:cNvSpPr>
+            <a:spLocks noChangeArrowheads="1"/>
+          </p:cNvSpPr>
+          <p:nvPr/>
+        </p:nvSpPr>
+        <p:spPr bwMode="auto">
+          <a:xfrm>
+            <a:off x="-838354" y="-5241302"/>
+            <a:ext cx="3062453" cy="252847"/>
+          </a:xfrm>
+          <a:prstGeom prst="rect">
+            <a:avLst/>
+          </a:prstGeom>
+          <a:noFill/>
+          <a:ln>
+            <a:noFill/>
+          </a:ln>
+          <a:effectLst/>
+          <a:extLst>
+            <a:ext uri="{909E8E84-426E-40DD-AFC4-6F175D3DCCD1}">
+              <a14:hiddenFill xmlns:a14="http://schemas.microsoft.com/office/drawing/2010/main">
+                <a:solidFill>
+                  <a:schemeClr val="accent1"/>
+                </a:solidFill>
+              </a14:hiddenFill>
+            </a:ext>
+            <a:ext uri="{91240B29-F687-4F45-9708-019B960494DF}">
+              <a14:hiddenLine xmlns:a14="http://schemas.microsoft.com/office/drawing/2010/main" w="9525">
+                <a:solidFill>
+                  <a:schemeClr val="tx1"/>
+                </a:solidFill>
+                <a:miter lim="800000"/>
+                <a:headEnd/>
+                <a:tailEnd/>
+              </a14:hiddenLine>
+            </a:ext>
+            <a:ext uri="{AF507438-7753-43E0-B8FC-AC1667EBCBE1}">
+              <a14:hiddenEffects xmlns:a14="http://schemas.microsoft.com/office/drawing/2010/main">
+                <a:effectLst>
+                  <a:outerShdw dist="35921" dir="2700000" algn="ctr" rotWithShape="0">
+                    <a:schemeClr val="bg2"/>
+                  </a:outerShdw>
+                </a:effectLst>
+              </a14:hiddenEffects>
+            </a:ext>
+          </a:extLst>
+        </p:spPr>
+        <p:txBody>
+          <a:bodyPr vert="horz" wrap="square" lIns="91440" tIns="45720" rIns="91440" bIns="45720" numCol="1" anchor="ctr" anchorCtr="0" compatLnSpc="1">
+            <a:prstTxWarp prst="textNoShape">
+              <a:avLst/>
+            </a:prstTxWarp>
+            <a:spAutoFit/>
+          </a:bodyPr>
+          <a:lstStyle/>
+          <a:p>
+            <a:endParaRPr lang="ko-KR" altLang="en-US"/>
+          </a:p>
+        </p:txBody>
+      </p:sp>
+      <p:grpSp>
+        <p:nvGrpSpPr>
+          <p:cNvPr id="5" name="그룹 4"/>
+          <p:cNvGrpSpPr/>
+          <p:nvPr/>
+        </p:nvGrpSpPr>
+        <p:grpSpPr>
+          <a:xfrm>
+            <a:off x="4384160" y="2718454"/>
+            <a:ext cx="2568221" cy="1612127"/>
+            <a:chOff x="4384160" y="2718454"/>
+            <a:chExt cx="2568221" cy="1612127"/>
+          </a:xfrm>
+        </p:grpSpPr>
+        <p:sp>
+          <p:nvSpPr>
+            <p:cNvPr id="11" name="직각 삼각형 10"/>
+            <p:cNvSpPr/>
+            <p:nvPr/>
+          </p:nvSpPr>
+          <p:spPr>
+            <a:xfrm flipH="1">
+              <a:off x="4758983" y="2718454"/>
+              <a:ext cx="2193398" cy="1221235"/>
+            </a:xfrm>
+            <a:prstGeom prst="rtTriangle">
+              <a:avLst/>
+            </a:prstGeom>
+            <a:noFill/>
+            <a:ln w="38100">
+              <a:solidFill>
+                <a:schemeClr val="tx1"/>
+              </a:solidFill>
+            </a:ln>
+          </p:spPr>
+          <p:style>
+            <a:lnRef idx="2">
+              <a:schemeClr val="accent1">
+                <a:shade val="50000"/>
+              </a:schemeClr>
+            </a:lnRef>
+            <a:fillRef idx="1">
+              <a:schemeClr val="accent1"/>
+            </a:fillRef>
+            <a:effectRef idx="0">
+              <a:schemeClr val="accent1"/>
+            </a:effectRef>
+            <a:fontRef idx="minor">
+              <a:schemeClr val="lt1"/>
+            </a:fontRef>
+          </p:style>
+          <p:txBody>
+            <a:bodyPr rtlCol="0" anchor="ctr"/>
+            <a:lstStyle/>
+            <a:p>
+              <a:pPr algn="ctr"/>
+              <a:endParaRPr lang="ko-KR" altLang="en-US"/>
+            </a:p>
+          </p:txBody>
+        </p:sp>
+        <p:sp>
+          <p:nvSpPr>
+            <p:cNvPr id="12" name="원호 11"/>
+            <p:cNvSpPr/>
+            <p:nvPr/>
+          </p:nvSpPr>
+          <p:spPr>
+            <a:xfrm>
+              <a:off x="4384160" y="3541600"/>
+              <a:ext cx="788982" cy="788981"/>
+            </a:xfrm>
+            <a:prstGeom prst="arc">
+              <a:avLst>
+                <a:gd name="adj1" fmla="val 19890689"/>
+                <a:gd name="adj2" fmla="val 0"/>
+              </a:avLst>
+            </a:prstGeom>
+            <a:ln w="38100">
+              <a:solidFill>
+                <a:srgbClr val="FF0000"/>
+              </a:solidFill>
+            </a:ln>
+          </p:spPr>
+          <p:style>
+            <a:lnRef idx="1">
+              <a:schemeClr val="accent1"/>
+            </a:lnRef>
+            <a:fillRef idx="0">
+              <a:schemeClr val="accent1"/>
+            </a:fillRef>
+            <a:effectRef idx="0">
+              <a:schemeClr val="accent1"/>
+            </a:effectRef>
+            <a:fontRef idx="minor">
+              <a:schemeClr val="tx1"/>
+            </a:fontRef>
+          </p:style>
+          <p:txBody>
+            <a:bodyPr rtlCol="0" anchor="ctr"/>
+            <a:lstStyle/>
+            <a:p>
+              <a:pPr algn="ctr"/>
+              <a:endParaRPr lang="ko-KR" altLang="en-US"/>
+            </a:p>
+          </p:txBody>
+        </p:sp>
+      </p:grpSp>
+      <p:sp>
+        <p:nvSpPr>
+          <p:cNvPr id="15" name="원호 14"/>
+          <p:cNvSpPr/>
+          <p:nvPr/>
+        </p:nvSpPr>
+        <p:spPr>
+          <a:xfrm rot="10800000">
+            <a:off x="6578001" y="2327563"/>
+            <a:ext cx="748759" cy="748759"/>
+          </a:xfrm>
+          <a:prstGeom prst="arc">
+            <a:avLst>
+              <a:gd name="adj1" fmla="val 16391892"/>
+              <a:gd name="adj2" fmla="val 19578702"/>
+            </a:avLst>
+          </a:prstGeom>
+          <a:ln w="38100">
+            <a:solidFill>
+              <a:srgbClr val="56D1F8"/>
+            </a:solidFill>
+          </a:ln>
+        </p:spPr>
+        <p:style>
+          <a:lnRef idx="1">
+            <a:schemeClr val="accent1"/>
+          </a:lnRef>
+          <a:fillRef idx="0">
+            <a:schemeClr val="accent1"/>
+          </a:fillRef>
+          <a:effectRef idx="0">
+            <a:schemeClr val="accent1"/>
+          </a:effectRef>
+          <a:fontRef idx="minor">
+            <a:schemeClr val="tx1"/>
+          </a:fontRef>
+        </p:style>
+        <p:txBody>
+          <a:bodyPr rtlCol="0" anchor="ctr"/>
+          <a:lstStyle/>
+          <a:p>
+            <a:pPr algn="ctr"/>
+            <a:endParaRPr lang="ko-KR" altLang="en-US"/>
+          </a:p>
+        </p:txBody>
+      </p:sp>
+      <p:sp>
+        <p:nvSpPr>
+          <p:cNvPr id="22" name="타원 21"/>
+          <p:cNvSpPr/>
+          <p:nvPr/>
+        </p:nvSpPr>
+        <p:spPr>
+          <a:xfrm>
+            <a:off x="3742021" y="1019023"/>
+            <a:ext cx="764422" cy="712772"/>
+          </a:xfrm>
+          <a:prstGeom prst="ellipse">
+            <a:avLst/>
+          </a:prstGeom>
+          <a:solidFill>
+            <a:schemeClr val="tx1"/>
+          </a:solidFill>
+          <a:ln>
+            <a:noFill/>
+          </a:ln>
+        </p:spPr>
+        <p:style>
+          <a:lnRef idx="2">
+            <a:schemeClr val="accent1">
+              <a:shade val="50000"/>
+            </a:schemeClr>
+          </a:lnRef>
+          <a:fillRef idx="1">
+            <a:schemeClr val="accent1"/>
+          </a:fillRef>
+          <a:effectRef idx="0">
+            <a:schemeClr val="accent1"/>
+          </a:effectRef>
+          <a:fontRef idx="minor">
+            <a:schemeClr val="lt1"/>
+          </a:fontRef>
+        </p:style>
+        <p:txBody>
+          <a:bodyPr rtlCol="0" anchor="ctr"/>
+          <a:lstStyle/>
+          <a:p>
+            <a:pPr algn="ctr"/>
+            <a:r>
+              <a:rPr lang="en-US" altLang="ko-KR" dirty="0" smtClean="0"/>
+              <a:t>sin</a:t>
+            </a:r>
+            <a:endParaRPr lang="ko-KR" altLang="en-US" dirty="0"/>
+          </a:p>
+        </p:txBody>
+      </p:sp>
+      <p:sp>
+        <p:nvSpPr>
+          <p:cNvPr id="24" name="타원 23"/>
+          <p:cNvSpPr/>
+          <p:nvPr/>
+        </p:nvSpPr>
+        <p:spPr>
+          <a:xfrm>
+            <a:off x="4518866" y="5470089"/>
+            <a:ext cx="764422" cy="712772"/>
+          </a:xfrm>
+          <a:prstGeom prst="ellipse">
+            <a:avLst/>
+          </a:prstGeom>
+          <a:solidFill>
+            <a:schemeClr val="tx1"/>
+          </a:solidFill>
+          <a:ln>
+            <a:noFill/>
+          </a:ln>
+        </p:spPr>
+        <p:style>
+          <a:lnRef idx="2">
+            <a:schemeClr val="accent1">
+              <a:shade val="50000"/>
+            </a:schemeClr>
+          </a:lnRef>
+          <a:fillRef idx="1">
+            <a:schemeClr val="accent1"/>
+          </a:fillRef>
+          <a:effectRef idx="0">
+            <a:schemeClr val="accent1"/>
+          </a:effectRef>
+          <a:fontRef idx="minor">
+            <a:schemeClr val="lt1"/>
+          </a:fontRef>
+        </p:style>
+        <p:txBody>
+          <a:bodyPr rtlCol="0" anchor="ctr"/>
+          <a:lstStyle/>
+          <a:p>
+            <a:pPr algn="ctr"/>
+            <a:r>
+              <a:rPr lang="en-US" altLang="ko-KR" dirty="0" smtClean="0"/>
+              <a:t>sec</a:t>
+            </a:r>
+            <a:endParaRPr lang="ko-KR" altLang="en-US" dirty="0"/>
+          </a:p>
+        </p:txBody>
+      </p:sp>
+      <p:sp>
+        <p:nvSpPr>
+          <p:cNvPr id="26" name="타원 25"/>
+          <p:cNvSpPr/>
+          <p:nvPr/>
+        </p:nvSpPr>
+        <p:spPr>
+          <a:xfrm>
+            <a:off x="1411214" y="3225529"/>
+            <a:ext cx="764422" cy="712772"/>
+          </a:xfrm>
+          <a:prstGeom prst="ellipse">
+            <a:avLst/>
+          </a:prstGeom>
+          <a:solidFill>
+            <a:schemeClr val="tx1"/>
+          </a:solidFill>
+          <a:ln>
+            <a:noFill/>
+          </a:ln>
+        </p:spPr>
+        <p:style>
+          <a:lnRef idx="2">
+            <a:schemeClr val="accent1">
+              <a:shade val="50000"/>
+            </a:schemeClr>
+          </a:lnRef>
+          <a:fillRef idx="1">
+            <a:schemeClr val="accent1"/>
+          </a:fillRef>
+          <a:effectRef idx="0">
+            <a:schemeClr val="accent1"/>
+          </a:effectRef>
+          <a:fontRef idx="minor">
+            <a:schemeClr val="lt1"/>
+          </a:fontRef>
+        </p:style>
+        <p:txBody>
+          <a:bodyPr rtlCol="0" anchor="ctr"/>
+          <a:lstStyle/>
+          <a:p>
+            <a:pPr algn="ctr"/>
+            <a:r>
+              <a:rPr lang="en-US" altLang="ko-KR" dirty="0" smtClean="0"/>
+              <a:t>tan</a:t>
+            </a:r>
+            <a:endParaRPr lang="ko-KR" altLang="en-US" dirty="0"/>
+          </a:p>
+        </p:txBody>
+      </p:sp>
+      <p:sp>
+        <p:nvSpPr>
+          <p:cNvPr id="14" name="타원 13"/>
+          <p:cNvSpPr/>
+          <p:nvPr/>
+        </p:nvSpPr>
+        <p:spPr>
+          <a:xfrm>
+            <a:off x="7991292" y="1019023"/>
+            <a:ext cx="764422" cy="712772"/>
+          </a:xfrm>
+          <a:prstGeom prst="ellipse">
+            <a:avLst/>
+          </a:prstGeom>
+          <a:solidFill>
+            <a:schemeClr val="tx1"/>
+          </a:solidFill>
+          <a:ln>
+            <a:noFill/>
+          </a:ln>
+        </p:spPr>
+        <p:style>
+          <a:lnRef idx="2">
+            <a:schemeClr val="accent1">
+              <a:shade val="50000"/>
+            </a:schemeClr>
+          </a:lnRef>
+          <a:fillRef idx="1">
+            <a:schemeClr val="accent1"/>
+          </a:fillRef>
+          <a:effectRef idx="0">
+            <a:schemeClr val="accent1"/>
+          </a:effectRef>
+          <a:fontRef idx="minor">
+            <a:schemeClr val="lt1"/>
+          </a:fontRef>
+        </p:style>
+        <p:txBody>
+          <a:bodyPr rtlCol="0" anchor="ctr"/>
+          <a:lstStyle/>
+          <a:p>
+            <a:pPr algn="ctr"/>
+            <a:r>
+              <a:rPr lang="en-US" altLang="ko-KR" dirty="0" smtClean="0"/>
+              <a:t>cos</a:t>
+            </a:r>
+            <a:endParaRPr lang="ko-KR" altLang="en-US" dirty="0"/>
+          </a:p>
+        </p:txBody>
+      </p:sp>
+      <p:grpSp>
+        <p:nvGrpSpPr>
+          <p:cNvPr id="16" name="그룹 15"/>
+          <p:cNvGrpSpPr/>
+          <p:nvPr/>
+        </p:nvGrpSpPr>
+        <p:grpSpPr>
+          <a:xfrm>
+            <a:off x="9263292" y="3536168"/>
+            <a:ext cx="764422" cy="712772"/>
+            <a:chOff x="9042803" y="4156364"/>
+            <a:chExt cx="764422" cy="712772"/>
+          </a:xfrm>
+        </p:grpSpPr>
+        <p:sp>
+          <p:nvSpPr>
+            <p:cNvPr id="17" name="타원 16"/>
+            <p:cNvSpPr/>
+            <p:nvPr/>
+          </p:nvSpPr>
+          <p:spPr>
+            <a:xfrm>
+              <a:off x="9042803" y="4156364"/>
+              <a:ext cx="764422" cy="712772"/>
+            </a:xfrm>
+            <a:prstGeom prst="ellipse">
+              <a:avLst/>
+            </a:prstGeom>
+            <a:solidFill>
+              <a:schemeClr val="tx1"/>
+            </a:solidFill>
+            <a:ln>
+              <a:noFill/>
+            </a:ln>
+          </p:spPr>
+          <p:style>
+            <a:lnRef idx="2">
+              <a:schemeClr val="accent1">
+                <a:shade val="50000"/>
+              </a:schemeClr>
+            </a:lnRef>
+            <a:fillRef idx="1">
+              <a:schemeClr val="accent1"/>
+            </a:fillRef>
+            <a:effectRef idx="0">
+              <a:schemeClr val="accent1"/>
+            </a:effectRef>
+            <a:fontRef idx="minor">
+              <a:schemeClr val="lt1"/>
+            </a:fontRef>
+          </p:style>
+          <p:txBody>
+            <a:bodyPr rtlCol="0" anchor="ctr"/>
+            <a:lstStyle/>
+            <a:p>
+              <a:pPr algn="ctr"/>
+              <a:endParaRPr lang="ko-KR" altLang="en-US" dirty="0"/>
+            </a:p>
+          </p:txBody>
+        </p:sp>
+        <p:sp>
+          <p:nvSpPr>
+            <p:cNvPr id="18" name="TextBox 17"/>
+            <p:cNvSpPr txBox="1"/>
+            <p:nvPr/>
+          </p:nvSpPr>
+          <p:spPr>
+            <a:xfrm>
+              <a:off x="9042803" y="4309561"/>
+              <a:ext cx="763351" cy="369332"/>
+            </a:xfrm>
+            <a:prstGeom prst="rect">
+              <a:avLst/>
+            </a:prstGeom>
+            <a:noFill/>
+          </p:spPr>
+          <p:txBody>
+            <a:bodyPr wrap="none" rtlCol="0">
+              <a:spAutoFit/>
+            </a:bodyPr>
+            <a:lstStyle/>
+            <a:p>
+              <a:r>
+                <a:rPr lang="en-US" altLang="ko-KR" dirty="0" smtClean="0">
+                  <a:solidFill>
+                    <a:schemeClr val="bg1"/>
+                  </a:solidFill>
+                </a:rPr>
+                <a:t>cosec</a:t>
+              </a:r>
+              <a:endParaRPr lang="ko-KR" altLang="en-US" dirty="0">
+                <a:solidFill>
+                  <a:schemeClr val="bg1"/>
+                </a:solidFill>
+              </a:endParaRPr>
+            </a:p>
+          </p:txBody>
+        </p:sp>
+      </p:grpSp>
+      <p:grpSp>
+        <p:nvGrpSpPr>
+          <p:cNvPr id="19" name="그룹 18"/>
+          <p:cNvGrpSpPr/>
+          <p:nvPr/>
+        </p:nvGrpSpPr>
+        <p:grpSpPr>
+          <a:xfrm>
+            <a:off x="7676562" y="5606210"/>
+            <a:ext cx="774337" cy="712772"/>
+            <a:chOff x="9068741" y="5195456"/>
+            <a:chExt cx="774337" cy="712772"/>
+          </a:xfrm>
+        </p:grpSpPr>
+        <p:sp>
+          <p:nvSpPr>
+            <p:cNvPr id="20" name="타원 19"/>
+            <p:cNvSpPr/>
+            <p:nvPr/>
+          </p:nvSpPr>
+          <p:spPr>
+            <a:xfrm>
+              <a:off x="9068741" y="5195456"/>
+              <a:ext cx="764422" cy="712772"/>
+            </a:xfrm>
+            <a:prstGeom prst="ellipse">
+              <a:avLst/>
+            </a:prstGeom>
+            <a:solidFill>
+              <a:schemeClr val="tx1"/>
+            </a:solidFill>
+            <a:ln>
+              <a:noFill/>
+            </a:ln>
+          </p:spPr>
+          <p:style>
+            <a:lnRef idx="2">
+              <a:schemeClr val="accent1">
+                <a:shade val="50000"/>
+              </a:schemeClr>
+            </a:lnRef>
+            <a:fillRef idx="1">
+              <a:schemeClr val="accent1"/>
+            </a:fillRef>
+            <a:effectRef idx="0">
+              <a:schemeClr val="accent1"/>
+            </a:effectRef>
+            <a:fontRef idx="minor">
+              <a:schemeClr val="lt1"/>
+            </a:fontRef>
+          </p:style>
+          <p:txBody>
+            <a:bodyPr rtlCol="0" anchor="ctr"/>
+            <a:lstStyle/>
+            <a:p>
+              <a:pPr algn="ctr"/>
+              <a:endParaRPr lang="ko-KR" altLang="en-US" dirty="0"/>
+            </a:p>
+          </p:txBody>
+        </p:sp>
+        <p:sp>
+          <p:nvSpPr>
+            <p:cNvPr id="21" name="TextBox 20"/>
+            <p:cNvSpPr txBox="1"/>
+            <p:nvPr/>
+          </p:nvSpPr>
+          <p:spPr>
+            <a:xfrm>
+              <a:off x="9078125" y="5347702"/>
+              <a:ext cx="764953" cy="369332"/>
+            </a:xfrm>
+            <a:prstGeom prst="rect">
+              <a:avLst/>
+            </a:prstGeom>
+            <a:noFill/>
+          </p:spPr>
+          <p:txBody>
+            <a:bodyPr wrap="none" rtlCol="0">
+              <a:spAutoFit/>
+            </a:bodyPr>
+            <a:lstStyle/>
+            <a:p>
+              <a:r>
+                <a:rPr lang="en-US" altLang="ko-KR" dirty="0" smtClean="0">
+                  <a:solidFill>
+                    <a:schemeClr val="bg1"/>
+                  </a:solidFill>
+                </a:rPr>
+                <a:t>cotan</a:t>
+              </a:r>
+              <a:endParaRPr lang="ko-KR" altLang="en-US" dirty="0">
+                <a:solidFill>
+                  <a:schemeClr val="bg1"/>
+                </a:solidFill>
+              </a:endParaRPr>
+            </a:p>
+          </p:txBody>
+        </p:sp>
+      </p:grpSp>
+      <p:grpSp>
+        <p:nvGrpSpPr>
+          <p:cNvPr id="7" name="그룹 6"/>
+          <p:cNvGrpSpPr/>
+          <p:nvPr/>
+        </p:nvGrpSpPr>
+        <p:grpSpPr>
+          <a:xfrm>
+            <a:off x="5943744" y="3246708"/>
+            <a:ext cx="672782" cy="627323"/>
+            <a:chOff x="5943744" y="3246708"/>
+            <a:chExt cx="672782" cy="627323"/>
+          </a:xfrm>
+        </p:grpSpPr>
+        <p:sp>
+          <p:nvSpPr>
+            <p:cNvPr id="10" name="타원 9"/>
+            <p:cNvSpPr/>
+            <p:nvPr/>
+          </p:nvSpPr>
+          <p:spPr>
+            <a:xfrm>
+              <a:off x="5943744" y="3246708"/>
+              <a:ext cx="672782" cy="627323"/>
+            </a:xfrm>
+            <a:prstGeom prst="ellipse">
+              <a:avLst/>
+            </a:prstGeom>
+          </p:spPr>
+          <p:style>
+            <a:lnRef idx="2">
+              <a:schemeClr val="accent1">
+                <a:shade val="50000"/>
+              </a:schemeClr>
+            </a:lnRef>
+            <a:fillRef idx="1">
+              <a:schemeClr val="accent1"/>
+            </a:fillRef>
+            <a:effectRef idx="0">
+              <a:schemeClr val="accent1"/>
+            </a:effectRef>
+            <a:fontRef idx="minor">
+              <a:schemeClr val="lt1"/>
+            </a:fontRef>
+          </p:style>
+          <p:txBody>
+            <a:bodyPr rtlCol="0" anchor="ctr"/>
+            <a:lstStyle/>
+            <a:p>
+              <a:pPr algn="ctr"/>
+              <a:endParaRPr lang="ko-KR" altLang="en-US" sz="1200" dirty="0"/>
+            </a:p>
+          </p:txBody>
+        </p:sp>
+        <p:sp>
+          <p:nvSpPr>
+            <p:cNvPr id="6" name="TextBox 5"/>
+            <p:cNvSpPr txBox="1"/>
+            <p:nvPr/>
+          </p:nvSpPr>
+          <p:spPr>
+            <a:xfrm>
+              <a:off x="5960767" y="3375703"/>
+              <a:ext cx="646331" cy="369332"/>
+            </a:xfrm>
+            <a:prstGeom prst="rect">
+              <a:avLst/>
+            </a:prstGeom>
+            <a:noFill/>
+          </p:spPr>
+          <p:txBody>
+            <a:bodyPr wrap="none" rtlCol="0">
+              <a:spAutoFit/>
+            </a:bodyPr>
+            <a:lstStyle/>
+            <a:p>
+              <a:r>
+                <a:rPr lang="ko-KR" altLang="en-US" dirty="0" err="1" smtClean="0">
+                  <a:solidFill>
+                    <a:schemeClr val="bg1"/>
+                  </a:solidFill>
+                </a:rPr>
+                <a:t>깨봉</a:t>
+              </a:r>
+              <a:endParaRPr lang="ko-KR" altLang="en-US" dirty="0">
+                <a:solidFill>
+                  <a:schemeClr val="bg1"/>
+                </a:solidFill>
+              </a:endParaRPr>
+            </a:p>
+          </p:txBody>
+        </p:sp>
+      </p:grpSp>
+    </p:spTree>
+    <p:extLst>
+      <p:ext uri="{BB962C8B-B14F-4D97-AF65-F5344CB8AC3E}">
+        <p14:creationId xmlns:p14="http://schemas.microsoft.com/office/powerpoint/2010/main" val="1599094004"/>
+      </p:ext>
+    </p:extLst>
+  </p:cSld>
+  <p:clrMapOvr>
+    <a:masterClrMapping/>
+  </p:clrMapOvr>
+  <p:timing>
+    <p:tnLst>
+      <p:par>
+        <p:cTn id="1" dur="indefinite" restart="never" nodeType="tmRoot"/>
+      </p:par>
+    </p:tnLst>
+  </p:timing>
+</p:sld>
+</file>
+
+<file path=ppt/slides/slide8.xml><?xml version="1.0" encoding="utf-8"?>
 <p:sld xmlns:a="http://schemas.openxmlformats.org/drawingml/2006/main" xmlns:r="http://schemas.openxmlformats.org/officeDocument/2006/relationships" xmlns:p="http://schemas.openxmlformats.org/presentationml/2006/main">
   <p:cSld>
     <p:spTree>
@@ -6733,7 +7450,7 @@
 </p:sld>
 </file>
 
-<file path=ppt/slides/slide8.xml><?xml version="1.0" encoding="utf-8"?>
+<file path=ppt/slides/slide9.xml><?xml version="1.0" encoding="utf-8"?>
 <p:sld xmlns:a="http://schemas.openxmlformats.org/drawingml/2006/main" xmlns:r="http://schemas.openxmlformats.org/officeDocument/2006/relationships" xmlns:p="http://schemas.openxmlformats.org/presentationml/2006/main">
   <p:cSld>
     <p:spTree>
@@ -6891,43 +7608,6 @@
     <p:extLst>
       <p:ext uri="{BB962C8B-B14F-4D97-AF65-F5344CB8AC3E}">
         <p14:creationId xmlns:p14="http://schemas.microsoft.com/office/powerpoint/2010/main" val="560180755"/>
-      </p:ext>
-    </p:extLst>
-  </p:cSld>
-  <p:clrMapOvr>
-    <a:masterClrMapping/>
-  </p:clrMapOvr>
-  <p:timing>
-    <p:tnLst>
-      <p:par>
-        <p:cTn id="1" dur="indefinite" restart="never" nodeType="tmRoot"/>
-      </p:par>
-    </p:tnLst>
-  </p:timing>
-</p:sld>
-</file>
-
-<file path=ppt/slides/slide9.xml><?xml version="1.0" encoding="utf-8"?>
-<p:sld xmlns:a="http://schemas.openxmlformats.org/drawingml/2006/main" xmlns:r="http://schemas.openxmlformats.org/officeDocument/2006/relationships" xmlns:p="http://schemas.openxmlformats.org/presentationml/2006/main">
-  <p:cSld>
-    <p:spTree>
-      <p:nvGrpSpPr>
-        <p:cNvPr id="1" name=""/>
-        <p:cNvGrpSpPr/>
-        <p:nvPr/>
-      </p:nvGrpSpPr>
-      <p:grpSpPr>
-        <a:xfrm>
-          <a:off x="0" y="0"/>
-          <a:ext cx="0" cy="0"/>
-          <a:chOff x="0" y="0"/>
-          <a:chExt cx="0" cy="0"/>
-        </a:xfrm>
-      </p:grpSpPr>
-    </p:spTree>
-    <p:extLst>
-      <p:ext uri="{BB962C8B-B14F-4D97-AF65-F5344CB8AC3E}">
-        <p14:creationId xmlns:p14="http://schemas.microsoft.com/office/powerpoint/2010/main" val="4022564585"/>
       </p:ext>
     </p:extLst>
   </p:cSld>

--- a/TriFunction/그림용.pptx
+++ b/TriFunction/그림용.pptx
@@ -206,7 +206,7 @@
           <a:p>
             <a:fld id="{7A69A65F-D152-468D-9567-D5957D3F5103}" type="datetimeFigureOut">
               <a:rPr lang="ko-KR" altLang="en-US" smtClean="0"/>
-              <a:t>2018-09-29</a:t>
+              <a:t>2018-09-30</a:t>
             </a:fld>
             <a:endParaRPr lang="ko-KR" altLang="en-US"/>
           </a:p>
@@ -605,7 +605,7 @@
           <a:p>
             <a:fld id="{39D6D5D5-D1C6-465B-B735-E2307C7708EA}" type="datetimeFigureOut">
               <a:rPr lang="ko-KR" altLang="en-US" smtClean="0"/>
-              <a:t>2018-09-29</a:t>
+              <a:t>2018-09-30</a:t>
             </a:fld>
             <a:endParaRPr lang="ko-KR" altLang="en-US"/>
           </a:p>
@@ -775,7 +775,7 @@
           <a:p>
             <a:fld id="{39D6D5D5-D1C6-465B-B735-E2307C7708EA}" type="datetimeFigureOut">
               <a:rPr lang="ko-KR" altLang="en-US" smtClean="0"/>
-              <a:t>2018-09-29</a:t>
+              <a:t>2018-09-30</a:t>
             </a:fld>
             <a:endParaRPr lang="ko-KR" altLang="en-US"/>
           </a:p>
@@ -955,7 +955,7 @@
           <a:p>
             <a:fld id="{39D6D5D5-D1C6-465B-B735-E2307C7708EA}" type="datetimeFigureOut">
               <a:rPr lang="ko-KR" altLang="en-US" smtClean="0"/>
-              <a:t>2018-09-29</a:t>
+              <a:t>2018-09-30</a:t>
             </a:fld>
             <a:endParaRPr lang="ko-KR" altLang="en-US"/>
           </a:p>
@@ -1125,7 +1125,7 @@
           <a:p>
             <a:fld id="{39D6D5D5-D1C6-465B-B735-E2307C7708EA}" type="datetimeFigureOut">
               <a:rPr lang="ko-KR" altLang="en-US" smtClean="0"/>
-              <a:t>2018-09-29</a:t>
+              <a:t>2018-09-30</a:t>
             </a:fld>
             <a:endParaRPr lang="ko-KR" altLang="en-US"/>
           </a:p>
@@ -1371,7 +1371,7 @@
           <a:p>
             <a:fld id="{39D6D5D5-D1C6-465B-B735-E2307C7708EA}" type="datetimeFigureOut">
               <a:rPr lang="ko-KR" altLang="en-US" smtClean="0"/>
-              <a:t>2018-09-29</a:t>
+              <a:t>2018-09-30</a:t>
             </a:fld>
             <a:endParaRPr lang="ko-KR" altLang="en-US"/>
           </a:p>
@@ -1603,7 +1603,7 @@
           <a:p>
             <a:fld id="{39D6D5D5-D1C6-465B-B735-E2307C7708EA}" type="datetimeFigureOut">
               <a:rPr lang="ko-KR" altLang="en-US" smtClean="0"/>
-              <a:t>2018-09-29</a:t>
+              <a:t>2018-09-30</a:t>
             </a:fld>
             <a:endParaRPr lang="ko-KR" altLang="en-US"/>
           </a:p>
@@ -1970,7 +1970,7 @@
           <a:p>
             <a:fld id="{39D6D5D5-D1C6-465B-B735-E2307C7708EA}" type="datetimeFigureOut">
               <a:rPr lang="ko-KR" altLang="en-US" smtClean="0"/>
-              <a:t>2018-09-29</a:t>
+              <a:t>2018-09-30</a:t>
             </a:fld>
             <a:endParaRPr lang="ko-KR" altLang="en-US"/>
           </a:p>
@@ -2088,7 +2088,7 @@
           <a:p>
             <a:fld id="{39D6D5D5-D1C6-465B-B735-E2307C7708EA}" type="datetimeFigureOut">
               <a:rPr lang="ko-KR" altLang="en-US" smtClean="0"/>
-              <a:t>2018-09-29</a:t>
+              <a:t>2018-09-30</a:t>
             </a:fld>
             <a:endParaRPr lang="ko-KR" altLang="en-US"/>
           </a:p>
@@ -2183,7 +2183,7 @@
           <a:p>
             <a:fld id="{39D6D5D5-D1C6-465B-B735-E2307C7708EA}" type="datetimeFigureOut">
               <a:rPr lang="ko-KR" altLang="en-US" smtClean="0"/>
-              <a:t>2018-09-29</a:t>
+              <a:t>2018-09-30</a:t>
             </a:fld>
             <a:endParaRPr lang="ko-KR" altLang="en-US"/>
           </a:p>
@@ -2460,7 +2460,7 @@
           <a:p>
             <a:fld id="{39D6D5D5-D1C6-465B-B735-E2307C7708EA}" type="datetimeFigureOut">
               <a:rPr lang="ko-KR" altLang="en-US" smtClean="0"/>
-              <a:t>2018-09-29</a:t>
+              <a:t>2018-09-30</a:t>
             </a:fld>
             <a:endParaRPr lang="ko-KR" altLang="en-US"/>
           </a:p>
@@ -2713,7 +2713,7 @@
           <a:p>
             <a:fld id="{39D6D5D5-D1C6-465B-B735-E2307C7708EA}" type="datetimeFigureOut">
               <a:rPr lang="ko-KR" altLang="en-US" smtClean="0"/>
-              <a:t>2018-09-29</a:t>
+              <a:t>2018-09-30</a:t>
             </a:fld>
             <a:endParaRPr lang="ko-KR" altLang="en-US"/>
           </a:p>
@@ -2926,7 +2926,7 @@
           <a:p>
             <a:fld id="{39D6D5D5-D1C6-465B-B735-E2307C7708EA}" type="datetimeFigureOut">
               <a:rPr lang="ko-KR" altLang="en-US" smtClean="0"/>
-              <a:t>2018-09-29</a:t>
+              <a:t>2018-09-30</a:t>
             </a:fld>
             <a:endParaRPr lang="ko-KR" altLang="en-US"/>
           </a:p>
@@ -4165,11 +4165,6 @@
               </a:rPr>
               <a:t>Infinity</a:t>
             </a:r>
-            <a:endParaRPr lang="en-US" altLang="ko-KR" dirty="0" smtClean="0">
-              <a:solidFill>
-                <a:schemeClr val="tx1"/>
-              </a:solidFill>
-            </a:endParaRPr>
           </a:p>
         </p:txBody>
       </p:sp>
@@ -6466,113 +6461,98 @@
           </a:p>
         </p:txBody>
       </p:sp>
-      <p:grpSp>
-        <p:nvGrpSpPr>
-          <p:cNvPr id="5" name="그룹 4"/>
-          <p:cNvGrpSpPr/>
+      <p:sp>
+        <p:nvSpPr>
+          <p:cNvPr id="11" name="직각 삼각형 10"/>
+          <p:cNvSpPr/>
           <p:nvPr/>
-        </p:nvGrpSpPr>
-        <p:grpSpPr>
-          <a:xfrm>
-            <a:off x="4384160" y="2718454"/>
-            <a:ext cx="2568221" cy="1612127"/>
-            <a:chOff x="4384160" y="2718454"/>
-            <a:chExt cx="2568221" cy="1612127"/>
-          </a:xfrm>
-        </p:grpSpPr>
-        <p:sp>
-          <p:nvSpPr>
-            <p:cNvPr id="11" name="직각 삼각형 10"/>
-            <p:cNvSpPr/>
-            <p:nvPr/>
-          </p:nvSpPr>
-          <p:spPr>
-            <a:xfrm flipH="1">
-              <a:off x="4758983" y="2718454"/>
-              <a:ext cx="2193398" cy="1221235"/>
-            </a:xfrm>
-            <a:prstGeom prst="rtTriangle">
-              <a:avLst/>
-            </a:prstGeom>
-            <a:noFill/>
-            <a:ln w="38100">
-              <a:solidFill>
-                <a:schemeClr val="tx1"/>
-              </a:solidFill>
-            </a:ln>
-          </p:spPr>
-          <p:style>
-            <a:lnRef idx="2">
-              <a:schemeClr val="accent1">
-                <a:shade val="50000"/>
-              </a:schemeClr>
-            </a:lnRef>
-            <a:fillRef idx="1">
-              <a:schemeClr val="accent1"/>
-            </a:fillRef>
-            <a:effectRef idx="0">
-              <a:schemeClr val="accent1"/>
-            </a:effectRef>
-            <a:fontRef idx="minor">
-              <a:schemeClr val="lt1"/>
-            </a:fontRef>
-          </p:style>
-          <p:txBody>
-            <a:bodyPr rtlCol="0" anchor="ctr"/>
-            <a:lstStyle/>
-            <a:p>
-              <a:pPr algn="ctr"/>
-              <a:endParaRPr lang="ko-KR" altLang="en-US"/>
-            </a:p>
-          </p:txBody>
-        </p:sp>
-        <p:sp>
-          <p:nvSpPr>
-            <p:cNvPr id="12" name="원호 11"/>
-            <p:cNvSpPr/>
-            <p:nvPr/>
-          </p:nvSpPr>
-          <p:spPr>
-            <a:xfrm>
-              <a:off x="4384160" y="3541600"/>
-              <a:ext cx="788982" cy="788981"/>
-            </a:xfrm>
-            <a:prstGeom prst="arc">
-              <a:avLst>
-                <a:gd name="adj1" fmla="val 19890689"/>
-                <a:gd name="adj2" fmla="val 0"/>
-              </a:avLst>
-            </a:prstGeom>
-            <a:ln w="38100">
-              <a:solidFill>
-                <a:srgbClr val="FF0000"/>
-              </a:solidFill>
-            </a:ln>
-          </p:spPr>
-          <p:style>
-            <a:lnRef idx="1">
-              <a:schemeClr val="accent1"/>
-            </a:lnRef>
-            <a:fillRef idx="0">
-              <a:schemeClr val="accent1"/>
-            </a:fillRef>
-            <a:effectRef idx="0">
-              <a:schemeClr val="accent1"/>
-            </a:effectRef>
-            <a:fontRef idx="minor">
+        </p:nvSpPr>
+        <p:spPr>
+          <a:xfrm flipH="1">
+            <a:off x="4758983" y="2718454"/>
+            <a:ext cx="2193398" cy="1221235"/>
+          </a:xfrm>
+          <a:prstGeom prst="rtTriangle">
+            <a:avLst/>
+          </a:prstGeom>
+          <a:noFill/>
+          <a:ln w="38100">
+            <a:solidFill>
               <a:schemeClr val="tx1"/>
-            </a:fontRef>
-          </p:style>
-          <p:txBody>
-            <a:bodyPr rtlCol="0" anchor="ctr"/>
-            <a:lstStyle/>
-            <a:p>
-              <a:pPr algn="ctr"/>
-              <a:endParaRPr lang="ko-KR" altLang="en-US"/>
-            </a:p>
-          </p:txBody>
-        </p:sp>
-      </p:grpSp>
+            </a:solidFill>
+          </a:ln>
+        </p:spPr>
+        <p:style>
+          <a:lnRef idx="2">
+            <a:schemeClr val="accent1">
+              <a:shade val="50000"/>
+            </a:schemeClr>
+          </a:lnRef>
+          <a:fillRef idx="1">
+            <a:schemeClr val="accent1"/>
+          </a:fillRef>
+          <a:effectRef idx="0">
+            <a:schemeClr val="accent1"/>
+          </a:effectRef>
+          <a:fontRef idx="minor">
+            <a:schemeClr val="lt1"/>
+          </a:fontRef>
+        </p:style>
+        <p:txBody>
+          <a:bodyPr rtlCol="0" anchor="ctr"/>
+          <a:lstStyle/>
+          <a:p>
+            <a:pPr algn="ctr"/>
+            <a:endParaRPr lang="ko-KR" altLang="en-US"/>
+          </a:p>
+        </p:txBody>
+      </p:sp>
+      <p:sp>
+        <p:nvSpPr>
+          <p:cNvPr id="12" name="원호 11"/>
+          <p:cNvSpPr/>
+          <p:nvPr/>
+        </p:nvSpPr>
+        <p:spPr>
+          <a:xfrm>
+            <a:off x="4384160" y="3541600"/>
+            <a:ext cx="788982" cy="788981"/>
+          </a:xfrm>
+          <a:prstGeom prst="arc">
+            <a:avLst>
+              <a:gd name="adj1" fmla="val 19890689"/>
+              <a:gd name="adj2" fmla="val 0"/>
+            </a:avLst>
+          </a:prstGeom>
+          <a:ln w="38100">
+            <a:solidFill>
+              <a:srgbClr val="FF0000"/>
+            </a:solidFill>
+          </a:ln>
+        </p:spPr>
+        <p:style>
+          <a:lnRef idx="1">
+            <a:schemeClr val="accent1"/>
+          </a:lnRef>
+          <a:fillRef idx="0">
+            <a:schemeClr val="accent1"/>
+          </a:fillRef>
+          <a:effectRef idx="0">
+            <a:schemeClr val="accent1"/>
+          </a:effectRef>
+          <a:fontRef idx="minor">
+            <a:schemeClr val="tx1"/>
+          </a:fontRef>
+        </p:style>
+        <p:txBody>
+          <a:bodyPr rtlCol="0" anchor="ctr"/>
+          <a:lstStyle/>
+          <a:p>
+            <a:pPr algn="ctr"/>
+            <a:endParaRPr lang="ko-KR" altLang="en-US"/>
+          </a:p>
+        </p:txBody>
+      </p:sp>
       <p:sp>
         <p:nvSpPr>
           <p:cNvPr id="15" name="원호 14"/>
@@ -7110,6 +7090,203 @@
           </p:txBody>
         </p:sp>
       </p:grpSp>
+      <p:cxnSp>
+        <p:nvCxnSpPr>
+          <p:cNvPr id="23" name="직선 연결선 22"/>
+          <p:cNvCxnSpPr/>
+          <p:nvPr/>
+        </p:nvCxnSpPr>
+        <p:spPr>
+          <a:xfrm flipV="1">
+            <a:off x="4124232" y="2187755"/>
+            <a:ext cx="2193398" cy="1221235"/>
+          </a:xfrm>
+          <a:prstGeom prst="line">
+            <a:avLst/>
+          </a:prstGeom>
+          <a:ln w="76200">
+            <a:solidFill>
+              <a:srgbClr val="FFFF00"/>
+            </a:solidFill>
+          </a:ln>
+        </p:spPr>
+        <p:style>
+          <a:lnRef idx="1">
+            <a:schemeClr val="accent1"/>
+          </a:lnRef>
+          <a:fillRef idx="0">
+            <a:schemeClr val="accent1"/>
+          </a:fillRef>
+          <a:effectRef idx="0">
+            <a:schemeClr val="accent1"/>
+          </a:effectRef>
+          <a:fontRef idx="minor">
+            <a:schemeClr val="tx1"/>
+          </a:fontRef>
+        </p:style>
+      </p:cxnSp>
+      <p:cxnSp>
+        <p:nvCxnSpPr>
+          <p:cNvPr id="25" name="직선 연결선 24"/>
+          <p:cNvCxnSpPr/>
+          <p:nvPr/>
+        </p:nvCxnSpPr>
+        <p:spPr>
+          <a:xfrm flipV="1">
+            <a:off x="7476083" y="2671319"/>
+            <a:ext cx="0" cy="1221235"/>
+          </a:xfrm>
+          <a:prstGeom prst="line">
+            <a:avLst/>
+          </a:prstGeom>
+          <a:ln w="76200">
+            <a:solidFill>
+              <a:srgbClr val="FFFF00"/>
+            </a:solidFill>
+          </a:ln>
+        </p:spPr>
+        <p:style>
+          <a:lnRef idx="1">
+            <a:schemeClr val="accent1"/>
+          </a:lnRef>
+          <a:fillRef idx="0">
+            <a:schemeClr val="accent1"/>
+          </a:fillRef>
+          <a:effectRef idx="0">
+            <a:schemeClr val="accent1"/>
+          </a:effectRef>
+          <a:fontRef idx="minor">
+            <a:schemeClr val="tx1"/>
+          </a:fontRef>
+        </p:style>
+      </p:cxnSp>
+      <p:cxnSp>
+        <p:nvCxnSpPr>
+          <p:cNvPr id="27" name="직선 연결선 26"/>
+          <p:cNvCxnSpPr/>
+          <p:nvPr/>
+        </p:nvCxnSpPr>
+        <p:spPr>
+          <a:xfrm flipH="1">
+            <a:off x="4675856" y="4330581"/>
+            <a:ext cx="2193398" cy="0"/>
+          </a:xfrm>
+          <a:prstGeom prst="line">
+            <a:avLst/>
+          </a:prstGeom>
+          <a:ln w="76200">
+            <a:solidFill>
+              <a:srgbClr val="FFFF00"/>
+            </a:solidFill>
+          </a:ln>
+        </p:spPr>
+        <p:style>
+          <a:lnRef idx="1">
+            <a:schemeClr val="accent1"/>
+          </a:lnRef>
+          <a:fillRef idx="0">
+            <a:schemeClr val="accent1"/>
+          </a:fillRef>
+          <a:effectRef idx="0">
+            <a:schemeClr val="accent1"/>
+          </a:effectRef>
+          <a:fontRef idx="minor">
+            <a:schemeClr val="tx1"/>
+          </a:fontRef>
+        </p:style>
+      </p:cxnSp>
+      <p:sp>
+        <p:nvSpPr>
+          <p:cNvPr id="29" name="원호 28"/>
+          <p:cNvSpPr/>
+          <p:nvPr/>
+        </p:nvSpPr>
+        <p:spPr>
+          <a:xfrm>
+            <a:off x="4603062" y="4334179"/>
+            <a:ext cx="788982" cy="788981"/>
+          </a:xfrm>
+          <a:prstGeom prst="arc">
+            <a:avLst>
+              <a:gd name="adj1" fmla="val 19890689"/>
+              <a:gd name="adj2" fmla="val 0"/>
+            </a:avLst>
+          </a:prstGeom>
+          <a:ln w="76200">
+            <a:solidFill>
+              <a:srgbClr val="FFFF00"/>
+            </a:solidFill>
+          </a:ln>
+        </p:spPr>
+        <p:style>
+          <a:lnRef idx="1">
+            <a:schemeClr val="accent1"/>
+          </a:lnRef>
+          <a:fillRef idx="0">
+            <a:schemeClr val="accent1"/>
+          </a:fillRef>
+          <a:effectRef idx="0">
+            <a:schemeClr val="accent1"/>
+          </a:effectRef>
+          <a:fontRef idx="minor">
+            <a:schemeClr val="tx1"/>
+          </a:fontRef>
+        </p:style>
+        <p:txBody>
+          <a:bodyPr rtlCol="0" anchor="ctr"/>
+          <a:lstStyle/>
+          <a:p>
+            <a:pPr algn="ctr"/>
+            <a:endParaRPr lang="ko-KR" altLang="en-US"/>
+          </a:p>
+        </p:txBody>
+      </p:sp>
+      <p:sp>
+        <p:nvSpPr>
+          <p:cNvPr id="30" name="원호 29"/>
+          <p:cNvSpPr/>
+          <p:nvPr/>
+        </p:nvSpPr>
+        <p:spPr>
+          <a:xfrm rot="10800000">
+            <a:off x="6632907" y="3979910"/>
+            <a:ext cx="748759" cy="748759"/>
+          </a:xfrm>
+          <a:prstGeom prst="arc">
+            <a:avLst>
+              <a:gd name="adj1" fmla="val 16391892"/>
+              <a:gd name="adj2" fmla="val 19578702"/>
+            </a:avLst>
+          </a:prstGeom>
+          <a:ln w="76200">
+            <a:solidFill>
+              <a:srgbClr val="FFFF00"/>
+            </a:solidFill>
+          </a:ln>
+        </p:spPr>
+        <p:style>
+          <a:lnRef idx="1">
+            <a:schemeClr val="accent1"/>
+          </a:lnRef>
+          <a:fillRef idx="0">
+            <a:schemeClr val="accent1"/>
+          </a:fillRef>
+          <a:effectRef idx="0">
+            <a:schemeClr val="accent1"/>
+          </a:effectRef>
+          <a:fontRef idx="minor">
+            <a:schemeClr val="tx1"/>
+          </a:fontRef>
+        </p:style>
+        <p:txBody>
+          <a:bodyPr rtlCol="0" anchor="ctr"/>
+          <a:lstStyle/>
+          <a:p>
+            <a:pPr algn="ctr"/>
+            <a:endParaRPr lang="ko-KR" altLang="en-US"/>
+          </a:p>
+        </p:txBody>
+      </p:sp>
     </p:spTree>
     <p:extLst>
       <p:ext uri="{BB962C8B-B14F-4D97-AF65-F5344CB8AC3E}">

--- a/TriFunction/그림용.pptx
+++ b/TriFunction/그림용.pptx
@@ -7287,6 +7287,169 @@
           </a:p>
         </p:txBody>
       </p:sp>
+      <p:sp>
+        <p:nvSpPr>
+          <p:cNvPr id="28" name="원호 27"/>
+          <p:cNvSpPr/>
+          <p:nvPr/>
+        </p:nvSpPr>
+        <p:spPr>
+          <a:xfrm rot="10800000">
+            <a:off x="7702140" y="3892554"/>
+            <a:ext cx="748759" cy="748759"/>
+          </a:xfrm>
+          <a:prstGeom prst="arc">
+            <a:avLst>
+              <a:gd name="adj1" fmla="val 16391892"/>
+              <a:gd name="adj2" fmla="val 19578702"/>
+            </a:avLst>
+          </a:prstGeom>
+          <a:ln w="76200">
+            <a:solidFill>
+              <a:schemeClr val="accent1">
+                <a:lumMod val="20000"/>
+                <a:lumOff val="80000"/>
+              </a:schemeClr>
+            </a:solidFill>
+          </a:ln>
+        </p:spPr>
+        <p:style>
+          <a:lnRef idx="1">
+            <a:schemeClr val="accent1"/>
+          </a:lnRef>
+          <a:fillRef idx="0">
+            <a:schemeClr val="accent1"/>
+          </a:fillRef>
+          <a:effectRef idx="0">
+            <a:schemeClr val="accent1"/>
+          </a:effectRef>
+          <a:fontRef idx="minor">
+            <a:schemeClr val="tx1"/>
+          </a:fontRef>
+        </p:style>
+        <p:txBody>
+          <a:bodyPr rtlCol="0" anchor="ctr"/>
+          <a:lstStyle/>
+          <a:p>
+            <a:pPr algn="ctr"/>
+            <a:endParaRPr lang="ko-KR" altLang="en-US"/>
+          </a:p>
+        </p:txBody>
+      </p:sp>
+      <p:cxnSp>
+        <p:nvCxnSpPr>
+          <p:cNvPr id="31" name="직선 연결선 30"/>
+          <p:cNvCxnSpPr/>
+          <p:nvPr/>
+        </p:nvCxnSpPr>
+        <p:spPr>
+          <a:xfrm flipV="1">
+            <a:off x="3825336" y="1932742"/>
+            <a:ext cx="2193398" cy="1221235"/>
+          </a:xfrm>
+          <a:prstGeom prst="line">
+            <a:avLst/>
+          </a:prstGeom>
+          <a:ln w="76200">
+            <a:solidFill>
+              <a:schemeClr val="accent1">
+                <a:lumMod val="20000"/>
+                <a:lumOff val="80000"/>
+              </a:schemeClr>
+            </a:solidFill>
+          </a:ln>
+        </p:spPr>
+        <p:style>
+          <a:lnRef idx="1">
+            <a:schemeClr val="accent1"/>
+          </a:lnRef>
+          <a:fillRef idx="0">
+            <a:schemeClr val="accent1"/>
+          </a:fillRef>
+          <a:effectRef idx="0">
+            <a:schemeClr val="accent1"/>
+          </a:effectRef>
+          <a:fontRef idx="minor">
+            <a:schemeClr val="tx1"/>
+          </a:fontRef>
+        </p:style>
+      </p:cxnSp>
+      <p:cxnSp>
+        <p:nvCxnSpPr>
+          <p:cNvPr id="32" name="직선 연결선 31"/>
+          <p:cNvCxnSpPr/>
+          <p:nvPr/>
+        </p:nvCxnSpPr>
+        <p:spPr>
+          <a:xfrm flipV="1">
+            <a:off x="7869552" y="2701942"/>
+            <a:ext cx="0" cy="1221235"/>
+          </a:xfrm>
+          <a:prstGeom prst="line">
+            <a:avLst/>
+          </a:prstGeom>
+          <a:ln w="76200">
+            <a:solidFill>
+              <a:schemeClr val="accent1">
+                <a:lumMod val="20000"/>
+                <a:lumOff val="80000"/>
+              </a:schemeClr>
+            </a:solidFill>
+          </a:ln>
+        </p:spPr>
+        <p:style>
+          <a:lnRef idx="1">
+            <a:schemeClr val="accent1"/>
+          </a:lnRef>
+          <a:fillRef idx="0">
+            <a:schemeClr val="accent1"/>
+          </a:fillRef>
+          <a:effectRef idx="0">
+            <a:schemeClr val="accent1"/>
+          </a:effectRef>
+          <a:fontRef idx="minor">
+            <a:schemeClr val="tx1"/>
+          </a:fontRef>
+        </p:style>
+      </p:cxnSp>
+      <p:cxnSp>
+        <p:nvCxnSpPr>
+          <p:cNvPr id="33" name="직선 연결선 32"/>
+          <p:cNvCxnSpPr/>
+          <p:nvPr/>
+        </p:nvCxnSpPr>
+        <p:spPr>
+          <a:xfrm flipH="1">
+            <a:off x="4041173" y="5084017"/>
+            <a:ext cx="2193398" cy="0"/>
+          </a:xfrm>
+          <a:prstGeom prst="line">
+            <a:avLst/>
+          </a:prstGeom>
+          <a:ln w="76200">
+            <a:solidFill>
+              <a:schemeClr val="accent1">
+                <a:lumMod val="20000"/>
+                <a:lumOff val="80000"/>
+              </a:schemeClr>
+            </a:solidFill>
+          </a:ln>
+        </p:spPr>
+        <p:style>
+          <a:lnRef idx="1">
+            <a:schemeClr val="accent1"/>
+          </a:lnRef>
+          <a:fillRef idx="0">
+            <a:schemeClr val="accent1"/>
+          </a:fillRef>
+          <a:effectRef idx="0">
+            <a:schemeClr val="accent1"/>
+          </a:effectRef>
+          <a:fontRef idx="minor">
+            <a:schemeClr val="tx1"/>
+          </a:fontRef>
+        </p:style>
+      </p:cxnSp>
     </p:spTree>
     <p:extLst>
       <p:ext uri="{BB962C8B-B14F-4D97-AF65-F5344CB8AC3E}">

--- a/TriFunction/그림용.pptx
+++ b/TriFunction/그림용.pptx
@@ -5,7 +5,7 @@
     <p:sldMasterId id="2147483648" r:id="rId1"/>
   </p:sldMasterIdLst>
   <p:notesMasterIdLst>
-    <p:notesMasterId r:id="rId12"/>
+    <p:notesMasterId r:id="rId15"/>
   </p:notesMasterIdLst>
   <p:sldIdLst>
     <p:sldId id="256" r:id="rId2"/>
@@ -13,11 +13,14 @@
     <p:sldId id="258" r:id="rId4"/>
     <p:sldId id="259" r:id="rId5"/>
     <p:sldId id="262" r:id="rId6"/>
-    <p:sldId id="266" r:id="rId7"/>
-    <p:sldId id="267" r:id="rId8"/>
-    <p:sldId id="263" r:id="rId9"/>
-    <p:sldId id="264" r:id="rId10"/>
-    <p:sldId id="265" r:id="rId11"/>
+    <p:sldId id="267" r:id="rId7"/>
+    <p:sldId id="263" r:id="rId8"/>
+    <p:sldId id="264" r:id="rId9"/>
+    <p:sldId id="265" r:id="rId10"/>
+    <p:sldId id="266" r:id="rId11"/>
+    <p:sldId id="268" r:id="rId12"/>
+    <p:sldId id="269" r:id="rId13"/>
+    <p:sldId id="270" r:id="rId14"/>
   </p:sldIdLst>
   <p:sldSz cx="12192000" cy="6858000"/>
   <p:notesSz cx="6858000" cy="9144000"/>
@@ -206,7 +209,7 @@
           <a:p>
             <a:fld id="{7A69A65F-D152-468D-9567-D5957D3F5103}" type="datetimeFigureOut">
               <a:rPr lang="ko-KR" altLang="en-US" smtClean="0"/>
-              <a:t>2018-09-30</a:t>
+              <a:t>2018-10-02</a:t>
             </a:fld>
             <a:endParaRPr lang="ko-KR" altLang="en-US"/>
           </a:p>
@@ -605,7 +608,7 @@
           <a:p>
             <a:fld id="{39D6D5D5-D1C6-465B-B735-E2307C7708EA}" type="datetimeFigureOut">
               <a:rPr lang="ko-KR" altLang="en-US" smtClean="0"/>
-              <a:t>2018-09-30</a:t>
+              <a:t>2018-10-02</a:t>
             </a:fld>
             <a:endParaRPr lang="ko-KR" altLang="en-US"/>
           </a:p>
@@ -775,7 +778,7 @@
           <a:p>
             <a:fld id="{39D6D5D5-D1C6-465B-B735-E2307C7708EA}" type="datetimeFigureOut">
               <a:rPr lang="ko-KR" altLang="en-US" smtClean="0"/>
-              <a:t>2018-09-30</a:t>
+              <a:t>2018-10-02</a:t>
             </a:fld>
             <a:endParaRPr lang="ko-KR" altLang="en-US"/>
           </a:p>
@@ -955,7 +958,7 @@
           <a:p>
             <a:fld id="{39D6D5D5-D1C6-465B-B735-E2307C7708EA}" type="datetimeFigureOut">
               <a:rPr lang="ko-KR" altLang="en-US" smtClean="0"/>
-              <a:t>2018-09-30</a:t>
+              <a:t>2018-10-02</a:t>
             </a:fld>
             <a:endParaRPr lang="ko-KR" altLang="en-US"/>
           </a:p>
@@ -1125,7 +1128,7 @@
           <a:p>
             <a:fld id="{39D6D5D5-D1C6-465B-B735-E2307C7708EA}" type="datetimeFigureOut">
               <a:rPr lang="ko-KR" altLang="en-US" smtClean="0"/>
-              <a:t>2018-09-30</a:t>
+              <a:t>2018-10-02</a:t>
             </a:fld>
             <a:endParaRPr lang="ko-KR" altLang="en-US"/>
           </a:p>
@@ -1371,7 +1374,7 @@
           <a:p>
             <a:fld id="{39D6D5D5-D1C6-465B-B735-E2307C7708EA}" type="datetimeFigureOut">
               <a:rPr lang="ko-KR" altLang="en-US" smtClean="0"/>
-              <a:t>2018-09-30</a:t>
+              <a:t>2018-10-02</a:t>
             </a:fld>
             <a:endParaRPr lang="ko-KR" altLang="en-US"/>
           </a:p>
@@ -1603,7 +1606,7 @@
           <a:p>
             <a:fld id="{39D6D5D5-D1C6-465B-B735-E2307C7708EA}" type="datetimeFigureOut">
               <a:rPr lang="ko-KR" altLang="en-US" smtClean="0"/>
-              <a:t>2018-09-30</a:t>
+              <a:t>2018-10-02</a:t>
             </a:fld>
             <a:endParaRPr lang="ko-KR" altLang="en-US"/>
           </a:p>
@@ -1970,7 +1973,7 @@
           <a:p>
             <a:fld id="{39D6D5D5-D1C6-465B-B735-E2307C7708EA}" type="datetimeFigureOut">
               <a:rPr lang="ko-KR" altLang="en-US" smtClean="0"/>
-              <a:t>2018-09-30</a:t>
+              <a:t>2018-10-02</a:t>
             </a:fld>
             <a:endParaRPr lang="ko-KR" altLang="en-US"/>
           </a:p>
@@ -2088,7 +2091,7 @@
           <a:p>
             <a:fld id="{39D6D5D5-D1C6-465B-B735-E2307C7708EA}" type="datetimeFigureOut">
               <a:rPr lang="ko-KR" altLang="en-US" smtClean="0"/>
-              <a:t>2018-09-30</a:t>
+              <a:t>2018-10-02</a:t>
             </a:fld>
             <a:endParaRPr lang="ko-KR" altLang="en-US"/>
           </a:p>
@@ -2183,7 +2186,7 @@
           <a:p>
             <a:fld id="{39D6D5D5-D1C6-465B-B735-E2307C7708EA}" type="datetimeFigureOut">
               <a:rPr lang="ko-KR" altLang="en-US" smtClean="0"/>
-              <a:t>2018-09-30</a:t>
+              <a:t>2018-10-02</a:t>
             </a:fld>
             <a:endParaRPr lang="ko-KR" altLang="en-US"/>
           </a:p>
@@ -2460,7 +2463,7 @@
           <a:p>
             <a:fld id="{39D6D5D5-D1C6-465B-B735-E2307C7708EA}" type="datetimeFigureOut">
               <a:rPr lang="ko-KR" altLang="en-US" smtClean="0"/>
-              <a:t>2018-09-30</a:t>
+              <a:t>2018-10-02</a:t>
             </a:fld>
             <a:endParaRPr lang="ko-KR" altLang="en-US"/>
           </a:p>
@@ -2713,7 +2716,7 @@
           <a:p>
             <a:fld id="{39D6D5D5-D1C6-465B-B735-E2307C7708EA}" type="datetimeFigureOut">
               <a:rPr lang="ko-KR" altLang="en-US" smtClean="0"/>
-              <a:t>2018-09-30</a:t>
+              <a:t>2018-10-02</a:t>
             </a:fld>
             <a:endParaRPr lang="ko-KR" altLang="en-US"/>
           </a:p>
@@ -2926,7 +2929,7 @@
           <a:p>
             <a:fld id="{39D6D5D5-D1C6-465B-B735-E2307C7708EA}" type="datetimeFigureOut">
               <a:rPr lang="ko-KR" altLang="en-US" smtClean="0"/>
-              <a:t>2018-09-30</a:t>
+              <a:t>2018-10-02</a:t>
             </a:fld>
             <a:endParaRPr lang="ko-KR" altLang="en-US"/>
           </a:p>
@@ -3417,10 +3420,647 @@
           <a:chExt cx="0" cy="0"/>
         </a:xfrm>
       </p:grpSpPr>
+      <p:sp>
+        <p:nvSpPr>
+          <p:cNvPr id="4" name="Rectangle 2"/>
+          <p:cNvSpPr>
+            <a:spLocks noChangeArrowheads="1"/>
+          </p:cNvSpPr>
+          <p:nvPr/>
+        </p:nvSpPr>
+        <p:spPr bwMode="auto">
+          <a:xfrm>
+            <a:off x="-838354" y="-5241302"/>
+            <a:ext cx="3062453" cy="252847"/>
+          </a:xfrm>
+          <a:prstGeom prst="rect">
+            <a:avLst/>
+          </a:prstGeom>
+          <a:noFill/>
+          <a:ln>
+            <a:noFill/>
+          </a:ln>
+          <a:effectLst/>
+          <a:extLst>
+            <a:ext uri="{909E8E84-426E-40DD-AFC4-6F175D3DCCD1}">
+              <a14:hiddenFill xmlns:a14="http://schemas.microsoft.com/office/drawing/2010/main">
+                <a:solidFill>
+                  <a:schemeClr val="accent1"/>
+                </a:solidFill>
+              </a14:hiddenFill>
+            </a:ext>
+            <a:ext uri="{91240B29-F687-4F45-9708-019B960494DF}">
+              <a14:hiddenLine xmlns:a14="http://schemas.microsoft.com/office/drawing/2010/main" w="9525">
+                <a:solidFill>
+                  <a:schemeClr val="tx1"/>
+                </a:solidFill>
+                <a:miter lim="800000"/>
+                <a:headEnd/>
+                <a:tailEnd/>
+              </a14:hiddenLine>
+            </a:ext>
+            <a:ext uri="{AF507438-7753-43E0-B8FC-AC1667EBCBE1}">
+              <a14:hiddenEffects xmlns:a14="http://schemas.microsoft.com/office/drawing/2010/main">
+                <a:effectLst>
+                  <a:outerShdw dist="35921" dir="2700000" algn="ctr" rotWithShape="0">
+                    <a:schemeClr val="bg2"/>
+                  </a:outerShdw>
+                </a:effectLst>
+              </a14:hiddenEffects>
+            </a:ext>
+          </a:extLst>
+        </p:spPr>
+        <p:txBody>
+          <a:bodyPr vert="horz" wrap="square" lIns="91440" tIns="45720" rIns="91440" bIns="45720" numCol="1" anchor="ctr" anchorCtr="0" compatLnSpc="1">
+            <a:prstTxWarp prst="textNoShape">
+              <a:avLst/>
+            </a:prstTxWarp>
+            <a:spAutoFit/>
+          </a:bodyPr>
+          <a:lstStyle/>
+          <a:p>
+            <a:endParaRPr lang="ko-KR" altLang="en-US"/>
+          </a:p>
+        </p:txBody>
+      </p:sp>
+      <p:sp>
+        <p:nvSpPr>
+          <p:cNvPr id="10" name="타원 9"/>
+          <p:cNvSpPr/>
+          <p:nvPr/>
+        </p:nvSpPr>
+        <p:spPr>
+          <a:xfrm>
+            <a:off x="1354471" y="2701907"/>
+            <a:ext cx="1577972" cy="1471352"/>
+          </a:xfrm>
+          <a:prstGeom prst="ellipse">
+            <a:avLst/>
+          </a:prstGeom>
+        </p:spPr>
+        <p:style>
+          <a:lnRef idx="2">
+            <a:schemeClr val="accent1">
+              <a:shade val="50000"/>
+            </a:schemeClr>
+          </a:lnRef>
+          <a:fillRef idx="1">
+            <a:schemeClr val="accent1"/>
+          </a:fillRef>
+          <a:effectRef idx="0">
+            <a:schemeClr val="accent1"/>
+          </a:effectRef>
+          <a:fontRef idx="minor">
+            <a:schemeClr val="lt1"/>
+          </a:fontRef>
+        </p:style>
+        <p:txBody>
+          <a:bodyPr rtlCol="0" anchor="ctr"/>
+          <a:lstStyle/>
+          <a:p>
+            <a:pPr algn="ctr"/>
+            <a:r>
+              <a:rPr lang="ko-KR" altLang="en-US" dirty="0" err="1" smtClean="0"/>
+              <a:t>깨봉</a:t>
+            </a:r>
+            <a:endParaRPr lang="ko-KR" altLang="en-US" dirty="0"/>
+          </a:p>
+        </p:txBody>
+      </p:sp>
+      <p:sp>
+        <p:nvSpPr>
+          <p:cNvPr id="11" name="직각 삼각형 10"/>
+          <p:cNvSpPr/>
+          <p:nvPr/>
+        </p:nvSpPr>
+        <p:spPr>
+          <a:xfrm flipH="1">
+            <a:off x="4095737" y="2298137"/>
+            <a:ext cx="2152267" cy="1769384"/>
+          </a:xfrm>
+          <a:prstGeom prst="rtTriangle">
+            <a:avLst/>
+          </a:prstGeom>
+          <a:noFill/>
+          <a:ln w="38100">
+            <a:solidFill>
+              <a:schemeClr val="tx1"/>
+            </a:solidFill>
+          </a:ln>
+        </p:spPr>
+        <p:style>
+          <a:lnRef idx="2">
+            <a:schemeClr val="accent1">
+              <a:shade val="50000"/>
+            </a:schemeClr>
+          </a:lnRef>
+          <a:fillRef idx="1">
+            <a:schemeClr val="accent1"/>
+          </a:fillRef>
+          <a:effectRef idx="0">
+            <a:schemeClr val="accent1"/>
+          </a:effectRef>
+          <a:fontRef idx="minor">
+            <a:schemeClr val="lt1"/>
+          </a:fontRef>
+        </p:style>
+        <p:txBody>
+          <a:bodyPr rtlCol="0" anchor="ctr"/>
+          <a:lstStyle/>
+          <a:p>
+            <a:pPr algn="ctr"/>
+            <a:endParaRPr lang="ko-KR" altLang="en-US"/>
+          </a:p>
+        </p:txBody>
+      </p:sp>
+      <p:sp>
+        <p:nvSpPr>
+          <p:cNvPr id="12" name="원호 11"/>
+          <p:cNvSpPr/>
+          <p:nvPr/>
+        </p:nvSpPr>
+        <p:spPr>
+          <a:xfrm>
+            <a:off x="3552675" y="3490749"/>
+            <a:ext cx="1143114" cy="1143114"/>
+          </a:xfrm>
+          <a:prstGeom prst="arc">
+            <a:avLst>
+              <a:gd name="adj1" fmla="val 19187776"/>
+              <a:gd name="adj2" fmla="val 0"/>
+            </a:avLst>
+          </a:prstGeom>
+          <a:ln w="38100">
+            <a:solidFill>
+              <a:srgbClr val="FF0000"/>
+            </a:solidFill>
+          </a:ln>
+        </p:spPr>
+        <p:style>
+          <a:lnRef idx="1">
+            <a:schemeClr val="accent1"/>
+          </a:lnRef>
+          <a:fillRef idx="0">
+            <a:schemeClr val="accent1"/>
+          </a:fillRef>
+          <a:effectRef idx="0">
+            <a:schemeClr val="accent1"/>
+          </a:effectRef>
+          <a:fontRef idx="minor">
+            <a:schemeClr val="tx1"/>
+          </a:fontRef>
+        </p:style>
+        <p:txBody>
+          <a:bodyPr rtlCol="0" anchor="ctr"/>
+          <a:lstStyle/>
+          <a:p>
+            <a:pPr algn="ctr"/>
+            <a:endParaRPr lang="ko-KR" altLang="en-US"/>
+          </a:p>
+        </p:txBody>
+      </p:sp>
+      <p:sp>
+        <p:nvSpPr>
+          <p:cNvPr id="15" name="원호 14"/>
+          <p:cNvSpPr/>
+          <p:nvPr/>
+        </p:nvSpPr>
+        <p:spPr>
+          <a:xfrm rot="10800000">
+            <a:off x="5543944" y="1677523"/>
+            <a:ext cx="1362136" cy="1362136"/>
+          </a:xfrm>
+          <a:prstGeom prst="arc">
+            <a:avLst>
+              <a:gd name="adj1" fmla="val 16200000"/>
+              <a:gd name="adj2" fmla="val 19275865"/>
+            </a:avLst>
+          </a:prstGeom>
+          <a:ln w="38100">
+            <a:solidFill>
+              <a:srgbClr val="56D1F8"/>
+            </a:solidFill>
+          </a:ln>
+        </p:spPr>
+        <p:style>
+          <a:lnRef idx="1">
+            <a:schemeClr val="accent1"/>
+          </a:lnRef>
+          <a:fillRef idx="0">
+            <a:schemeClr val="accent1"/>
+          </a:fillRef>
+          <a:effectRef idx="0">
+            <a:schemeClr val="accent1"/>
+          </a:effectRef>
+          <a:fontRef idx="minor">
+            <a:schemeClr val="tx1"/>
+          </a:fontRef>
+        </p:style>
+        <p:txBody>
+          <a:bodyPr rtlCol="0" anchor="ctr"/>
+          <a:lstStyle/>
+          <a:p>
+            <a:pPr algn="ctr"/>
+            <a:endParaRPr lang="ko-KR" altLang="en-US"/>
+          </a:p>
+        </p:txBody>
+      </p:sp>
+      <p:sp>
+        <p:nvSpPr>
+          <p:cNvPr id="22" name="타원 21"/>
+          <p:cNvSpPr/>
+          <p:nvPr/>
+        </p:nvSpPr>
+        <p:spPr>
+          <a:xfrm>
+            <a:off x="9821030" y="4320576"/>
+            <a:ext cx="764422" cy="712772"/>
+          </a:xfrm>
+          <a:prstGeom prst="ellipse">
+            <a:avLst/>
+          </a:prstGeom>
+          <a:solidFill>
+            <a:schemeClr val="tx1"/>
+          </a:solidFill>
+          <a:ln>
+            <a:noFill/>
+          </a:ln>
+        </p:spPr>
+        <p:style>
+          <a:lnRef idx="2">
+            <a:schemeClr val="accent1">
+              <a:shade val="50000"/>
+            </a:schemeClr>
+          </a:lnRef>
+          <a:fillRef idx="1">
+            <a:schemeClr val="accent1"/>
+          </a:fillRef>
+          <a:effectRef idx="0">
+            <a:schemeClr val="accent1"/>
+          </a:effectRef>
+          <a:fontRef idx="minor">
+            <a:schemeClr val="lt1"/>
+          </a:fontRef>
+        </p:style>
+        <p:txBody>
+          <a:bodyPr rtlCol="0" anchor="ctr"/>
+          <a:lstStyle/>
+          <a:p>
+            <a:pPr algn="ctr"/>
+            <a:r>
+              <a:rPr lang="en-US" altLang="ko-KR" dirty="0" smtClean="0"/>
+              <a:t>sin</a:t>
+            </a:r>
+            <a:endParaRPr lang="ko-KR" altLang="en-US" dirty="0"/>
+          </a:p>
+        </p:txBody>
+      </p:sp>
+      <p:sp>
+        <p:nvSpPr>
+          <p:cNvPr id="24" name="타원 23"/>
+          <p:cNvSpPr/>
+          <p:nvPr/>
+        </p:nvSpPr>
+        <p:spPr>
+          <a:xfrm>
+            <a:off x="11343615" y="4320576"/>
+            <a:ext cx="764422" cy="712772"/>
+          </a:xfrm>
+          <a:prstGeom prst="ellipse">
+            <a:avLst/>
+          </a:prstGeom>
+          <a:solidFill>
+            <a:schemeClr val="tx1"/>
+          </a:solidFill>
+          <a:ln>
+            <a:noFill/>
+          </a:ln>
+        </p:spPr>
+        <p:style>
+          <a:lnRef idx="2">
+            <a:schemeClr val="accent1">
+              <a:shade val="50000"/>
+            </a:schemeClr>
+          </a:lnRef>
+          <a:fillRef idx="1">
+            <a:schemeClr val="accent1"/>
+          </a:fillRef>
+          <a:effectRef idx="0">
+            <a:schemeClr val="accent1"/>
+          </a:effectRef>
+          <a:fontRef idx="minor">
+            <a:schemeClr val="lt1"/>
+          </a:fontRef>
+        </p:style>
+        <p:txBody>
+          <a:bodyPr rtlCol="0" anchor="ctr"/>
+          <a:lstStyle/>
+          <a:p>
+            <a:pPr algn="ctr"/>
+            <a:r>
+              <a:rPr lang="en-US" altLang="ko-KR" dirty="0" smtClean="0"/>
+              <a:t>sec</a:t>
+            </a:r>
+            <a:endParaRPr lang="ko-KR" altLang="en-US" dirty="0"/>
+          </a:p>
+        </p:txBody>
+      </p:sp>
+      <p:sp>
+        <p:nvSpPr>
+          <p:cNvPr id="26" name="타원 25"/>
+          <p:cNvSpPr/>
+          <p:nvPr/>
+        </p:nvSpPr>
+        <p:spPr>
+          <a:xfrm>
+            <a:off x="10585659" y="4320576"/>
+            <a:ext cx="764422" cy="712772"/>
+          </a:xfrm>
+          <a:prstGeom prst="ellipse">
+            <a:avLst/>
+          </a:prstGeom>
+          <a:solidFill>
+            <a:schemeClr val="tx1"/>
+          </a:solidFill>
+          <a:ln>
+            <a:noFill/>
+          </a:ln>
+        </p:spPr>
+        <p:style>
+          <a:lnRef idx="2">
+            <a:schemeClr val="accent1">
+              <a:shade val="50000"/>
+            </a:schemeClr>
+          </a:lnRef>
+          <a:fillRef idx="1">
+            <a:schemeClr val="accent1"/>
+          </a:fillRef>
+          <a:effectRef idx="0">
+            <a:schemeClr val="accent1"/>
+          </a:effectRef>
+          <a:fontRef idx="minor">
+            <a:schemeClr val="lt1"/>
+          </a:fontRef>
+        </p:style>
+        <p:txBody>
+          <a:bodyPr rtlCol="0" anchor="ctr"/>
+          <a:lstStyle/>
+          <a:p>
+            <a:pPr algn="ctr"/>
+            <a:r>
+              <a:rPr lang="en-US" altLang="ko-KR" dirty="0" smtClean="0"/>
+              <a:t>tan</a:t>
+            </a:r>
+            <a:endParaRPr lang="ko-KR" altLang="en-US" dirty="0"/>
+          </a:p>
+        </p:txBody>
+      </p:sp>
+      <p:sp>
+        <p:nvSpPr>
+          <p:cNvPr id="50" name="타원 49"/>
+          <p:cNvSpPr/>
+          <p:nvPr/>
+        </p:nvSpPr>
+        <p:spPr>
+          <a:xfrm>
+            <a:off x="9414255" y="2684041"/>
+            <a:ext cx="1577972" cy="1471352"/>
+          </a:xfrm>
+          <a:prstGeom prst="ellipse">
+            <a:avLst/>
+          </a:prstGeom>
+          <a:solidFill>
+            <a:srgbClr val="FF0000"/>
+          </a:solidFill>
+          <a:ln>
+            <a:noFill/>
+          </a:ln>
+        </p:spPr>
+        <p:style>
+          <a:lnRef idx="2">
+            <a:schemeClr val="accent1">
+              <a:shade val="50000"/>
+            </a:schemeClr>
+          </a:lnRef>
+          <a:fillRef idx="1">
+            <a:schemeClr val="accent1"/>
+          </a:fillRef>
+          <a:effectRef idx="0">
+            <a:schemeClr val="accent1"/>
+          </a:effectRef>
+          <a:fontRef idx="minor">
+            <a:schemeClr val="lt1"/>
+          </a:fontRef>
+        </p:style>
+        <p:txBody>
+          <a:bodyPr rtlCol="0" anchor="ctr"/>
+          <a:lstStyle/>
+          <a:p>
+            <a:pPr algn="ctr"/>
+            <a:r>
+              <a:rPr lang="ko-KR" altLang="en-US" dirty="0">
+                <a:solidFill>
+                  <a:schemeClr val="tx1"/>
+                </a:solidFill>
+              </a:rPr>
+              <a:t>적</a:t>
+            </a:r>
+          </a:p>
+        </p:txBody>
+      </p:sp>
+      <p:sp>
+        <p:nvSpPr>
+          <p:cNvPr id="43" name="타원 42"/>
+          <p:cNvSpPr/>
+          <p:nvPr/>
+        </p:nvSpPr>
+        <p:spPr>
+          <a:xfrm>
+            <a:off x="3552675" y="1157480"/>
+            <a:ext cx="1348641" cy="1348641"/>
+          </a:xfrm>
+          <a:prstGeom prst="ellipse">
+            <a:avLst/>
+          </a:prstGeom>
+          <a:solidFill>
+            <a:srgbClr val="FFFF00"/>
+          </a:solidFill>
+        </p:spPr>
+        <p:style>
+          <a:lnRef idx="0">
+            <a:schemeClr val="accent4"/>
+          </a:lnRef>
+          <a:fillRef idx="3">
+            <a:schemeClr val="accent4"/>
+          </a:fillRef>
+          <a:effectRef idx="3">
+            <a:schemeClr val="accent4"/>
+          </a:effectRef>
+          <a:fontRef idx="minor">
+            <a:schemeClr val="lt1"/>
+          </a:fontRef>
+        </p:style>
+        <p:txBody>
+          <a:bodyPr rtlCol="0" anchor="ctr"/>
+          <a:lstStyle/>
+          <a:p>
+            <a:pPr algn="ctr"/>
+            <a:r>
+              <a:rPr lang="ko-KR" altLang="en-US" smtClean="0">
+                <a:solidFill>
+                  <a:schemeClr val="tx1"/>
+                </a:solidFill>
+              </a:rPr>
+              <a:t>빗변</a:t>
+            </a:r>
+            <a:endParaRPr lang="ko-KR" altLang="en-US">
+              <a:solidFill>
+                <a:schemeClr val="tx1"/>
+              </a:solidFill>
+            </a:endParaRPr>
+          </a:p>
+        </p:txBody>
+      </p:sp>
+      <p:sp>
+        <p:nvSpPr>
+          <p:cNvPr id="54" name="타원 53"/>
+          <p:cNvSpPr/>
+          <p:nvPr/>
+        </p:nvSpPr>
+        <p:spPr>
+          <a:xfrm>
+            <a:off x="4707500" y="4330988"/>
+            <a:ext cx="1348641" cy="1348641"/>
+          </a:xfrm>
+          <a:prstGeom prst="ellipse">
+            <a:avLst/>
+          </a:prstGeom>
+          <a:solidFill>
+            <a:srgbClr val="FFFF00"/>
+          </a:solidFill>
+        </p:spPr>
+        <p:style>
+          <a:lnRef idx="0">
+            <a:schemeClr val="accent4"/>
+          </a:lnRef>
+          <a:fillRef idx="3">
+            <a:schemeClr val="accent4"/>
+          </a:fillRef>
+          <a:effectRef idx="3">
+            <a:schemeClr val="accent4"/>
+          </a:effectRef>
+          <a:fontRef idx="minor">
+            <a:schemeClr val="lt1"/>
+          </a:fontRef>
+        </p:style>
+        <p:txBody>
+          <a:bodyPr rtlCol="0" anchor="ctr"/>
+          <a:lstStyle/>
+          <a:p>
+            <a:pPr algn="ctr"/>
+            <a:r>
+              <a:rPr lang="ko-KR" altLang="en-US" smtClean="0">
+                <a:solidFill>
+                  <a:schemeClr val="tx1"/>
+                </a:solidFill>
+              </a:rPr>
+              <a:t>밑변</a:t>
+            </a:r>
+            <a:endParaRPr lang="ko-KR" altLang="en-US">
+              <a:solidFill>
+                <a:schemeClr val="tx1"/>
+              </a:solidFill>
+            </a:endParaRPr>
+          </a:p>
+        </p:txBody>
+      </p:sp>
+      <p:sp>
+        <p:nvSpPr>
+          <p:cNvPr id="55" name="타원 54"/>
+          <p:cNvSpPr/>
+          <p:nvPr/>
+        </p:nvSpPr>
+        <p:spPr>
+          <a:xfrm>
+            <a:off x="6678730" y="2460778"/>
+            <a:ext cx="1348641" cy="1348641"/>
+          </a:xfrm>
+          <a:prstGeom prst="ellipse">
+            <a:avLst/>
+          </a:prstGeom>
+          <a:solidFill>
+            <a:srgbClr val="FFFF00"/>
+          </a:solidFill>
+        </p:spPr>
+        <p:style>
+          <a:lnRef idx="0">
+            <a:schemeClr val="accent4"/>
+          </a:lnRef>
+          <a:fillRef idx="3">
+            <a:schemeClr val="accent4"/>
+          </a:fillRef>
+          <a:effectRef idx="3">
+            <a:schemeClr val="accent4"/>
+          </a:effectRef>
+          <a:fontRef idx="minor">
+            <a:schemeClr val="lt1"/>
+          </a:fontRef>
+        </p:style>
+        <p:txBody>
+          <a:bodyPr rtlCol="0" anchor="ctr"/>
+          <a:lstStyle/>
+          <a:p>
+            <a:pPr algn="ctr"/>
+            <a:r>
+              <a:rPr lang="ko-KR" altLang="en-US" dirty="0" smtClean="0">
+                <a:solidFill>
+                  <a:schemeClr val="tx1"/>
+                </a:solidFill>
+              </a:rPr>
+              <a:t>높이</a:t>
+            </a:r>
+            <a:endParaRPr lang="ko-KR" altLang="en-US" dirty="0">
+              <a:solidFill>
+                <a:schemeClr val="tx1"/>
+              </a:solidFill>
+            </a:endParaRPr>
+          </a:p>
+        </p:txBody>
+      </p:sp>
+      <p:sp>
+        <p:nvSpPr>
+          <p:cNvPr id="2" name="TextBox 1"/>
+          <p:cNvSpPr txBox="1"/>
+          <p:nvPr/>
+        </p:nvSpPr>
+        <p:spPr>
+          <a:xfrm>
+            <a:off x="192997" y="780607"/>
+            <a:ext cx="11726287" cy="4708981"/>
+          </a:xfrm>
+          <a:prstGeom prst="rect">
+            <a:avLst/>
+          </a:prstGeom>
+          <a:noFill/>
+        </p:spPr>
+        <p:txBody>
+          <a:bodyPr wrap="none" rtlCol="0">
+            <a:spAutoFit/>
+          </a:bodyPr>
+          <a:lstStyle/>
+          <a:p>
+            <a:r>
+              <a:rPr lang="ko-KR" altLang="en-US" sz="30000" smtClean="0"/>
+              <a:t>구버전</a:t>
+            </a:r>
+            <a:endParaRPr lang="ko-KR" altLang="en-US" sz="30000" dirty="0"/>
+          </a:p>
+        </p:txBody>
+      </p:sp>
     </p:spTree>
     <p:extLst>
       <p:ext uri="{BB962C8B-B14F-4D97-AF65-F5344CB8AC3E}">
-        <p14:creationId xmlns:p14="http://schemas.microsoft.com/office/powerpoint/2010/main" val="4022564585"/>
+        <p14:creationId xmlns:p14="http://schemas.microsoft.com/office/powerpoint/2010/main" val="893833073"/>
       </p:ext>
     </p:extLst>
   </p:cSld>
@@ -3434,6 +4074,96 @@
       </p:par>
     </p:tnLst>
   </p:timing>
+</p:sld>
+</file>
+
+<file path=ppt/slides/slide11.xml><?xml version="1.0" encoding="utf-8"?>
+<p:sld xmlns:a="http://schemas.openxmlformats.org/drawingml/2006/main" xmlns:r="http://schemas.openxmlformats.org/officeDocument/2006/relationships" xmlns:p="http://schemas.openxmlformats.org/presentationml/2006/main">
+  <p:cSld>
+    <p:spTree>
+      <p:nvGrpSpPr>
+        <p:cNvPr id="1" name=""/>
+        <p:cNvGrpSpPr/>
+        <p:nvPr/>
+      </p:nvGrpSpPr>
+      <p:grpSpPr>
+        <a:xfrm>
+          <a:off x="0" y="0"/>
+          <a:ext cx="0" cy="0"/>
+          <a:chOff x="0" y="0"/>
+          <a:chExt cx="0" cy="0"/>
+        </a:xfrm>
+      </p:grpSpPr>
+    </p:spTree>
+    <p:extLst>
+      <p:ext uri="{BB962C8B-B14F-4D97-AF65-F5344CB8AC3E}">
+        <p14:creationId xmlns:p14="http://schemas.microsoft.com/office/powerpoint/2010/main" val="17969950"/>
+      </p:ext>
+    </p:extLst>
+  </p:cSld>
+  <p:clrMapOvr>
+    <a:masterClrMapping/>
+  </p:clrMapOvr>
+</p:sld>
+</file>
+
+<file path=ppt/slides/slide12.xml><?xml version="1.0" encoding="utf-8"?>
+<p:sld xmlns:a="http://schemas.openxmlformats.org/drawingml/2006/main" xmlns:r="http://schemas.openxmlformats.org/officeDocument/2006/relationships" xmlns:p="http://schemas.openxmlformats.org/presentationml/2006/main">
+  <p:cSld>
+    <p:spTree>
+      <p:nvGrpSpPr>
+        <p:cNvPr id="1" name=""/>
+        <p:cNvGrpSpPr/>
+        <p:nvPr/>
+      </p:nvGrpSpPr>
+      <p:grpSpPr>
+        <a:xfrm>
+          <a:off x="0" y="0"/>
+          <a:ext cx="0" cy="0"/>
+          <a:chOff x="0" y="0"/>
+          <a:chExt cx="0" cy="0"/>
+        </a:xfrm>
+      </p:grpSpPr>
+    </p:spTree>
+    <p:extLst>
+      <p:ext uri="{BB962C8B-B14F-4D97-AF65-F5344CB8AC3E}">
+        <p14:creationId xmlns:p14="http://schemas.microsoft.com/office/powerpoint/2010/main" val="1805648763"/>
+      </p:ext>
+    </p:extLst>
+  </p:cSld>
+  <p:clrMapOvr>
+    <a:masterClrMapping/>
+  </p:clrMapOvr>
+</p:sld>
+</file>
+
+<file path=ppt/slides/slide13.xml><?xml version="1.0" encoding="utf-8"?>
+<p:sld xmlns:a="http://schemas.openxmlformats.org/drawingml/2006/main" xmlns:r="http://schemas.openxmlformats.org/officeDocument/2006/relationships" xmlns:p="http://schemas.openxmlformats.org/presentationml/2006/main">
+  <p:cSld>
+    <p:spTree>
+      <p:nvGrpSpPr>
+        <p:cNvPr id="1" name=""/>
+        <p:cNvGrpSpPr/>
+        <p:nvPr/>
+      </p:nvGrpSpPr>
+      <p:grpSpPr>
+        <a:xfrm>
+          <a:off x="0" y="0"/>
+          <a:ext cx="0" cy="0"/>
+          <a:chOff x="0" y="0"/>
+          <a:chExt cx="0" cy="0"/>
+        </a:xfrm>
+      </p:grpSpPr>
+    </p:spTree>
+    <p:extLst>
+      <p:ext uri="{BB962C8B-B14F-4D97-AF65-F5344CB8AC3E}">
+        <p14:creationId xmlns:p14="http://schemas.microsoft.com/office/powerpoint/2010/main" val="4088008768"/>
+      </p:ext>
+    </p:extLst>
+  </p:cSld>
+  <p:clrMapOvr>
+    <a:masterClrMapping/>
+  </p:clrMapOvr>
 </p:sld>
 </file>
 
@@ -5819,650 +6549,6 @@
       </p:sp>
       <p:sp>
         <p:nvSpPr>
-          <p:cNvPr id="10" name="타원 9"/>
-          <p:cNvSpPr/>
-          <p:nvPr/>
-        </p:nvSpPr>
-        <p:spPr>
-          <a:xfrm>
-            <a:off x="1354471" y="2701907"/>
-            <a:ext cx="1577972" cy="1471352"/>
-          </a:xfrm>
-          <a:prstGeom prst="ellipse">
-            <a:avLst/>
-          </a:prstGeom>
-        </p:spPr>
-        <p:style>
-          <a:lnRef idx="2">
-            <a:schemeClr val="accent1">
-              <a:shade val="50000"/>
-            </a:schemeClr>
-          </a:lnRef>
-          <a:fillRef idx="1">
-            <a:schemeClr val="accent1"/>
-          </a:fillRef>
-          <a:effectRef idx="0">
-            <a:schemeClr val="accent1"/>
-          </a:effectRef>
-          <a:fontRef idx="minor">
-            <a:schemeClr val="lt1"/>
-          </a:fontRef>
-        </p:style>
-        <p:txBody>
-          <a:bodyPr rtlCol="0" anchor="ctr"/>
-          <a:lstStyle/>
-          <a:p>
-            <a:pPr algn="ctr"/>
-            <a:r>
-              <a:rPr lang="ko-KR" altLang="en-US" dirty="0" err="1" smtClean="0"/>
-              <a:t>깨봉</a:t>
-            </a:r>
-            <a:endParaRPr lang="ko-KR" altLang="en-US" dirty="0"/>
-          </a:p>
-        </p:txBody>
-      </p:sp>
-      <p:sp>
-        <p:nvSpPr>
-          <p:cNvPr id="11" name="직각 삼각형 10"/>
-          <p:cNvSpPr/>
-          <p:nvPr/>
-        </p:nvSpPr>
-        <p:spPr>
-          <a:xfrm flipH="1">
-            <a:off x="4095737" y="2298137"/>
-            <a:ext cx="2152267" cy="1769384"/>
-          </a:xfrm>
-          <a:prstGeom prst="rtTriangle">
-            <a:avLst/>
-          </a:prstGeom>
-          <a:noFill/>
-          <a:ln w="38100">
-            <a:solidFill>
-              <a:schemeClr val="tx1"/>
-            </a:solidFill>
-          </a:ln>
-        </p:spPr>
-        <p:style>
-          <a:lnRef idx="2">
-            <a:schemeClr val="accent1">
-              <a:shade val="50000"/>
-            </a:schemeClr>
-          </a:lnRef>
-          <a:fillRef idx="1">
-            <a:schemeClr val="accent1"/>
-          </a:fillRef>
-          <a:effectRef idx="0">
-            <a:schemeClr val="accent1"/>
-          </a:effectRef>
-          <a:fontRef idx="minor">
-            <a:schemeClr val="lt1"/>
-          </a:fontRef>
-        </p:style>
-        <p:txBody>
-          <a:bodyPr rtlCol="0" anchor="ctr"/>
-          <a:lstStyle/>
-          <a:p>
-            <a:pPr algn="ctr"/>
-            <a:endParaRPr lang="ko-KR" altLang="en-US"/>
-          </a:p>
-        </p:txBody>
-      </p:sp>
-      <p:sp>
-        <p:nvSpPr>
-          <p:cNvPr id="12" name="원호 11"/>
-          <p:cNvSpPr/>
-          <p:nvPr/>
-        </p:nvSpPr>
-        <p:spPr>
-          <a:xfrm>
-            <a:off x="3552675" y="3490749"/>
-            <a:ext cx="1143114" cy="1143114"/>
-          </a:xfrm>
-          <a:prstGeom prst="arc">
-            <a:avLst>
-              <a:gd name="adj1" fmla="val 19187776"/>
-              <a:gd name="adj2" fmla="val 0"/>
-            </a:avLst>
-          </a:prstGeom>
-          <a:ln w="38100">
-            <a:solidFill>
-              <a:srgbClr val="FF0000"/>
-            </a:solidFill>
-          </a:ln>
-        </p:spPr>
-        <p:style>
-          <a:lnRef idx="1">
-            <a:schemeClr val="accent1"/>
-          </a:lnRef>
-          <a:fillRef idx="0">
-            <a:schemeClr val="accent1"/>
-          </a:fillRef>
-          <a:effectRef idx="0">
-            <a:schemeClr val="accent1"/>
-          </a:effectRef>
-          <a:fontRef idx="minor">
-            <a:schemeClr val="tx1"/>
-          </a:fontRef>
-        </p:style>
-        <p:txBody>
-          <a:bodyPr rtlCol="0" anchor="ctr"/>
-          <a:lstStyle/>
-          <a:p>
-            <a:pPr algn="ctr"/>
-            <a:endParaRPr lang="ko-KR" altLang="en-US"/>
-          </a:p>
-        </p:txBody>
-      </p:sp>
-      <p:sp>
-        <p:nvSpPr>
-          <p:cNvPr id="15" name="원호 14"/>
-          <p:cNvSpPr/>
-          <p:nvPr/>
-        </p:nvSpPr>
-        <p:spPr>
-          <a:xfrm rot="10800000">
-            <a:off x="5543944" y="1677523"/>
-            <a:ext cx="1362136" cy="1362136"/>
-          </a:xfrm>
-          <a:prstGeom prst="arc">
-            <a:avLst>
-              <a:gd name="adj1" fmla="val 16200000"/>
-              <a:gd name="adj2" fmla="val 19275865"/>
-            </a:avLst>
-          </a:prstGeom>
-          <a:ln w="38100">
-            <a:solidFill>
-              <a:srgbClr val="56D1F8"/>
-            </a:solidFill>
-          </a:ln>
-        </p:spPr>
-        <p:style>
-          <a:lnRef idx="1">
-            <a:schemeClr val="accent1"/>
-          </a:lnRef>
-          <a:fillRef idx="0">
-            <a:schemeClr val="accent1"/>
-          </a:fillRef>
-          <a:effectRef idx="0">
-            <a:schemeClr val="accent1"/>
-          </a:effectRef>
-          <a:fontRef idx="minor">
-            <a:schemeClr val="tx1"/>
-          </a:fontRef>
-        </p:style>
-        <p:txBody>
-          <a:bodyPr rtlCol="0" anchor="ctr"/>
-          <a:lstStyle/>
-          <a:p>
-            <a:pPr algn="ctr"/>
-            <a:endParaRPr lang="ko-KR" altLang="en-US"/>
-          </a:p>
-        </p:txBody>
-      </p:sp>
-      <p:sp>
-        <p:nvSpPr>
-          <p:cNvPr id="22" name="타원 21"/>
-          <p:cNvSpPr/>
-          <p:nvPr/>
-        </p:nvSpPr>
-        <p:spPr>
-          <a:xfrm>
-            <a:off x="9821030" y="4320576"/>
-            <a:ext cx="764422" cy="712772"/>
-          </a:xfrm>
-          <a:prstGeom prst="ellipse">
-            <a:avLst/>
-          </a:prstGeom>
-          <a:solidFill>
-            <a:schemeClr val="tx1"/>
-          </a:solidFill>
-          <a:ln>
-            <a:noFill/>
-          </a:ln>
-        </p:spPr>
-        <p:style>
-          <a:lnRef idx="2">
-            <a:schemeClr val="accent1">
-              <a:shade val="50000"/>
-            </a:schemeClr>
-          </a:lnRef>
-          <a:fillRef idx="1">
-            <a:schemeClr val="accent1"/>
-          </a:fillRef>
-          <a:effectRef idx="0">
-            <a:schemeClr val="accent1"/>
-          </a:effectRef>
-          <a:fontRef idx="minor">
-            <a:schemeClr val="lt1"/>
-          </a:fontRef>
-        </p:style>
-        <p:txBody>
-          <a:bodyPr rtlCol="0" anchor="ctr"/>
-          <a:lstStyle/>
-          <a:p>
-            <a:pPr algn="ctr"/>
-            <a:r>
-              <a:rPr lang="en-US" altLang="ko-KR" dirty="0" smtClean="0"/>
-              <a:t>sin</a:t>
-            </a:r>
-            <a:endParaRPr lang="ko-KR" altLang="en-US" dirty="0"/>
-          </a:p>
-        </p:txBody>
-      </p:sp>
-      <p:sp>
-        <p:nvSpPr>
-          <p:cNvPr id="24" name="타원 23"/>
-          <p:cNvSpPr/>
-          <p:nvPr/>
-        </p:nvSpPr>
-        <p:spPr>
-          <a:xfrm>
-            <a:off x="11343615" y="4320576"/>
-            <a:ext cx="764422" cy="712772"/>
-          </a:xfrm>
-          <a:prstGeom prst="ellipse">
-            <a:avLst/>
-          </a:prstGeom>
-          <a:solidFill>
-            <a:schemeClr val="tx1"/>
-          </a:solidFill>
-          <a:ln>
-            <a:noFill/>
-          </a:ln>
-        </p:spPr>
-        <p:style>
-          <a:lnRef idx="2">
-            <a:schemeClr val="accent1">
-              <a:shade val="50000"/>
-            </a:schemeClr>
-          </a:lnRef>
-          <a:fillRef idx="1">
-            <a:schemeClr val="accent1"/>
-          </a:fillRef>
-          <a:effectRef idx="0">
-            <a:schemeClr val="accent1"/>
-          </a:effectRef>
-          <a:fontRef idx="minor">
-            <a:schemeClr val="lt1"/>
-          </a:fontRef>
-        </p:style>
-        <p:txBody>
-          <a:bodyPr rtlCol="0" anchor="ctr"/>
-          <a:lstStyle/>
-          <a:p>
-            <a:pPr algn="ctr"/>
-            <a:r>
-              <a:rPr lang="en-US" altLang="ko-KR" dirty="0" smtClean="0"/>
-              <a:t>sec</a:t>
-            </a:r>
-            <a:endParaRPr lang="ko-KR" altLang="en-US" dirty="0"/>
-          </a:p>
-        </p:txBody>
-      </p:sp>
-      <p:sp>
-        <p:nvSpPr>
-          <p:cNvPr id="26" name="타원 25"/>
-          <p:cNvSpPr/>
-          <p:nvPr/>
-        </p:nvSpPr>
-        <p:spPr>
-          <a:xfrm>
-            <a:off x="10585659" y="4320576"/>
-            <a:ext cx="764422" cy="712772"/>
-          </a:xfrm>
-          <a:prstGeom prst="ellipse">
-            <a:avLst/>
-          </a:prstGeom>
-          <a:solidFill>
-            <a:schemeClr val="tx1"/>
-          </a:solidFill>
-          <a:ln>
-            <a:noFill/>
-          </a:ln>
-        </p:spPr>
-        <p:style>
-          <a:lnRef idx="2">
-            <a:schemeClr val="accent1">
-              <a:shade val="50000"/>
-            </a:schemeClr>
-          </a:lnRef>
-          <a:fillRef idx="1">
-            <a:schemeClr val="accent1"/>
-          </a:fillRef>
-          <a:effectRef idx="0">
-            <a:schemeClr val="accent1"/>
-          </a:effectRef>
-          <a:fontRef idx="minor">
-            <a:schemeClr val="lt1"/>
-          </a:fontRef>
-        </p:style>
-        <p:txBody>
-          <a:bodyPr rtlCol="0" anchor="ctr"/>
-          <a:lstStyle/>
-          <a:p>
-            <a:pPr algn="ctr"/>
-            <a:r>
-              <a:rPr lang="en-US" altLang="ko-KR" dirty="0" smtClean="0"/>
-              <a:t>tan</a:t>
-            </a:r>
-            <a:endParaRPr lang="ko-KR" altLang="en-US" dirty="0"/>
-          </a:p>
-        </p:txBody>
-      </p:sp>
-      <p:sp>
-        <p:nvSpPr>
-          <p:cNvPr id="50" name="타원 49"/>
-          <p:cNvSpPr/>
-          <p:nvPr/>
-        </p:nvSpPr>
-        <p:spPr>
-          <a:xfrm>
-            <a:off x="9414255" y="2684041"/>
-            <a:ext cx="1577972" cy="1471352"/>
-          </a:xfrm>
-          <a:prstGeom prst="ellipse">
-            <a:avLst/>
-          </a:prstGeom>
-          <a:solidFill>
-            <a:srgbClr val="FF0000"/>
-          </a:solidFill>
-          <a:ln>
-            <a:noFill/>
-          </a:ln>
-        </p:spPr>
-        <p:style>
-          <a:lnRef idx="2">
-            <a:schemeClr val="accent1">
-              <a:shade val="50000"/>
-            </a:schemeClr>
-          </a:lnRef>
-          <a:fillRef idx="1">
-            <a:schemeClr val="accent1"/>
-          </a:fillRef>
-          <a:effectRef idx="0">
-            <a:schemeClr val="accent1"/>
-          </a:effectRef>
-          <a:fontRef idx="minor">
-            <a:schemeClr val="lt1"/>
-          </a:fontRef>
-        </p:style>
-        <p:txBody>
-          <a:bodyPr rtlCol="0" anchor="ctr"/>
-          <a:lstStyle/>
-          <a:p>
-            <a:pPr algn="ctr"/>
-            <a:r>
-              <a:rPr lang="ko-KR" altLang="en-US" dirty="0">
-                <a:solidFill>
-                  <a:schemeClr val="tx1"/>
-                </a:solidFill>
-              </a:rPr>
-              <a:t>적</a:t>
-            </a:r>
-          </a:p>
-        </p:txBody>
-      </p:sp>
-      <p:sp>
-        <p:nvSpPr>
-          <p:cNvPr id="43" name="타원 42"/>
-          <p:cNvSpPr/>
-          <p:nvPr/>
-        </p:nvSpPr>
-        <p:spPr>
-          <a:xfrm>
-            <a:off x="3552675" y="1157480"/>
-            <a:ext cx="1348641" cy="1348641"/>
-          </a:xfrm>
-          <a:prstGeom prst="ellipse">
-            <a:avLst/>
-          </a:prstGeom>
-          <a:solidFill>
-            <a:srgbClr val="FFFF00"/>
-          </a:solidFill>
-        </p:spPr>
-        <p:style>
-          <a:lnRef idx="0">
-            <a:schemeClr val="accent4"/>
-          </a:lnRef>
-          <a:fillRef idx="3">
-            <a:schemeClr val="accent4"/>
-          </a:fillRef>
-          <a:effectRef idx="3">
-            <a:schemeClr val="accent4"/>
-          </a:effectRef>
-          <a:fontRef idx="minor">
-            <a:schemeClr val="lt1"/>
-          </a:fontRef>
-        </p:style>
-        <p:txBody>
-          <a:bodyPr rtlCol="0" anchor="ctr"/>
-          <a:lstStyle/>
-          <a:p>
-            <a:pPr algn="ctr"/>
-            <a:r>
-              <a:rPr lang="ko-KR" altLang="en-US" smtClean="0">
-                <a:solidFill>
-                  <a:schemeClr val="tx1"/>
-                </a:solidFill>
-              </a:rPr>
-              <a:t>빗변</a:t>
-            </a:r>
-            <a:endParaRPr lang="ko-KR" altLang="en-US">
-              <a:solidFill>
-                <a:schemeClr val="tx1"/>
-              </a:solidFill>
-            </a:endParaRPr>
-          </a:p>
-        </p:txBody>
-      </p:sp>
-      <p:sp>
-        <p:nvSpPr>
-          <p:cNvPr id="54" name="타원 53"/>
-          <p:cNvSpPr/>
-          <p:nvPr/>
-        </p:nvSpPr>
-        <p:spPr>
-          <a:xfrm>
-            <a:off x="4707500" y="4330988"/>
-            <a:ext cx="1348641" cy="1348641"/>
-          </a:xfrm>
-          <a:prstGeom prst="ellipse">
-            <a:avLst/>
-          </a:prstGeom>
-          <a:solidFill>
-            <a:srgbClr val="FFFF00"/>
-          </a:solidFill>
-        </p:spPr>
-        <p:style>
-          <a:lnRef idx="0">
-            <a:schemeClr val="accent4"/>
-          </a:lnRef>
-          <a:fillRef idx="3">
-            <a:schemeClr val="accent4"/>
-          </a:fillRef>
-          <a:effectRef idx="3">
-            <a:schemeClr val="accent4"/>
-          </a:effectRef>
-          <a:fontRef idx="minor">
-            <a:schemeClr val="lt1"/>
-          </a:fontRef>
-        </p:style>
-        <p:txBody>
-          <a:bodyPr rtlCol="0" anchor="ctr"/>
-          <a:lstStyle/>
-          <a:p>
-            <a:pPr algn="ctr"/>
-            <a:r>
-              <a:rPr lang="ko-KR" altLang="en-US" smtClean="0">
-                <a:solidFill>
-                  <a:schemeClr val="tx1"/>
-                </a:solidFill>
-              </a:rPr>
-              <a:t>밑변</a:t>
-            </a:r>
-            <a:endParaRPr lang="ko-KR" altLang="en-US">
-              <a:solidFill>
-                <a:schemeClr val="tx1"/>
-              </a:solidFill>
-            </a:endParaRPr>
-          </a:p>
-        </p:txBody>
-      </p:sp>
-      <p:sp>
-        <p:nvSpPr>
-          <p:cNvPr id="55" name="타원 54"/>
-          <p:cNvSpPr/>
-          <p:nvPr/>
-        </p:nvSpPr>
-        <p:spPr>
-          <a:xfrm>
-            <a:off x="6678730" y="2460778"/>
-            <a:ext cx="1348641" cy="1348641"/>
-          </a:xfrm>
-          <a:prstGeom prst="ellipse">
-            <a:avLst/>
-          </a:prstGeom>
-          <a:solidFill>
-            <a:srgbClr val="FFFF00"/>
-          </a:solidFill>
-        </p:spPr>
-        <p:style>
-          <a:lnRef idx="0">
-            <a:schemeClr val="accent4"/>
-          </a:lnRef>
-          <a:fillRef idx="3">
-            <a:schemeClr val="accent4"/>
-          </a:fillRef>
-          <a:effectRef idx="3">
-            <a:schemeClr val="accent4"/>
-          </a:effectRef>
-          <a:fontRef idx="minor">
-            <a:schemeClr val="lt1"/>
-          </a:fontRef>
-        </p:style>
-        <p:txBody>
-          <a:bodyPr rtlCol="0" anchor="ctr"/>
-          <a:lstStyle/>
-          <a:p>
-            <a:pPr algn="ctr"/>
-            <a:r>
-              <a:rPr lang="ko-KR" altLang="en-US" dirty="0" smtClean="0">
-                <a:solidFill>
-                  <a:schemeClr val="tx1"/>
-                </a:solidFill>
-              </a:rPr>
-              <a:t>높이</a:t>
-            </a:r>
-            <a:endParaRPr lang="ko-KR" altLang="en-US" dirty="0">
-              <a:solidFill>
-                <a:schemeClr val="tx1"/>
-              </a:solidFill>
-            </a:endParaRPr>
-          </a:p>
-        </p:txBody>
-      </p:sp>
-    </p:spTree>
-    <p:extLst>
-      <p:ext uri="{BB962C8B-B14F-4D97-AF65-F5344CB8AC3E}">
-        <p14:creationId xmlns:p14="http://schemas.microsoft.com/office/powerpoint/2010/main" val="893833073"/>
-      </p:ext>
-    </p:extLst>
-  </p:cSld>
-  <p:clrMapOvr>
-    <a:masterClrMapping/>
-  </p:clrMapOvr>
-  <p:timing>
-    <p:tnLst>
-      <p:par>
-        <p:cTn id="1" dur="indefinite" restart="never" nodeType="tmRoot"/>
-      </p:par>
-    </p:tnLst>
-  </p:timing>
-</p:sld>
-</file>
-
-<file path=ppt/slides/slide7.xml><?xml version="1.0" encoding="utf-8"?>
-<p:sld xmlns:a="http://schemas.openxmlformats.org/drawingml/2006/main" xmlns:r="http://schemas.openxmlformats.org/officeDocument/2006/relationships" xmlns:p="http://schemas.openxmlformats.org/presentationml/2006/main">
-  <p:cSld>
-    <p:spTree>
-      <p:nvGrpSpPr>
-        <p:cNvPr id="1" name=""/>
-        <p:cNvGrpSpPr/>
-        <p:nvPr/>
-      </p:nvGrpSpPr>
-      <p:grpSpPr>
-        <a:xfrm>
-          <a:off x="0" y="0"/>
-          <a:ext cx="0" cy="0"/>
-          <a:chOff x="0" y="0"/>
-          <a:chExt cx="0" cy="0"/>
-        </a:xfrm>
-      </p:grpSpPr>
-      <p:sp>
-        <p:nvSpPr>
-          <p:cNvPr id="4" name="Rectangle 2"/>
-          <p:cNvSpPr>
-            <a:spLocks noChangeArrowheads="1"/>
-          </p:cNvSpPr>
-          <p:nvPr/>
-        </p:nvSpPr>
-        <p:spPr bwMode="auto">
-          <a:xfrm>
-            <a:off x="-838354" y="-5241302"/>
-            <a:ext cx="3062453" cy="252847"/>
-          </a:xfrm>
-          <a:prstGeom prst="rect">
-            <a:avLst/>
-          </a:prstGeom>
-          <a:noFill/>
-          <a:ln>
-            <a:noFill/>
-          </a:ln>
-          <a:effectLst/>
-          <a:extLst>
-            <a:ext uri="{909E8E84-426E-40DD-AFC4-6F175D3DCCD1}">
-              <a14:hiddenFill xmlns:a14="http://schemas.microsoft.com/office/drawing/2010/main">
-                <a:solidFill>
-                  <a:schemeClr val="accent1"/>
-                </a:solidFill>
-              </a14:hiddenFill>
-            </a:ext>
-            <a:ext uri="{91240B29-F687-4F45-9708-019B960494DF}">
-              <a14:hiddenLine xmlns:a14="http://schemas.microsoft.com/office/drawing/2010/main" w="9525">
-                <a:solidFill>
-                  <a:schemeClr val="tx1"/>
-                </a:solidFill>
-                <a:miter lim="800000"/>
-                <a:headEnd/>
-                <a:tailEnd/>
-              </a14:hiddenLine>
-            </a:ext>
-            <a:ext uri="{AF507438-7753-43E0-B8FC-AC1667EBCBE1}">
-              <a14:hiddenEffects xmlns:a14="http://schemas.microsoft.com/office/drawing/2010/main">
-                <a:effectLst>
-                  <a:outerShdw dist="35921" dir="2700000" algn="ctr" rotWithShape="0">
-                    <a:schemeClr val="bg2"/>
-                  </a:outerShdw>
-                </a:effectLst>
-              </a14:hiddenEffects>
-            </a:ext>
-          </a:extLst>
-        </p:spPr>
-        <p:txBody>
-          <a:bodyPr vert="horz" wrap="square" lIns="91440" tIns="45720" rIns="91440" bIns="45720" numCol="1" anchor="ctr" anchorCtr="0" compatLnSpc="1">
-            <a:prstTxWarp prst="textNoShape">
-              <a:avLst/>
-            </a:prstTxWarp>
-            <a:spAutoFit/>
-          </a:bodyPr>
-          <a:lstStyle/>
-          <a:p>
-            <a:endParaRPr lang="ko-KR" altLang="en-US"/>
-          </a:p>
-        </p:txBody>
-      </p:sp>
-      <p:sp>
-        <p:nvSpPr>
           <p:cNvPr id="11" name="직각 삼각형 10"/>
           <p:cNvSpPr/>
           <p:nvPr/>
@@ -7106,7 +7192,9 @@
           </a:prstGeom>
           <a:ln w="76200">
             <a:solidFill>
-              <a:srgbClr val="FFFF00"/>
+              <a:srgbClr val="FFFF00">
+                <a:alpha val="70000"/>
+              </a:srgbClr>
             </a:solidFill>
           </a:ln>
         </p:spPr>
@@ -7133,7 +7221,7 @@
         </p:nvCxnSpPr>
         <p:spPr>
           <a:xfrm flipV="1">
-            <a:off x="7476083" y="2671319"/>
+            <a:off x="7634245" y="2714855"/>
             <a:ext cx="0" cy="1221235"/>
           </a:xfrm>
           <a:prstGeom prst="line">
@@ -7141,7 +7229,9 @@
           </a:prstGeom>
           <a:ln w="76200">
             <a:solidFill>
-              <a:srgbClr val="FFFF00"/>
+              <a:srgbClr val="FFFF00">
+                <a:alpha val="70000"/>
+              </a:srgbClr>
             </a:solidFill>
           </a:ln>
         </p:spPr>
@@ -7168,7 +7258,7 @@
         </p:nvCxnSpPr>
         <p:spPr>
           <a:xfrm flipH="1">
-            <a:off x="4675856" y="4330581"/>
+            <a:off x="4603062" y="4423715"/>
             <a:ext cx="2193398" cy="0"/>
           </a:xfrm>
           <a:prstGeom prst="line">
@@ -7176,7 +7266,9 @@
           </a:prstGeom>
           <a:ln w="76200">
             <a:solidFill>
-              <a:srgbClr val="FFFF00"/>
+              <a:srgbClr val="FFFF00">
+                <a:alpha val="70000"/>
+              </a:srgbClr>
             </a:solidFill>
           </a:ln>
         </p:spPr>
@@ -7249,7 +7341,7 @@
         </p:nvSpPr>
         <p:spPr>
           <a:xfrm rot="10800000">
-            <a:off x="6632907" y="3979910"/>
+            <a:off x="10003971" y="2136343"/>
             <a:ext cx="748759" cy="748759"/>
           </a:xfrm>
           <a:prstGeom prst="arc">
@@ -7258,6 +7350,7 @@
               <a:gd name="adj2" fmla="val 19578702"/>
             </a:avLst>
           </a:prstGeom>
+          <a:noFill/>
           <a:ln w="76200">
             <a:solidFill>
               <a:srgbClr val="FFFF00"/>
@@ -7344,7 +7437,7 @@
         </p:nvCxnSpPr>
         <p:spPr>
           <a:xfrm flipV="1">
-            <a:off x="3825336" y="1932742"/>
+            <a:off x="3809351" y="2097454"/>
             <a:ext cx="2193398" cy="1221235"/>
           </a:xfrm>
           <a:prstGeom prst="line">
@@ -7355,6 +7448,7 @@
               <a:schemeClr val="accent1">
                 <a:lumMod val="20000"/>
                 <a:lumOff val="80000"/>
+                <a:alpha val="70000"/>
               </a:schemeClr>
             </a:solidFill>
           </a:ln>
@@ -7393,6 +7487,7 @@
               <a:schemeClr val="accent1">
                 <a:lumMod val="20000"/>
                 <a:lumOff val="80000"/>
+                <a:alpha val="70000"/>
               </a:schemeClr>
             </a:solidFill>
           </a:ln>
@@ -7431,6 +7526,7 @@
               <a:schemeClr val="accent1">
                 <a:lumMod val="20000"/>
                 <a:lumOff val="80000"/>
+                <a:alpha val="70000"/>
               </a:schemeClr>
             </a:solidFill>
           </a:ln>
@@ -7450,6 +7546,536 @@
           </a:fontRef>
         </p:style>
       </p:cxnSp>
+      <p:cxnSp>
+        <p:nvCxnSpPr>
+          <p:cNvPr id="3" name="직선 연결선 2"/>
+          <p:cNvCxnSpPr>
+            <a:stCxn id="11" idx="0"/>
+          </p:cNvCxnSpPr>
+          <p:nvPr/>
+        </p:nvCxnSpPr>
+        <p:spPr>
+          <a:xfrm flipV="1">
+            <a:off x="6952381" y="-2702010"/>
+            <a:ext cx="9735419" cy="5420464"/>
+          </a:xfrm>
+          <a:prstGeom prst="line">
+            <a:avLst/>
+          </a:prstGeom>
+          <a:ln w="12700">
+            <a:solidFill>
+              <a:srgbClr val="FF0000"/>
+            </a:solidFill>
+            <a:prstDash val="solid"/>
+          </a:ln>
+        </p:spPr>
+        <p:style>
+          <a:lnRef idx="1">
+            <a:schemeClr val="dk1"/>
+          </a:lnRef>
+          <a:fillRef idx="0">
+            <a:schemeClr val="dk1"/>
+          </a:fillRef>
+          <a:effectRef idx="0">
+            <a:schemeClr val="dk1"/>
+          </a:effectRef>
+          <a:fontRef idx="minor">
+            <a:schemeClr val="tx1"/>
+          </a:fontRef>
+        </p:style>
+      </p:cxnSp>
+      <p:cxnSp>
+        <p:nvCxnSpPr>
+          <p:cNvPr id="34" name="직선 연결선 33"/>
+          <p:cNvCxnSpPr/>
+          <p:nvPr/>
+        </p:nvCxnSpPr>
+        <p:spPr>
+          <a:xfrm>
+            <a:off x="6974798" y="3936090"/>
+            <a:ext cx="10551202" cy="0"/>
+          </a:xfrm>
+          <a:prstGeom prst="line">
+            <a:avLst/>
+          </a:prstGeom>
+          <a:ln w="12700">
+            <a:solidFill>
+              <a:srgbClr val="FF0000"/>
+            </a:solidFill>
+            <a:prstDash val="solid"/>
+          </a:ln>
+        </p:spPr>
+        <p:style>
+          <a:lnRef idx="1">
+            <a:schemeClr val="dk1"/>
+          </a:lnRef>
+          <a:fillRef idx="0">
+            <a:schemeClr val="dk1"/>
+          </a:fillRef>
+          <a:effectRef idx="0">
+            <a:schemeClr val="dk1"/>
+          </a:effectRef>
+          <a:fontRef idx="minor">
+            <a:schemeClr val="tx1"/>
+          </a:fontRef>
+        </p:style>
+      </p:cxnSp>
+      <p:pic>
+        <p:nvPicPr>
+          <p:cNvPr id="39" name="그림 38"/>
+          <p:cNvPicPr>
+            <a:picLocks noChangeAspect="1"/>
+          </p:cNvPicPr>
+          <p:nvPr/>
+        </p:nvPicPr>
+        <p:blipFill rotWithShape="1">
+          <a:blip r:embed="rId2">
+            <a:extLst>
+              <a:ext uri="{28A0092B-C50C-407E-A947-70E740481C1C}">
+                <a14:useLocalDpi xmlns:a14="http://schemas.microsoft.com/office/drawing/2010/main" val="0"/>
+              </a:ext>
+            </a:extLst>
+          </a:blip>
+          <a:srcRect l="29288" t="17149" r="33060" b="11694"/>
+          <a:stretch/>
+        </p:blipFill>
+        <p:spPr>
+          <a:xfrm>
+            <a:off x="8473316" y="2311040"/>
+            <a:ext cx="316782" cy="3125981"/>
+          </a:xfrm>
+          <a:prstGeom prst="rect">
+            <a:avLst/>
+          </a:prstGeom>
+          <a:solidFill>
+            <a:schemeClr val="bg1">
+              <a:alpha val="0"/>
+            </a:schemeClr>
+          </a:solidFill>
+          <a:effectLst/>
+        </p:spPr>
+      </p:pic>
+      <p:sp>
+        <p:nvSpPr>
+          <p:cNvPr id="40" name="타원 39"/>
+          <p:cNvSpPr/>
+          <p:nvPr/>
+        </p:nvSpPr>
+        <p:spPr>
+          <a:xfrm>
+            <a:off x="2266808" y="1425391"/>
+            <a:ext cx="5021398" cy="5021398"/>
+          </a:xfrm>
+          <a:prstGeom prst="ellipse">
+            <a:avLst/>
+          </a:prstGeom>
+          <a:noFill/>
+          <a:ln w="38100">
+            <a:solidFill>
+              <a:schemeClr val="tx2">
+                <a:lumMod val="40000"/>
+                <a:lumOff val="60000"/>
+              </a:schemeClr>
+            </a:solidFill>
+          </a:ln>
+        </p:spPr>
+        <p:style>
+          <a:lnRef idx="2">
+            <a:schemeClr val="accent1">
+              <a:shade val="50000"/>
+            </a:schemeClr>
+          </a:lnRef>
+          <a:fillRef idx="1">
+            <a:schemeClr val="accent1"/>
+          </a:fillRef>
+          <a:effectRef idx="0">
+            <a:schemeClr val="accent1"/>
+          </a:effectRef>
+          <a:fontRef idx="minor">
+            <a:schemeClr val="lt1"/>
+          </a:fontRef>
+        </p:style>
+        <p:txBody>
+          <a:bodyPr rtlCol="0" anchor="ctr"/>
+          <a:lstStyle/>
+          <a:p>
+            <a:pPr algn="ctr"/>
+            <a:endParaRPr lang="ko-KR" altLang="en-US"/>
+          </a:p>
+        </p:txBody>
+      </p:sp>
+      <p:sp>
+        <p:nvSpPr>
+          <p:cNvPr id="41" name="타원 40"/>
+          <p:cNvSpPr/>
+          <p:nvPr/>
+        </p:nvSpPr>
+        <p:spPr>
+          <a:xfrm>
+            <a:off x="2567580" y="1762191"/>
+            <a:ext cx="4384800" cy="4384800"/>
+          </a:xfrm>
+          <a:prstGeom prst="ellipse">
+            <a:avLst/>
+          </a:prstGeom>
+          <a:noFill/>
+          <a:ln w="38100">
+            <a:solidFill>
+              <a:schemeClr val="tx2">
+                <a:lumMod val="40000"/>
+                <a:lumOff val="60000"/>
+              </a:schemeClr>
+            </a:solidFill>
+          </a:ln>
+        </p:spPr>
+        <p:style>
+          <a:lnRef idx="2">
+            <a:schemeClr val="accent1">
+              <a:shade val="50000"/>
+            </a:schemeClr>
+          </a:lnRef>
+          <a:fillRef idx="1">
+            <a:schemeClr val="accent1"/>
+          </a:fillRef>
+          <a:effectRef idx="0">
+            <a:schemeClr val="accent1"/>
+          </a:effectRef>
+          <a:fontRef idx="minor">
+            <a:schemeClr val="lt1"/>
+          </a:fontRef>
+        </p:style>
+        <p:txBody>
+          <a:bodyPr rtlCol="0" anchor="ctr"/>
+          <a:lstStyle/>
+          <a:p>
+            <a:pPr algn="ctr"/>
+            <a:endParaRPr lang="ko-KR" altLang="en-US"/>
+          </a:p>
+        </p:txBody>
+      </p:sp>
+      <p:sp>
+        <p:nvSpPr>
+          <p:cNvPr id="42" name="타원 41"/>
+          <p:cNvSpPr/>
+          <p:nvPr/>
+        </p:nvSpPr>
+        <p:spPr>
+          <a:xfrm>
+            <a:off x="5661068" y="2721882"/>
+            <a:ext cx="2440800" cy="2440800"/>
+          </a:xfrm>
+          <a:prstGeom prst="ellipse">
+            <a:avLst/>
+          </a:prstGeom>
+          <a:noFill/>
+          <a:ln w="38100">
+            <a:solidFill>
+              <a:schemeClr val="tx2">
+                <a:lumMod val="40000"/>
+                <a:lumOff val="60000"/>
+              </a:schemeClr>
+            </a:solidFill>
+          </a:ln>
+        </p:spPr>
+        <p:style>
+          <a:lnRef idx="2">
+            <a:schemeClr val="accent1">
+              <a:shade val="50000"/>
+            </a:schemeClr>
+          </a:lnRef>
+          <a:fillRef idx="1">
+            <a:schemeClr val="accent1"/>
+          </a:fillRef>
+          <a:effectRef idx="0">
+            <a:schemeClr val="accent1"/>
+          </a:effectRef>
+          <a:fontRef idx="minor">
+            <a:schemeClr val="lt1"/>
+          </a:fontRef>
+        </p:style>
+        <p:txBody>
+          <a:bodyPr rtlCol="0" anchor="ctr"/>
+          <a:lstStyle/>
+          <a:p>
+            <a:pPr algn="ctr"/>
+            <a:endParaRPr lang="ko-KR" altLang="en-US"/>
+          </a:p>
+        </p:txBody>
+      </p:sp>
+      <p:sp>
+        <p:nvSpPr>
+          <p:cNvPr id="2" name="직사각형 1"/>
+          <p:cNvSpPr/>
+          <p:nvPr/>
+        </p:nvSpPr>
+        <p:spPr>
+          <a:xfrm rot="14448134">
+            <a:off x="5764007" y="1868957"/>
+            <a:ext cx="68400" cy="2510116"/>
+          </a:xfrm>
+          <a:prstGeom prst="rect">
+            <a:avLst/>
+          </a:prstGeom>
+          <a:gradFill flip="none" rotWithShape="1">
+            <a:gsLst>
+              <a:gs pos="0">
+                <a:srgbClr val="FFFF00"/>
+              </a:gs>
+              <a:gs pos="50000">
+                <a:srgbClr val="FF0000"/>
+              </a:gs>
+              <a:gs pos="100000">
+                <a:srgbClr val="FFFF00"/>
+              </a:gs>
+            </a:gsLst>
+            <a:lin ang="0" scaled="1"/>
+            <a:tileRect/>
+          </a:gradFill>
+          <a:ln>
+            <a:noFill/>
+          </a:ln>
+        </p:spPr>
+        <p:style>
+          <a:lnRef idx="2">
+            <a:schemeClr val="accent1">
+              <a:shade val="50000"/>
+            </a:schemeClr>
+          </a:lnRef>
+          <a:fillRef idx="1">
+            <a:schemeClr val="accent1"/>
+          </a:fillRef>
+          <a:effectRef idx="0">
+            <a:schemeClr val="accent1"/>
+          </a:effectRef>
+          <a:fontRef idx="minor">
+            <a:schemeClr val="lt1"/>
+          </a:fontRef>
+        </p:style>
+        <p:txBody>
+          <a:bodyPr rtlCol="0" anchor="ctr"/>
+          <a:lstStyle/>
+          <a:p>
+            <a:pPr algn="ctr"/>
+            <a:endParaRPr lang="ko-KR" altLang="en-US"/>
+          </a:p>
+        </p:txBody>
+      </p:sp>
+      <p:sp>
+        <p:nvSpPr>
+          <p:cNvPr id="38" name="직사각형 37"/>
+          <p:cNvSpPr/>
+          <p:nvPr/>
+        </p:nvSpPr>
+        <p:spPr>
+          <a:xfrm rot="16200000">
+            <a:off x="5710725" y="2985369"/>
+            <a:ext cx="69075" cy="2204690"/>
+          </a:xfrm>
+          <a:prstGeom prst="rect">
+            <a:avLst/>
+          </a:prstGeom>
+          <a:gradFill flip="none" rotWithShape="1">
+            <a:gsLst>
+              <a:gs pos="0">
+                <a:srgbClr val="FFFF00"/>
+              </a:gs>
+              <a:gs pos="50000">
+                <a:srgbClr val="FF0000"/>
+              </a:gs>
+              <a:gs pos="100000">
+                <a:srgbClr val="FFFF00"/>
+              </a:gs>
+            </a:gsLst>
+            <a:lin ang="0" scaled="1"/>
+            <a:tileRect/>
+          </a:gradFill>
+          <a:ln>
+            <a:noFill/>
+          </a:ln>
+        </p:spPr>
+        <p:style>
+          <a:lnRef idx="2">
+            <a:schemeClr val="accent1">
+              <a:shade val="50000"/>
+            </a:schemeClr>
+          </a:lnRef>
+          <a:fillRef idx="1">
+            <a:schemeClr val="accent1"/>
+          </a:fillRef>
+          <a:effectRef idx="0">
+            <a:schemeClr val="accent1"/>
+          </a:effectRef>
+          <a:fontRef idx="minor">
+            <a:schemeClr val="lt1"/>
+          </a:fontRef>
+        </p:style>
+        <p:txBody>
+          <a:bodyPr rtlCol="0" anchor="ctr"/>
+          <a:lstStyle/>
+          <a:p>
+            <a:pPr algn="ctr"/>
+            <a:endParaRPr lang="ko-KR" altLang="en-US"/>
+          </a:p>
+        </p:txBody>
+      </p:sp>
+      <p:sp>
+        <p:nvSpPr>
+          <p:cNvPr id="43" name="직사각형 42"/>
+          <p:cNvSpPr/>
+          <p:nvPr/>
+        </p:nvSpPr>
+        <p:spPr>
+          <a:xfrm>
+            <a:off x="7154439" y="2705191"/>
+            <a:ext cx="69075" cy="1229185"/>
+          </a:xfrm>
+          <a:prstGeom prst="rect">
+            <a:avLst/>
+          </a:prstGeom>
+          <a:gradFill flip="none" rotWithShape="1">
+            <a:gsLst>
+              <a:gs pos="0">
+                <a:srgbClr val="FFFF00"/>
+              </a:gs>
+              <a:gs pos="50000">
+                <a:srgbClr val="FF0000"/>
+              </a:gs>
+              <a:gs pos="100000">
+                <a:srgbClr val="FFFF00"/>
+              </a:gs>
+            </a:gsLst>
+            <a:lin ang="0" scaled="1"/>
+            <a:tileRect/>
+          </a:gradFill>
+          <a:ln>
+            <a:noFill/>
+          </a:ln>
+        </p:spPr>
+        <p:style>
+          <a:lnRef idx="2">
+            <a:schemeClr val="accent1">
+              <a:shade val="50000"/>
+            </a:schemeClr>
+          </a:lnRef>
+          <a:fillRef idx="1">
+            <a:schemeClr val="accent1"/>
+          </a:fillRef>
+          <a:effectRef idx="0">
+            <a:schemeClr val="accent1"/>
+          </a:effectRef>
+          <a:fontRef idx="minor">
+            <a:schemeClr val="lt1"/>
+          </a:fontRef>
+        </p:style>
+        <p:txBody>
+          <a:bodyPr rtlCol="0" anchor="ctr"/>
+          <a:lstStyle/>
+          <a:p>
+            <a:pPr algn="ctr"/>
+            <a:endParaRPr lang="ko-KR" altLang="en-US"/>
+          </a:p>
+        </p:txBody>
+      </p:sp>
+      <p:sp>
+        <p:nvSpPr>
+          <p:cNvPr id="37" name="원호 36"/>
+          <p:cNvSpPr/>
+          <p:nvPr/>
+        </p:nvSpPr>
+        <p:spPr>
+          <a:xfrm rot="10800000">
+            <a:off x="11442180" y="501873"/>
+            <a:ext cx="748759" cy="748759"/>
+          </a:xfrm>
+          <a:prstGeom prst="arc">
+            <a:avLst>
+              <a:gd name="adj1" fmla="val 16391892"/>
+              <a:gd name="adj2" fmla="val 19578702"/>
+            </a:avLst>
+          </a:prstGeom>
+          <a:ln w="38100">
+            <a:solidFill>
+              <a:srgbClr val="56D1F8"/>
+            </a:solidFill>
+          </a:ln>
+        </p:spPr>
+        <p:style>
+          <a:lnRef idx="1">
+            <a:schemeClr val="accent1"/>
+          </a:lnRef>
+          <a:fillRef idx="0">
+            <a:schemeClr val="accent1"/>
+          </a:fillRef>
+          <a:effectRef idx="0">
+            <a:schemeClr val="accent1"/>
+          </a:effectRef>
+          <a:fontRef idx="minor">
+            <a:schemeClr val="tx1"/>
+          </a:fontRef>
+        </p:style>
+        <p:txBody>
+          <a:bodyPr rtlCol="0" anchor="ctr"/>
+          <a:lstStyle/>
+          <a:p>
+            <a:pPr algn="ctr"/>
+            <a:endParaRPr lang="ko-KR" altLang="en-US"/>
+          </a:p>
+        </p:txBody>
+      </p:sp>
+      <p:sp>
+        <p:nvSpPr>
+          <p:cNvPr id="5" name="막힌 원호 4"/>
+          <p:cNvSpPr/>
+          <p:nvPr/>
+        </p:nvSpPr>
+        <p:spPr>
+          <a:xfrm>
+            <a:off x="7120752" y="1434458"/>
+            <a:ext cx="748800" cy="748800"/>
+          </a:xfrm>
+          <a:prstGeom prst="blockArc">
+            <a:avLst>
+              <a:gd name="adj1" fmla="val 5400017"/>
+              <a:gd name="adj2" fmla="val 8914222"/>
+              <a:gd name="adj3" fmla="val 10864"/>
+            </a:avLst>
+          </a:prstGeom>
+          <a:solidFill>
+            <a:srgbClr val="FFFF00"/>
+          </a:solidFill>
+          <a:ln>
+            <a:noFill/>
+          </a:ln>
+        </p:spPr>
+        <p:style>
+          <a:lnRef idx="2">
+            <a:schemeClr val="accent1">
+              <a:shade val="50000"/>
+            </a:schemeClr>
+          </a:lnRef>
+          <a:fillRef idx="1">
+            <a:schemeClr val="accent1"/>
+          </a:fillRef>
+          <a:effectRef idx="0">
+            <a:schemeClr val="accent1"/>
+          </a:effectRef>
+          <a:fontRef idx="minor">
+            <a:schemeClr val="lt1"/>
+          </a:fontRef>
+        </p:style>
+        <p:txBody>
+          <a:bodyPr rtlCol="0" anchor="ctr"/>
+          <a:lstStyle/>
+          <a:p>
+            <a:pPr algn="ctr"/>
+            <a:endParaRPr lang="ko-KR" altLang="en-US">
+              <a:solidFill>
+                <a:schemeClr val="tx1"/>
+              </a:solidFill>
+            </a:endParaRPr>
+          </a:p>
+        </p:txBody>
+      </p:sp>
     </p:spTree>
     <p:extLst>
       <p:ext uri="{BB962C8B-B14F-4D97-AF65-F5344CB8AC3E}">
@@ -7470,7 +8096,7 @@
 </p:sld>
 </file>
 
-<file path=ppt/slides/slide8.xml><?xml version="1.0" encoding="utf-8"?>
+<file path=ppt/slides/slide7.xml><?xml version="1.0" encoding="utf-8"?>
 <p:sld xmlns:a="http://schemas.openxmlformats.org/drawingml/2006/main" xmlns:r="http://schemas.openxmlformats.org/officeDocument/2006/relationships" xmlns:p="http://schemas.openxmlformats.org/presentationml/2006/main">
   <p:cSld>
     <p:spTree>
@@ -7790,7 +8416,7 @@
 </p:sld>
 </file>
 
-<file path=ppt/slides/slide9.xml><?xml version="1.0" encoding="utf-8"?>
+<file path=ppt/slides/slide8.xml><?xml version="1.0" encoding="utf-8"?>
 <p:sld xmlns:a="http://schemas.openxmlformats.org/drawingml/2006/main" xmlns:r="http://schemas.openxmlformats.org/officeDocument/2006/relationships" xmlns:p="http://schemas.openxmlformats.org/presentationml/2006/main">
   <p:cSld>
     <p:spTree>
@@ -7948,6 +8574,1820 @@
     <p:extLst>
       <p:ext uri="{BB962C8B-B14F-4D97-AF65-F5344CB8AC3E}">
         <p14:creationId xmlns:p14="http://schemas.microsoft.com/office/powerpoint/2010/main" val="560180755"/>
+      </p:ext>
+    </p:extLst>
+  </p:cSld>
+  <p:clrMapOvr>
+    <a:masterClrMapping/>
+  </p:clrMapOvr>
+  <p:timing>
+    <p:tnLst>
+      <p:par>
+        <p:cTn id="1" dur="indefinite" restart="never" nodeType="tmRoot"/>
+      </p:par>
+    </p:tnLst>
+  </p:timing>
+</p:sld>
+</file>
+
+<file path=ppt/slides/slide9.xml><?xml version="1.0" encoding="utf-8"?>
+<p:sld xmlns:a="http://schemas.openxmlformats.org/drawingml/2006/main" xmlns:r="http://schemas.openxmlformats.org/officeDocument/2006/relationships" xmlns:p="http://schemas.openxmlformats.org/presentationml/2006/main">
+  <p:cSld>
+    <p:spTree>
+      <p:nvGrpSpPr>
+        <p:cNvPr id="1" name=""/>
+        <p:cNvGrpSpPr/>
+        <p:nvPr/>
+      </p:nvGrpSpPr>
+      <p:grpSpPr>
+        <a:xfrm>
+          <a:off x="0" y="0"/>
+          <a:ext cx="0" cy="0"/>
+          <a:chOff x="0" y="0"/>
+          <a:chExt cx="0" cy="0"/>
+        </a:xfrm>
+      </p:grpSpPr>
+      <p:sp>
+        <p:nvSpPr>
+          <p:cNvPr id="2" name="직각 삼각형 1"/>
+          <p:cNvSpPr/>
+          <p:nvPr/>
+        </p:nvSpPr>
+        <p:spPr>
+          <a:xfrm flipH="1">
+            <a:off x="4758983" y="2718454"/>
+            <a:ext cx="2193398" cy="1221235"/>
+          </a:xfrm>
+          <a:prstGeom prst="rtTriangle">
+            <a:avLst/>
+          </a:prstGeom>
+          <a:noFill/>
+          <a:ln w="38100">
+            <a:solidFill>
+              <a:schemeClr val="tx1"/>
+            </a:solidFill>
+          </a:ln>
+        </p:spPr>
+        <p:style>
+          <a:lnRef idx="2">
+            <a:schemeClr val="accent1">
+              <a:shade val="50000"/>
+            </a:schemeClr>
+          </a:lnRef>
+          <a:fillRef idx="1">
+            <a:schemeClr val="accent1"/>
+          </a:fillRef>
+          <a:effectRef idx="0">
+            <a:schemeClr val="accent1"/>
+          </a:effectRef>
+          <a:fontRef idx="minor">
+            <a:schemeClr val="lt1"/>
+          </a:fontRef>
+        </p:style>
+        <p:txBody>
+          <a:bodyPr rtlCol="0" anchor="ctr"/>
+          <a:lstStyle/>
+          <a:p>
+            <a:pPr algn="ctr"/>
+            <a:endParaRPr lang="ko-KR" altLang="en-US"/>
+          </a:p>
+        </p:txBody>
+      </p:sp>
+      <p:pic>
+        <p:nvPicPr>
+          <p:cNvPr id="3" name="그림 2"/>
+          <p:cNvPicPr>
+            <a:picLocks noChangeAspect="1"/>
+          </p:cNvPicPr>
+          <p:nvPr/>
+        </p:nvPicPr>
+        <p:blipFill rotWithShape="1">
+          <a:blip r:embed="rId2">
+            <a:extLst>
+              <a:ext uri="{28A0092B-C50C-407E-A947-70E740481C1C}">
+                <a14:useLocalDpi xmlns:a14="http://schemas.microsoft.com/office/drawing/2010/main" val="0"/>
+              </a:ext>
+            </a:extLst>
+          </a:blip>
+          <a:srcRect l="29288" t="17149" r="33060" b="11694"/>
+          <a:stretch/>
+        </p:blipFill>
+        <p:spPr>
+          <a:xfrm>
+            <a:off x="10438738" y="2767061"/>
+            <a:ext cx="316782" cy="3125981"/>
+          </a:xfrm>
+          <a:prstGeom prst="rect">
+            <a:avLst/>
+          </a:prstGeom>
+          <a:noFill/>
+          <a:effectLst/>
+        </p:spPr>
+      </p:pic>
+      <p:grpSp>
+        <p:nvGrpSpPr>
+          <p:cNvPr id="10" name="그룹 9"/>
+          <p:cNvGrpSpPr/>
+          <p:nvPr/>
+        </p:nvGrpSpPr>
+        <p:grpSpPr>
+          <a:xfrm>
+            <a:off x="621600" y="3058352"/>
+            <a:ext cx="1895475" cy="324208"/>
+            <a:chOff x="1400175" y="3367318"/>
+            <a:chExt cx="1895475" cy="324208"/>
+          </a:xfrm>
+        </p:grpSpPr>
+        <p:cxnSp>
+          <p:nvCxnSpPr>
+            <p:cNvPr id="7" name="직선 화살표 연결선 6"/>
+            <p:cNvCxnSpPr/>
+            <p:nvPr/>
+          </p:nvCxnSpPr>
+          <p:spPr>
+            <a:xfrm>
+              <a:off x="1428750" y="3533775"/>
+              <a:ext cx="1866900" cy="0"/>
+            </a:xfrm>
+            <a:prstGeom prst="straightConnector1">
+              <a:avLst/>
+            </a:prstGeom>
+            <a:ln w="76200">
+              <a:solidFill>
+                <a:schemeClr val="tx1">
+                  <a:alpha val="50000"/>
+                </a:schemeClr>
+              </a:solidFill>
+              <a:tailEnd type="triangle"/>
+            </a:ln>
+          </p:spPr>
+          <p:style>
+            <a:lnRef idx="1">
+              <a:schemeClr val="accent1"/>
+            </a:lnRef>
+            <a:fillRef idx="0">
+              <a:schemeClr val="accent1"/>
+            </a:fillRef>
+            <a:effectRef idx="0">
+              <a:schemeClr val="accent1"/>
+            </a:effectRef>
+            <a:fontRef idx="minor">
+              <a:schemeClr val="tx1"/>
+            </a:fontRef>
+          </p:style>
+        </p:cxnSp>
+        <p:sp>
+          <p:nvSpPr>
+            <p:cNvPr id="8" name="평행 사변형 7"/>
+            <p:cNvSpPr/>
+            <p:nvPr/>
+          </p:nvSpPr>
+          <p:spPr>
+            <a:xfrm flipH="1">
+              <a:off x="1400175" y="3367318"/>
+              <a:ext cx="342900" cy="117982"/>
+            </a:xfrm>
+            <a:prstGeom prst="parallelogram">
+              <a:avLst/>
+            </a:prstGeom>
+            <a:blipFill dpi="0" rotWithShape="1">
+              <a:blip r:embed="rId3">
+                <a:alphaModFix amt="50000"/>
+              </a:blip>
+              <a:srcRect/>
+              <a:tile tx="0" ty="0" sx="100000" sy="100000" flip="none" algn="tl"/>
+            </a:blipFill>
+            <a:ln>
+              <a:noFill/>
+            </a:ln>
+          </p:spPr>
+          <p:style>
+            <a:lnRef idx="2">
+              <a:schemeClr val="accent1">
+                <a:shade val="50000"/>
+              </a:schemeClr>
+            </a:lnRef>
+            <a:fillRef idx="1">
+              <a:schemeClr val="accent1"/>
+            </a:fillRef>
+            <a:effectRef idx="0">
+              <a:schemeClr val="accent1"/>
+            </a:effectRef>
+            <a:fontRef idx="minor">
+              <a:schemeClr val="lt1"/>
+            </a:fontRef>
+          </p:style>
+          <p:txBody>
+            <a:bodyPr rtlCol="0" anchor="ctr"/>
+            <a:lstStyle/>
+            <a:p>
+              <a:pPr algn="ctr"/>
+              <a:endParaRPr lang="ko-KR" altLang="en-US"/>
+            </a:p>
+          </p:txBody>
+        </p:sp>
+        <p:sp>
+          <p:nvSpPr>
+            <p:cNvPr id="9" name="평행 사변형 8"/>
+            <p:cNvSpPr/>
+            <p:nvPr/>
+          </p:nvSpPr>
+          <p:spPr>
+            <a:xfrm flipH="1" flipV="1">
+              <a:off x="1400175" y="3572726"/>
+              <a:ext cx="342900" cy="118800"/>
+            </a:xfrm>
+            <a:prstGeom prst="parallelogram">
+              <a:avLst/>
+            </a:prstGeom>
+            <a:blipFill dpi="0" rotWithShape="1">
+              <a:blip r:embed="rId3">
+                <a:alphaModFix amt="50000"/>
+              </a:blip>
+              <a:srcRect/>
+              <a:tile tx="0" ty="0" sx="100000" sy="100000" flip="none" algn="tl"/>
+            </a:blipFill>
+            <a:ln>
+              <a:noFill/>
+            </a:ln>
+          </p:spPr>
+          <p:style>
+            <a:lnRef idx="2">
+              <a:schemeClr val="accent1">
+                <a:shade val="50000"/>
+              </a:schemeClr>
+            </a:lnRef>
+            <a:fillRef idx="1">
+              <a:schemeClr val="accent1"/>
+            </a:fillRef>
+            <a:effectRef idx="0">
+              <a:schemeClr val="accent1"/>
+            </a:effectRef>
+            <a:fontRef idx="minor">
+              <a:schemeClr val="lt1"/>
+            </a:fontRef>
+          </p:style>
+          <p:txBody>
+            <a:bodyPr rtlCol="0" anchor="ctr"/>
+            <a:lstStyle/>
+            <a:p>
+              <a:pPr algn="ctr"/>
+              <a:endParaRPr lang="ko-KR" altLang="en-US"/>
+            </a:p>
+          </p:txBody>
+        </p:sp>
+      </p:grpSp>
+      <p:grpSp>
+        <p:nvGrpSpPr>
+          <p:cNvPr id="27" name="그룹 26"/>
+          <p:cNvGrpSpPr/>
+          <p:nvPr/>
+        </p:nvGrpSpPr>
+        <p:grpSpPr>
+          <a:xfrm>
+            <a:off x="508185" y="2276264"/>
+            <a:ext cx="1895475" cy="324208"/>
+            <a:chOff x="761132" y="4163595"/>
+            <a:chExt cx="1895475" cy="324208"/>
+          </a:xfrm>
+        </p:grpSpPr>
+        <p:cxnSp>
+          <p:nvCxnSpPr>
+            <p:cNvPr id="12" name="직선 화살표 연결선 11"/>
+            <p:cNvCxnSpPr/>
+            <p:nvPr/>
+          </p:nvCxnSpPr>
+          <p:spPr>
+            <a:xfrm>
+              <a:off x="789707" y="4330052"/>
+              <a:ext cx="1866900" cy="0"/>
+            </a:xfrm>
+            <a:prstGeom prst="straightConnector1">
+              <a:avLst/>
+            </a:prstGeom>
+            <a:ln w="76200">
+              <a:solidFill>
+                <a:schemeClr val="tx1"/>
+              </a:solidFill>
+              <a:tailEnd type="triangle"/>
+            </a:ln>
+          </p:spPr>
+          <p:style>
+            <a:lnRef idx="1">
+              <a:schemeClr val="accent1"/>
+            </a:lnRef>
+            <a:fillRef idx="0">
+              <a:schemeClr val="accent1"/>
+            </a:fillRef>
+            <a:effectRef idx="0">
+              <a:schemeClr val="accent1"/>
+            </a:effectRef>
+            <a:fontRef idx="minor">
+              <a:schemeClr val="tx1"/>
+            </a:fontRef>
+          </p:style>
+        </p:cxnSp>
+        <p:sp>
+          <p:nvSpPr>
+            <p:cNvPr id="13" name="평행 사변형 12"/>
+            <p:cNvSpPr/>
+            <p:nvPr/>
+          </p:nvSpPr>
+          <p:spPr>
+            <a:xfrm flipH="1">
+              <a:off x="761132" y="4163595"/>
+              <a:ext cx="342900" cy="117982"/>
+            </a:xfrm>
+            <a:prstGeom prst="parallelogram">
+              <a:avLst/>
+            </a:prstGeom>
+            <a:blipFill dpi="0" rotWithShape="1">
+              <a:blip r:embed="rId3"/>
+              <a:srcRect/>
+              <a:tile tx="0" ty="0" sx="100000" sy="100000" flip="none" algn="tl"/>
+            </a:blipFill>
+            <a:ln>
+              <a:noFill/>
+            </a:ln>
+          </p:spPr>
+          <p:style>
+            <a:lnRef idx="2">
+              <a:schemeClr val="accent1">
+                <a:shade val="50000"/>
+              </a:schemeClr>
+            </a:lnRef>
+            <a:fillRef idx="1">
+              <a:schemeClr val="accent1"/>
+            </a:fillRef>
+            <a:effectRef idx="0">
+              <a:schemeClr val="accent1"/>
+            </a:effectRef>
+            <a:fontRef idx="minor">
+              <a:schemeClr val="lt1"/>
+            </a:fontRef>
+          </p:style>
+          <p:txBody>
+            <a:bodyPr rtlCol="0" anchor="ctr"/>
+            <a:lstStyle/>
+            <a:p>
+              <a:pPr algn="ctr"/>
+              <a:endParaRPr lang="ko-KR" altLang="en-US"/>
+            </a:p>
+          </p:txBody>
+        </p:sp>
+        <p:sp>
+          <p:nvSpPr>
+            <p:cNvPr id="14" name="평행 사변형 13"/>
+            <p:cNvSpPr/>
+            <p:nvPr/>
+          </p:nvSpPr>
+          <p:spPr>
+            <a:xfrm flipH="1" flipV="1">
+              <a:off x="761132" y="4369003"/>
+              <a:ext cx="342900" cy="118800"/>
+            </a:xfrm>
+            <a:prstGeom prst="parallelogram">
+              <a:avLst/>
+            </a:prstGeom>
+            <a:blipFill dpi="0" rotWithShape="1">
+              <a:blip r:embed="rId3"/>
+              <a:srcRect/>
+              <a:tile tx="0" ty="0" sx="100000" sy="100000" flip="none" algn="tl"/>
+            </a:blipFill>
+            <a:ln>
+              <a:noFill/>
+            </a:ln>
+          </p:spPr>
+          <p:style>
+            <a:lnRef idx="2">
+              <a:schemeClr val="accent1">
+                <a:shade val="50000"/>
+              </a:schemeClr>
+            </a:lnRef>
+            <a:fillRef idx="1">
+              <a:schemeClr val="accent1"/>
+            </a:fillRef>
+            <a:effectRef idx="0">
+              <a:schemeClr val="accent1"/>
+            </a:effectRef>
+            <a:fontRef idx="minor">
+              <a:schemeClr val="lt1"/>
+            </a:fontRef>
+          </p:style>
+          <p:txBody>
+            <a:bodyPr rtlCol="0" anchor="ctr"/>
+            <a:lstStyle/>
+            <a:p>
+              <a:pPr algn="ctr"/>
+              <a:endParaRPr lang="ko-KR" altLang="en-US"/>
+            </a:p>
+          </p:txBody>
+        </p:sp>
+      </p:grpSp>
+      <p:sp>
+        <p:nvSpPr>
+          <p:cNvPr id="15" name="달 14"/>
+          <p:cNvSpPr/>
+          <p:nvPr/>
+        </p:nvSpPr>
+        <p:spPr>
+          <a:xfrm flipH="1">
+            <a:off x="6952378" y="2600472"/>
+            <a:ext cx="753346" cy="2676378"/>
+          </a:xfrm>
+          <a:prstGeom prst="moon">
+            <a:avLst>
+              <a:gd name="adj" fmla="val 10465"/>
+            </a:avLst>
+          </a:prstGeom>
+        </p:spPr>
+        <p:style>
+          <a:lnRef idx="2">
+            <a:schemeClr val="dk1">
+              <a:shade val="50000"/>
+            </a:schemeClr>
+          </a:lnRef>
+          <a:fillRef idx="1">
+            <a:schemeClr val="dk1"/>
+          </a:fillRef>
+          <a:effectRef idx="0">
+            <a:schemeClr val="dk1"/>
+          </a:effectRef>
+          <a:fontRef idx="minor">
+            <a:schemeClr val="lt1"/>
+          </a:fontRef>
+        </p:style>
+        <p:txBody>
+          <a:bodyPr rtlCol="0" anchor="ctr"/>
+          <a:lstStyle/>
+          <a:p>
+            <a:pPr algn="ctr"/>
+            <a:endParaRPr lang="ko-KR" altLang="en-US"/>
+          </a:p>
+        </p:txBody>
+      </p:sp>
+      <p:sp>
+        <p:nvSpPr>
+          <p:cNvPr id="16" name="달 15"/>
+          <p:cNvSpPr/>
+          <p:nvPr/>
+        </p:nvSpPr>
+        <p:spPr>
+          <a:xfrm flipH="1">
+            <a:off x="7705724" y="3382560"/>
+            <a:ext cx="753346" cy="2676378"/>
+          </a:xfrm>
+          <a:prstGeom prst="moon">
+            <a:avLst>
+              <a:gd name="adj" fmla="val 10465"/>
+            </a:avLst>
+          </a:prstGeom>
+          <a:solidFill>
+            <a:schemeClr val="dk1">
+              <a:alpha val="50000"/>
+            </a:schemeClr>
+          </a:solidFill>
+          <a:ln>
+            <a:noFill/>
+          </a:ln>
+        </p:spPr>
+        <p:style>
+          <a:lnRef idx="2">
+            <a:schemeClr val="dk1">
+              <a:shade val="50000"/>
+            </a:schemeClr>
+          </a:lnRef>
+          <a:fillRef idx="1">
+            <a:schemeClr val="dk1"/>
+          </a:fillRef>
+          <a:effectRef idx="0">
+            <a:schemeClr val="dk1"/>
+          </a:effectRef>
+          <a:fontRef idx="minor">
+            <a:schemeClr val="lt1"/>
+          </a:fontRef>
+        </p:style>
+        <p:txBody>
+          <a:bodyPr rtlCol="0" anchor="ctr"/>
+          <a:lstStyle/>
+          <a:p>
+            <a:pPr algn="ctr"/>
+            <a:endParaRPr lang="ko-KR" altLang="en-US"/>
+          </a:p>
+        </p:txBody>
+      </p:sp>
+      <p:grpSp>
+        <p:nvGrpSpPr>
+          <p:cNvPr id="19" name="그룹 18"/>
+          <p:cNvGrpSpPr/>
+          <p:nvPr/>
+        </p:nvGrpSpPr>
+        <p:grpSpPr>
+          <a:xfrm rot="19828605">
+            <a:off x="3677877" y="2662285"/>
+            <a:ext cx="1709822" cy="209550"/>
+            <a:chOff x="1343025" y="1042987"/>
+            <a:chExt cx="1709822" cy="209550"/>
+          </a:xfrm>
+        </p:grpSpPr>
+        <p:sp>
+          <p:nvSpPr>
+            <p:cNvPr id="17" name="직사각형 16"/>
+            <p:cNvSpPr/>
+            <p:nvPr/>
+          </p:nvSpPr>
+          <p:spPr>
+            <a:xfrm>
+              <a:off x="1343025" y="1123950"/>
+              <a:ext cx="1400175" cy="47625"/>
+            </a:xfrm>
+            <a:prstGeom prst="rect">
+              <a:avLst/>
+            </a:prstGeom>
+            <a:solidFill>
+              <a:schemeClr val="tx1"/>
+            </a:solidFill>
+            <a:ln>
+              <a:solidFill>
+                <a:schemeClr val="tx1"/>
+              </a:solidFill>
+            </a:ln>
+          </p:spPr>
+          <p:style>
+            <a:lnRef idx="2">
+              <a:schemeClr val="accent1">
+                <a:shade val="50000"/>
+              </a:schemeClr>
+            </a:lnRef>
+            <a:fillRef idx="1">
+              <a:schemeClr val="accent1"/>
+            </a:fillRef>
+            <a:effectRef idx="0">
+              <a:schemeClr val="accent1"/>
+            </a:effectRef>
+            <a:fontRef idx="minor">
+              <a:schemeClr val="lt1"/>
+            </a:fontRef>
+          </p:style>
+          <p:txBody>
+            <a:bodyPr rtlCol="0" anchor="ctr"/>
+            <a:lstStyle/>
+            <a:p>
+              <a:pPr algn="ctr"/>
+              <a:endParaRPr lang="ko-KR" altLang="en-US"/>
+            </a:p>
+          </p:txBody>
+        </p:sp>
+        <p:sp>
+          <p:nvSpPr>
+            <p:cNvPr id="18" name="다이아몬드 17"/>
+            <p:cNvSpPr/>
+            <p:nvPr/>
+          </p:nvSpPr>
+          <p:spPr>
+            <a:xfrm>
+              <a:off x="2671847" y="1042987"/>
+              <a:ext cx="381000" cy="209550"/>
+            </a:xfrm>
+            <a:prstGeom prst="diamond">
+              <a:avLst/>
+            </a:prstGeom>
+            <a:solidFill>
+              <a:schemeClr val="tx1"/>
+            </a:solidFill>
+            <a:ln>
+              <a:solidFill>
+                <a:schemeClr val="tx1"/>
+              </a:solidFill>
+            </a:ln>
+          </p:spPr>
+          <p:style>
+            <a:lnRef idx="2">
+              <a:schemeClr val="accent1">
+                <a:shade val="50000"/>
+              </a:schemeClr>
+            </a:lnRef>
+            <a:fillRef idx="1">
+              <a:schemeClr val="accent1"/>
+            </a:fillRef>
+            <a:effectRef idx="0">
+              <a:schemeClr val="accent1"/>
+            </a:effectRef>
+            <a:fontRef idx="minor">
+              <a:schemeClr val="lt1"/>
+            </a:fontRef>
+          </p:style>
+          <p:txBody>
+            <a:bodyPr rtlCol="0" anchor="ctr"/>
+            <a:lstStyle/>
+            <a:p>
+              <a:pPr algn="ctr"/>
+              <a:endParaRPr lang="ko-KR" altLang="en-US"/>
+            </a:p>
+          </p:txBody>
+        </p:sp>
+      </p:grpSp>
+      <p:grpSp>
+        <p:nvGrpSpPr>
+          <p:cNvPr id="23" name="그룹 22"/>
+          <p:cNvGrpSpPr/>
+          <p:nvPr/>
+        </p:nvGrpSpPr>
+        <p:grpSpPr>
+          <a:xfrm rot="19875096">
+            <a:off x="3342697" y="2291254"/>
+            <a:ext cx="1732682" cy="209550"/>
+            <a:chOff x="1504950" y="1433799"/>
+            <a:chExt cx="1732682" cy="209550"/>
+          </a:xfrm>
+        </p:grpSpPr>
+        <p:sp>
+          <p:nvSpPr>
+            <p:cNvPr id="21" name="직사각형 20"/>
+            <p:cNvSpPr/>
+            <p:nvPr/>
+          </p:nvSpPr>
+          <p:spPr>
+            <a:xfrm>
+              <a:off x="1504950" y="1512380"/>
+              <a:ext cx="1400175" cy="47625"/>
+            </a:xfrm>
+            <a:prstGeom prst="rect">
+              <a:avLst/>
+            </a:prstGeom>
+            <a:solidFill>
+              <a:schemeClr val="tx1">
+                <a:alpha val="50000"/>
+              </a:schemeClr>
+            </a:solidFill>
+            <a:ln>
+              <a:noFill/>
+            </a:ln>
+          </p:spPr>
+          <p:style>
+            <a:lnRef idx="2">
+              <a:schemeClr val="accent1">
+                <a:shade val="50000"/>
+              </a:schemeClr>
+            </a:lnRef>
+            <a:fillRef idx="1">
+              <a:schemeClr val="accent1"/>
+            </a:fillRef>
+            <a:effectRef idx="0">
+              <a:schemeClr val="accent1"/>
+            </a:effectRef>
+            <a:fontRef idx="minor">
+              <a:schemeClr val="lt1"/>
+            </a:fontRef>
+          </p:style>
+          <p:txBody>
+            <a:bodyPr rtlCol="0" anchor="ctr"/>
+            <a:lstStyle/>
+            <a:p>
+              <a:pPr algn="ctr"/>
+              <a:endParaRPr lang="ko-KR" altLang="en-US"/>
+            </a:p>
+          </p:txBody>
+        </p:sp>
+        <p:sp>
+          <p:nvSpPr>
+            <p:cNvPr id="22" name="다이아몬드 21"/>
+            <p:cNvSpPr/>
+            <p:nvPr/>
+          </p:nvSpPr>
+          <p:spPr>
+            <a:xfrm>
+              <a:off x="2856632" y="1433799"/>
+              <a:ext cx="381000" cy="209550"/>
+            </a:xfrm>
+            <a:prstGeom prst="diamond">
+              <a:avLst/>
+            </a:prstGeom>
+            <a:solidFill>
+              <a:schemeClr val="tx1">
+                <a:alpha val="50000"/>
+              </a:schemeClr>
+            </a:solidFill>
+            <a:ln>
+              <a:noFill/>
+            </a:ln>
+          </p:spPr>
+          <p:style>
+            <a:lnRef idx="2">
+              <a:schemeClr val="accent1">
+                <a:shade val="50000"/>
+              </a:schemeClr>
+            </a:lnRef>
+            <a:fillRef idx="1">
+              <a:schemeClr val="accent1"/>
+            </a:fillRef>
+            <a:effectRef idx="0">
+              <a:schemeClr val="accent1"/>
+            </a:effectRef>
+            <a:fontRef idx="minor">
+              <a:schemeClr val="lt1"/>
+            </a:fontRef>
+          </p:style>
+          <p:txBody>
+            <a:bodyPr rtlCol="0" anchor="ctr"/>
+            <a:lstStyle/>
+            <a:p>
+              <a:pPr algn="ctr"/>
+              <a:endParaRPr lang="ko-KR" altLang="en-US"/>
+            </a:p>
+          </p:txBody>
+        </p:sp>
+      </p:grpSp>
+      <p:sp>
+        <p:nvSpPr>
+          <p:cNvPr id="25" name="자유형 24"/>
+          <p:cNvSpPr/>
+          <p:nvPr/>
+        </p:nvSpPr>
+        <p:spPr>
+          <a:xfrm>
+            <a:off x="7649550" y="256110"/>
+            <a:ext cx="573033" cy="3067050"/>
+          </a:xfrm>
+          <a:custGeom>
+            <a:avLst/>
+            <a:gdLst>
+              <a:gd name="connsiteX0" fmla="*/ 0 w 285750"/>
+              <a:gd name="connsiteY0" fmla="*/ 0 h 3067050"/>
+              <a:gd name="connsiteX1" fmla="*/ 28575 w 285750"/>
+              <a:gd name="connsiteY1" fmla="*/ 2105025 h 3067050"/>
+              <a:gd name="connsiteX2" fmla="*/ 171450 w 285750"/>
+              <a:gd name="connsiteY2" fmla="*/ 3067050 h 3067050"/>
+              <a:gd name="connsiteX3" fmla="*/ 285750 w 285750"/>
+              <a:gd name="connsiteY3" fmla="*/ 2457450 h 3067050"/>
+              <a:gd name="connsiteX4" fmla="*/ 285750 w 285750"/>
+              <a:gd name="connsiteY4" fmla="*/ 285750 h 3067050"/>
+              <a:gd name="connsiteX5" fmla="*/ 161925 w 285750"/>
+              <a:gd name="connsiteY5" fmla="*/ 542925 h 3067050"/>
+              <a:gd name="connsiteX6" fmla="*/ 0 w 285750"/>
+              <a:gd name="connsiteY6" fmla="*/ 0 h 3067050"/>
+            </a:gdLst>
+            <a:ahLst/>
+            <a:cxnLst>
+              <a:cxn ang="0">
+                <a:pos x="connsiteX0" y="connsiteY0"/>
+              </a:cxn>
+              <a:cxn ang="0">
+                <a:pos x="connsiteX1" y="connsiteY1"/>
+              </a:cxn>
+              <a:cxn ang="0">
+                <a:pos x="connsiteX2" y="connsiteY2"/>
+              </a:cxn>
+              <a:cxn ang="0">
+                <a:pos x="connsiteX3" y="connsiteY3"/>
+              </a:cxn>
+              <a:cxn ang="0">
+                <a:pos x="connsiteX4" y="connsiteY4"/>
+              </a:cxn>
+              <a:cxn ang="0">
+                <a:pos x="connsiteX5" y="connsiteY5"/>
+              </a:cxn>
+              <a:cxn ang="0">
+                <a:pos x="connsiteX6" y="connsiteY6"/>
+              </a:cxn>
+            </a:cxnLst>
+            <a:rect l="l" t="t" r="r" b="b"/>
+            <a:pathLst>
+              <a:path w="285750" h="3067050">
+                <a:moveTo>
+                  <a:pt x="0" y="0"/>
+                </a:moveTo>
+                <a:lnTo>
+                  <a:pt x="28575" y="2105025"/>
+                </a:lnTo>
+                <a:lnTo>
+                  <a:pt x="171450" y="3067050"/>
+                </a:lnTo>
+                <a:lnTo>
+                  <a:pt x="285750" y="2457450"/>
+                </a:lnTo>
+                <a:lnTo>
+                  <a:pt x="285750" y="285750"/>
+                </a:lnTo>
+                <a:lnTo>
+                  <a:pt x="161925" y="542925"/>
+                </a:lnTo>
+                <a:lnTo>
+                  <a:pt x="0" y="0"/>
+                </a:lnTo>
+                <a:close/>
+              </a:path>
+            </a:pathLst>
+          </a:custGeom>
+          <a:solidFill>
+            <a:schemeClr val="tx1"/>
+          </a:solidFill>
+          <a:ln>
+            <a:solidFill>
+              <a:schemeClr val="tx1"/>
+            </a:solidFill>
+          </a:ln>
+        </p:spPr>
+        <p:style>
+          <a:lnRef idx="2">
+            <a:schemeClr val="accent1">
+              <a:shade val="50000"/>
+            </a:schemeClr>
+          </a:lnRef>
+          <a:fillRef idx="1">
+            <a:schemeClr val="accent1"/>
+          </a:fillRef>
+          <a:effectRef idx="0">
+            <a:schemeClr val="accent1"/>
+          </a:effectRef>
+          <a:fontRef idx="minor">
+            <a:schemeClr val="lt1"/>
+          </a:fontRef>
+        </p:style>
+        <p:txBody>
+          <a:bodyPr rtlCol="0" anchor="ctr"/>
+          <a:lstStyle/>
+          <a:p>
+            <a:pPr algn="ctr"/>
+            <a:endParaRPr lang="ko-KR" altLang="en-US"/>
+          </a:p>
+        </p:txBody>
+      </p:sp>
+      <p:sp>
+        <p:nvSpPr>
+          <p:cNvPr id="26" name="자유형 25"/>
+          <p:cNvSpPr/>
+          <p:nvPr/>
+        </p:nvSpPr>
+        <p:spPr>
+          <a:xfrm>
+            <a:off x="8925900" y="1006072"/>
+            <a:ext cx="573033" cy="3067050"/>
+          </a:xfrm>
+          <a:custGeom>
+            <a:avLst/>
+            <a:gdLst>
+              <a:gd name="connsiteX0" fmla="*/ 0 w 285750"/>
+              <a:gd name="connsiteY0" fmla="*/ 0 h 3067050"/>
+              <a:gd name="connsiteX1" fmla="*/ 28575 w 285750"/>
+              <a:gd name="connsiteY1" fmla="*/ 2105025 h 3067050"/>
+              <a:gd name="connsiteX2" fmla="*/ 171450 w 285750"/>
+              <a:gd name="connsiteY2" fmla="*/ 3067050 h 3067050"/>
+              <a:gd name="connsiteX3" fmla="*/ 285750 w 285750"/>
+              <a:gd name="connsiteY3" fmla="*/ 2457450 h 3067050"/>
+              <a:gd name="connsiteX4" fmla="*/ 285750 w 285750"/>
+              <a:gd name="connsiteY4" fmla="*/ 285750 h 3067050"/>
+              <a:gd name="connsiteX5" fmla="*/ 161925 w 285750"/>
+              <a:gd name="connsiteY5" fmla="*/ 542925 h 3067050"/>
+              <a:gd name="connsiteX6" fmla="*/ 0 w 285750"/>
+              <a:gd name="connsiteY6" fmla="*/ 0 h 3067050"/>
+            </a:gdLst>
+            <a:ahLst/>
+            <a:cxnLst>
+              <a:cxn ang="0">
+                <a:pos x="connsiteX0" y="connsiteY0"/>
+              </a:cxn>
+              <a:cxn ang="0">
+                <a:pos x="connsiteX1" y="connsiteY1"/>
+              </a:cxn>
+              <a:cxn ang="0">
+                <a:pos x="connsiteX2" y="connsiteY2"/>
+              </a:cxn>
+              <a:cxn ang="0">
+                <a:pos x="connsiteX3" y="connsiteY3"/>
+              </a:cxn>
+              <a:cxn ang="0">
+                <a:pos x="connsiteX4" y="connsiteY4"/>
+              </a:cxn>
+              <a:cxn ang="0">
+                <a:pos x="connsiteX5" y="connsiteY5"/>
+              </a:cxn>
+              <a:cxn ang="0">
+                <a:pos x="connsiteX6" y="connsiteY6"/>
+              </a:cxn>
+            </a:cxnLst>
+            <a:rect l="l" t="t" r="r" b="b"/>
+            <a:pathLst>
+              <a:path w="285750" h="3067050">
+                <a:moveTo>
+                  <a:pt x="0" y="0"/>
+                </a:moveTo>
+                <a:lnTo>
+                  <a:pt x="28575" y="2105025"/>
+                </a:lnTo>
+                <a:lnTo>
+                  <a:pt x="171450" y="3067050"/>
+                </a:lnTo>
+                <a:lnTo>
+                  <a:pt x="285750" y="2457450"/>
+                </a:lnTo>
+                <a:lnTo>
+                  <a:pt x="285750" y="285750"/>
+                </a:lnTo>
+                <a:lnTo>
+                  <a:pt x="161925" y="542925"/>
+                </a:lnTo>
+                <a:lnTo>
+                  <a:pt x="0" y="0"/>
+                </a:lnTo>
+                <a:close/>
+              </a:path>
+            </a:pathLst>
+          </a:custGeom>
+          <a:solidFill>
+            <a:schemeClr val="tx1">
+              <a:alpha val="50000"/>
+            </a:schemeClr>
+          </a:solidFill>
+          <a:ln>
+            <a:noFill/>
+          </a:ln>
+        </p:spPr>
+        <p:style>
+          <a:lnRef idx="2">
+            <a:schemeClr val="accent1">
+              <a:shade val="50000"/>
+            </a:schemeClr>
+          </a:lnRef>
+          <a:fillRef idx="1">
+            <a:schemeClr val="accent1"/>
+          </a:fillRef>
+          <a:effectRef idx="0">
+            <a:schemeClr val="accent1"/>
+          </a:effectRef>
+          <a:fontRef idx="minor">
+            <a:schemeClr val="lt1"/>
+          </a:fontRef>
+        </p:style>
+        <p:txBody>
+          <a:bodyPr rtlCol="0" anchor="ctr"/>
+          <a:lstStyle/>
+          <a:p>
+            <a:pPr algn="ctr"/>
+            <a:endParaRPr lang="ko-KR" altLang="en-US"/>
+          </a:p>
+        </p:txBody>
+      </p:sp>
+      <p:sp>
+        <p:nvSpPr>
+          <p:cNvPr id="28" name="달 27"/>
+          <p:cNvSpPr/>
+          <p:nvPr/>
+        </p:nvSpPr>
+        <p:spPr>
+          <a:xfrm rot="5400000" flipH="1">
+            <a:off x="6351073" y="2160073"/>
+            <a:ext cx="1107525" cy="4478328"/>
+          </a:xfrm>
+          <a:prstGeom prst="moon">
+            <a:avLst>
+              <a:gd name="adj" fmla="val 10465"/>
+            </a:avLst>
+          </a:prstGeom>
+        </p:spPr>
+        <p:style>
+          <a:lnRef idx="2">
+            <a:schemeClr val="dk1">
+              <a:shade val="50000"/>
+            </a:schemeClr>
+          </a:lnRef>
+          <a:fillRef idx="1">
+            <a:schemeClr val="dk1"/>
+          </a:fillRef>
+          <a:effectRef idx="0">
+            <a:schemeClr val="dk1"/>
+          </a:effectRef>
+          <a:fontRef idx="minor">
+            <a:schemeClr val="lt1"/>
+          </a:fontRef>
+        </p:style>
+        <p:txBody>
+          <a:bodyPr rtlCol="0" anchor="ctr"/>
+          <a:lstStyle/>
+          <a:p>
+            <a:pPr algn="ctr"/>
+            <a:endParaRPr lang="ko-KR" altLang="en-US"/>
+          </a:p>
+        </p:txBody>
+      </p:sp>
+      <p:sp>
+        <p:nvSpPr>
+          <p:cNvPr id="29" name="자유형 28"/>
+          <p:cNvSpPr/>
+          <p:nvPr/>
+        </p:nvSpPr>
+        <p:spPr>
+          <a:xfrm rot="16200000">
+            <a:off x="6577565" y="1658739"/>
+            <a:ext cx="573033" cy="4559839"/>
+          </a:xfrm>
+          <a:custGeom>
+            <a:avLst/>
+            <a:gdLst>
+              <a:gd name="connsiteX0" fmla="*/ 0 w 285750"/>
+              <a:gd name="connsiteY0" fmla="*/ 0 h 3067050"/>
+              <a:gd name="connsiteX1" fmla="*/ 28575 w 285750"/>
+              <a:gd name="connsiteY1" fmla="*/ 2105025 h 3067050"/>
+              <a:gd name="connsiteX2" fmla="*/ 171450 w 285750"/>
+              <a:gd name="connsiteY2" fmla="*/ 3067050 h 3067050"/>
+              <a:gd name="connsiteX3" fmla="*/ 285750 w 285750"/>
+              <a:gd name="connsiteY3" fmla="*/ 2457450 h 3067050"/>
+              <a:gd name="connsiteX4" fmla="*/ 285750 w 285750"/>
+              <a:gd name="connsiteY4" fmla="*/ 285750 h 3067050"/>
+              <a:gd name="connsiteX5" fmla="*/ 161925 w 285750"/>
+              <a:gd name="connsiteY5" fmla="*/ 542925 h 3067050"/>
+              <a:gd name="connsiteX6" fmla="*/ 0 w 285750"/>
+              <a:gd name="connsiteY6" fmla="*/ 0 h 3067050"/>
+            </a:gdLst>
+            <a:ahLst/>
+            <a:cxnLst>
+              <a:cxn ang="0">
+                <a:pos x="connsiteX0" y="connsiteY0"/>
+              </a:cxn>
+              <a:cxn ang="0">
+                <a:pos x="connsiteX1" y="connsiteY1"/>
+              </a:cxn>
+              <a:cxn ang="0">
+                <a:pos x="connsiteX2" y="connsiteY2"/>
+              </a:cxn>
+              <a:cxn ang="0">
+                <a:pos x="connsiteX3" y="connsiteY3"/>
+              </a:cxn>
+              <a:cxn ang="0">
+                <a:pos x="connsiteX4" y="connsiteY4"/>
+              </a:cxn>
+              <a:cxn ang="0">
+                <a:pos x="connsiteX5" y="connsiteY5"/>
+              </a:cxn>
+              <a:cxn ang="0">
+                <a:pos x="connsiteX6" y="connsiteY6"/>
+              </a:cxn>
+            </a:cxnLst>
+            <a:rect l="l" t="t" r="r" b="b"/>
+            <a:pathLst>
+              <a:path w="285750" h="3067050">
+                <a:moveTo>
+                  <a:pt x="0" y="0"/>
+                </a:moveTo>
+                <a:lnTo>
+                  <a:pt x="28575" y="2105025"/>
+                </a:lnTo>
+                <a:lnTo>
+                  <a:pt x="171450" y="3067050"/>
+                </a:lnTo>
+                <a:lnTo>
+                  <a:pt x="285750" y="2457450"/>
+                </a:lnTo>
+                <a:lnTo>
+                  <a:pt x="285750" y="285750"/>
+                </a:lnTo>
+                <a:lnTo>
+                  <a:pt x="161925" y="542925"/>
+                </a:lnTo>
+                <a:lnTo>
+                  <a:pt x="0" y="0"/>
+                </a:lnTo>
+                <a:close/>
+              </a:path>
+            </a:pathLst>
+          </a:custGeom>
+          <a:solidFill>
+            <a:schemeClr val="tx1"/>
+          </a:solidFill>
+          <a:ln>
+            <a:solidFill>
+              <a:schemeClr val="tx1"/>
+            </a:solidFill>
+          </a:ln>
+        </p:spPr>
+        <p:style>
+          <a:lnRef idx="2">
+            <a:schemeClr val="accent1">
+              <a:shade val="50000"/>
+            </a:schemeClr>
+          </a:lnRef>
+          <a:fillRef idx="1">
+            <a:schemeClr val="accent1"/>
+          </a:fillRef>
+          <a:effectRef idx="0">
+            <a:schemeClr val="accent1"/>
+          </a:effectRef>
+          <a:fontRef idx="minor">
+            <a:schemeClr val="lt1"/>
+          </a:fontRef>
+        </p:style>
+        <p:txBody>
+          <a:bodyPr rtlCol="0" anchor="ctr"/>
+          <a:lstStyle/>
+          <a:p>
+            <a:pPr algn="ctr"/>
+            <a:endParaRPr lang="ko-KR" altLang="en-US"/>
+          </a:p>
+        </p:txBody>
+      </p:sp>
+      <p:grpSp>
+        <p:nvGrpSpPr>
+          <p:cNvPr id="30" name="그룹 29"/>
+          <p:cNvGrpSpPr/>
+          <p:nvPr/>
+        </p:nvGrpSpPr>
+        <p:grpSpPr>
+          <a:xfrm rot="5400000">
+            <a:off x="5924111" y="1266188"/>
+            <a:ext cx="1895475" cy="324208"/>
+            <a:chOff x="761132" y="4163595"/>
+            <a:chExt cx="1895475" cy="324208"/>
+          </a:xfrm>
+        </p:grpSpPr>
+        <p:cxnSp>
+          <p:nvCxnSpPr>
+            <p:cNvPr id="31" name="직선 화살표 연결선 30"/>
+            <p:cNvCxnSpPr/>
+            <p:nvPr/>
+          </p:nvCxnSpPr>
+          <p:spPr>
+            <a:xfrm>
+              <a:off x="789707" y="4330052"/>
+              <a:ext cx="1866900" cy="0"/>
+            </a:xfrm>
+            <a:prstGeom prst="straightConnector1">
+              <a:avLst/>
+            </a:prstGeom>
+            <a:ln w="76200">
+              <a:solidFill>
+                <a:schemeClr val="tx1"/>
+              </a:solidFill>
+              <a:tailEnd type="triangle"/>
+            </a:ln>
+          </p:spPr>
+          <p:style>
+            <a:lnRef idx="1">
+              <a:schemeClr val="accent1"/>
+            </a:lnRef>
+            <a:fillRef idx="0">
+              <a:schemeClr val="accent1"/>
+            </a:fillRef>
+            <a:effectRef idx="0">
+              <a:schemeClr val="accent1"/>
+            </a:effectRef>
+            <a:fontRef idx="minor">
+              <a:schemeClr val="tx1"/>
+            </a:fontRef>
+          </p:style>
+        </p:cxnSp>
+        <p:sp>
+          <p:nvSpPr>
+            <p:cNvPr id="32" name="평행 사변형 31"/>
+            <p:cNvSpPr/>
+            <p:nvPr/>
+          </p:nvSpPr>
+          <p:spPr>
+            <a:xfrm flipH="1">
+              <a:off x="761132" y="4163595"/>
+              <a:ext cx="342900" cy="117982"/>
+            </a:xfrm>
+            <a:prstGeom prst="parallelogram">
+              <a:avLst/>
+            </a:prstGeom>
+            <a:blipFill dpi="0" rotWithShape="1">
+              <a:blip r:embed="rId3"/>
+              <a:srcRect/>
+              <a:tile tx="0" ty="0" sx="100000" sy="100000" flip="none" algn="tl"/>
+            </a:blipFill>
+            <a:ln>
+              <a:noFill/>
+            </a:ln>
+          </p:spPr>
+          <p:style>
+            <a:lnRef idx="2">
+              <a:schemeClr val="accent1">
+                <a:shade val="50000"/>
+              </a:schemeClr>
+            </a:lnRef>
+            <a:fillRef idx="1">
+              <a:schemeClr val="accent1"/>
+            </a:fillRef>
+            <a:effectRef idx="0">
+              <a:schemeClr val="accent1"/>
+            </a:effectRef>
+            <a:fontRef idx="minor">
+              <a:schemeClr val="lt1"/>
+            </a:fontRef>
+          </p:style>
+          <p:txBody>
+            <a:bodyPr rtlCol="0" anchor="ctr"/>
+            <a:lstStyle/>
+            <a:p>
+              <a:pPr algn="ctr"/>
+              <a:endParaRPr lang="ko-KR" altLang="en-US"/>
+            </a:p>
+          </p:txBody>
+        </p:sp>
+        <p:sp>
+          <p:nvSpPr>
+            <p:cNvPr id="33" name="평행 사변형 32"/>
+            <p:cNvSpPr/>
+            <p:nvPr/>
+          </p:nvSpPr>
+          <p:spPr>
+            <a:xfrm flipH="1" flipV="1">
+              <a:off x="761132" y="4369003"/>
+              <a:ext cx="342900" cy="118800"/>
+            </a:xfrm>
+            <a:prstGeom prst="parallelogram">
+              <a:avLst/>
+            </a:prstGeom>
+            <a:blipFill dpi="0" rotWithShape="1">
+              <a:blip r:embed="rId3"/>
+              <a:srcRect/>
+              <a:tile tx="0" ty="0" sx="100000" sy="100000" flip="none" algn="tl"/>
+            </a:blipFill>
+            <a:ln>
+              <a:noFill/>
+            </a:ln>
+          </p:spPr>
+          <p:style>
+            <a:lnRef idx="2">
+              <a:schemeClr val="accent1">
+                <a:shade val="50000"/>
+              </a:schemeClr>
+            </a:lnRef>
+            <a:fillRef idx="1">
+              <a:schemeClr val="accent1"/>
+            </a:fillRef>
+            <a:effectRef idx="0">
+              <a:schemeClr val="accent1"/>
+            </a:effectRef>
+            <a:fontRef idx="minor">
+              <a:schemeClr val="lt1"/>
+            </a:fontRef>
+          </p:style>
+          <p:txBody>
+            <a:bodyPr rtlCol="0" anchor="ctr"/>
+            <a:lstStyle/>
+            <a:p>
+              <a:pPr algn="ctr"/>
+              <a:endParaRPr lang="ko-KR" altLang="en-US"/>
+            </a:p>
+          </p:txBody>
+        </p:sp>
+      </p:grpSp>
+      <p:sp>
+        <p:nvSpPr>
+          <p:cNvPr id="37" name="달 36"/>
+          <p:cNvSpPr/>
+          <p:nvPr/>
+        </p:nvSpPr>
+        <p:spPr>
+          <a:xfrm rot="5400000" flipH="1">
+            <a:off x="2658617" y="3790133"/>
+            <a:ext cx="1107525" cy="4478328"/>
+          </a:xfrm>
+          <a:prstGeom prst="moon">
+            <a:avLst>
+              <a:gd name="adj" fmla="val 10465"/>
+            </a:avLst>
+          </a:prstGeom>
+          <a:solidFill>
+            <a:schemeClr val="tx1">
+              <a:alpha val="50000"/>
+            </a:schemeClr>
+          </a:solidFill>
+          <a:ln>
+            <a:noFill/>
+          </a:ln>
+        </p:spPr>
+        <p:style>
+          <a:lnRef idx="2">
+            <a:schemeClr val="dk1">
+              <a:shade val="50000"/>
+            </a:schemeClr>
+          </a:lnRef>
+          <a:fillRef idx="1">
+            <a:schemeClr val="dk1"/>
+          </a:fillRef>
+          <a:effectRef idx="0">
+            <a:schemeClr val="dk1"/>
+          </a:effectRef>
+          <a:fontRef idx="minor">
+            <a:schemeClr val="lt1"/>
+          </a:fontRef>
+        </p:style>
+        <p:txBody>
+          <a:bodyPr rtlCol="0" anchor="ctr"/>
+          <a:lstStyle/>
+          <a:p>
+            <a:pPr algn="ctr"/>
+            <a:endParaRPr lang="ko-KR" altLang="en-US"/>
+          </a:p>
+        </p:txBody>
+      </p:sp>
+      <p:sp>
+        <p:nvSpPr>
+          <p:cNvPr id="38" name="자유형 37"/>
+          <p:cNvSpPr/>
+          <p:nvPr/>
+        </p:nvSpPr>
+        <p:spPr>
+          <a:xfrm rot="16200000">
+            <a:off x="2885109" y="3288799"/>
+            <a:ext cx="573033" cy="4559839"/>
+          </a:xfrm>
+          <a:custGeom>
+            <a:avLst/>
+            <a:gdLst>
+              <a:gd name="connsiteX0" fmla="*/ 0 w 285750"/>
+              <a:gd name="connsiteY0" fmla="*/ 0 h 3067050"/>
+              <a:gd name="connsiteX1" fmla="*/ 28575 w 285750"/>
+              <a:gd name="connsiteY1" fmla="*/ 2105025 h 3067050"/>
+              <a:gd name="connsiteX2" fmla="*/ 171450 w 285750"/>
+              <a:gd name="connsiteY2" fmla="*/ 3067050 h 3067050"/>
+              <a:gd name="connsiteX3" fmla="*/ 285750 w 285750"/>
+              <a:gd name="connsiteY3" fmla="*/ 2457450 h 3067050"/>
+              <a:gd name="connsiteX4" fmla="*/ 285750 w 285750"/>
+              <a:gd name="connsiteY4" fmla="*/ 285750 h 3067050"/>
+              <a:gd name="connsiteX5" fmla="*/ 161925 w 285750"/>
+              <a:gd name="connsiteY5" fmla="*/ 542925 h 3067050"/>
+              <a:gd name="connsiteX6" fmla="*/ 0 w 285750"/>
+              <a:gd name="connsiteY6" fmla="*/ 0 h 3067050"/>
+            </a:gdLst>
+            <a:ahLst/>
+            <a:cxnLst>
+              <a:cxn ang="0">
+                <a:pos x="connsiteX0" y="connsiteY0"/>
+              </a:cxn>
+              <a:cxn ang="0">
+                <a:pos x="connsiteX1" y="connsiteY1"/>
+              </a:cxn>
+              <a:cxn ang="0">
+                <a:pos x="connsiteX2" y="connsiteY2"/>
+              </a:cxn>
+              <a:cxn ang="0">
+                <a:pos x="connsiteX3" y="connsiteY3"/>
+              </a:cxn>
+              <a:cxn ang="0">
+                <a:pos x="connsiteX4" y="connsiteY4"/>
+              </a:cxn>
+              <a:cxn ang="0">
+                <a:pos x="connsiteX5" y="connsiteY5"/>
+              </a:cxn>
+              <a:cxn ang="0">
+                <a:pos x="connsiteX6" y="connsiteY6"/>
+              </a:cxn>
+            </a:cxnLst>
+            <a:rect l="l" t="t" r="r" b="b"/>
+            <a:pathLst>
+              <a:path w="285750" h="3067050">
+                <a:moveTo>
+                  <a:pt x="0" y="0"/>
+                </a:moveTo>
+                <a:lnTo>
+                  <a:pt x="28575" y="2105025"/>
+                </a:lnTo>
+                <a:lnTo>
+                  <a:pt x="171450" y="3067050"/>
+                </a:lnTo>
+                <a:lnTo>
+                  <a:pt x="285750" y="2457450"/>
+                </a:lnTo>
+                <a:lnTo>
+                  <a:pt x="285750" y="285750"/>
+                </a:lnTo>
+                <a:lnTo>
+                  <a:pt x="161925" y="542925"/>
+                </a:lnTo>
+                <a:lnTo>
+                  <a:pt x="0" y="0"/>
+                </a:lnTo>
+                <a:close/>
+              </a:path>
+            </a:pathLst>
+          </a:custGeom>
+          <a:solidFill>
+            <a:schemeClr val="tx1">
+              <a:alpha val="50000"/>
+            </a:schemeClr>
+          </a:solidFill>
+          <a:ln>
+            <a:noFill/>
+          </a:ln>
+        </p:spPr>
+        <p:style>
+          <a:lnRef idx="2">
+            <a:schemeClr val="accent1">
+              <a:shade val="50000"/>
+            </a:schemeClr>
+          </a:lnRef>
+          <a:fillRef idx="1">
+            <a:schemeClr val="accent1"/>
+          </a:fillRef>
+          <a:effectRef idx="0">
+            <a:schemeClr val="accent1"/>
+          </a:effectRef>
+          <a:fontRef idx="minor">
+            <a:schemeClr val="lt1"/>
+          </a:fontRef>
+        </p:style>
+        <p:txBody>
+          <a:bodyPr rtlCol="0" anchor="ctr"/>
+          <a:lstStyle/>
+          <a:p>
+            <a:pPr algn="ctr"/>
+            <a:endParaRPr lang="ko-KR" altLang="en-US"/>
+          </a:p>
+        </p:txBody>
+      </p:sp>
+      <p:grpSp>
+        <p:nvGrpSpPr>
+          <p:cNvPr id="47" name="그룹 46"/>
+          <p:cNvGrpSpPr/>
+          <p:nvPr/>
+        </p:nvGrpSpPr>
+        <p:grpSpPr>
+          <a:xfrm rot="19875096">
+            <a:off x="669326" y="4411085"/>
+            <a:ext cx="1732682" cy="209550"/>
+            <a:chOff x="1504950" y="1433799"/>
+            <a:chExt cx="1732682" cy="209550"/>
+          </a:xfrm>
+          <a:scene3d>
+            <a:camera prst="orthographicFront">
+              <a:rot lat="0" lon="0" rev="10800000"/>
+            </a:camera>
+            <a:lightRig rig="threePt" dir="t"/>
+          </a:scene3d>
+        </p:grpSpPr>
+        <p:sp>
+          <p:nvSpPr>
+            <p:cNvPr id="48" name="직사각형 47"/>
+            <p:cNvSpPr/>
+            <p:nvPr/>
+          </p:nvSpPr>
+          <p:spPr>
+            <a:xfrm>
+              <a:off x="1504950" y="1512380"/>
+              <a:ext cx="1400175" cy="47625"/>
+            </a:xfrm>
+            <a:prstGeom prst="rect">
+              <a:avLst/>
+            </a:prstGeom>
+            <a:solidFill>
+              <a:schemeClr val="tx1">
+                <a:alpha val="50000"/>
+              </a:schemeClr>
+            </a:solidFill>
+            <a:ln>
+              <a:noFill/>
+            </a:ln>
+          </p:spPr>
+          <p:style>
+            <a:lnRef idx="2">
+              <a:schemeClr val="accent1">
+                <a:shade val="50000"/>
+              </a:schemeClr>
+            </a:lnRef>
+            <a:fillRef idx="1">
+              <a:schemeClr val="accent1"/>
+            </a:fillRef>
+            <a:effectRef idx="0">
+              <a:schemeClr val="accent1"/>
+            </a:effectRef>
+            <a:fontRef idx="minor">
+              <a:schemeClr val="lt1"/>
+            </a:fontRef>
+          </p:style>
+          <p:txBody>
+            <a:bodyPr rtlCol="0" anchor="ctr"/>
+            <a:lstStyle/>
+            <a:p>
+              <a:pPr algn="ctr"/>
+              <a:endParaRPr lang="ko-KR" altLang="en-US"/>
+            </a:p>
+          </p:txBody>
+        </p:sp>
+        <p:sp>
+          <p:nvSpPr>
+            <p:cNvPr id="49" name="다이아몬드 48"/>
+            <p:cNvSpPr/>
+            <p:nvPr/>
+          </p:nvSpPr>
+          <p:spPr>
+            <a:xfrm>
+              <a:off x="2856632" y="1433799"/>
+              <a:ext cx="381000" cy="209550"/>
+            </a:xfrm>
+            <a:prstGeom prst="diamond">
+              <a:avLst/>
+            </a:prstGeom>
+            <a:solidFill>
+              <a:schemeClr val="tx1">
+                <a:alpha val="50000"/>
+              </a:schemeClr>
+            </a:solidFill>
+            <a:ln>
+              <a:noFill/>
+            </a:ln>
+          </p:spPr>
+          <p:style>
+            <a:lnRef idx="2">
+              <a:schemeClr val="accent1">
+                <a:shade val="50000"/>
+              </a:schemeClr>
+            </a:lnRef>
+            <a:fillRef idx="1">
+              <a:schemeClr val="accent1"/>
+            </a:fillRef>
+            <a:effectRef idx="0">
+              <a:schemeClr val="accent1"/>
+            </a:effectRef>
+            <a:fontRef idx="minor">
+              <a:schemeClr val="lt1"/>
+            </a:fontRef>
+          </p:style>
+          <p:txBody>
+            <a:bodyPr rtlCol="0" anchor="ctr"/>
+            <a:lstStyle/>
+            <a:p>
+              <a:pPr algn="ctr"/>
+              <a:endParaRPr lang="ko-KR" altLang="en-US"/>
+            </a:p>
+          </p:txBody>
+        </p:sp>
+      </p:grpSp>
+      <p:grpSp>
+        <p:nvGrpSpPr>
+          <p:cNvPr id="50" name="그룹 49"/>
+          <p:cNvGrpSpPr/>
+          <p:nvPr/>
+        </p:nvGrpSpPr>
+        <p:grpSpPr>
+          <a:xfrm rot="5400000">
+            <a:off x="2489145" y="3903898"/>
+            <a:ext cx="1895475" cy="324208"/>
+            <a:chOff x="1400175" y="3367318"/>
+            <a:chExt cx="1895475" cy="324208"/>
+          </a:xfrm>
+        </p:grpSpPr>
+        <p:cxnSp>
+          <p:nvCxnSpPr>
+            <p:cNvPr id="51" name="직선 화살표 연결선 50"/>
+            <p:cNvCxnSpPr/>
+            <p:nvPr/>
+          </p:nvCxnSpPr>
+          <p:spPr>
+            <a:xfrm>
+              <a:off x="1428750" y="3533775"/>
+              <a:ext cx="1866900" cy="0"/>
+            </a:xfrm>
+            <a:prstGeom prst="straightConnector1">
+              <a:avLst/>
+            </a:prstGeom>
+            <a:ln w="76200">
+              <a:solidFill>
+                <a:schemeClr val="tx1">
+                  <a:alpha val="50000"/>
+                </a:schemeClr>
+              </a:solidFill>
+              <a:tailEnd type="triangle"/>
+            </a:ln>
+          </p:spPr>
+          <p:style>
+            <a:lnRef idx="1">
+              <a:schemeClr val="accent1"/>
+            </a:lnRef>
+            <a:fillRef idx="0">
+              <a:schemeClr val="accent1"/>
+            </a:fillRef>
+            <a:effectRef idx="0">
+              <a:schemeClr val="accent1"/>
+            </a:effectRef>
+            <a:fontRef idx="minor">
+              <a:schemeClr val="tx1"/>
+            </a:fontRef>
+          </p:style>
+        </p:cxnSp>
+        <p:sp>
+          <p:nvSpPr>
+            <p:cNvPr id="52" name="평행 사변형 51"/>
+            <p:cNvSpPr/>
+            <p:nvPr/>
+          </p:nvSpPr>
+          <p:spPr>
+            <a:xfrm flipH="1">
+              <a:off x="1400175" y="3367318"/>
+              <a:ext cx="342900" cy="117982"/>
+            </a:xfrm>
+            <a:prstGeom prst="parallelogram">
+              <a:avLst/>
+            </a:prstGeom>
+            <a:blipFill dpi="0" rotWithShape="1">
+              <a:blip r:embed="rId3">
+                <a:alphaModFix amt="50000"/>
+              </a:blip>
+              <a:srcRect/>
+              <a:tile tx="0" ty="0" sx="100000" sy="100000" flip="none" algn="tl"/>
+            </a:blipFill>
+            <a:ln>
+              <a:noFill/>
+            </a:ln>
+          </p:spPr>
+          <p:style>
+            <a:lnRef idx="2">
+              <a:schemeClr val="accent1">
+                <a:shade val="50000"/>
+              </a:schemeClr>
+            </a:lnRef>
+            <a:fillRef idx="1">
+              <a:schemeClr val="accent1"/>
+            </a:fillRef>
+            <a:effectRef idx="0">
+              <a:schemeClr val="accent1"/>
+            </a:effectRef>
+            <a:fontRef idx="minor">
+              <a:schemeClr val="lt1"/>
+            </a:fontRef>
+          </p:style>
+          <p:txBody>
+            <a:bodyPr rtlCol="0" anchor="ctr"/>
+            <a:lstStyle/>
+            <a:p>
+              <a:pPr algn="ctr"/>
+              <a:endParaRPr lang="ko-KR" altLang="en-US"/>
+            </a:p>
+          </p:txBody>
+        </p:sp>
+        <p:sp>
+          <p:nvSpPr>
+            <p:cNvPr id="53" name="평행 사변형 52"/>
+            <p:cNvSpPr/>
+            <p:nvPr/>
+          </p:nvSpPr>
+          <p:spPr>
+            <a:xfrm flipH="1" flipV="1">
+              <a:off x="1400175" y="3572726"/>
+              <a:ext cx="342900" cy="118800"/>
+            </a:xfrm>
+            <a:prstGeom prst="parallelogram">
+              <a:avLst/>
+            </a:prstGeom>
+            <a:blipFill dpi="0" rotWithShape="1">
+              <a:blip r:embed="rId3">
+                <a:alphaModFix amt="50000"/>
+              </a:blip>
+              <a:srcRect/>
+              <a:tile tx="0" ty="0" sx="100000" sy="100000" flip="none" algn="tl"/>
+            </a:blipFill>
+            <a:ln>
+              <a:noFill/>
+            </a:ln>
+          </p:spPr>
+          <p:style>
+            <a:lnRef idx="2">
+              <a:schemeClr val="accent1">
+                <a:shade val="50000"/>
+              </a:schemeClr>
+            </a:lnRef>
+            <a:fillRef idx="1">
+              <a:schemeClr val="accent1"/>
+            </a:fillRef>
+            <a:effectRef idx="0">
+              <a:schemeClr val="accent1"/>
+            </a:effectRef>
+            <a:fontRef idx="minor">
+              <a:schemeClr val="lt1"/>
+            </a:fontRef>
+          </p:style>
+          <p:txBody>
+            <a:bodyPr rtlCol="0" anchor="ctr"/>
+            <a:lstStyle/>
+            <a:p>
+              <a:pPr algn="ctr"/>
+              <a:endParaRPr lang="ko-KR" altLang="en-US"/>
+            </a:p>
+          </p:txBody>
+        </p:sp>
+      </p:grpSp>
+      <p:grpSp>
+        <p:nvGrpSpPr>
+          <p:cNvPr id="54" name="그룹 53"/>
+          <p:cNvGrpSpPr/>
+          <p:nvPr/>
+        </p:nvGrpSpPr>
+        <p:grpSpPr>
+          <a:xfrm rot="19828605">
+            <a:off x="3580980" y="3432506"/>
+            <a:ext cx="1709822" cy="209550"/>
+            <a:chOff x="1343025" y="1042987"/>
+            <a:chExt cx="1709822" cy="209550"/>
+          </a:xfrm>
+          <a:scene3d>
+            <a:camera prst="orthographicFront">
+              <a:rot lat="0" lon="0" rev="10800000"/>
+            </a:camera>
+            <a:lightRig rig="threePt" dir="t"/>
+          </a:scene3d>
+        </p:grpSpPr>
+        <p:sp>
+          <p:nvSpPr>
+            <p:cNvPr id="55" name="직사각형 54"/>
+            <p:cNvSpPr/>
+            <p:nvPr/>
+          </p:nvSpPr>
+          <p:spPr>
+            <a:xfrm>
+              <a:off x="1343025" y="1123950"/>
+              <a:ext cx="1400175" cy="47625"/>
+            </a:xfrm>
+            <a:prstGeom prst="rect">
+              <a:avLst/>
+            </a:prstGeom>
+            <a:solidFill>
+              <a:schemeClr val="tx1"/>
+            </a:solidFill>
+            <a:ln>
+              <a:solidFill>
+                <a:schemeClr val="tx1"/>
+              </a:solidFill>
+            </a:ln>
+          </p:spPr>
+          <p:style>
+            <a:lnRef idx="2">
+              <a:schemeClr val="accent1">
+                <a:shade val="50000"/>
+              </a:schemeClr>
+            </a:lnRef>
+            <a:fillRef idx="1">
+              <a:schemeClr val="accent1"/>
+            </a:fillRef>
+            <a:effectRef idx="0">
+              <a:schemeClr val="accent1"/>
+            </a:effectRef>
+            <a:fontRef idx="minor">
+              <a:schemeClr val="lt1"/>
+            </a:fontRef>
+          </p:style>
+          <p:txBody>
+            <a:bodyPr rtlCol="0" anchor="ctr"/>
+            <a:lstStyle/>
+            <a:p>
+              <a:pPr algn="ctr"/>
+              <a:endParaRPr lang="ko-KR" altLang="en-US"/>
+            </a:p>
+          </p:txBody>
+        </p:sp>
+        <p:sp>
+          <p:nvSpPr>
+            <p:cNvPr id="56" name="다이아몬드 55"/>
+            <p:cNvSpPr/>
+            <p:nvPr/>
+          </p:nvSpPr>
+          <p:spPr>
+            <a:xfrm>
+              <a:off x="2671847" y="1042987"/>
+              <a:ext cx="381000" cy="209550"/>
+            </a:xfrm>
+            <a:prstGeom prst="diamond">
+              <a:avLst/>
+            </a:prstGeom>
+            <a:solidFill>
+              <a:schemeClr val="tx1"/>
+            </a:solidFill>
+            <a:ln>
+              <a:solidFill>
+                <a:schemeClr val="tx1"/>
+              </a:solidFill>
+            </a:ln>
+          </p:spPr>
+          <p:style>
+            <a:lnRef idx="2">
+              <a:schemeClr val="accent1">
+                <a:shade val="50000"/>
+              </a:schemeClr>
+            </a:lnRef>
+            <a:fillRef idx="1">
+              <a:schemeClr val="accent1"/>
+            </a:fillRef>
+            <a:effectRef idx="0">
+              <a:schemeClr val="accent1"/>
+            </a:effectRef>
+            <a:fontRef idx="minor">
+              <a:schemeClr val="lt1"/>
+            </a:fontRef>
+          </p:style>
+          <p:txBody>
+            <a:bodyPr rtlCol="0" anchor="ctr"/>
+            <a:lstStyle/>
+            <a:p>
+              <a:pPr algn="ctr"/>
+              <a:endParaRPr lang="ko-KR" altLang="en-US"/>
+            </a:p>
+          </p:txBody>
+        </p:sp>
+      </p:grpSp>
+    </p:spTree>
+    <p:extLst>
+      <p:ext uri="{BB962C8B-B14F-4D97-AF65-F5344CB8AC3E}">
+        <p14:creationId xmlns:p14="http://schemas.microsoft.com/office/powerpoint/2010/main" val="4022564585"/>
       </p:ext>
     </p:extLst>
   </p:cSld>

--- a/TriFunction/그림용.pptx
+++ b/TriFunction/그림용.pptx
@@ -209,7 +209,7 @@
           <a:p>
             <a:fld id="{7A69A65F-D152-468D-9567-D5957D3F5103}" type="datetimeFigureOut">
               <a:rPr lang="ko-KR" altLang="en-US" smtClean="0"/>
-              <a:t>2018-10-02</a:t>
+              <a:t>2018-10-03</a:t>
             </a:fld>
             <a:endParaRPr lang="ko-KR" altLang="en-US"/>
           </a:p>
@@ -608,7 +608,7 @@
           <a:p>
             <a:fld id="{39D6D5D5-D1C6-465B-B735-E2307C7708EA}" type="datetimeFigureOut">
               <a:rPr lang="ko-KR" altLang="en-US" smtClean="0"/>
-              <a:t>2018-10-02</a:t>
+              <a:t>2018-10-03</a:t>
             </a:fld>
             <a:endParaRPr lang="ko-KR" altLang="en-US"/>
           </a:p>
@@ -778,7 +778,7 @@
           <a:p>
             <a:fld id="{39D6D5D5-D1C6-465B-B735-E2307C7708EA}" type="datetimeFigureOut">
               <a:rPr lang="ko-KR" altLang="en-US" smtClean="0"/>
-              <a:t>2018-10-02</a:t>
+              <a:t>2018-10-03</a:t>
             </a:fld>
             <a:endParaRPr lang="ko-KR" altLang="en-US"/>
           </a:p>
@@ -958,7 +958,7 @@
           <a:p>
             <a:fld id="{39D6D5D5-D1C6-465B-B735-E2307C7708EA}" type="datetimeFigureOut">
               <a:rPr lang="ko-KR" altLang="en-US" smtClean="0"/>
-              <a:t>2018-10-02</a:t>
+              <a:t>2018-10-03</a:t>
             </a:fld>
             <a:endParaRPr lang="ko-KR" altLang="en-US"/>
           </a:p>
@@ -1128,7 +1128,7 @@
           <a:p>
             <a:fld id="{39D6D5D5-D1C6-465B-B735-E2307C7708EA}" type="datetimeFigureOut">
               <a:rPr lang="ko-KR" altLang="en-US" smtClean="0"/>
-              <a:t>2018-10-02</a:t>
+              <a:t>2018-10-03</a:t>
             </a:fld>
             <a:endParaRPr lang="ko-KR" altLang="en-US"/>
           </a:p>
@@ -1374,7 +1374,7 @@
           <a:p>
             <a:fld id="{39D6D5D5-D1C6-465B-B735-E2307C7708EA}" type="datetimeFigureOut">
               <a:rPr lang="ko-KR" altLang="en-US" smtClean="0"/>
-              <a:t>2018-10-02</a:t>
+              <a:t>2018-10-03</a:t>
             </a:fld>
             <a:endParaRPr lang="ko-KR" altLang="en-US"/>
           </a:p>
@@ -1606,7 +1606,7 @@
           <a:p>
             <a:fld id="{39D6D5D5-D1C6-465B-B735-E2307C7708EA}" type="datetimeFigureOut">
               <a:rPr lang="ko-KR" altLang="en-US" smtClean="0"/>
-              <a:t>2018-10-02</a:t>
+              <a:t>2018-10-03</a:t>
             </a:fld>
             <a:endParaRPr lang="ko-KR" altLang="en-US"/>
           </a:p>
@@ -1973,7 +1973,7 @@
           <a:p>
             <a:fld id="{39D6D5D5-D1C6-465B-B735-E2307C7708EA}" type="datetimeFigureOut">
               <a:rPr lang="ko-KR" altLang="en-US" smtClean="0"/>
-              <a:t>2018-10-02</a:t>
+              <a:t>2018-10-03</a:t>
             </a:fld>
             <a:endParaRPr lang="ko-KR" altLang="en-US"/>
           </a:p>
@@ -2091,7 +2091,7 @@
           <a:p>
             <a:fld id="{39D6D5D5-D1C6-465B-B735-E2307C7708EA}" type="datetimeFigureOut">
               <a:rPr lang="ko-KR" altLang="en-US" smtClean="0"/>
-              <a:t>2018-10-02</a:t>
+              <a:t>2018-10-03</a:t>
             </a:fld>
             <a:endParaRPr lang="ko-KR" altLang="en-US"/>
           </a:p>
@@ -2186,7 +2186,7 @@
           <a:p>
             <a:fld id="{39D6D5D5-D1C6-465B-B735-E2307C7708EA}" type="datetimeFigureOut">
               <a:rPr lang="ko-KR" altLang="en-US" smtClean="0"/>
-              <a:t>2018-10-02</a:t>
+              <a:t>2018-10-03</a:t>
             </a:fld>
             <a:endParaRPr lang="ko-KR" altLang="en-US"/>
           </a:p>
@@ -2463,7 +2463,7 @@
           <a:p>
             <a:fld id="{39D6D5D5-D1C6-465B-B735-E2307C7708EA}" type="datetimeFigureOut">
               <a:rPr lang="ko-KR" altLang="en-US" smtClean="0"/>
-              <a:t>2018-10-02</a:t>
+              <a:t>2018-10-03</a:t>
             </a:fld>
             <a:endParaRPr lang="ko-KR" altLang="en-US"/>
           </a:p>
@@ -2716,7 +2716,7 @@
           <a:p>
             <a:fld id="{39D6D5D5-D1C6-465B-B735-E2307C7708EA}" type="datetimeFigureOut">
               <a:rPr lang="ko-KR" altLang="en-US" smtClean="0"/>
-              <a:t>2018-10-02</a:t>
+              <a:t>2018-10-03</a:t>
             </a:fld>
             <a:endParaRPr lang="ko-KR" altLang="en-US"/>
           </a:p>
@@ -2929,7 +2929,7 @@
           <a:p>
             <a:fld id="{39D6D5D5-D1C6-465B-B735-E2307C7708EA}" type="datetimeFigureOut">
               <a:rPr lang="ko-KR" altLang="en-US" smtClean="0"/>
-              <a:t>2018-10-02</a:t>
+              <a:t>2018-10-03</a:t>
             </a:fld>
             <a:endParaRPr lang="ko-KR" altLang="en-US"/>
           </a:p>
@@ -6486,6 +6486,60 @@
       </p:grpSpPr>
       <p:sp>
         <p:nvSpPr>
+          <p:cNvPr id="44" name="막힌 원호 43"/>
+          <p:cNvSpPr/>
+          <p:nvPr/>
+        </p:nvSpPr>
+        <p:spPr>
+          <a:xfrm>
+            <a:off x="6557032" y="2344054"/>
+            <a:ext cx="748800" cy="748800"/>
+          </a:xfrm>
+          <a:prstGeom prst="blockArc">
+            <a:avLst>
+              <a:gd name="adj1" fmla="val 5400017"/>
+              <a:gd name="adj2" fmla="val 8914222"/>
+              <a:gd name="adj3" fmla="val 10864"/>
+            </a:avLst>
+          </a:prstGeom>
+          <a:solidFill>
+            <a:srgbClr val="56D1F8"/>
+          </a:solidFill>
+          <a:ln>
+            <a:noFill/>
+          </a:ln>
+        </p:spPr>
+        <p:style>
+          <a:lnRef idx="2">
+            <a:schemeClr val="accent1">
+              <a:shade val="50000"/>
+            </a:schemeClr>
+          </a:lnRef>
+          <a:fillRef idx="1">
+            <a:schemeClr val="accent1"/>
+          </a:fillRef>
+          <a:effectRef idx="0">
+            <a:schemeClr val="accent1"/>
+          </a:effectRef>
+          <a:fontRef idx="minor">
+            <a:schemeClr val="lt1"/>
+          </a:fontRef>
+        </p:style>
+        <p:txBody>
+          <a:bodyPr rtlCol="0" anchor="ctr"/>
+          <a:lstStyle/>
+          <a:p>
+            <a:pPr algn="ctr"/>
+            <a:endParaRPr lang="ko-KR" altLang="en-US">
+              <a:solidFill>
+                <a:schemeClr val="tx1"/>
+              </a:solidFill>
+            </a:endParaRPr>
+          </a:p>
+        </p:txBody>
+      </p:sp>
+      <p:sp>
+        <p:nvSpPr>
           <p:cNvPr id="4" name="Rectangle 2"/>
           <p:cNvSpPr>
             <a:spLocks noChangeArrowheads="1"/>
@@ -6613,52 +6667,6 @@
           <a:ln w="38100">
             <a:solidFill>
               <a:srgbClr val="FF0000"/>
-            </a:solidFill>
-          </a:ln>
-        </p:spPr>
-        <p:style>
-          <a:lnRef idx="1">
-            <a:schemeClr val="accent1"/>
-          </a:lnRef>
-          <a:fillRef idx="0">
-            <a:schemeClr val="accent1"/>
-          </a:fillRef>
-          <a:effectRef idx="0">
-            <a:schemeClr val="accent1"/>
-          </a:effectRef>
-          <a:fontRef idx="minor">
-            <a:schemeClr val="tx1"/>
-          </a:fontRef>
-        </p:style>
-        <p:txBody>
-          <a:bodyPr rtlCol="0" anchor="ctr"/>
-          <a:lstStyle/>
-          <a:p>
-            <a:pPr algn="ctr"/>
-            <a:endParaRPr lang="ko-KR" altLang="en-US"/>
-          </a:p>
-        </p:txBody>
-      </p:sp>
-      <p:sp>
-        <p:nvSpPr>
-          <p:cNvPr id="15" name="원호 14"/>
-          <p:cNvSpPr/>
-          <p:nvPr/>
-        </p:nvSpPr>
-        <p:spPr>
-          <a:xfrm rot="10800000">
-            <a:off x="6578001" y="2327563"/>
-            <a:ext cx="748759" cy="748759"/>
-          </a:xfrm>
-          <a:prstGeom prst="arc">
-            <a:avLst>
-              <a:gd name="adj1" fmla="val 16391892"/>
-              <a:gd name="adj2" fmla="val 19578702"/>
-            </a:avLst>
-          </a:prstGeom>
-          <a:ln w="38100">
-            <a:solidFill>
-              <a:srgbClr val="56D1F8"/>
             </a:solidFill>
           </a:ln>
         </p:spPr>
@@ -7289,52 +7297,6 @@
       </p:cxnSp>
       <p:sp>
         <p:nvSpPr>
-          <p:cNvPr id="29" name="원호 28"/>
-          <p:cNvSpPr/>
-          <p:nvPr/>
-        </p:nvSpPr>
-        <p:spPr>
-          <a:xfrm>
-            <a:off x="4603062" y="4334179"/>
-            <a:ext cx="788982" cy="788981"/>
-          </a:xfrm>
-          <a:prstGeom prst="arc">
-            <a:avLst>
-              <a:gd name="adj1" fmla="val 19890689"/>
-              <a:gd name="adj2" fmla="val 0"/>
-            </a:avLst>
-          </a:prstGeom>
-          <a:ln w="76200">
-            <a:solidFill>
-              <a:srgbClr val="FFFF00"/>
-            </a:solidFill>
-          </a:ln>
-        </p:spPr>
-        <p:style>
-          <a:lnRef idx="1">
-            <a:schemeClr val="accent1"/>
-          </a:lnRef>
-          <a:fillRef idx="0">
-            <a:schemeClr val="accent1"/>
-          </a:fillRef>
-          <a:effectRef idx="0">
-            <a:schemeClr val="accent1"/>
-          </a:effectRef>
-          <a:fontRef idx="minor">
-            <a:schemeClr val="tx1"/>
-          </a:fontRef>
-        </p:style>
-        <p:txBody>
-          <a:bodyPr rtlCol="0" anchor="ctr"/>
-          <a:lstStyle/>
-          <a:p>
-            <a:pPr algn="ctr"/>
-            <a:endParaRPr lang="ko-KR" altLang="en-US"/>
-          </a:p>
-        </p:txBody>
-      </p:sp>
-      <p:sp>
-        <p:nvSpPr>
           <p:cNvPr id="30" name="원호 29"/>
           <p:cNvSpPr/>
           <p:nvPr/>
@@ -7354,55 +7316,6 @@
           <a:ln w="76200">
             <a:solidFill>
               <a:srgbClr val="FFFF00"/>
-            </a:solidFill>
-          </a:ln>
-        </p:spPr>
-        <p:style>
-          <a:lnRef idx="1">
-            <a:schemeClr val="accent1"/>
-          </a:lnRef>
-          <a:fillRef idx="0">
-            <a:schemeClr val="accent1"/>
-          </a:fillRef>
-          <a:effectRef idx="0">
-            <a:schemeClr val="accent1"/>
-          </a:effectRef>
-          <a:fontRef idx="minor">
-            <a:schemeClr val="tx1"/>
-          </a:fontRef>
-        </p:style>
-        <p:txBody>
-          <a:bodyPr rtlCol="0" anchor="ctr"/>
-          <a:lstStyle/>
-          <a:p>
-            <a:pPr algn="ctr"/>
-            <a:endParaRPr lang="ko-KR" altLang="en-US"/>
-          </a:p>
-        </p:txBody>
-      </p:sp>
-      <p:sp>
-        <p:nvSpPr>
-          <p:cNvPr id="28" name="원호 27"/>
-          <p:cNvSpPr/>
-          <p:nvPr/>
-        </p:nvSpPr>
-        <p:spPr>
-          <a:xfrm rot="10800000">
-            <a:off x="7702140" y="3892554"/>
-            <a:ext cx="748759" cy="748759"/>
-          </a:xfrm>
-          <a:prstGeom prst="arc">
-            <a:avLst>
-              <a:gd name="adj1" fmla="val 16391892"/>
-              <a:gd name="adj2" fmla="val 19578702"/>
-            </a:avLst>
-          </a:prstGeom>
-          <a:ln w="76200">
-            <a:solidFill>
-              <a:schemeClr val="accent1">
-                <a:lumMod val="20000"/>
-                <a:lumOff val="80000"/>
-              </a:schemeClr>
             </a:solidFill>
           </a:ln>
         </p:spPr>
@@ -7978,52 +7891,6 @@
       </p:sp>
       <p:sp>
         <p:nvSpPr>
-          <p:cNvPr id="37" name="원호 36"/>
-          <p:cNvSpPr/>
-          <p:nvPr/>
-        </p:nvSpPr>
-        <p:spPr>
-          <a:xfrm rot="10800000">
-            <a:off x="11442180" y="501873"/>
-            <a:ext cx="748759" cy="748759"/>
-          </a:xfrm>
-          <a:prstGeom prst="arc">
-            <a:avLst>
-              <a:gd name="adj1" fmla="val 16391892"/>
-              <a:gd name="adj2" fmla="val 19578702"/>
-            </a:avLst>
-          </a:prstGeom>
-          <a:ln w="38100">
-            <a:solidFill>
-              <a:srgbClr val="56D1F8"/>
-            </a:solidFill>
-          </a:ln>
-        </p:spPr>
-        <p:style>
-          <a:lnRef idx="1">
-            <a:schemeClr val="accent1"/>
-          </a:lnRef>
-          <a:fillRef idx="0">
-            <a:schemeClr val="accent1"/>
-          </a:fillRef>
-          <a:effectRef idx="0">
-            <a:schemeClr val="accent1"/>
-          </a:effectRef>
-          <a:fontRef idx="minor">
-            <a:schemeClr val="tx1"/>
-          </a:fontRef>
-        </p:style>
-        <p:txBody>
-          <a:bodyPr rtlCol="0" anchor="ctr"/>
-          <a:lstStyle/>
-          <a:p>
-            <a:pPr algn="ctr"/>
-            <a:endParaRPr lang="ko-KR" altLang="en-US"/>
-          </a:p>
-        </p:txBody>
-      </p:sp>
-      <p:sp>
-        <p:nvSpPr>
           <p:cNvPr id="5" name="막힌 원호 4"/>
           <p:cNvSpPr/>
           <p:nvPr/>
@@ -8041,7 +7908,122 @@
             </a:avLst>
           </a:prstGeom>
           <a:solidFill>
-            <a:srgbClr val="FFFF00"/>
+            <a:srgbClr val="FFFF00">
+              <a:alpha val="70000"/>
+            </a:srgbClr>
+          </a:solidFill>
+          <a:ln>
+            <a:noFill/>
+          </a:ln>
+        </p:spPr>
+        <p:style>
+          <a:lnRef idx="2">
+            <a:schemeClr val="accent1">
+              <a:shade val="50000"/>
+            </a:schemeClr>
+          </a:lnRef>
+          <a:fillRef idx="1">
+            <a:schemeClr val="accent1"/>
+          </a:fillRef>
+          <a:effectRef idx="0">
+            <a:schemeClr val="accent1"/>
+          </a:effectRef>
+          <a:fontRef idx="minor">
+            <a:schemeClr val="lt1"/>
+          </a:fontRef>
+        </p:style>
+        <p:txBody>
+          <a:bodyPr rtlCol="0" anchor="ctr"/>
+          <a:lstStyle/>
+          <a:p>
+            <a:pPr algn="ctr"/>
+            <a:endParaRPr lang="ko-KR" altLang="en-US">
+              <a:solidFill>
+                <a:schemeClr val="tx1"/>
+              </a:solidFill>
+            </a:endParaRPr>
+          </a:p>
+        </p:txBody>
+      </p:sp>
+      <p:sp>
+        <p:nvSpPr>
+          <p:cNvPr id="45" name="막힌 원호 44"/>
+          <p:cNvSpPr/>
+          <p:nvPr/>
+        </p:nvSpPr>
+        <p:spPr>
+          <a:xfrm>
+            <a:off x="7120752" y="839525"/>
+            <a:ext cx="748800" cy="748800"/>
+          </a:xfrm>
+          <a:prstGeom prst="blockArc">
+            <a:avLst>
+              <a:gd name="adj1" fmla="val 5400017"/>
+              <a:gd name="adj2" fmla="val 8914222"/>
+              <a:gd name="adj3" fmla="val 10864"/>
+            </a:avLst>
+          </a:prstGeom>
+          <a:solidFill>
+            <a:schemeClr val="bg2">
+              <a:lumMod val="75000"/>
+              <a:alpha val="70000"/>
+            </a:schemeClr>
+          </a:solidFill>
+          <a:ln>
+            <a:noFill/>
+          </a:ln>
+        </p:spPr>
+        <p:style>
+          <a:lnRef idx="2">
+            <a:schemeClr val="accent1">
+              <a:shade val="50000"/>
+            </a:schemeClr>
+          </a:lnRef>
+          <a:fillRef idx="1">
+            <a:schemeClr val="accent1"/>
+          </a:fillRef>
+          <a:effectRef idx="0">
+            <a:schemeClr val="accent1"/>
+          </a:effectRef>
+          <a:fontRef idx="minor">
+            <a:schemeClr val="lt1"/>
+          </a:fontRef>
+        </p:style>
+        <p:txBody>
+          <a:bodyPr rtlCol="0" anchor="ctr"/>
+          <a:lstStyle/>
+          <a:p>
+            <a:pPr algn="ctr"/>
+            <a:endParaRPr lang="ko-KR" altLang="en-US">
+              <a:solidFill>
+                <a:schemeClr val="tx1"/>
+              </a:solidFill>
+            </a:endParaRPr>
+          </a:p>
+        </p:txBody>
+      </p:sp>
+      <p:sp>
+        <p:nvSpPr>
+          <p:cNvPr id="46" name="막힌 원호 45"/>
+          <p:cNvSpPr/>
+          <p:nvPr/>
+        </p:nvSpPr>
+        <p:spPr>
+          <a:xfrm>
+            <a:off x="3201450" y="3833668"/>
+            <a:ext cx="788400" cy="788400"/>
+          </a:xfrm>
+          <a:prstGeom prst="blockArc">
+            <a:avLst>
+              <a:gd name="adj1" fmla="val 19824557"/>
+              <a:gd name="adj2" fmla="val 87288"/>
+              <a:gd name="adj3" fmla="val 7569"/>
+            </a:avLst>
+          </a:prstGeom>
+          <a:solidFill>
+            <a:srgbClr val="FFFF00">
+              <a:alpha val="90000"/>
+            </a:srgbClr>
           </a:solidFill>
           <a:ln>
             <a:noFill/>

--- a/TriFunction/그림용.pptx
+++ b/TriFunction/그림용.pptx
@@ -7469,8 +7469,8 @@
         </p:nvCxnSpPr>
         <p:spPr>
           <a:xfrm flipV="1">
-            <a:off x="6952381" y="-2702010"/>
-            <a:ext cx="9735419" cy="5420464"/>
+            <a:off x="6952381" y="-1033221"/>
+            <a:ext cx="6738192" cy="3751675"/>
           </a:xfrm>
           <a:prstGeom prst="line">
             <a:avLst/>
@@ -7506,7 +7506,7 @@
         <p:spPr>
           <a:xfrm>
             <a:off x="6974798" y="3936090"/>
-            <a:ext cx="10551202" cy="0"/>
+            <a:ext cx="7200000" cy="0"/>
           </a:xfrm>
           <a:prstGeom prst="line">
             <a:avLst/>

--- a/TriFunction/그림용.pptx
+++ b/TriFunction/그림용.pptx
@@ -5,7 +5,7 @@
     <p:sldMasterId id="2147483648" r:id="rId1"/>
   </p:sldMasterIdLst>
   <p:notesMasterIdLst>
-    <p:notesMasterId r:id="rId15"/>
+    <p:notesMasterId r:id="rId21"/>
   </p:notesMasterIdLst>
   <p:sldIdLst>
     <p:sldId id="256" r:id="rId2"/>
@@ -21,6 +21,12 @@
     <p:sldId id="268" r:id="rId12"/>
     <p:sldId id="269" r:id="rId13"/>
     <p:sldId id="270" r:id="rId14"/>
+    <p:sldId id="271" r:id="rId15"/>
+    <p:sldId id="272" r:id="rId16"/>
+    <p:sldId id="273" r:id="rId17"/>
+    <p:sldId id="274" r:id="rId18"/>
+    <p:sldId id="275" r:id="rId19"/>
+    <p:sldId id="276" r:id="rId20"/>
   </p:sldIdLst>
   <p:sldSz cx="12192000" cy="6858000"/>
   <p:notesSz cx="6858000" cy="9144000"/>
@@ -209,7 +215,7 @@
           <a:p>
             <a:fld id="{7A69A65F-D152-468D-9567-D5957D3F5103}" type="datetimeFigureOut">
               <a:rPr lang="ko-KR" altLang="en-US" smtClean="0"/>
-              <a:t>2018-10-03</a:t>
+              <a:t>2018-10-10</a:t>
             </a:fld>
             <a:endParaRPr lang="ko-KR" altLang="en-US"/>
           </a:p>
@@ -608,7 +614,7 @@
           <a:p>
             <a:fld id="{39D6D5D5-D1C6-465B-B735-E2307C7708EA}" type="datetimeFigureOut">
               <a:rPr lang="ko-KR" altLang="en-US" smtClean="0"/>
-              <a:t>2018-10-03</a:t>
+              <a:t>2018-10-10</a:t>
             </a:fld>
             <a:endParaRPr lang="ko-KR" altLang="en-US"/>
           </a:p>
@@ -778,7 +784,7 @@
           <a:p>
             <a:fld id="{39D6D5D5-D1C6-465B-B735-E2307C7708EA}" type="datetimeFigureOut">
               <a:rPr lang="ko-KR" altLang="en-US" smtClean="0"/>
-              <a:t>2018-10-03</a:t>
+              <a:t>2018-10-10</a:t>
             </a:fld>
             <a:endParaRPr lang="ko-KR" altLang="en-US"/>
           </a:p>
@@ -958,7 +964,7 @@
           <a:p>
             <a:fld id="{39D6D5D5-D1C6-465B-B735-E2307C7708EA}" type="datetimeFigureOut">
               <a:rPr lang="ko-KR" altLang="en-US" smtClean="0"/>
-              <a:t>2018-10-03</a:t>
+              <a:t>2018-10-10</a:t>
             </a:fld>
             <a:endParaRPr lang="ko-KR" altLang="en-US"/>
           </a:p>
@@ -1128,7 +1134,7 @@
           <a:p>
             <a:fld id="{39D6D5D5-D1C6-465B-B735-E2307C7708EA}" type="datetimeFigureOut">
               <a:rPr lang="ko-KR" altLang="en-US" smtClean="0"/>
-              <a:t>2018-10-03</a:t>
+              <a:t>2018-10-10</a:t>
             </a:fld>
             <a:endParaRPr lang="ko-KR" altLang="en-US"/>
           </a:p>
@@ -1374,7 +1380,7 @@
           <a:p>
             <a:fld id="{39D6D5D5-D1C6-465B-B735-E2307C7708EA}" type="datetimeFigureOut">
               <a:rPr lang="ko-KR" altLang="en-US" smtClean="0"/>
-              <a:t>2018-10-03</a:t>
+              <a:t>2018-10-10</a:t>
             </a:fld>
             <a:endParaRPr lang="ko-KR" altLang="en-US"/>
           </a:p>
@@ -1606,7 +1612,7 @@
           <a:p>
             <a:fld id="{39D6D5D5-D1C6-465B-B735-E2307C7708EA}" type="datetimeFigureOut">
               <a:rPr lang="ko-KR" altLang="en-US" smtClean="0"/>
-              <a:t>2018-10-03</a:t>
+              <a:t>2018-10-10</a:t>
             </a:fld>
             <a:endParaRPr lang="ko-KR" altLang="en-US"/>
           </a:p>
@@ -1973,7 +1979,7 @@
           <a:p>
             <a:fld id="{39D6D5D5-D1C6-465B-B735-E2307C7708EA}" type="datetimeFigureOut">
               <a:rPr lang="ko-KR" altLang="en-US" smtClean="0"/>
-              <a:t>2018-10-03</a:t>
+              <a:t>2018-10-10</a:t>
             </a:fld>
             <a:endParaRPr lang="ko-KR" altLang="en-US"/>
           </a:p>
@@ -2091,7 +2097,7 @@
           <a:p>
             <a:fld id="{39D6D5D5-D1C6-465B-B735-E2307C7708EA}" type="datetimeFigureOut">
               <a:rPr lang="ko-KR" altLang="en-US" smtClean="0"/>
-              <a:t>2018-10-03</a:t>
+              <a:t>2018-10-10</a:t>
             </a:fld>
             <a:endParaRPr lang="ko-KR" altLang="en-US"/>
           </a:p>
@@ -2186,7 +2192,7 @@
           <a:p>
             <a:fld id="{39D6D5D5-D1C6-465B-B735-E2307C7708EA}" type="datetimeFigureOut">
               <a:rPr lang="ko-KR" altLang="en-US" smtClean="0"/>
-              <a:t>2018-10-03</a:t>
+              <a:t>2018-10-10</a:t>
             </a:fld>
             <a:endParaRPr lang="ko-KR" altLang="en-US"/>
           </a:p>
@@ -2463,7 +2469,7 @@
           <a:p>
             <a:fld id="{39D6D5D5-D1C6-465B-B735-E2307C7708EA}" type="datetimeFigureOut">
               <a:rPr lang="ko-KR" altLang="en-US" smtClean="0"/>
-              <a:t>2018-10-03</a:t>
+              <a:t>2018-10-10</a:t>
             </a:fld>
             <a:endParaRPr lang="ko-KR" altLang="en-US"/>
           </a:p>
@@ -2716,7 +2722,7 @@
           <a:p>
             <a:fld id="{39D6D5D5-D1C6-465B-B735-E2307C7708EA}" type="datetimeFigureOut">
               <a:rPr lang="ko-KR" altLang="en-US" smtClean="0"/>
-              <a:t>2018-10-03</a:t>
+              <a:t>2018-10-10</a:t>
             </a:fld>
             <a:endParaRPr lang="ko-KR" altLang="en-US"/>
           </a:p>
@@ -2929,7 +2935,7 @@
           <a:p>
             <a:fld id="{39D6D5D5-D1C6-465B-B735-E2307C7708EA}" type="datetimeFigureOut">
               <a:rPr lang="ko-KR" altLang="en-US" smtClean="0"/>
-              <a:t>2018-10-03</a:t>
+              <a:t>2018-10-10</a:t>
             </a:fld>
             <a:endParaRPr lang="ko-KR" altLang="en-US"/>
           </a:p>
@@ -4094,6 +4100,168 @@
           <a:chExt cx="0" cy="0"/>
         </a:xfrm>
       </p:grpSpPr>
+      <p:pic>
+        <p:nvPicPr>
+          <p:cNvPr id="8" name="그림 7"/>
+          <p:cNvPicPr>
+            <a:picLocks noChangeAspect="1"/>
+          </p:cNvPicPr>
+          <p:nvPr/>
+        </p:nvPicPr>
+        <p:blipFill>
+          <a:blip r:embed="rId2">
+            <a:extLst>
+              <a:ext uri="{28A0092B-C50C-407E-A947-70E740481C1C}">
+                <a14:useLocalDpi xmlns:a14="http://schemas.microsoft.com/office/drawing/2010/main" val="0"/>
+              </a:ext>
+            </a:extLst>
+          </a:blip>
+          <a:stretch>
+            <a:fillRect/>
+          </a:stretch>
+        </p:blipFill>
+        <p:spPr>
+          <a:xfrm>
+            <a:off x="9135355" y="428462"/>
+            <a:ext cx="2076246" cy="5758475"/>
+          </a:xfrm>
+          <a:prstGeom prst="rect">
+            <a:avLst/>
+          </a:prstGeom>
+        </p:spPr>
+      </p:pic>
+      <p:pic>
+        <p:nvPicPr>
+          <p:cNvPr id="9" name="그림 8"/>
+          <p:cNvPicPr>
+            <a:picLocks noChangeAspect="1"/>
+          </p:cNvPicPr>
+          <p:nvPr/>
+        </p:nvPicPr>
+        <p:blipFill>
+          <a:blip r:embed="rId3">
+            <a:extLst>
+              <a:ext uri="{28A0092B-C50C-407E-A947-70E740481C1C}">
+                <a14:useLocalDpi xmlns:a14="http://schemas.microsoft.com/office/drawing/2010/main" val="0"/>
+              </a:ext>
+            </a:extLst>
+          </a:blip>
+          <a:stretch>
+            <a:fillRect/>
+          </a:stretch>
+        </p:blipFill>
+        <p:spPr>
+          <a:xfrm>
+            <a:off x="3179705" y="428461"/>
+            <a:ext cx="2111437" cy="5758475"/>
+          </a:xfrm>
+          <a:prstGeom prst="rect">
+            <a:avLst/>
+          </a:prstGeom>
+        </p:spPr>
+      </p:pic>
+      <p:sp>
+        <p:nvSpPr>
+          <p:cNvPr id="10" name="직사각형 9"/>
+          <p:cNvSpPr/>
+          <p:nvPr/>
+        </p:nvSpPr>
+        <p:spPr>
+          <a:xfrm>
+            <a:off x="457199" y="428462"/>
+            <a:ext cx="2113200" cy="5760000"/>
+          </a:xfrm>
+          <a:prstGeom prst="rect">
+            <a:avLst/>
+          </a:prstGeom>
+          <a:blipFill>
+            <a:blip r:embed="rId3">
+              <a:alphaModFix amt="50000"/>
+            </a:blip>
+            <a:stretch>
+              <a:fillRect/>
+            </a:stretch>
+          </a:blipFill>
+          <a:ln>
+            <a:noFill/>
+          </a:ln>
+        </p:spPr>
+        <p:style>
+          <a:lnRef idx="2">
+            <a:schemeClr val="accent1">
+              <a:shade val="50000"/>
+            </a:schemeClr>
+          </a:lnRef>
+          <a:fillRef idx="1">
+            <a:schemeClr val="accent1"/>
+          </a:fillRef>
+          <a:effectRef idx="0">
+            <a:schemeClr val="accent1"/>
+          </a:effectRef>
+          <a:fontRef idx="minor">
+            <a:schemeClr val="lt1"/>
+          </a:fontRef>
+        </p:style>
+        <p:txBody>
+          <a:bodyPr rtlCol="0" anchor="ctr"/>
+          <a:lstStyle/>
+          <a:p>
+            <a:pPr algn="ctr"/>
+            <a:endParaRPr lang="ko-KR" altLang="en-US"/>
+          </a:p>
+        </p:txBody>
+      </p:sp>
+      <p:sp>
+        <p:nvSpPr>
+          <p:cNvPr id="11" name="직사각형 10"/>
+          <p:cNvSpPr/>
+          <p:nvPr/>
+        </p:nvSpPr>
+        <p:spPr>
+          <a:xfrm>
+            <a:off x="6414612" y="428461"/>
+            <a:ext cx="2077200" cy="5760000"/>
+          </a:xfrm>
+          <a:prstGeom prst="rect">
+            <a:avLst/>
+          </a:prstGeom>
+          <a:blipFill>
+            <a:blip r:embed="rId2">
+              <a:alphaModFix amt="50000"/>
+            </a:blip>
+            <a:stretch>
+              <a:fillRect/>
+            </a:stretch>
+          </a:blipFill>
+          <a:ln>
+            <a:noFill/>
+          </a:ln>
+        </p:spPr>
+        <p:style>
+          <a:lnRef idx="2">
+            <a:schemeClr val="accent1">
+              <a:shade val="50000"/>
+            </a:schemeClr>
+          </a:lnRef>
+          <a:fillRef idx="1">
+            <a:schemeClr val="accent1"/>
+          </a:fillRef>
+          <a:effectRef idx="0">
+            <a:schemeClr val="accent1"/>
+          </a:effectRef>
+          <a:fontRef idx="minor">
+            <a:schemeClr val="lt1"/>
+          </a:fontRef>
+        </p:style>
+        <p:txBody>
+          <a:bodyPr rtlCol="0" anchor="ctr"/>
+          <a:lstStyle/>
+          <a:p>
+            <a:pPr algn="ctr"/>
+            <a:endParaRPr lang="ko-KR" altLang="en-US"/>
+          </a:p>
+        </p:txBody>
+      </p:sp>
     </p:spTree>
     <p:extLst>
       <p:ext uri="{BB962C8B-B14F-4D97-AF65-F5344CB8AC3E}">
@@ -4124,6 +4292,490 @@
           <a:chExt cx="0" cy="0"/>
         </a:xfrm>
       </p:grpSpPr>
+      <p:pic>
+        <p:nvPicPr>
+          <p:cNvPr id="2" name="그림 1"/>
+          <p:cNvPicPr>
+            <a:picLocks noChangeAspect="1"/>
+          </p:cNvPicPr>
+          <p:nvPr/>
+        </p:nvPicPr>
+        <p:blipFill rotWithShape="1">
+          <a:blip r:embed="rId2">
+            <a:extLst>
+              <a:ext uri="{28A0092B-C50C-407E-A947-70E740481C1C}">
+                <a14:useLocalDpi xmlns:a14="http://schemas.microsoft.com/office/drawing/2010/main" val="0"/>
+              </a:ext>
+            </a:extLst>
+          </a:blip>
+          <a:srcRect l="22336" t="4363"/>
+          <a:stretch/>
+        </p:blipFill>
+        <p:spPr>
+          <a:xfrm>
+            <a:off x="950535" y="477218"/>
+            <a:ext cx="640079" cy="5860125"/>
+          </a:xfrm>
+          <a:prstGeom prst="rect">
+            <a:avLst/>
+          </a:prstGeom>
+        </p:spPr>
+      </p:pic>
+      <p:pic>
+        <p:nvPicPr>
+          <p:cNvPr id="3" name="그림 2"/>
+          <p:cNvPicPr>
+            <a:picLocks noChangeAspect="1"/>
+          </p:cNvPicPr>
+          <p:nvPr/>
+        </p:nvPicPr>
+        <p:blipFill rotWithShape="1">
+          <a:blip r:embed="rId3">
+            <a:extLst>
+              <a:ext uri="{28A0092B-C50C-407E-A947-70E740481C1C}">
+                <a14:useLocalDpi xmlns:a14="http://schemas.microsoft.com/office/drawing/2010/main" val="0"/>
+              </a:ext>
+            </a:extLst>
+          </a:blip>
+          <a:srcRect l="25672" t="4606"/>
+          <a:stretch/>
+        </p:blipFill>
+        <p:spPr>
+          <a:xfrm>
+            <a:off x="2002613" y="477218"/>
+            <a:ext cx="614147" cy="5860125"/>
+          </a:xfrm>
+          <a:prstGeom prst="rect">
+            <a:avLst/>
+          </a:prstGeom>
+        </p:spPr>
+      </p:pic>
+      <p:sp>
+        <p:nvSpPr>
+          <p:cNvPr id="4" name="직사각형 3"/>
+          <p:cNvSpPr/>
+          <p:nvPr/>
+        </p:nvSpPr>
+        <p:spPr>
+          <a:xfrm>
+            <a:off x="3387012" y="477218"/>
+            <a:ext cx="640800" cy="5860800"/>
+          </a:xfrm>
+          <a:prstGeom prst="rect">
+            <a:avLst/>
+          </a:prstGeom>
+          <a:blipFill>
+            <a:blip r:embed="rId4">
+              <a:alphaModFix amt="50000"/>
+            </a:blip>
+            <a:stretch>
+              <a:fillRect/>
+            </a:stretch>
+          </a:blipFill>
+          <a:ln>
+            <a:noFill/>
+          </a:ln>
+        </p:spPr>
+        <p:style>
+          <a:lnRef idx="2">
+            <a:schemeClr val="accent1">
+              <a:shade val="50000"/>
+            </a:schemeClr>
+          </a:lnRef>
+          <a:fillRef idx="1">
+            <a:schemeClr val="accent1"/>
+          </a:fillRef>
+          <a:effectRef idx="0">
+            <a:schemeClr val="accent1"/>
+          </a:effectRef>
+          <a:fontRef idx="minor">
+            <a:schemeClr val="lt1"/>
+          </a:fontRef>
+        </p:style>
+        <p:txBody>
+          <a:bodyPr rtlCol="0" anchor="ctr"/>
+          <a:lstStyle/>
+          <a:p>
+            <a:pPr algn="ctr"/>
+            <a:endParaRPr lang="ko-KR" altLang="en-US"/>
+          </a:p>
+        </p:txBody>
+      </p:sp>
+      <p:sp>
+        <p:nvSpPr>
+          <p:cNvPr id="5" name="직사각형 4"/>
+          <p:cNvSpPr/>
+          <p:nvPr/>
+        </p:nvSpPr>
+        <p:spPr>
+          <a:xfrm>
+            <a:off x="4413158" y="477218"/>
+            <a:ext cx="615600" cy="5860800"/>
+          </a:xfrm>
+          <a:prstGeom prst="rect">
+            <a:avLst/>
+          </a:prstGeom>
+          <a:blipFill>
+            <a:blip r:embed="rId5">
+              <a:alphaModFix amt="50000"/>
+            </a:blip>
+            <a:stretch>
+              <a:fillRect/>
+            </a:stretch>
+          </a:blipFill>
+          <a:ln>
+            <a:noFill/>
+          </a:ln>
+        </p:spPr>
+        <p:style>
+          <a:lnRef idx="2">
+            <a:schemeClr val="accent1">
+              <a:shade val="50000"/>
+            </a:schemeClr>
+          </a:lnRef>
+          <a:fillRef idx="1">
+            <a:schemeClr val="accent1"/>
+          </a:fillRef>
+          <a:effectRef idx="0">
+            <a:schemeClr val="accent1"/>
+          </a:effectRef>
+          <a:fontRef idx="minor">
+            <a:schemeClr val="lt1"/>
+          </a:fontRef>
+        </p:style>
+        <p:txBody>
+          <a:bodyPr rtlCol="0" anchor="ctr"/>
+          <a:lstStyle/>
+          <a:p>
+            <a:pPr algn="ctr"/>
+            <a:endParaRPr lang="ko-KR" altLang="en-US"/>
+          </a:p>
+        </p:txBody>
+      </p:sp>
+      <p:pic>
+        <p:nvPicPr>
+          <p:cNvPr id="6" name="그림 5"/>
+          <p:cNvPicPr>
+            <a:picLocks noChangeAspect="1"/>
+          </p:cNvPicPr>
+          <p:nvPr/>
+        </p:nvPicPr>
+        <p:blipFill>
+          <a:blip r:embed="rId6">
+            <a:extLst>
+              <a:ext uri="{28A0092B-C50C-407E-A947-70E740481C1C}">
+                <a14:useLocalDpi xmlns:a14="http://schemas.microsoft.com/office/drawing/2010/main" val="0"/>
+              </a:ext>
+            </a:extLst>
+          </a:blip>
+          <a:stretch>
+            <a:fillRect/>
+          </a:stretch>
+        </p:blipFill>
+        <p:spPr>
+          <a:xfrm>
+            <a:off x="6776098" y="5372580"/>
+            <a:ext cx="2502470" cy="330275"/>
+          </a:xfrm>
+          <a:prstGeom prst="rect">
+            <a:avLst/>
+          </a:prstGeom>
+        </p:spPr>
+      </p:pic>
+      <p:pic>
+        <p:nvPicPr>
+          <p:cNvPr id="7" name="그림 6"/>
+          <p:cNvPicPr>
+            <a:picLocks noChangeAspect="1"/>
+          </p:cNvPicPr>
+          <p:nvPr/>
+        </p:nvPicPr>
+        <p:blipFill>
+          <a:blip r:embed="rId7">
+            <a:extLst>
+              <a:ext uri="{28A0092B-C50C-407E-A947-70E740481C1C}">
+                <a14:useLocalDpi xmlns:a14="http://schemas.microsoft.com/office/drawing/2010/main" val="0"/>
+              </a:ext>
+            </a:extLst>
+          </a:blip>
+          <a:stretch>
+            <a:fillRect/>
+          </a:stretch>
+        </p:blipFill>
+        <p:spPr>
+          <a:xfrm>
+            <a:off x="6776098" y="4800940"/>
+            <a:ext cx="2502470" cy="330275"/>
+          </a:xfrm>
+          <a:prstGeom prst="rect">
+            <a:avLst/>
+          </a:prstGeom>
+        </p:spPr>
+      </p:pic>
+      <p:pic>
+        <p:nvPicPr>
+          <p:cNvPr id="8" name="그림 7"/>
+          <p:cNvPicPr>
+            <a:picLocks noChangeAspect="1"/>
+          </p:cNvPicPr>
+          <p:nvPr/>
+        </p:nvPicPr>
+        <p:blipFill>
+          <a:blip r:embed="rId8">
+            <a:extLst>
+              <a:ext uri="{28A0092B-C50C-407E-A947-70E740481C1C}">
+                <a14:useLocalDpi xmlns:a14="http://schemas.microsoft.com/office/drawing/2010/main" val="0"/>
+              </a:ext>
+            </a:extLst>
+          </a:blip>
+          <a:stretch>
+            <a:fillRect/>
+          </a:stretch>
+        </p:blipFill>
+        <p:spPr>
+          <a:xfrm>
+            <a:off x="8027333" y="75436"/>
+            <a:ext cx="914608" cy="3188426"/>
+          </a:xfrm>
+          <a:prstGeom prst="rect">
+            <a:avLst/>
+          </a:prstGeom>
+        </p:spPr>
+      </p:pic>
+      <p:pic>
+        <p:nvPicPr>
+          <p:cNvPr id="9" name="그림 8"/>
+          <p:cNvPicPr>
+            <a:picLocks noChangeAspect="1"/>
+          </p:cNvPicPr>
+          <p:nvPr/>
+        </p:nvPicPr>
+        <p:blipFill>
+          <a:blip r:embed="rId9">
+            <a:extLst>
+              <a:ext uri="{28A0092B-C50C-407E-A947-70E740481C1C}">
+                <a14:useLocalDpi xmlns:a14="http://schemas.microsoft.com/office/drawing/2010/main" val="0"/>
+              </a:ext>
+            </a:extLst>
+          </a:blip>
+          <a:stretch>
+            <a:fillRect/>
+          </a:stretch>
+        </p:blipFill>
+        <p:spPr>
+          <a:xfrm>
+            <a:off x="6883579" y="75436"/>
+            <a:ext cx="927311" cy="3188426"/>
+          </a:xfrm>
+          <a:prstGeom prst="rect">
+            <a:avLst/>
+          </a:prstGeom>
+        </p:spPr>
+      </p:pic>
+      <p:sp>
+        <p:nvSpPr>
+          <p:cNvPr id="10" name="직사각형 9"/>
+          <p:cNvSpPr/>
+          <p:nvPr/>
+        </p:nvSpPr>
+        <p:spPr>
+          <a:xfrm>
+            <a:off x="5738336" y="74262"/>
+            <a:ext cx="928800" cy="3189600"/>
+          </a:xfrm>
+          <a:prstGeom prst="rect">
+            <a:avLst/>
+          </a:prstGeom>
+          <a:blipFill>
+            <a:blip r:embed="rId9">
+              <a:alphaModFix amt="50000"/>
+            </a:blip>
+            <a:stretch>
+              <a:fillRect/>
+            </a:stretch>
+          </a:blipFill>
+          <a:ln>
+            <a:noFill/>
+          </a:ln>
+        </p:spPr>
+        <p:style>
+          <a:lnRef idx="2">
+            <a:schemeClr val="accent1">
+              <a:shade val="50000"/>
+            </a:schemeClr>
+          </a:lnRef>
+          <a:fillRef idx="1">
+            <a:schemeClr val="accent1"/>
+          </a:fillRef>
+          <a:effectRef idx="0">
+            <a:schemeClr val="accent1"/>
+          </a:effectRef>
+          <a:fontRef idx="minor">
+            <a:schemeClr val="lt1"/>
+          </a:fontRef>
+        </p:style>
+        <p:txBody>
+          <a:bodyPr rtlCol="0" anchor="ctr"/>
+          <a:lstStyle/>
+          <a:p>
+            <a:pPr algn="ctr"/>
+            <a:endParaRPr lang="ko-KR" altLang="en-US"/>
+          </a:p>
+        </p:txBody>
+      </p:sp>
+      <p:sp>
+        <p:nvSpPr>
+          <p:cNvPr id="11" name="직사각형 10"/>
+          <p:cNvSpPr/>
+          <p:nvPr/>
+        </p:nvSpPr>
+        <p:spPr>
+          <a:xfrm>
+            <a:off x="9399046" y="74262"/>
+            <a:ext cx="914400" cy="3189600"/>
+          </a:xfrm>
+          <a:prstGeom prst="rect">
+            <a:avLst/>
+          </a:prstGeom>
+          <a:blipFill>
+            <a:blip r:embed="rId8">
+              <a:alphaModFix amt="50000"/>
+            </a:blip>
+            <a:stretch>
+              <a:fillRect/>
+            </a:stretch>
+          </a:blipFill>
+          <a:ln>
+            <a:noFill/>
+          </a:ln>
+        </p:spPr>
+        <p:style>
+          <a:lnRef idx="2">
+            <a:schemeClr val="accent1">
+              <a:shade val="50000"/>
+            </a:schemeClr>
+          </a:lnRef>
+          <a:fillRef idx="1">
+            <a:schemeClr val="accent1"/>
+          </a:fillRef>
+          <a:effectRef idx="0">
+            <a:schemeClr val="accent1"/>
+          </a:effectRef>
+          <a:fontRef idx="minor">
+            <a:schemeClr val="lt1"/>
+          </a:fontRef>
+        </p:style>
+        <p:txBody>
+          <a:bodyPr rtlCol="0" anchor="ctr"/>
+          <a:lstStyle/>
+          <a:p>
+            <a:pPr algn="ctr"/>
+            <a:endParaRPr lang="ko-KR" altLang="en-US"/>
+          </a:p>
+        </p:txBody>
+      </p:sp>
+      <p:sp>
+        <p:nvSpPr>
+          <p:cNvPr id="12" name="직사각형 11"/>
+          <p:cNvSpPr/>
+          <p:nvPr/>
+        </p:nvSpPr>
+        <p:spPr>
+          <a:xfrm>
+            <a:off x="6776098" y="4176319"/>
+            <a:ext cx="2502000" cy="331200"/>
+          </a:xfrm>
+          <a:prstGeom prst="rect">
+            <a:avLst/>
+          </a:prstGeom>
+          <a:blipFill>
+            <a:blip r:embed="rId7">
+              <a:alphaModFix amt="50000"/>
+            </a:blip>
+            <a:stretch>
+              <a:fillRect/>
+            </a:stretch>
+          </a:blipFill>
+          <a:ln>
+            <a:noFill/>
+          </a:ln>
+        </p:spPr>
+        <p:style>
+          <a:lnRef idx="2">
+            <a:schemeClr val="accent1">
+              <a:shade val="50000"/>
+            </a:schemeClr>
+          </a:lnRef>
+          <a:fillRef idx="1">
+            <a:schemeClr val="accent1"/>
+          </a:fillRef>
+          <a:effectRef idx="0">
+            <a:schemeClr val="accent1"/>
+          </a:effectRef>
+          <a:fontRef idx="minor">
+            <a:schemeClr val="lt1"/>
+          </a:fontRef>
+        </p:style>
+        <p:txBody>
+          <a:bodyPr rtlCol="0" anchor="ctr"/>
+          <a:lstStyle/>
+          <a:p>
+            <a:pPr algn="ctr"/>
+            <a:endParaRPr lang="ko-KR" altLang="en-US"/>
+          </a:p>
+        </p:txBody>
+      </p:sp>
+      <p:sp>
+        <p:nvSpPr>
+          <p:cNvPr id="13" name="직사각형 12"/>
+          <p:cNvSpPr/>
+          <p:nvPr/>
+        </p:nvSpPr>
+        <p:spPr>
+          <a:xfrm>
+            <a:off x="6776098" y="5944220"/>
+            <a:ext cx="2502000" cy="331200"/>
+          </a:xfrm>
+          <a:prstGeom prst="rect">
+            <a:avLst/>
+          </a:prstGeom>
+          <a:blipFill>
+            <a:blip r:embed="rId6">
+              <a:alphaModFix amt="50000"/>
+            </a:blip>
+            <a:stretch>
+              <a:fillRect/>
+            </a:stretch>
+          </a:blipFill>
+          <a:ln>
+            <a:noFill/>
+          </a:ln>
+        </p:spPr>
+        <p:style>
+          <a:lnRef idx="2">
+            <a:schemeClr val="accent1">
+              <a:shade val="50000"/>
+            </a:schemeClr>
+          </a:lnRef>
+          <a:fillRef idx="1">
+            <a:schemeClr val="accent1"/>
+          </a:fillRef>
+          <a:effectRef idx="0">
+            <a:schemeClr val="accent1"/>
+          </a:effectRef>
+          <a:fontRef idx="minor">
+            <a:schemeClr val="lt1"/>
+          </a:fontRef>
+        </p:style>
+        <p:txBody>
+          <a:bodyPr rtlCol="0" anchor="ctr"/>
+          <a:lstStyle/>
+          <a:p>
+            <a:pPr algn="ctr"/>
+            <a:endParaRPr lang="ko-KR" altLang="en-US"/>
+          </a:p>
+        </p:txBody>
+      </p:sp>
     </p:spTree>
     <p:extLst>
       <p:ext uri="{BB962C8B-B14F-4D97-AF65-F5344CB8AC3E}">
@@ -4154,10 +4806,263 @@
           <a:chExt cx="0" cy="0"/>
         </a:xfrm>
       </p:grpSpPr>
+      <p:grpSp>
+        <p:nvGrpSpPr>
+          <p:cNvPr id="4" name="그룹 3"/>
+          <p:cNvGrpSpPr/>
+          <p:nvPr/>
+        </p:nvGrpSpPr>
+        <p:grpSpPr>
+          <a:xfrm>
+            <a:off x="1828800" y="1523707"/>
+            <a:ext cx="3155691" cy="2099681"/>
+            <a:chOff x="5169159" y="3081919"/>
+            <a:chExt cx="3155691" cy="2099681"/>
+          </a:xfrm>
+        </p:grpSpPr>
+        <p:pic>
+          <p:nvPicPr>
+            <p:cNvPr id="2" name="그림 1"/>
+            <p:cNvPicPr>
+              <a:picLocks noChangeAspect="1"/>
+            </p:cNvPicPr>
+            <p:nvPr/>
+          </p:nvPicPr>
+          <p:blipFill rotWithShape="1">
+            <a:blip r:embed="rId2">
+              <a:extLst>
+                <a:ext uri="{28A0092B-C50C-407E-A947-70E740481C1C}">
+                  <a14:useLocalDpi xmlns:a14="http://schemas.microsoft.com/office/drawing/2010/main" val="0"/>
+                </a:ext>
+              </a:extLst>
+            </a:blip>
+            <a:srcRect t="8710" r="50846" b="9935"/>
+            <a:stretch/>
+          </p:blipFill>
+          <p:spPr>
+            <a:xfrm>
+              <a:off x="5169159" y="3081919"/>
+              <a:ext cx="3153166" cy="1033463"/>
+            </a:xfrm>
+            <a:prstGeom prst="rect">
+              <a:avLst/>
+            </a:prstGeom>
+          </p:spPr>
+        </p:pic>
+        <p:pic>
+          <p:nvPicPr>
+            <p:cNvPr id="3" name="그림 2"/>
+            <p:cNvPicPr>
+              <a:picLocks noChangeAspect="1"/>
+            </p:cNvPicPr>
+            <p:nvPr/>
+          </p:nvPicPr>
+          <p:blipFill rotWithShape="1">
+            <a:blip r:embed="rId2">
+              <a:extLst>
+                <a:ext uri="{28A0092B-C50C-407E-A947-70E740481C1C}">
+                  <a14:useLocalDpi xmlns:a14="http://schemas.microsoft.com/office/drawing/2010/main" val="0"/>
+                </a:ext>
+              </a:extLst>
+            </a:blip>
+            <a:srcRect l="49431" t="8546" r="1376" b="9724"/>
+            <a:stretch/>
+          </p:blipFill>
+          <p:spPr>
+            <a:xfrm>
+              <a:off x="5169159" y="4143375"/>
+              <a:ext cx="3155691" cy="1038225"/>
+            </a:xfrm>
+            <a:prstGeom prst="rect">
+              <a:avLst/>
+            </a:prstGeom>
+          </p:spPr>
+        </p:pic>
+      </p:grpSp>
     </p:spTree>
     <p:extLst>
       <p:ext uri="{BB962C8B-B14F-4D97-AF65-F5344CB8AC3E}">
         <p14:creationId xmlns:p14="http://schemas.microsoft.com/office/powerpoint/2010/main" val="4088008768"/>
+      </p:ext>
+    </p:extLst>
+  </p:cSld>
+  <p:clrMapOvr>
+    <a:masterClrMapping/>
+  </p:clrMapOvr>
+</p:sld>
+</file>
+
+<file path=ppt/slides/slide14.xml><?xml version="1.0" encoding="utf-8"?>
+<p:sld xmlns:a="http://schemas.openxmlformats.org/drawingml/2006/main" xmlns:r="http://schemas.openxmlformats.org/officeDocument/2006/relationships" xmlns:p="http://schemas.openxmlformats.org/presentationml/2006/main">
+  <p:cSld>
+    <p:spTree>
+      <p:nvGrpSpPr>
+        <p:cNvPr id="1" name=""/>
+        <p:cNvGrpSpPr/>
+        <p:nvPr/>
+      </p:nvGrpSpPr>
+      <p:grpSpPr>
+        <a:xfrm>
+          <a:off x="0" y="0"/>
+          <a:ext cx="0" cy="0"/>
+          <a:chOff x="0" y="0"/>
+          <a:chExt cx="0" cy="0"/>
+        </a:xfrm>
+      </p:grpSpPr>
+    </p:spTree>
+    <p:extLst>
+      <p:ext uri="{BB962C8B-B14F-4D97-AF65-F5344CB8AC3E}">
+        <p14:creationId xmlns:p14="http://schemas.microsoft.com/office/powerpoint/2010/main" val="3504394176"/>
+      </p:ext>
+    </p:extLst>
+  </p:cSld>
+  <p:clrMapOvr>
+    <a:masterClrMapping/>
+  </p:clrMapOvr>
+</p:sld>
+</file>
+
+<file path=ppt/slides/slide15.xml><?xml version="1.0" encoding="utf-8"?>
+<p:sld xmlns:a="http://schemas.openxmlformats.org/drawingml/2006/main" xmlns:r="http://schemas.openxmlformats.org/officeDocument/2006/relationships" xmlns:p="http://schemas.openxmlformats.org/presentationml/2006/main">
+  <p:cSld>
+    <p:spTree>
+      <p:nvGrpSpPr>
+        <p:cNvPr id="1" name=""/>
+        <p:cNvGrpSpPr/>
+        <p:nvPr/>
+      </p:nvGrpSpPr>
+      <p:grpSpPr>
+        <a:xfrm>
+          <a:off x="0" y="0"/>
+          <a:ext cx="0" cy="0"/>
+          <a:chOff x="0" y="0"/>
+          <a:chExt cx="0" cy="0"/>
+        </a:xfrm>
+      </p:grpSpPr>
+    </p:spTree>
+    <p:extLst>
+      <p:ext uri="{BB962C8B-B14F-4D97-AF65-F5344CB8AC3E}">
+        <p14:creationId xmlns:p14="http://schemas.microsoft.com/office/powerpoint/2010/main" val="4003195673"/>
+      </p:ext>
+    </p:extLst>
+  </p:cSld>
+  <p:clrMapOvr>
+    <a:masterClrMapping/>
+  </p:clrMapOvr>
+</p:sld>
+</file>
+
+<file path=ppt/slides/slide16.xml><?xml version="1.0" encoding="utf-8"?>
+<p:sld xmlns:a="http://schemas.openxmlformats.org/drawingml/2006/main" xmlns:r="http://schemas.openxmlformats.org/officeDocument/2006/relationships" xmlns:p="http://schemas.openxmlformats.org/presentationml/2006/main">
+  <p:cSld>
+    <p:spTree>
+      <p:nvGrpSpPr>
+        <p:cNvPr id="1" name=""/>
+        <p:cNvGrpSpPr/>
+        <p:nvPr/>
+      </p:nvGrpSpPr>
+      <p:grpSpPr>
+        <a:xfrm>
+          <a:off x="0" y="0"/>
+          <a:ext cx="0" cy="0"/>
+          <a:chOff x="0" y="0"/>
+          <a:chExt cx="0" cy="0"/>
+        </a:xfrm>
+      </p:grpSpPr>
+    </p:spTree>
+    <p:extLst>
+      <p:ext uri="{BB962C8B-B14F-4D97-AF65-F5344CB8AC3E}">
+        <p14:creationId xmlns:p14="http://schemas.microsoft.com/office/powerpoint/2010/main" val="3988151273"/>
+      </p:ext>
+    </p:extLst>
+  </p:cSld>
+  <p:clrMapOvr>
+    <a:masterClrMapping/>
+  </p:clrMapOvr>
+</p:sld>
+</file>
+
+<file path=ppt/slides/slide17.xml><?xml version="1.0" encoding="utf-8"?>
+<p:sld xmlns:a="http://schemas.openxmlformats.org/drawingml/2006/main" xmlns:r="http://schemas.openxmlformats.org/officeDocument/2006/relationships" xmlns:p="http://schemas.openxmlformats.org/presentationml/2006/main">
+  <p:cSld>
+    <p:spTree>
+      <p:nvGrpSpPr>
+        <p:cNvPr id="1" name=""/>
+        <p:cNvGrpSpPr/>
+        <p:nvPr/>
+      </p:nvGrpSpPr>
+      <p:grpSpPr>
+        <a:xfrm>
+          <a:off x="0" y="0"/>
+          <a:ext cx="0" cy="0"/>
+          <a:chOff x="0" y="0"/>
+          <a:chExt cx="0" cy="0"/>
+        </a:xfrm>
+      </p:grpSpPr>
+    </p:spTree>
+    <p:extLst>
+      <p:ext uri="{BB962C8B-B14F-4D97-AF65-F5344CB8AC3E}">
+        <p14:creationId xmlns:p14="http://schemas.microsoft.com/office/powerpoint/2010/main" val="4292219083"/>
+      </p:ext>
+    </p:extLst>
+  </p:cSld>
+  <p:clrMapOvr>
+    <a:masterClrMapping/>
+  </p:clrMapOvr>
+</p:sld>
+</file>
+
+<file path=ppt/slides/slide18.xml><?xml version="1.0" encoding="utf-8"?>
+<p:sld xmlns:a="http://schemas.openxmlformats.org/drawingml/2006/main" xmlns:r="http://schemas.openxmlformats.org/officeDocument/2006/relationships" xmlns:p="http://schemas.openxmlformats.org/presentationml/2006/main">
+  <p:cSld>
+    <p:spTree>
+      <p:nvGrpSpPr>
+        <p:cNvPr id="1" name=""/>
+        <p:cNvGrpSpPr/>
+        <p:nvPr/>
+      </p:nvGrpSpPr>
+      <p:grpSpPr>
+        <a:xfrm>
+          <a:off x="0" y="0"/>
+          <a:ext cx="0" cy="0"/>
+          <a:chOff x="0" y="0"/>
+          <a:chExt cx="0" cy="0"/>
+        </a:xfrm>
+      </p:grpSpPr>
+    </p:spTree>
+    <p:extLst>
+      <p:ext uri="{BB962C8B-B14F-4D97-AF65-F5344CB8AC3E}">
+        <p14:creationId xmlns:p14="http://schemas.microsoft.com/office/powerpoint/2010/main" val="2366956343"/>
+      </p:ext>
+    </p:extLst>
+  </p:cSld>
+  <p:clrMapOvr>
+    <a:masterClrMapping/>
+  </p:clrMapOvr>
+</p:sld>
+</file>
+
+<file path=ppt/slides/slide19.xml><?xml version="1.0" encoding="utf-8"?>
+<p:sld xmlns:a="http://schemas.openxmlformats.org/drawingml/2006/main" xmlns:r="http://schemas.openxmlformats.org/officeDocument/2006/relationships" xmlns:p="http://schemas.openxmlformats.org/presentationml/2006/main">
+  <p:cSld>
+    <p:spTree>
+      <p:nvGrpSpPr>
+        <p:cNvPr id="1" name=""/>
+        <p:cNvGrpSpPr/>
+        <p:nvPr/>
+      </p:nvGrpSpPr>
+      <p:grpSpPr>
+        <a:xfrm>
+          <a:off x="0" y="0"/>
+          <a:ext cx="0" cy="0"/>
+          <a:chOff x="0" y="0"/>
+          <a:chExt cx="0" cy="0"/>
+        </a:xfrm>
+      </p:grpSpPr>
+    </p:spTree>
+    <p:extLst>
+      <p:ext uri="{BB962C8B-B14F-4D97-AF65-F5344CB8AC3E}">
+        <p14:creationId xmlns:p14="http://schemas.microsoft.com/office/powerpoint/2010/main" val="3771270541"/>
       </p:ext>
     </p:extLst>
   </p:cSld>

--- a/TriFunction/그림용.pptx
+++ b/TriFunction/그림용.pptx
@@ -215,7 +215,7 @@
           <a:p>
             <a:fld id="{7A69A65F-D152-468D-9567-D5957D3F5103}" type="datetimeFigureOut">
               <a:rPr lang="ko-KR" altLang="en-US" smtClean="0"/>
-              <a:t>2018-10-10</a:t>
+              <a:t>2018-10-11</a:t>
             </a:fld>
             <a:endParaRPr lang="ko-KR" altLang="en-US"/>
           </a:p>
@@ -614,7 +614,7 @@
           <a:p>
             <a:fld id="{39D6D5D5-D1C6-465B-B735-E2307C7708EA}" type="datetimeFigureOut">
               <a:rPr lang="ko-KR" altLang="en-US" smtClean="0"/>
-              <a:t>2018-10-10</a:t>
+              <a:t>2018-10-11</a:t>
             </a:fld>
             <a:endParaRPr lang="ko-KR" altLang="en-US"/>
           </a:p>
@@ -784,7 +784,7 @@
           <a:p>
             <a:fld id="{39D6D5D5-D1C6-465B-B735-E2307C7708EA}" type="datetimeFigureOut">
               <a:rPr lang="ko-KR" altLang="en-US" smtClean="0"/>
-              <a:t>2018-10-10</a:t>
+              <a:t>2018-10-11</a:t>
             </a:fld>
             <a:endParaRPr lang="ko-KR" altLang="en-US"/>
           </a:p>
@@ -964,7 +964,7 @@
           <a:p>
             <a:fld id="{39D6D5D5-D1C6-465B-B735-E2307C7708EA}" type="datetimeFigureOut">
               <a:rPr lang="ko-KR" altLang="en-US" smtClean="0"/>
-              <a:t>2018-10-10</a:t>
+              <a:t>2018-10-11</a:t>
             </a:fld>
             <a:endParaRPr lang="ko-KR" altLang="en-US"/>
           </a:p>
@@ -1134,7 +1134,7 @@
           <a:p>
             <a:fld id="{39D6D5D5-D1C6-465B-B735-E2307C7708EA}" type="datetimeFigureOut">
               <a:rPr lang="ko-KR" altLang="en-US" smtClean="0"/>
-              <a:t>2018-10-10</a:t>
+              <a:t>2018-10-11</a:t>
             </a:fld>
             <a:endParaRPr lang="ko-KR" altLang="en-US"/>
           </a:p>
@@ -1380,7 +1380,7 @@
           <a:p>
             <a:fld id="{39D6D5D5-D1C6-465B-B735-E2307C7708EA}" type="datetimeFigureOut">
               <a:rPr lang="ko-KR" altLang="en-US" smtClean="0"/>
-              <a:t>2018-10-10</a:t>
+              <a:t>2018-10-11</a:t>
             </a:fld>
             <a:endParaRPr lang="ko-KR" altLang="en-US"/>
           </a:p>
@@ -1612,7 +1612,7 @@
           <a:p>
             <a:fld id="{39D6D5D5-D1C6-465B-B735-E2307C7708EA}" type="datetimeFigureOut">
               <a:rPr lang="ko-KR" altLang="en-US" smtClean="0"/>
-              <a:t>2018-10-10</a:t>
+              <a:t>2018-10-11</a:t>
             </a:fld>
             <a:endParaRPr lang="ko-KR" altLang="en-US"/>
           </a:p>
@@ -1979,7 +1979,7 @@
           <a:p>
             <a:fld id="{39D6D5D5-D1C6-465B-B735-E2307C7708EA}" type="datetimeFigureOut">
               <a:rPr lang="ko-KR" altLang="en-US" smtClean="0"/>
-              <a:t>2018-10-10</a:t>
+              <a:t>2018-10-11</a:t>
             </a:fld>
             <a:endParaRPr lang="ko-KR" altLang="en-US"/>
           </a:p>
@@ -2097,7 +2097,7 @@
           <a:p>
             <a:fld id="{39D6D5D5-D1C6-465B-B735-E2307C7708EA}" type="datetimeFigureOut">
               <a:rPr lang="ko-KR" altLang="en-US" smtClean="0"/>
-              <a:t>2018-10-10</a:t>
+              <a:t>2018-10-11</a:t>
             </a:fld>
             <a:endParaRPr lang="ko-KR" altLang="en-US"/>
           </a:p>
@@ -2192,7 +2192,7 @@
           <a:p>
             <a:fld id="{39D6D5D5-D1C6-465B-B735-E2307C7708EA}" type="datetimeFigureOut">
               <a:rPr lang="ko-KR" altLang="en-US" smtClean="0"/>
-              <a:t>2018-10-10</a:t>
+              <a:t>2018-10-11</a:t>
             </a:fld>
             <a:endParaRPr lang="ko-KR" altLang="en-US"/>
           </a:p>
@@ -2469,7 +2469,7 @@
           <a:p>
             <a:fld id="{39D6D5D5-D1C6-465B-B735-E2307C7708EA}" type="datetimeFigureOut">
               <a:rPr lang="ko-KR" altLang="en-US" smtClean="0"/>
-              <a:t>2018-10-10</a:t>
+              <a:t>2018-10-11</a:t>
             </a:fld>
             <a:endParaRPr lang="ko-KR" altLang="en-US"/>
           </a:p>
@@ -2722,7 +2722,7 @@
           <a:p>
             <a:fld id="{39D6D5D5-D1C6-465B-B735-E2307C7708EA}" type="datetimeFigureOut">
               <a:rPr lang="ko-KR" altLang="en-US" smtClean="0"/>
-              <a:t>2018-10-10</a:t>
+              <a:t>2018-10-11</a:t>
             </a:fld>
             <a:endParaRPr lang="ko-KR" altLang="en-US"/>
           </a:p>
@@ -2935,7 +2935,7 @@
           <a:p>
             <a:fld id="{39D6D5D5-D1C6-465B-B735-E2307C7708EA}" type="datetimeFigureOut">
               <a:rPr lang="ko-KR" altLang="en-US" smtClean="0"/>
-              <a:t>2018-10-10</a:t>
+              <a:t>2018-10-11</a:t>
             </a:fld>
             <a:endParaRPr lang="ko-KR" altLang="en-US"/>
           </a:p>
@@ -4879,6 +4879,61 @@
           </p:spPr>
         </p:pic>
       </p:grpSp>
+      <p:sp>
+        <p:nvSpPr>
+          <p:cNvPr id="6" name="이등변 삼각형 5"/>
+          <p:cNvSpPr/>
+          <p:nvPr/>
+        </p:nvSpPr>
+        <p:spPr>
+          <a:xfrm>
+            <a:off x="4501364" y="3651381"/>
+            <a:ext cx="480602" cy="375887"/>
+          </a:xfrm>
+          <a:prstGeom prst="triangle">
+            <a:avLst/>
+          </a:prstGeom>
+          <a:gradFill>
+            <a:gsLst>
+              <a:gs pos="0">
+                <a:schemeClr val="accent4">
+                  <a:lumMod val="60000"/>
+                  <a:lumOff val="40000"/>
+                </a:schemeClr>
+              </a:gs>
+              <a:gs pos="50000">
+                <a:srgbClr val="FFAB2F"/>
+              </a:gs>
+              <a:gs pos="100000">
+                <a:srgbClr val="E6A400"/>
+              </a:gs>
+            </a:gsLst>
+          </a:gradFill>
+          <a:ln/>
+        </p:spPr>
+        <p:style>
+          <a:lnRef idx="0">
+            <a:schemeClr val="accent4"/>
+          </a:lnRef>
+          <a:fillRef idx="3">
+            <a:schemeClr val="accent4"/>
+          </a:fillRef>
+          <a:effectRef idx="3">
+            <a:schemeClr val="accent4"/>
+          </a:effectRef>
+          <a:fontRef idx="minor">
+            <a:schemeClr val="lt1"/>
+          </a:fontRef>
+        </p:style>
+        <p:txBody>
+          <a:bodyPr rtlCol="0" anchor="ctr"/>
+          <a:lstStyle/>
+          <a:p>
+            <a:pPr algn="ctr"/>
+            <a:endParaRPr lang="ko-KR" altLang="en-US"/>
+          </a:p>
+        </p:txBody>
+      </p:sp>
     </p:spTree>
     <p:extLst>
       <p:ext uri="{BB962C8B-B14F-4D97-AF65-F5344CB8AC3E}">

--- a/TriFunction/그림용.pptx
+++ b/TriFunction/그림용.pptx
@@ -8,16 +8,16 @@
     <p:notesMasterId r:id="rId21"/>
   </p:notesMasterIdLst>
   <p:sldIdLst>
-    <p:sldId id="256" r:id="rId2"/>
-    <p:sldId id="257" r:id="rId3"/>
-    <p:sldId id="258" r:id="rId4"/>
-    <p:sldId id="259" r:id="rId5"/>
-    <p:sldId id="262" r:id="rId6"/>
-    <p:sldId id="267" r:id="rId7"/>
-    <p:sldId id="263" r:id="rId8"/>
-    <p:sldId id="264" r:id="rId9"/>
-    <p:sldId id="265" r:id="rId10"/>
-    <p:sldId id="266" r:id="rId11"/>
+    <p:sldId id="266" r:id="rId2"/>
+    <p:sldId id="256" r:id="rId3"/>
+    <p:sldId id="257" r:id="rId4"/>
+    <p:sldId id="258" r:id="rId5"/>
+    <p:sldId id="259" r:id="rId6"/>
+    <p:sldId id="262" r:id="rId7"/>
+    <p:sldId id="267" r:id="rId8"/>
+    <p:sldId id="263" r:id="rId9"/>
+    <p:sldId id="264" r:id="rId10"/>
+    <p:sldId id="265" r:id="rId11"/>
     <p:sldId id="268" r:id="rId12"/>
     <p:sldId id="269" r:id="rId13"/>
     <p:sldId id="270" r:id="rId14"/>
@@ -3342,92 +3342,6 @@
       </p:grpSpPr>
       <p:sp>
         <p:nvSpPr>
-          <p:cNvPr id="2" name="직사각형 1"/>
-          <p:cNvSpPr/>
-          <p:nvPr/>
-        </p:nvSpPr>
-        <p:spPr>
-          <a:xfrm>
-            <a:off x="357445" y="133002"/>
-            <a:ext cx="11520000" cy="6480000"/>
-          </a:xfrm>
-          <a:prstGeom prst="rect">
-            <a:avLst/>
-          </a:prstGeom>
-          <a:blipFill>
-            <a:blip r:embed="rId2"/>
-            <a:tile tx="0" ty="0" sx="100000" sy="100000" flip="none" algn="tl"/>
-          </a:blipFill>
-          <a:ln>
-            <a:solidFill>
-              <a:schemeClr val="bg1"/>
-            </a:solidFill>
-          </a:ln>
-        </p:spPr>
-        <p:style>
-          <a:lnRef idx="2">
-            <a:schemeClr val="accent1">
-              <a:shade val="50000"/>
-            </a:schemeClr>
-          </a:lnRef>
-          <a:fillRef idx="1">
-            <a:schemeClr val="accent1"/>
-          </a:fillRef>
-          <a:effectRef idx="0">
-            <a:schemeClr val="accent1"/>
-          </a:effectRef>
-          <a:fontRef idx="minor">
-            <a:schemeClr val="lt1"/>
-          </a:fontRef>
-        </p:style>
-        <p:txBody>
-          <a:bodyPr rtlCol="0" anchor="ctr"/>
-          <a:lstStyle/>
-          <a:p>
-            <a:pPr algn="ctr"/>
-            <a:endParaRPr lang="ko-KR" altLang="en-US"/>
-          </a:p>
-        </p:txBody>
-      </p:sp>
-    </p:spTree>
-    <p:extLst>
-      <p:ext uri="{BB962C8B-B14F-4D97-AF65-F5344CB8AC3E}">
-        <p14:creationId xmlns:p14="http://schemas.microsoft.com/office/powerpoint/2010/main" val="3314254897"/>
-      </p:ext>
-    </p:extLst>
-  </p:cSld>
-  <p:clrMapOvr>
-    <a:masterClrMapping/>
-  </p:clrMapOvr>
-  <p:timing>
-    <p:tnLst>
-      <p:par>
-        <p:cTn id="1" dur="indefinite" restart="never" nodeType="tmRoot"/>
-      </p:par>
-    </p:tnLst>
-  </p:timing>
-</p:sld>
-</file>
-
-<file path=ppt/slides/slide10.xml><?xml version="1.0" encoding="utf-8"?>
-<p:sld xmlns:a="http://schemas.openxmlformats.org/drawingml/2006/main" xmlns:r="http://schemas.openxmlformats.org/officeDocument/2006/relationships" xmlns:p="http://schemas.openxmlformats.org/presentationml/2006/main">
-  <p:cSld>
-    <p:spTree>
-      <p:nvGrpSpPr>
-        <p:cNvPr id="1" name=""/>
-        <p:cNvGrpSpPr/>
-        <p:nvPr/>
-      </p:nvGrpSpPr>
-      <p:grpSpPr>
-        <a:xfrm>
-          <a:off x="0" y="0"/>
-          <a:ext cx="0" cy="0"/>
-          <a:chOff x="0" y="0"/>
-          <a:chExt cx="0" cy="0"/>
-        </a:xfrm>
-      </p:grpSpPr>
-      <p:sp>
-        <p:nvSpPr>
           <p:cNvPr id="4" name="Rectangle 2"/>
           <p:cNvSpPr>
             <a:spLocks noChangeArrowheads="1"/>
@@ -4067,6 +3981,1820 @@
     <p:extLst>
       <p:ext uri="{BB962C8B-B14F-4D97-AF65-F5344CB8AC3E}">
         <p14:creationId xmlns:p14="http://schemas.microsoft.com/office/powerpoint/2010/main" val="893833073"/>
+      </p:ext>
+    </p:extLst>
+  </p:cSld>
+  <p:clrMapOvr>
+    <a:masterClrMapping/>
+  </p:clrMapOvr>
+  <p:timing>
+    <p:tnLst>
+      <p:par>
+        <p:cTn id="1" dur="indefinite" restart="never" nodeType="tmRoot"/>
+      </p:par>
+    </p:tnLst>
+  </p:timing>
+</p:sld>
+</file>
+
+<file path=ppt/slides/slide10.xml><?xml version="1.0" encoding="utf-8"?>
+<p:sld xmlns:a="http://schemas.openxmlformats.org/drawingml/2006/main" xmlns:r="http://schemas.openxmlformats.org/officeDocument/2006/relationships" xmlns:p="http://schemas.openxmlformats.org/presentationml/2006/main">
+  <p:cSld>
+    <p:spTree>
+      <p:nvGrpSpPr>
+        <p:cNvPr id="1" name=""/>
+        <p:cNvGrpSpPr/>
+        <p:nvPr/>
+      </p:nvGrpSpPr>
+      <p:grpSpPr>
+        <a:xfrm>
+          <a:off x="0" y="0"/>
+          <a:ext cx="0" cy="0"/>
+          <a:chOff x="0" y="0"/>
+          <a:chExt cx="0" cy="0"/>
+        </a:xfrm>
+      </p:grpSpPr>
+      <p:sp>
+        <p:nvSpPr>
+          <p:cNvPr id="2" name="직각 삼각형 1"/>
+          <p:cNvSpPr/>
+          <p:nvPr/>
+        </p:nvSpPr>
+        <p:spPr>
+          <a:xfrm flipH="1">
+            <a:off x="4758983" y="2718454"/>
+            <a:ext cx="2193398" cy="1221235"/>
+          </a:xfrm>
+          <a:prstGeom prst="rtTriangle">
+            <a:avLst/>
+          </a:prstGeom>
+          <a:noFill/>
+          <a:ln w="38100">
+            <a:solidFill>
+              <a:schemeClr val="tx1"/>
+            </a:solidFill>
+          </a:ln>
+        </p:spPr>
+        <p:style>
+          <a:lnRef idx="2">
+            <a:schemeClr val="accent1">
+              <a:shade val="50000"/>
+            </a:schemeClr>
+          </a:lnRef>
+          <a:fillRef idx="1">
+            <a:schemeClr val="accent1"/>
+          </a:fillRef>
+          <a:effectRef idx="0">
+            <a:schemeClr val="accent1"/>
+          </a:effectRef>
+          <a:fontRef idx="minor">
+            <a:schemeClr val="lt1"/>
+          </a:fontRef>
+        </p:style>
+        <p:txBody>
+          <a:bodyPr rtlCol="0" anchor="ctr"/>
+          <a:lstStyle/>
+          <a:p>
+            <a:pPr algn="ctr"/>
+            <a:endParaRPr lang="ko-KR" altLang="en-US"/>
+          </a:p>
+        </p:txBody>
+      </p:sp>
+      <p:pic>
+        <p:nvPicPr>
+          <p:cNvPr id="3" name="그림 2"/>
+          <p:cNvPicPr>
+            <a:picLocks noChangeAspect="1"/>
+          </p:cNvPicPr>
+          <p:nvPr/>
+        </p:nvPicPr>
+        <p:blipFill rotWithShape="1">
+          <a:blip r:embed="rId2">
+            <a:extLst>
+              <a:ext uri="{28A0092B-C50C-407E-A947-70E740481C1C}">
+                <a14:useLocalDpi xmlns:a14="http://schemas.microsoft.com/office/drawing/2010/main" val="0"/>
+              </a:ext>
+            </a:extLst>
+          </a:blip>
+          <a:srcRect l="29288" t="17149" r="33060" b="11694"/>
+          <a:stretch/>
+        </p:blipFill>
+        <p:spPr>
+          <a:xfrm>
+            <a:off x="10438738" y="2767061"/>
+            <a:ext cx="316782" cy="3125981"/>
+          </a:xfrm>
+          <a:prstGeom prst="rect">
+            <a:avLst/>
+          </a:prstGeom>
+          <a:noFill/>
+          <a:effectLst/>
+        </p:spPr>
+      </p:pic>
+      <p:grpSp>
+        <p:nvGrpSpPr>
+          <p:cNvPr id="10" name="그룹 9"/>
+          <p:cNvGrpSpPr/>
+          <p:nvPr/>
+        </p:nvGrpSpPr>
+        <p:grpSpPr>
+          <a:xfrm>
+            <a:off x="621600" y="3058352"/>
+            <a:ext cx="1895475" cy="324208"/>
+            <a:chOff x="1400175" y="3367318"/>
+            <a:chExt cx="1895475" cy="324208"/>
+          </a:xfrm>
+        </p:grpSpPr>
+        <p:cxnSp>
+          <p:nvCxnSpPr>
+            <p:cNvPr id="7" name="직선 화살표 연결선 6"/>
+            <p:cNvCxnSpPr/>
+            <p:nvPr/>
+          </p:nvCxnSpPr>
+          <p:spPr>
+            <a:xfrm>
+              <a:off x="1428750" y="3533775"/>
+              <a:ext cx="1866900" cy="0"/>
+            </a:xfrm>
+            <a:prstGeom prst="straightConnector1">
+              <a:avLst/>
+            </a:prstGeom>
+            <a:ln w="76200">
+              <a:solidFill>
+                <a:schemeClr val="tx1">
+                  <a:alpha val="50000"/>
+                </a:schemeClr>
+              </a:solidFill>
+              <a:tailEnd type="triangle"/>
+            </a:ln>
+          </p:spPr>
+          <p:style>
+            <a:lnRef idx="1">
+              <a:schemeClr val="accent1"/>
+            </a:lnRef>
+            <a:fillRef idx="0">
+              <a:schemeClr val="accent1"/>
+            </a:fillRef>
+            <a:effectRef idx="0">
+              <a:schemeClr val="accent1"/>
+            </a:effectRef>
+            <a:fontRef idx="minor">
+              <a:schemeClr val="tx1"/>
+            </a:fontRef>
+          </p:style>
+        </p:cxnSp>
+        <p:sp>
+          <p:nvSpPr>
+            <p:cNvPr id="8" name="평행 사변형 7"/>
+            <p:cNvSpPr/>
+            <p:nvPr/>
+          </p:nvSpPr>
+          <p:spPr>
+            <a:xfrm flipH="1">
+              <a:off x="1400175" y="3367318"/>
+              <a:ext cx="342900" cy="117982"/>
+            </a:xfrm>
+            <a:prstGeom prst="parallelogram">
+              <a:avLst/>
+            </a:prstGeom>
+            <a:blipFill dpi="0" rotWithShape="1">
+              <a:blip r:embed="rId3">
+                <a:alphaModFix amt="50000"/>
+              </a:blip>
+              <a:srcRect/>
+              <a:tile tx="0" ty="0" sx="100000" sy="100000" flip="none" algn="tl"/>
+            </a:blipFill>
+            <a:ln>
+              <a:noFill/>
+            </a:ln>
+          </p:spPr>
+          <p:style>
+            <a:lnRef idx="2">
+              <a:schemeClr val="accent1">
+                <a:shade val="50000"/>
+              </a:schemeClr>
+            </a:lnRef>
+            <a:fillRef idx="1">
+              <a:schemeClr val="accent1"/>
+            </a:fillRef>
+            <a:effectRef idx="0">
+              <a:schemeClr val="accent1"/>
+            </a:effectRef>
+            <a:fontRef idx="minor">
+              <a:schemeClr val="lt1"/>
+            </a:fontRef>
+          </p:style>
+          <p:txBody>
+            <a:bodyPr rtlCol="0" anchor="ctr"/>
+            <a:lstStyle/>
+            <a:p>
+              <a:pPr algn="ctr"/>
+              <a:endParaRPr lang="ko-KR" altLang="en-US"/>
+            </a:p>
+          </p:txBody>
+        </p:sp>
+        <p:sp>
+          <p:nvSpPr>
+            <p:cNvPr id="9" name="평행 사변형 8"/>
+            <p:cNvSpPr/>
+            <p:nvPr/>
+          </p:nvSpPr>
+          <p:spPr>
+            <a:xfrm flipH="1" flipV="1">
+              <a:off x="1400175" y="3572726"/>
+              <a:ext cx="342900" cy="118800"/>
+            </a:xfrm>
+            <a:prstGeom prst="parallelogram">
+              <a:avLst/>
+            </a:prstGeom>
+            <a:blipFill dpi="0" rotWithShape="1">
+              <a:blip r:embed="rId3">
+                <a:alphaModFix amt="50000"/>
+              </a:blip>
+              <a:srcRect/>
+              <a:tile tx="0" ty="0" sx="100000" sy="100000" flip="none" algn="tl"/>
+            </a:blipFill>
+            <a:ln>
+              <a:noFill/>
+            </a:ln>
+          </p:spPr>
+          <p:style>
+            <a:lnRef idx="2">
+              <a:schemeClr val="accent1">
+                <a:shade val="50000"/>
+              </a:schemeClr>
+            </a:lnRef>
+            <a:fillRef idx="1">
+              <a:schemeClr val="accent1"/>
+            </a:fillRef>
+            <a:effectRef idx="0">
+              <a:schemeClr val="accent1"/>
+            </a:effectRef>
+            <a:fontRef idx="minor">
+              <a:schemeClr val="lt1"/>
+            </a:fontRef>
+          </p:style>
+          <p:txBody>
+            <a:bodyPr rtlCol="0" anchor="ctr"/>
+            <a:lstStyle/>
+            <a:p>
+              <a:pPr algn="ctr"/>
+              <a:endParaRPr lang="ko-KR" altLang="en-US"/>
+            </a:p>
+          </p:txBody>
+        </p:sp>
+      </p:grpSp>
+      <p:grpSp>
+        <p:nvGrpSpPr>
+          <p:cNvPr id="27" name="그룹 26"/>
+          <p:cNvGrpSpPr/>
+          <p:nvPr/>
+        </p:nvGrpSpPr>
+        <p:grpSpPr>
+          <a:xfrm>
+            <a:off x="508185" y="2276264"/>
+            <a:ext cx="1895475" cy="324208"/>
+            <a:chOff x="761132" y="4163595"/>
+            <a:chExt cx="1895475" cy="324208"/>
+          </a:xfrm>
+        </p:grpSpPr>
+        <p:cxnSp>
+          <p:nvCxnSpPr>
+            <p:cNvPr id="12" name="직선 화살표 연결선 11"/>
+            <p:cNvCxnSpPr/>
+            <p:nvPr/>
+          </p:nvCxnSpPr>
+          <p:spPr>
+            <a:xfrm>
+              <a:off x="789707" y="4330052"/>
+              <a:ext cx="1866900" cy="0"/>
+            </a:xfrm>
+            <a:prstGeom prst="straightConnector1">
+              <a:avLst/>
+            </a:prstGeom>
+            <a:ln w="76200">
+              <a:solidFill>
+                <a:schemeClr val="tx1"/>
+              </a:solidFill>
+              <a:tailEnd type="triangle"/>
+            </a:ln>
+          </p:spPr>
+          <p:style>
+            <a:lnRef idx="1">
+              <a:schemeClr val="accent1"/>
+            </a:lnRef>
+            <a:fillRef idx="0">
+              <a:schemeClr val="accent1"/>
+            </a:fillRef>
+            <a:effectRef idx="0">
+              <a:schemeClr val="accent1"/>
+            </a:effectRef>
+            <a:fontRef idx="minor">
+              <a:schemeClr val="tx1"/>
+            </a:fontRef>
+          </p:style>
+        </p:cxnSp>
+        <p:sp>
+          <p:nvSpPr>
+            <p:cNvPr id="13" name="평행 사변형 12"/>
+            <p:cNvSpPr/>
+            <p:nvPr/>
+          </p:nvSpPr>
+          <p:spPr>
+            <a:xfrm flipH="1">
+              <a:off x="761132" y="4163595"/>
+              <a:ext cx="342900" cy="117982"/>
+            </a:xfrm>
+            <a:prstGeom prst="parallelogram">
+              <a:avLst/>
+            </a:prstGeom>
+            <a:blipFill dpi="0" rotWithShape="1">
+              <a:blip r:embed="rId3"/>
+              <a:srcRect/>
+              <a:tile tx="0" ty="0" sx="100000" sy="100000" flip="none" algn="tl"/>
+            </a:blipFill>
+            <a:ln>
+              <a:noFill/>
+            </a:ln>
+          </p:spPr>
+          <p:style>
+            <a:lnRef idx="2">
+              <a:schemeClr val="accent1">
+                <a:shade val="50000"/>
+              </a:schemeClr>
+            </a:lnRef>
+            <a:fillRef idx="1">
+              <a:schemeClr val="accent1"/>
+            </a:fillRef>
+            <a:effectRef idx="0">
+              <a:schemeClr val="accent1"/>
+            </a:effectRef>
+            <a:fontRef idx="minor">
+              <a:schemeClr val="lt1"/>
+            </a:fontRef>
+          </p:style>
+          <p:txBody>
+            <a:bodyPr rtlCol="0" anchor="ctr"/>
+            <a:lstStyle/>
+            <a:p>
+              <a:pPr algn="ctr"/>
+              <a:endParaRPr lang="ko-KR" altLang="en-US"/>
+            </a:p>
+          </p:txBody>
+        </p:sp>
+        <p:sp>
+          <p:nvSpPr>
+            <p:cNvPr id="14" name="평행 사변형 13"/>
+            <p:cNvSpPr/>
+            <p:nvPr/>
+          </p:nvSpPr>
+          <p:spPr>
+            <a:xfrm flipH="1" flipV="1">
+              <a:off x="761132" y="4369003"/>
+              <a:ext cx="342900" cy="118800"/>
+            </a:xfrm>
+            <a:prstGeom prst="parallelogram">
+              <a:avLst/>
+            </a:prstGeom>
+            <a:blipFill dpi="0" rotWithShape="1">
+              <a:blip r:embed="rId3"/>
+              <a:srcRect/>
+              <a:tile tx="0" ty="0" sx="100000" sy="100000" flip="none" algn="tl"/>
+            </a:blipFill>
+            <a:ln>
+              <a:noFill/>
+            </a:ln>
+          </p:spPr>
+          <p:style>
+            <a:lnRef idx="2">
+              <a:schemeClr val="accent1">
+                <a:shade val="50000"/>
+              </a:schemeClr>
+            </a:lnRef>
+            <a:fillRef idx="1">
+              <a:schemeClr val="accent1"/>
+            </a:fillRef>
+            <a:effectRef idx="0">
+              <a:schemeClr val="accent1"/>
+            </a:effectRef>
+            <a:fontRef idx="minor">
+              <a:schemeClr val="lt1"/>
+            </a:fontRef>
+          </p:style>
+          <p:txBody>
+            <a:bodyPr rtlCol="0" anchor="ctr"/>
+            <a:lstStyle/>
+            <a:p>
+              <a:pPr algn="ctr"/>
+              <a:endParaRPr lang="ko-KR" altLang="en-US"/>
+            </a:p>
+          </p:txBody>
+        </p:sp>
+      </p:grpSp>
+      <p:sp>
+        <p:nvSpPr>
+          <p:cNvPr id="15" name="달 14"/>
+          <p:cNvSpPr/>
+          <p:nvPr/>
+        </p:nvSpPr>
+        <p:spPr>
+          <a:xfrm flipH="1">
+            <a:off x="6952378" y="2600472"/>
+            <a:ext cx="753346" cy="2676378"/>
+          </a:xfrm>
+          <a:prstGeom prst="moon">
+            <a:avLst>
+              <a:gd name="adj" fmla="val 10465"/>
+            </a:avLst>
+          </a:prstGeom>
+        </p:spPr>
+        <p:style>
+          <a:lnRef idx="2">
+            <a:schemeClr val="dk1">
+              <a:shade val="50000"/>
+            </a:schemeClr>
+          </a:lnRef>
+          <a:fillRef idx="1">
+            <a:schemeClr val="dk1"/>
+          </a:fillRef>
+          <a:effectRef idx="0">
+            <a:schemeClr val="dk1"/>
+          </a:effectRef>
+          <a:fontRef idx="minor">
+            <a:schemeClr val="lt1"/>
+          </a:fontRef>
+        </p:style>
+        <p:txBody>
+          <a:bodyPr rtlCol="0" anchor="ctr"/>
+          <a:lstStyle/>
+          <a:p>
+            <a:pPr algn="ctr"/>
+            <a:endParaRPr lang="ko-KR" altLang="en-US"/>
+          </a:p>
+        </p:txBody>
+      </p:sp>
+      <p:sp>
+        <p:nvSpPr>
+          <p:cNvPr id="16" name="달 15"/>
+          <p:cNvSpPr/>
+          <p:nvPr/>
+        </p:nvSpPr>
+        <p:spPr>
+          <a:xfrm flipH="1">
+            <a:off x="7705724" y="3382560"/>
+            <a:ext cx="753346" cy="2676378"/>
+          </a:xfrm>
+          <a:prstGeom prst="moon">
+            <a:avLst>
+              <a:gd name="adj" fmla="val 10465"/>
+            </a:avLst>
+          </a:prstGeom>
+          <a:solidFill>
+            <a:schemeClr val="dk1">
+              <a:alpha val="50000"/>
+            </a:schemeClr>
+          </a:solidFill>
+          <a:ln>
+            <a:noFill/>
+          </a:ln>
+        </p:spPr>
+        <p:style>
+          <a:lnRef idx="2">
+            <a:schemeClr val="dk1">
+              <a:shade val="50000"/>
+            </a:schemeClr>
+          </a:lnRef>
+          <a:fillRef idx="1">
+            <a:schemeClr val="dk1"/>
+          </a:fillRef>
+          <a:effectRef idx="0">
+            <a:schemeClr val="dk1"/>
+          </a:effectRef>
+          <a:fontRef idx="minor">
+            <a:schemeClr val="lt1"/>
+          </a:fontRef>
+        </p:style>
+        <p:txBody>
+          <a:bodyPr rtlCol="0" anchor="ctr"/>
+          <a:lstStyle/>
+          <a:p>
+            <a:pPr algn="ctr"/>
+            <a:endParaRPr lang="ko-KR" altLang="en-US"/>
+          </a:p>
+        </p:txBody>
+      </p:sp>
+      <p:grpSp>
+        <p:nvGrpSpPr>
+          <p:cNvPr id="19" name="그룹 18"/>
+          <p:cNvGrpSpPr/>
+          <p:nvPr/>
+        </p:nvGrpSpPr>
+        <p:grpSpPr>
+          <a:xfrm rot="19828605">
+            <a:off x="3677877" y="2662285"/>
+            <a:ext cx="1709822" cy="209550"/>
+            <a:chOff x="1343025" y="1042987"/>
+            <a:chExt cx="1709822" cy="209550"/>
+          </a:xfrm>
+        </p:grpSpPr>
+        <p:sp>
+          <p:nvSpPr>
+            <p:cNvPr id="17" name="직사각형 16"/>
+            <p:cNvSpPr/>
+            <p:nvPr/>
+          </p:nvSpPr>
+          <p:spPr>
+            <a:xfrm>
+              <a:off x="1343025" y="1123950"/>
+              <a:ext cx="1400175" cy="47625"/>
+            </a:xfrm>
+            <a:prstGeom prst="rect">
+              <a:avLst/>
+            </a:prstGeom>
+            <a:solidFill>
+              <a:schemeClr val="tx1"/>
+            </a:solidFill>
+            <a:ln>
+              <a:solidFill>
+                <a:schemeClr val="tx1"/>
+              </a:solidFill>
+            </a:ln>
+          </p:spPr>
+          <p:style>
+            <a:lnRef idx="2">
+              <a:schemeClr val="accent1">
+                <a:shade val="50000"/>
+              </a:schemeClr>
+            </a:lnRef>
+            <a:fillRef idx="1">
+              <a:schemeClr val="accent1"/>
+            </a:fillRef>
+            <a:effectRef idx="0">
+              <a:schemeClr val="accent1"/>
+            </a:effectRef>
+            <a:fontRef idx="minor">
+              <a:schemeClr val="lt1"/>
+            </a:fontRef>
+          </p:style>
+          <p:txBody>
+            <a:bodyPr rtlCol="0" anchor="ctr"/>
+            <a:lstStyle/>
+            <a:p>
+              <a:pPr algn="ctr"/>
+              <a:endParaRPr lang="ko-KR" altLang="en-US"/>
+            </a:p>
+          </p:txBody>
+        </p:sp>
+        <p:sp>
+          <p:nvSpPr>
+            <p:cNvPr id="18" name="다이아몬드 17"/>
+            <p:cNvSpPr/>
+            <p:nvPr/>
+          </p:nvSpPr>
+          <p:spPr>
+            <a:xfrm>
+              <a:off x="2671847" y="1042987"/>
+              <a:ext cx="381000" cy="209550"/>
+            </a:xfrm>
+            <a:prstGeom prst="diamond">
+              <a:avLst/>
+            </a:prstGeom>
+            <a:solidFill>
+              <a:schemeClr val="tx1"/>
+            </a:solidFill>
+            <a:ln>
+              <a:solidFill>
+                <a:schemeClr val="tx1"/>
+              </a:solidFill>
+            </a:ln>
+          </p:spPr>
+          <p:style>
+            <a:lnRef idx="2">
+              <a:schemeClr val="accent1">
+                <a:shade val="50000"/>
+              </a:schemeClr>
+            </a:lnRef>
+            <a:fillRef idx="1">
+              <a:schemeClr val="accent1"/>
+            </a:fillRef>
+            <a:effectRef idx="0">
+              <a:schemeClr val="accent1"/>
+            </a:effectRef>
+            <a:fontRef idx="minor">
+              <a:schemeClr val="lt1"/>
+            </a:fontRef>
+          </p:style>
+          <p:txBody>
+            <a:bodyPr rtlCol="0" anchor="ctr"/>
+            <a:lstStyle/>
+            <a:p>
+              <a:pPr algn="ctr"/>
+              <a:endParaRPr lang="ko-KR" altLang="en-US"/>
+            </a:p>
+          </p:txBody>
+        </p:sp>
+      </p:grpSp>
+      <p:grpSp>
+        <p:nvGrpSpPr>
+          <p:cNvPr id="23" name="그룹 22"/>
+          <p:cNvGrpSpPr/>
+          <p:nvPr/>
+        </p:nvGrpSpPr>
+        <p:grpSpPr>
+          <a:xfrm rot="19875096">
+            <a:off x="3342697" y="2291254"/>
+            <a:ext cx="1732682" cy="209550"/>
+            <a:chOff x="1504950" y="1433799"/>
+            <a:chExt cx="1732682" cy="209550"/>
+          </a:xfrm>
+        </p:grpSpPr>
+        <p:sp>
+          <p:nvSpPr>
+            <p:cNvPr id="21" name="직사각형 20"/>
+            <p:cNvSpPr/>
+            <p:nvPr/>
+          </p:nvSpPr>
+          <p:spPr>
+            <a:xfrm>
+              <a:off x="1504950" y="1512380"/>
+              <a:ext cx="1400175" cy="47625"/>
+            </a:xfrm>
+            <a:prstGeom prst="rect">
+              <a:avLst/>
+            </a:prstGeom>
+            <a:solidFill>
+              <a:schemeClr val="tx1">
+                <a:alpha val="50000"/>
+              </a:schemeClr>
+            </a:solidFill>
+            <a:ln>
+              <a:noFill/>
+            </a:ln>
+          </p:spPr>
+          <p:style>
+            <a:lnRef idx="2">
+              <a:schemeClr val="accent1">
+                <a:shade val="50000"/>
+              </a:schemeClr>
+            </a:lnRef>
+            <a:fillRef idx="1">
+              <a:schemeClr val="accent1"/>
+            </a:fillRef>
+            <a:effectRef idx="0">
+              <a:schemeClr val="accent1"/>
+            </a:effectRef>
+            <a:fontRef idx="minor">
+              <a:schemeClr val="lt1"/>
+            </a:fontRef>
+          </p:style>
+          <p:txBody>
+            <a:bodyPr rtlCol="0" anchor="ctr"/>
+            <a:lstStyle/>
+            <a:p>
+              <a:pPr algn="ctr"/>
+              <a:endParaRPr lang="ko-KR" altLang="en-US"/>
+            </a:p>
+          </p:txBody>
+        </p:sp>
+        <p:sp>
+          <p:nvSpPr>
+            <p:cNvPr id="22" name="다이아몬드 21"/>
+            <p:cNvSpPr/>
+            <p:nvPr/>
+          </p:nvSpPr>
+          <p:spPr>
+            <a:xfrm>
+              <a:off x="2856632" y="1433799"/>
+              <a:ext cx="381000" cy="209550"/>
+            </a:xfrm>
+            <a:prstGeom prst="diamond">
+              <a:avLst/>
+            </a:prstGeom>
+            <a:solidFill>
+              <a:schemeClr val="tx1">
+                <a:alpha val="50000"/>
+              </a:schemeClr>
+            </a:solidFill>
+            <a:ln>
+              <a:noFill/>
+            </a:ln>
+          </p:spPr>
+          <p:style>
+            <a:lnRef idx="2">
+              <a:schemeClr val="accent1">
+                <a:shade val="50000"/>
+              </a:schemeClr>
+            </a:lnRef>
+            <a:fillRef idx="1">
+              <a:schemeClr val="accent1"/>
+            </a:fillRef>
+            <a:effectRef idx="0">
+              <a:schemeClr val="accent1"/>
+            </a:effectRef>
+            <a:fontRef idx="minor">
+              <a:schemeClr val="lt1"/>
+            </a:fontRef>
+          </p:style>
+          <p:txBody>
+            <a:bodyPr rtlCol="0" anchor="ctr"/>
+            <a:lstStyle/>
+            <a:p>
+              <a:pPr algn="ctr"/>
+              <a:endParaRPr lang="ko-KR" altLang="en-US"/>
+            </a:p>
+          </p:txBody>
+        </p:sp>
+      </p:grpSp>
+      <p:sp>
+        <p:nvSpPr>
+          <p:cNvPr id="25" name="자유형 24"/>
+          <p:cNvSpPr/>
+          <p:nvPr/>
+        </p:nvSpPr>
+        <p:spPr>
+          <a:xfrm>
+            <a:off x="7649550" y="256110"/>
+            <a:ext cx="573033" cy="3067050"/>
+          </a:xfrm>
+          <a:custGeom>
+            <a:avLst/>
+            <a:gdLst>
+              <a:gd name="connsiteX0" fmla="*/ 0 w 285750"/>
+              <a:gd name="connsiteY0" fmla="*/ 0 h 3067050"/>
+              <a:gd name="connsiteX1" fmla="*/ 28575 w 285750"/>
+              <a:gd name="connsiteY1" fmla="*/ 2105025 h 3067050"/>
+              <a:gd name="connsiteX2" fmla="*/ 171450 w 285750"/>
+              <a:gd name="connsiteY2" fmla="*/ 3067050 h 3067050"/>
+              <a:gd name="connsiteX3" fmla="*/ 285750 w 285750"/>
+              <a:gd name="connsiteY3" fmla="*/ 2457450 h 3067050"/>
+              <a:gd name="connsiteX4" fmla="*/ 285750 w 285750"/>
+              <a:gd name="connsiteY4" fmla="*/ 285750 h 3067050"/>
+              <a:gd name="connsiteX5" fmla="*/ 161925 w 285750"/>
+              <a:gd name="connsiteY5" fmla="*/ 542925 h 3067050"/>
+              <a:gd name="connsiteX6" fmla="*/ 0 w 285750"/>
+              <a:gd name="connsiteY6" fmla="*/ 0 h 3067050"/>
+            </a:gdLst>
+            <a:ahLst/>
+            <a:cxnLst>
+              <a:cxn ang="0">
+                <a:pos x="connsiteX0" y="connsiteY0"/>
+              </a:cxn>
+              <a:cxn ang="0">
+                <a:pos x="connsiteX1" y="connsiteY1"/>
+              </a:cxn>
+              <a:cxn ang="0">
+                <a:pos x="connsiteX2" y="connsiteY2"/>
+              </a:cxn>
+              <a:cxn ang="0">
+                <a:pos x="connsiteX3" y="connsiteY3"/>
+              </a:cxn>
+              <a:cxn ang="0">
+                <a:pos x="connsiteX4" y="connsiteY4"/>
+              </a:cxn>
+              <a:cxn ang="0">
+                <a:pos x="connsiteX5" y="connsiteY5"/>
+              </a:cxn>
+              <a:cxn ang="0">
+                <a:pos x="connsiteX6" y="connsiteY6"/>
+              </a:cxn>
+            </a:cxnLst>
+            <a:rect l="l" t="t" r="r" b="b"/>
+            <a:pathLst>
+              <a:path w="285750" h="3067050">
+                <a:moveTo>
+                  <a:pt x="0" y="0"/>
+                </a:moveTo>
+                <a:lnTo>
+                  <a:pt x="28575" y="2105025"/>
+                </a:lnTo>
+                <a:lnTo>
+                  <a:pt x="171450" y="3067050"/>
+                </a:lnTo>
+                <a:lnTo>
+                  <a:pt x="285750" y="2457450"/>
+                </a:lnTo>
+                <a:lnTo>
+                  <a:pt x="285750" y="285750"/>
+                </a:lnTo>
+                <a:lnTo>
+                  <a:pt x="161925" y="542925"/>
+                </a:lnTo>
+                <a:lnTo>
+                  <a:pt x="0" y="0"/>
+                </a:lnTo>
+                <a:close/>
+              </a:path>
+            </a:pathLst>
+          </a:custGeom>
+          <a:solidFill>
+            <a:schemeClr val="tx1"/>
+          </a:solidFill>
+          <a:ln>
+            <a:solidFill>
+              <a:schemeClr val="tx1"/>
+            </a:solidFill>
+          </a:ln>
+        </p:spPr>
+        <p:style>
+          <a:lnRef idx="2">
+            <a:schemeClr val="accent1">
+              <a:shade val="50000"/>
+            </a:schemeClr>
+          </a:lnRef>
+          <a:fillRef idx="1">
+            <a:schemeClr val="accent1"/>
+          </a:fillRef>
+          <a:effectRef idx="0">
+            <a:schemeClr val="accent1"/>
+          </a:effectRef>
+          <a:fontRef idx="minor">
+            <a:schemeClr val="lt1"/>
+          </a:fontRef>
+        </p:style>
+        <p:txBody>
+          <a:bodyPr rtlCol="0" anchor="ctr"/>
+          <a:lstStyle/>
+          <a:p>
+            <a:pPr algn="ctr"/>
+            <a:endParaRPr lang="ko-KR" altLang="en-US"/>
+          </a:p>
+        </p:txBody>
+      </p:sp>
+      <p:sp>
+        <p:nvSpPr>
+          <p:cNvPr id="26" name="자유형 25"/>
+          <p:cNvSpPr/>
+          <p:nvPr/>
+        </p:nvSpPr>
+        <p:spPr>
+          <a:xfrm>
+            <a:off x="8925900" y="1006072"/>
+            <a:ext cx="573033" cy="3067050"/>
+          </a:xfrm>
+          <a:custGeom>
+            <a:avLst/>
+            <a:gdLst>
+              <a:gd name="connsiteX0" fmla="*/ 0 w 285750"/>
+              <a:gd name="connsiteY0" fmla="*/ 0 h 3067050"/>
+              <a:gd name="connsiteX1" fmla="*/ 28575 w 285750"/>
+              <a:gd name="connsiteY1" fmla="*/ 2105025 h 3067050"/>
+              <a:gd name="connsiteX2" fmla="*/ 171450 w 285750"/>
+              <a:gd name="connsiteY2" fmla="*/ 3067050 h 3067050"/>
+              <a:gd name="connsiteX3" fmla="*/ 285750 w 285750"/>
+              <a:gd name="connsiteY3" fmla="*/ 2457450 h 3067050"/>
+              <a:gd name="connsiteX4" fmla="*/ 285750 w 285750"/>
+              <a:gd name="connsiteY4" fmla="*/ 285750 h 3067050"/>
+              <a:gd name="connsiteX5" fmla="*/ 161925 w 285750"/>
+              <a:gd name="connsiteY5" fmla="*/ 542925 h 3067050"/>
+              <a:gd name="connsiteX6" fmla="*/ 0 w 285750"/>
+              <a:gd name="connsiteY6" fmla="*/ 0 h 3067050"/>
+            </a:gdLst>
+            <a:ahLst/>
+            <a:cxnLst>
+              <a:cxn ang="0">
+                <a:pos x="connsiteX0" y="connsiteY0"/>
+              </a:cxn>
+              <a:cxn ang="0">
+                <a:pos x="connsiteX1" y="connsiteY1"/>
+              </a:cxn>
+              <a:cxn ang="0">
+                <a:pos x="connsiteX2" y="connsiteY2"/>
+              </a:cxn>
+              <a:cxn ang="0">
+                <a:pos x="connsiteX3" y="connsiteY3"/>
+              </a:cxn>
+              <a:cxn ang="0">
+                <a:pos x="connsiteX4" y="connsiteY4"/>
+              </a:cxn>
+              <a:cxn ang="0">
+                <a:pos x="connsiteX5" y="connsiteY5"/>
+              </a:cxn>
+              <a:cxn ang="0">
+                <a:pos x="connsiteX6" y="connsiteY6"/>
+              </a:cxn>
+            </a:cxnLst>
+            <a:rect l="l" t="t" r="r" b="b"/>
+            <a:pathLst>
+              <a:path w="285750" h="3067050">
+                <a:moveTo>
+                  <a:pt x="0" y="0"/>
+                </a:moveTo>
+                <a:lnTo>
+                  <a:pt x="28575" y="2105025"/>
+                </a:lnTo>
+                <a:lnTo>
+                  <a:pt x="171450" y="3067050"/>
+                </a:lnTo>
+                <a:lnTo>
+                  <a:pt x="285750" y="2457450"/>
+                </a:lnTo>
+                <a:lnTo>
+                  <a:pt x="285750" y="285750"/>
+                </a:lnTo>
+                <a:lnTo>
+                  <a:pt x="161925" y="542925"/>
+                </a:lnTo>
+                <a:lnTo>
+                  <a:pt x="0" y="0"/>
+                </a:lnTo>
+                <a:close/>
+              </a:path>
+            </a:pathLst>
+          </a:custGeom>
+          <a:solidFill>
+            <a:schemeClr val="tx1">
+              <a:alpha val="50000"/>
+            </a:schemeClr>
+          </a:solidFill>
+          <a:ln>
+            <a:noFill/>
+          </a:ln>
+        </p:spPr>
+        <p:style>
+          <a:lnRef idx="2">
+            <a:schemeClr val="accent1">
+              <a:shade val="50000"/>
+            </a:schemeClr>
+          </a:lnRef>
+          <a:fillRef idx="1">
+            <a:schemeClr val="accent1"/>
+          </a:fillRef>
+          <a:effectRef idx="0">
+            <a:schemeClr val="accent1"/>
+          </a:effectRef>
+          <a:fontRef idx="minor">
+            <a:schemeClr val="lt1"/>
+          </a:fontRef>
+        </p:style>
+        <p:txBody>
+          <a:bodyPr rtlCol="0" anchor="ctr"/>
+          <a:lstStyle/>
+          <a:p>
+            <a:pPr algn="ctr"/>
+            <a:endParaRPr lang="ko-KR" altLang="en-US"/>
+          </a:p>
+        </p:txBody>
+      </p:sp>
+      <p:sp>
+        <p:nvSpPr>
+          <p:cNvPr id="28" name="달 27"/>
+          <p:cNvSpPr/>
+          <p:nvPr/>
+        </p:nvSpPr>
+        <p:spPr>
+          <a:xfrm rot="5400000" flipH="1">
+            <a:off x="6351073" y="2160073"/>
+            <a:ext cx="1107525" cy="4478328"/>
+          </a:xfrm>
+          <a:prstGeom prst="moon">
+            <a:avLst>
+              <a:gd name="adj" fmla="val 10465"/>
+            </a:avLst>
+          </a:prstGeom>
+        </p:spPr>
+        <p:style>
+          <a:lnRef idx="2">
+            <a:schemeClr val="dk1">
+              <a:shade val="50000"/>
+            </a:schemeClr>
+          </a:lnRef>
+          <a:fillRef idx="1">
+            <a:schemeClr val="dk1"/>
+          </a:fillRef>
+          <a:effectRef idx="0">
+            <a:schemeClr val="dk1"/>
+          </a:effectRef>
+          <a:fontRef idx="minor">
+            <a:schemeClr val="lt1"/>
+          </a:fontRef>
+        </p:style>
+        <p:txBody>
+          <a:bodyPr rtlCol="0" anchor="ctr"/>
+          <a:lstStyle/>
+          <a:p>
+            <a:pPr algn="ctr"/>
+            <a:endParaRPr lang="ko-KR" altLang="en-US"/>
+          </a:p>
+        </p:txBody>
+      </p:sp>
+      <p:sp>
+        <p:nvSpPr>
+          <p:cNvPr id="29" name="자유형 28"/>
+          <p:cNvSpPr/>
+          <p:nvPr/>
+        </p:nvSpPr>
+        <p:spPr>
+          <a:xfrm rot="16200000">
+            <a:off x="6577565" y="1658739"/>
+            <a:ext cx="573033" cy="4559839"/>
+          </a:xfrm>
+          <a:custGeom>
+            <a:avLst/>
+            <a:gdLst>
+              <a:gd name="connsiteX0" fmla="*/ 0 w 285750"/>
+              <a:gd name="connsiteY0" fmla="*/ 0 h 3067050"/>
+              <a:gd name="connsiteX1" fmla="*/ 28575 w 285750"/>
+              <a:gd name="connsiteY1" fmla="*/ 2105025 h 3067050"/>
+              <a:gd name="connsiteX2" fmla="*/ 171450 w 285750"/>
+              <a:gd name="connsiteY2" fmla="*/ 3067050 h 3067050"/>
+              <a:gd name="connsiteX3" fmla="*/ 285750 w 285750"/>
+              <a:gd name="connsiteY3" fmla="*/ 2457450 h 3067050"/>
+              <a:gd name="connsiteX4" fmla="*/ 285750 w 285750"/>
+              <a:gd name="connsiteY4" fmla="*/ 285750 h 3067050"/>
+              <a:gd name="connsiteX5" fmla="*/ 161925 w 285750"/>
+              <a:gd name="connsiteY5" fmla="*/ 542925 h 3067050"/>
+              <a:gd name="connsiteX6" fmla="*/ 0 w 285750"/>
+              <a:gd name="connsiteY6" fmla="*/ 0 h 3067050"/>
+            </a:gdLst>
+            <a:ahLst/>
+            <a:cxnLst>
+              <a:cxn ang="0">
+                <a:pos x="connsiteX0" y="connsiteY0"/>
+              </a:cxn>
+              <a:cxn ang="0">
+                <a:pos x="connsiteX1" y="connsiteY1"/>
+              </a:cxn>
+              <a:cxn ang="0">
+                <a:pos x="connsiteX2" y="connsiteY2"/>
+              </a:cxn>
+              <a:cxn ang="0">
+                <a:pos x="connsiteX3" y="connsiteY3"/>
+              </a:cxn>
+              <a:cxn ang="0">
+                <a:pos x="connsiteX4" y="connsiteY4"/>
+              </a:cxn>
+              <a:cxn ang="0">
+                <a:pos x="connsiteX5" y="connsiteY5"/>
+              </a:cxn>
+              <a:cxn ang="0">
+                <a:pos x="connsiteX6" y="connsiteY6"/>
+              </a:cxn>
+            </a:cxnLst>
+            <a:rect l="l" t="t" r="r" b="b"/>
+            <a:pathLst>
+              <a:path w="285750" h="3067050">
+                <a:moveTo>
+                  <a:pt x="0" y="0"/>
+                </a:moveTo>
+                <a:lnTo>
+                  <a:pt x="28575" y="2105025"/>
+                </a:lnTo>
+                <a:lnTo>
+                  <a:pt x="171450" y="3067050"/>
+                </a:lnTo>
+                <a:lnTo>
+                  <a:pt x="285750" y="2457450"/>
+                </a:lnTo>
+                <a:lnTo>
+                  <a:pt x="285750" y="285750"/>
+                </a:lnTo>
+                <a:lnTo>
+                  <a:pt x="161925" y="542925"/>
+                </a:lnTo>
+                <a:lnTo>
+                  <a:pt x="0" y="0"/>
+                </a:lnTo>
+                <a:close/>
+              </a:path>
+            </a:pathLst>
+          </a:custGeom>
+          <a:solidFill>
+            <a:schemeClr val="tx1"/>
+          </a:solidFill>
+          <a:ln>
+            <a:solidFill>
+              <a:schemeClr val="tx1"/>
+            </a:solidFill>
+          </a:ln>
+        </p:spPr>
+        <p:style>
+          <a:lnRef idx="2">
+            <a:schemeClr val="accent1">
+              <a:shade val="50000"/>
+            </a:schemeClr>
+          </a:lnRef>
+          <a:fillRef idx="1">
+            <a:schemeClr val="accent1"/>
+          </a:fillRef>
+          <a:effectRef idx="0">
+            <a:schemeClr val="accent1"/>
+          </a:effectRef>
+          <a:fontRef idx="minor">
+            <a:schemeClr val="lt1"/>
+          </a:fontRef>
+        </p:style>
+        <p:txBody>
+          <a:bodyPr rtlCol="0" anchor="ctr"/>
+          <a:lstStyle/>
+          <a:p>
+            <a:pPr algn="ctr"/>
+            <a:endParaRPr lang="ko-KR" altLang="en-US"/>
+          </a:p>
+        </p:txBody>
+      </p:sp>
+      <p:grpSp>
+        <p:nvGrpSpPr>
+          <p:cNvPr id="30" name="그룹 29"/>
+          <p:cNvGrpSpPr/>
+          <p:nvPr/>
+        </p:nvGrpSpPr>
+        <p:grpSpPr>
+          <a:xfrm rot="5400000">
+            <a:off x="5924111" y="1266188"/>
+            <a:ext cx="1895475" cy="324208"/>
+            <a:chOff x="761132" y="4163595"/>
+            <a:chExt cx="1895475" cy="324208"/>
+          </a:xfrm>
+        </p:grpSpPr>
+        <p:cxnSp>
+          <p:nvCxnSpPr>
+            <p:cNvPr id="31" name="직선 화살표 연결선 30"/>
+            <p:cNvCxnSpPr/>
+            <p:nvPr/>
+          </p:nvCxnSpPr>
+          <p:spPr>
+            <a:xfrm>
+              <a:off x="789707" y="4330052"/>
+              <a:ext cx="1866900" cy="0"/>
+            </a:xfrm>
+            <a:prstGeom prst="straightConnector1">
+              <a:avLst/>
+            </a:prstGeom>
+            <a:ln w="76200">
+              <a:solidFill>
+                <a:schemeClr val="tx1"/>
+              </a:solidFill>
+              <a:tailEnd type="triangle"/>
+            </a:ln>
+          </p:spPr>
+          <p:style>
+            <a:lnRef idx="1">
+              <a:schemeClr val="accent1"/>
+            </a:lnRef>
+            <a:fillRef idx="0">
+              <a:schemeClr val="accent1"/>
+            </a:fillRef>
+            <a:effectRef idx="0">
+              <a:schemeClr val="accent1"/>
+            </a:effectRef>
+            <a:fontRef idx="minor">
+              <a:schemeClr val="tx1"/>
+            </a:fontRef>
+          </p:style>
+        </p:cxnSp>
+        <p:sp>
+          <p:nvSpPr>
+            <p:cNvPr id="32" name="평행 사변형 31"/>
+            <p:cNvSpPr/>
+            <p:nvPr/>
+          </p:nvSpPr>
+          <p:spPr>
+            <a:xfrm flipH="1">
+              <a:off x="761132" y="4163595"/>
+              <a:ext cx="342900" cy="117982"/>
+            </a:xfrm>
+            <a:prstGeom prst="parallelogram">
+              <a:avLst/>
+            </a:prstGeom>
+            <a:blipFill dpi="0" rotWithShape="1">
+              <a:blip r:embed="rId3"/>
+              <a:srcRect/>
+              <a:tile tx="0" ty="0" sx="100000" sy="100000" flip="none" algn="tl"/>
+            </a:blipFill>
+            <a:ln>
+              <a:noFill/>
+            </a:ln>
+          </p:spPr>
+          <p:style>
+            <a:lnRef idx="2">
+              <a:schemeClr val="accent1">
+                <a:shade val="50000"/>
+              </a:schemeClr>
+            </a:lnRef>
+            <a:fillRef idx="1">
+              <a:schemeClr val="accent1"/>
+            </a:fillRef>
+            <a:effectRef idx="0">
+              <a:schemeClr val="accent1"/>
+            </a:effectRef>
+            <a:fontRef idx="minor">
+              <a:schemeClr val="lt1"/>
+            </a:fontRef>
+          </p:style>
+          <p:txBody>
+            <a:bodyPr rtlCol="0" anchor="ctr"/>
+            <a:lstStyle/>
+            <a:p>
+              <a:pPr algn="ctr"/>
+              <a:endParaRPr lang="ko-KR" altLang="en-US"/>
+            </a:p>
+          </p:txBody>
+        </p:sp>
+        <p:sp>
+          <p:nvSpPr>
+            <p:cNvPr id="33" name="평행 사변형 32"/>
+            <p:cNvSpPr/>
+            <p:nvPr/>
+          </p:nvSpPr>
+          <p:spPr>
+            <a:xfrm flipH="1" flipV="1">
+              <a:off x="761132" y="4369003"/>
+              <a:ext cx="342900" cy="118800"/>
+            </a:xfrm>
+            <a:prstGeom prst="parallelogram">
+              <a:avLst/>
+            </a:prstGeom>
+            <a:blipFill dpi="0" rotWithShape="1">
+              <a:blip r:embed="rId3"/>
+              <a:srcRect/>
+              <a:tile tx="0" ty="0" sx="100000" sy="100000" flip="none" algn="tl"/>
+            </a:blipFill>
+            <a:ln>
+              <a:noFill/>
+            </a:ln>
+          </p:spPr>
+          <p:style>
+            <a:lnRef idx="2">
+              <a:schemeClr val="accent1">
+                <a:shade val="50000"/>
+              </a:schemeClr>
+            </a:lnRef>
+            <a:fillRef idx="1">
+              <a:schemeClr val="accent1"/>
+            </a:fillRef>
+            <a:effectRef idx="0">
+              <a:schemeClr val="accent1"/>
+            </a:effectRef>
+            <a:fontRef idx="minor">
+              <a:schemeClr val="lt1"/>
+            </a:fontRef>
+          </p:style>
+          <p:txBody>
+            <a:bodyPr rtlCol="0" anchor="ctr"/>
+            <a:lstStyle/>
+            <a:p>
+              <a:pPr algn="ctr"/>
+              <a:endParaRPr lang="ko-KR" altLang="en-US"/>
+            </a:p>
+          </p:txBody>
+        </p:sp>
+      </p:grpSp>
+      <p:sp>
+        <p:nvSpPr>
+          <p:cNvPr id="37" name="달 36"/>
+          <p:cNvSpPr/>
+          <p:nvPr/>
+        </p:nvSpPr>
+        <p:spPr>
+          <a:xfrm rot="5400000" flipH="1">
+            <a:off x="2658617" y="3790133"/>
+            <a:ext cx="1107525" cy="4478328"/>
+          </a:xfrm>
+          <a:prstGeom prst="moon">
+            <a:avLst>
+              <a:gd name="adj" fmla="val 10465"/>
+            </a:avLst>
+          </a:prstGeom>
+          <a:solidFill>
+            <a:schemeClr val="tx1">
+              <a:alpha val="50000"/>
+            </a:schemeClr>
+          </a:solidFill>
+          <a:ln>
+            <a:noFill/>
+          </a:ln>
+        </p:spPr>
+        <p:style>
+          <a:lnRef idx="2">
+            <a:schemeClr val="dk1">
+              <a:shade val="50000"/>
+            </a:schemeClr>
+          </a:lnRef>
+          <a:fillRef idx="1">
+            <a:schemeClr val="dk1"/>
+          </a:fillRef>
+          <a:effectRef idx="0">
+            <a:schemeClr val="dk1"/>
+          </a:effectRef>
+          <a:fontRef idx="minor">
+            <a:schemeClr val="lt1"/>
+          </a:fontRef>
+        </p:style>
+        <p:txBody>
+          <a:bodyPr rtlCol="0" anchor="ctr"/>
+          <a:lstStyle/>
+          <a:p>
+            <a:pPr algn="ctr"/>
+            <a:endParaRPr lang="ko-KR" altLang="en-US"/>
+          </a:p>
+        </p:txBody>
+      </p:sp>
+      <p:sp>
+        <p:nvSpPr>
+          <p:cNvPr id="38" name="자유형 37"/>
+          <p:cNvSpPr/>
+          <p:nvPr/>
+        </p:nvSpPr>
+        <p:spPr>
+          <a:xfrm rot="16200000">
+            <a:off x="2885109" y="3288799"/>
+            <a:ext cx="573033" cy="4559839"/>
+          </a:xfrm>
+          <a:custGeom>
+            <a:avLst/>
+            <a:gdLst>
+              <a:gd name="connsiteX0" fmla="*/ 0 w 285750"/>
+              <a:gd name="connsiteY0" fmla="*/ 0 h 3067050"/>
+              <a:gd name="connsiteX1" fmla="*/ 28575 w 285750"/>
+              <a:gd name="connsiteY1" fmla="*/ 2105025 h 3067050"/>
+              <a:gd name="connsiteX2" fmla="*/ 171450 w 285750"/>
+              <a:gd name="connsiteY2" fmla="*/ 3067050 h 3067050"/>
+              <a:gd name="connsiteX3" fmla="*/ 285750 w 285750"/>
+              <a:gd name="connsiteY3" fmla="*/ 2457450 h 3067050"/>
+              <a:gd name="connsiteX4" fmla="*/ 285750 w 285750"/>
+              <a:gd name="connsiteY4" fmla="*/ 285750 h 3067050"/>
+              <a:gd name="connsiteX5" fmla="*/ 161925 w 285750"/>
+              <a:gd name="connsiteY5" fmla="*/ 542925 h 3067050"/>
+              <a:gd name="connsiteX6" fmla="*/ 0 w 285750"/>
+              <a:gd name="connsiteY6" fmla="*/ 0 h 3067050"/>
+            </a:gdLst>
+            <a:ahLst/>
+            <a:cxnLst>
+              <a:cxn ang="0">
+                <a:pos x="connsiteX0" y="connsiteY0"/>
+              </a:cxn>
+              <a:cxn ang="0">
+                <a:pos x="connsiteX1" y="connsiteY1"/>
+              </a:cxn>
+              <a:cxn ang="0">
+                <a:pos x="connsiteX2" y="connsiteY2"/>
+              </a:cxn>
+              <a:cxn ang="0">
+                <a:pos x="connsiteX3" y="connsiteY3"/>
+              </a:cxn>
+              <a:cxn ang="0">
+                <a:pos x="connsiteX4" y="connsiteY4"/>
+              </a:cxn>
+              <a:cxn ang="0">
+                <a:pos x="connsiteX5" y="connsiteY5"/>
+              </a:cxn>
+              <a:cxn ang="0">
+                <a:pos x="connsiteX6" y="connsiteY6"/>
+              </a:cxn>
+            </a:cxnLst>
+            <a:rect l="l" t="t" r="r" b="b"/>
+            <a:pathLst>
+              <a:path w="285750" h="3067050">
+                <a:moveTo>
+                  <a:pt x="0" y="0"/>
+                </a:moveTo>
+                <a:lnTo>
+                  <a:pt x="28575" y="2105025"/>
+                </a:lnTo>
+                <a:lnTo>
+                  <a:pt x="171450" y="3067050"/>
+                </a:lnTo>
+                <a:lnTo>
+                  <a:pt x="285750" y="2457450"/>
+                </a:lnTo>
+                <a:lnTo>
+                  <a:pt x="285750" y="285750"/>
+                </a:lnTo>
+                <a:lnTo>
+                  <a:pt x="161925" y="542925"/>
+                </a:lnTo>
+                <a:lnTo>
+                  <a:pt x="0" y="0"/>
+                </a:lnTo>
+                <a:close/>
+              </a:path>
+            </a:pathLst>
+          </a:custGeom>
+          <a:solidFill>
+            <a:schemeClr val="tx1">
+              <a:alpha val="50000"/>
+            </a:schemeClr>
+          </a:solidFill>
+          <a:ln>
+            <a:noFill/>
+          </a:ln>
+        </p:spPr>
+        <p:style>
+          <a:lnRef idx="2">
+            <a:schemeClr val="accent1">
+              <a:shade val="50000"/>
+            </a:schemeClr>
+          </a:lnRef>
+          <a:fillRef idx="1">
+            <a:schemeClr val="accent1"/>
+          </a:fillRef>
+          <a:effectRef idx="0">
+            <a:schemeClr val="accent1"/>
+          </a:effectRef>
+          <a:fontRef idx="minor">
+            <a:schemeClr val="lt1"/>
+          </a:fontRef>
+        </p:style>
+        <p:txBody>
+          <a:bodyPr rtlCol="0" anchor="ctr"/>
+          <a:lstStyle/>
+          <a:p>
+            <a:pPr algn="ctr"/>
+            <a:endParaRPr lang="ko-KR" altLang="en-US"/>
+          </a:p>
+        </p:txBody>
+      </p:sp>
+      <p:grpSp>
+        <p:nvGrpSpPr>
+          <p:cNvPr id="47" name="그룹 46"/>
+          <p:cNvGrpSpPr/>
+          <p:nvPr/>
+        </p:nvGrpSpPr>
+        <p:grpSpPr>
+          <a:xfrm rot="19875096">
+            <a:off x="669326" y="4411085"/>
+            <a:ext cx="1732682" cy="209550"/>
+            <a:chOff x="1504950" y="1433799"/>
+            <a:chExt cx="1732682" cy="209550"/>
+          </a:xfrm>
+          <a:scene3d>
+            <a:camera prst="orthographicFront">
+              <a:rot lat="0" lon="0" rev="10800000"/>
+            </a:camera>
+            <a:lightRig rig="threePt" dir="t"/>
+          </a:scene3d>
+        </p:grpSpPr>
+        <p:sp>
+          <p:nvSpPr>
+            <p:cNvPr id="48" name="직사각형 47"/>
+            <p:cNvSpPr/>
+            <p:nvPr/>
+          </p:nvSpPr>
+          <p:spPr>
+            <a:xfrm>
+              <a:off x="1504950" y="1512380"/>
+              <a:ext cx="1400175" cy="47625"/>
+            </a:xfrm>
+            <a:prstGeom prst="rect">
+              <a:avLst/>
+            </a:prstGeom>
+            <a:solidFill>
+              <a:schemeClr val="tx1">
+                <a:alpha val="50000"/>
+              </a:schemeClr>
+            </a:solidFill>
+            <a:ln>
+              <a:noFill/>
+            </a:ln>
+          </p:spPr>
+          <p:style>
+            <a:lnRef idx="2">
+              <a:schemeClr val="accent1">
+                <a:shade val="50000"/>
+              </a:schemeClr>
+            </a:lnRef>
+            <a:fillRef idx="1">
+              <a:schemeClr val="accent1"/>
+            </a:fillRef>
+            <a:effectRef idx="0">
+              <a:schemeClr val="accent1"/>
+            </a:effectRef>
+            <a:fontRef idx="minor">
+              <a:schemeClr val="lt1"/>
+            </a:fontRef>
+          </p:style>
+          <p:txBody>
+            <a:bodyPr rtlCol="0" anchor="ctr"/>
+            <a:lstStyle/>
+            <a:p>
+              <a:pPr algn="ctr"/>
+              <a:endParaRPr lang="ko-KR" altLang="en-US"/>
+            </a:p>
+          </p:txBody>
+        </p:sp>
+        <p:sp>
+          <p:nvSpPr>
+            <p:cNvPr id="49" name="다이아몬드 48"/>
+            <p:cNvSpPr/>
+            <p:nvPr/>
+          </p:nvSpPr>
+          <p:spPr>
+            <a:xfrm>
+              <a:off x="2856632" y="1433799"/>
+              <a:ext cx="381000" cy="209550"/>
+            </a:xfrm>
+            <a:prstGeom prst="diamond">
+              <a:avLst/>
+            </a:prstGeom>
+            <a:solidFill>
+              <a:schemeClr val="tx1">
+                <a:alpha val="50000"/>
+              </a:schemeClr>
+            </a:solidFill>
+            <a:ln>
+              <a:noFill/>
+            </a:ln>
+          </p:spPr>
+          <p:style>
+            <a:lnRef idx="2">
+              <a:schemeClr val="accent1">
+                <a:shade val="50000"/>
+              </a:schemeClr>
+            </a:lnRef>
+            <a:fillRef idx="1">
+              <a:schemeClr val="accent1"/>
+            </a:fillRef>
+            <a:effectRef idx="0">
+              <a:schemeClr val="accent1"/>
+            </a:effectRef>
+            <a:fontRef idx="minor">
+              <a:schemeClr val="lt1"/>
+            </a:fontRef>
+          </p:style>
+          <p:txBody>
+            <a:bodyPr rtlCol="0" anchor="ctr"/>
+            <a:lstStyle/>
+            <a:p>
+              <a:pPr algn="ctr"/>
+              <a:endParaRPr lang="ko-KR" altLang="en-US"/>
+            </a:p>
+          </p:txBody>
+        </p:sp>
+      </p:grpSp>
+      <p:grpSp>
+        <p:nvGrpSpPr>
+          <p:cNvPr id="50" name="그룹 49"/>
+          <p:cNvGrpSpPr/>
+          <p:nvPr/>
+        </p:nvGrpSpPr>
+        <p:grpSpPr>
+          <a:xfrm rot="5400000">
+            <a:off x="2489145" y="3903898"/>
+            <a:ext cx="1895475" cy="324208"/>
+            <a:chOff x="1400175" y="3367318"/>
+            <a:chExt cx="1895475" cy="324208"/>
+          </a:xfrm>
+        </p:grpSpPr>
+        <p:cxnSp>
+          <p:nvCxnSpPr>
+            <p:cNvPr id="51" name="직선 화살표 연결선 50"/>
+            <p:cNvCxnSpPr/>
+            <p:nvPr/>
+          </p:nvCxnSpPr>
+          <p:spPr>
+            <a:xfrm>
+              <a:off x="1428750" y="3533775"/>
+              <a:ext cx="1866900" cy="0"/>
+            </a:xfrm>
+            <a:prstGeom prst="straightConnector1">
+              <a:avLst/>
+            </a:prstGeom>
+            <a:ln w="76200">
+              <a:solidFill>
+                <a:schemeClr val="tx1">
+                  <a:alpha val="50000"/>
+                </a:schemeClr>
+              </a:solidFill>
+              <a:tailEnd type="triangle"/>
+            </a:ln>
+          </p:spPr>
+          <p:style>
+            <a:lnRef idx="1">
+              <a:schemeClr val="accent1"/>
+            </a:lnRef>
+            <a:fillRef idx="0">
+              <a:schemeClr val="accent1"/>
+            </a:fillRef>
+            <a:effectRef idx="0">
+              <a:schemeClr val="accent1"/>
+            </a:effectRef>
+            <a:fontRef idx="minor">
+              <a:schemeClr val="tx1"/>
+            </a:fontRef>
+          </p:style>
+        </p:cxnSp>
+        <p:sp>
+          <p:nvSpPr>
+            <p:cNvPr id="52" name="평행 사변형 51"/>
+            <p:cNvSpPr/>
+            <p:nvPr/>
+          </p:nvSpPr>
+          <p:spPr>
+            <a:xfrm flipH="1">
+              <a:off x="1400175" y="3367318"/>
+              <a:ext cx="342900" cy="117982"/>
+            </a:xfrm>
+            <a:prstGeom prst="parallelogram">
+              <a:avLst/>
+            </a:prstGeom>
+            <a:blipFill dpi="0" rotWithShape="1">
+              <a:blip r:embed="rId3">
+                <a:alphaModFix amt="50000"/>
+              </a:blip>
+              <a:srcRect/>
+              <a:tile tx="0" ty="0" sx="100000" sy="100000" flip="none" algn="tl"/>
+            </a:blipFill>
+            <a:ln>
+              <a:noFill/>
+            </a:ln>
+          </p:spPr>
+          <p:style>
+            <a:lnRef idx="2">
+              <a:schemeClr val="accent1">
+                <a:shade val="50000"/>
+              </a:schemeClr>
+            </a:lnRef>
+            <a:fillRef idx="1">
+              <a:schemeClr val="accent1"/>
+            </a:fillRef>
+            <a:effectRef idx="0">
+              <a:schemeClr val="accent1"/>
+            </a:effectRef>
+            <a:fontRef idx="minor">
+              <a:schemeClr val="lt1"/>
+            </a:fontRef>
+          </p:style>
+          <p:txBody>
+            <a:bodyPr rtlCol="0" anchor="ctr"/>
+            <a:lstStyle/>
+            <a:p>
+              <a:pPr algn="ctr"/>
+              <a:endParaRPr lang="ko-KR" altLang="en-US"/>
+            </a:p>
+          </p:txBody>
+        </p:sp>
+        <p:sp>
+          <p:nvSpPr>
+            <p:cNvPr id="53" name="평행 사변형 52"/>
+            <p:cNvSpPr/>
+            <p:nvPr/>
+          </p:nvSpPr>
+          <p:spPr>
+            <a:xfrm flipH="1" flipV="1">
+              <a:off x="1400175" y="3572726"/>
+              <a:ext cx="342900" cy="118800"/>
+            </a:xfrm>
+            <a:prstGeom prst="parallelogram">
+              <a:avLst/>
+            </a:prstGeom>
+            <a:blipFill dpi="0" rotWithShape="1">
+              <a:blip r:embed="rId3">
+                <a:alphaModFix amt="50000"/>
+              </a:blip>
+              <a:srcRect/>
+              <a:tile tx="0" ty="0" sx="100000" sy="100000" flip="none" algn="tl"/>
+            </a:blipFill>
+            <a:ln>
+              <a:noFill/>
+            </a:ln>
+          </p:spPr>
+          <p:style>
+            <a:lnRef idx="2">
+              <a:schemeClr val="accent1">
+                <a:shade val="50000"/>
+              </a:schemeClr>
+            </a:lnRef>
+            <a:fillRef idx="1">
+              <a:schemeClr val="accent1"/>
+            </a:fillRef>
+            <a:effectRef idx="0">
+              <a:schemeClr val="accent1"/>
+            </a:effectRef>
+            <a:fontRef idx="minor">
+              <a:schemeClr val="lt1"/>
+            </a:fontRef>
+          </p:style>
+          <p:txBody>
+            <a:bodyPr rtlCol="0" anchor="ctr"/>
+            <a:lstStyle/>
+            <a:p>
+              <a:pPr algn="ctr"/>
+              <a:endParaRPr lang="ko-KR" altLang="en-US"/>
+            </a:p>
+          </p:txBody>
+        </p:sp>
+      </p:grpSp>
+      <p:grpSp>
+        <p:nvGrpSpPr>
+          <p:cNvPr id="54" name="그룹 53"/>
+          <p:cNvGrpSpPr/>
+          <p:nvPr/>
+        </p:nvGrpSpPr>
+        <p:grpSpPr>
+          <a:xfrm rot="19828605">
+            <a:off x="3580980" y="3432506"/>
+            <a:ext cx="1709822" cy="209550"/>
+            <a:chOff x="1343025" y="1042987"/>
+            <a:chExt cx="1709822" cy="209550"/>
+          </a:xfrm>
+          <a:scene3d>
+            <a:camera prst="orthographicFront">
+              <a:rot lat="0" lon="0" rev="10800000"/>
+            </a:camera>
+            <a:lightRig rig="threePt" dir="t"/>
+          </a:scene3d>
+        </p:grpSpPr>
+        <p:sp>
+          <p:nvSpPr>
+            <p:cNvPr id="55" name="직사각형 54"/>
+            <p:cNvSpPr/>
+            <p:nvPr/>
+          </p:nvSpPr>
+          <p:spPr>
+            <a:xfrm>
+              <a:off x="1343025" y="1123950"/>
+              <a:ext cx="1400175" cy="47625"/>
+            </a:xfrm>
+            <a:prstGeom prst="rect">
+              <a:avLst/>
+            </a:prstGeom>
+            <a:solidFill>
+              <a:schemeClr val="tx1"/>
+            </a:solidFill>
+            <a:ln>
+              <a:solidFill>
+                <a:schemeClr val="tx1"/>
+              </a:solidFill>
+            </a:ln>
+          </p:spPr>
+          <p:style>
+            <a:lnRef idx="2">
+              <a:schemeClr val="accent1">
+                <a:shade val="50000"/>
+              </a:schemeClr>
+            </a:lnRef>
+            <a:fillRef idx="1">
+              <a:schemeClr val="accent1"/>
+            </a:fillRef>
+            <a:effectRef idx="0">
+              <a:schemeClr val="accent1"/>
+            </a:effectRef>
+            <a:fontRef idx="minor">
+              <a:schemeClr val="lt1"/>
+            </a:fontRef>
+          </p:style>
+          <p:txBody>
+            <a:bodyPr rtlCol="0" anchor="ctr"/>
+            <a:lstStyle/>
+            <a:p>
+              <a:pPr algn="ctr"/>
+              <a:endParaRPr lang="ko-KR" altLang="en-US"/>
+            </a:p>
+          </p:txBody>
+        </p:sp>
+        <p:sp>
+          <p:nvSpPr>
+            <p:cNvPr id="56" name="다이아몬드 55"/>
+            <p:cNvSpPr/>
+            <p:nvPr/>
+          </p:nvSpPr>
+          <p:spPr>
+            <a:xfrm>
+              <a:off x="2671847" y="1042987"/>
+              <a:ext cx="381000" cy="209550"/>
+            </a:xfrm>
+            <a:prstGeom prst="diamond">
+              <a:avLst/>
+            </a:prstGeom>
+            <a:solidFill>
+              <a:schemeClr val="tx1"/>
+            </a:solidFill>
+            <a:ln>
+              <a:solidFill>
+                <a:schemeClr val="tx1"/>
+              </a:solidFill>
+            </a:ln>
+          </p:spPr>
+          <p:style>
+            <a:lnRef idx="2">
+              <a:schemeClr val="accent1">
+                <a:shade val="50000"/>
+              </a:schemeClr>
+            </a:lnRef>
+            <a:fillRef idx="1">
+              <a:schemeClr val="accent1"/>
+            </a:fillRef>
+            <a:effectRef idx="0">
+              <a:schemeClr val="accent1"/>
+            </a:effectRef>
+            <a:fontRef idx="minor">
+              <a:schemeClr val="lt1"/>
+            </a:fontRef>
+          </p:style>
+          <p:txBody>
+            <a:bodyPr rtlCol="0" anchor="ctr"/>
+            <a:lstStyle/>
+            <a:p>
+              <a:pPr algn="ctr"/>
+              <a:endParaRPr lang="ko-KR" altLang="en-US"/>
+            </a:p>
+          </p:txBody>
+        </p:sp>
+      </p:grpSp>
+    </p:spTree>
+    <p:extLst>
+      <p:ext uri="{BB962C8B-B14F-4D97-AF65-F5344CB8AC3E}">
+        <p14:creationId xmlns:p14="http://schemas.microsoft.com/office/powerpoint/2010/main" val="4022564585"/>
       </p:ext>
     </p:extLst>
   </p:cSld>
@@ -4814,7 +6542,7 @@
         </p:nvGrpSpPr>
         <p:grpSpPr>
           <a:xfrm>
-            <a:off x="1828800" y="1523707"/>
+            <a:off x="468803" y="2328656"/>
             <a:ext cx="3155691" cy="2099681"/>
             <a:chOff x="5169159" y="3081919"/>
             <a:chExt cx="3155691" cy="2099681"/>
@@ -4887,8 +6615,208 @@
         </p:nvSpPr>
         <p:spPr>
           <a:xfrm>
-            <a:off x="4501364" y="3651381"/>
+            <a:off x="3943349" y="5109374"/>
             <a:ext cx="480602" cy="375887"/>
+          </a:xfrm>
+          <a:prstGeom prst="triangle">
+            <a:avLst/>
+          </a:prstGeom>
+          <a:gradFill>
+            <a:gsLst>
+              <a:gs pos="0">
+                <a:schemeClr val="accent4">
+                  <a:lumMod val="60000"/>
+                  <a:lumOff val="40000"/>
+                </a:schemeClr>
+              </a:gs>
+              <a:gs pos="50000">
+                <a:srgbClr val="FFAB2F"/>
+              </a:gs>
+              <a:gs pos="100000">
+                <a:srgbClr val="E6A400"/>
+              </a:gs>
+            </a:gsLst>
+          </a:gradFill>
+          <a:ln/>
+        </p:spPr>
+        <p:style>
+          <a:lnRef idx="0">
+            <a:schemeClr val="accent4"/>
+          </a:lnRef>
+          <a:fillRef idx="3">
+            <a:schemeClr val="accent4"/>
+          </a:fillRef>
+          <a:effectRef idx="3">
+            <a:schemeClr val="accent4"/>
+          </a:effectRef>
+          <a:fontRef idx="minor">
+            <a:schemeClr val="lt1"/>
+          </a:fontRef>
+        </p:style>
+        <p:txBody>
+          <a:bodyPr rtlCol="0" anchor="ctr"/>
+          <a:lstStyle/>
+          <a:p>
+            <a:pPr algn="ctr"/>
+            <a:endParaRPr lang="ko-KR" altLang="en-US"/>
+          </a:p>
+        </p:txBody>
+      </p:sp>
+      <p:pic>
+        <p:nvPicPr>
+          <p:cNvPr id="5" name="그림 4"/>
+          <p:cNvPicPr>
+            <a:picLocks noChangeAspect="1"/>
+          </p:cNvPicPr>
+          <p:nvPr/>
+        </p:nvPicPr>
+        <p:blipFill>
+          <a:blip r:embed="rId3">
+            <a:extLst>
+              <a:ext uri="{28A0092B-C50C-407E-A947-70E740481C1C}">
+                <a14:useLocalDpi xmlns:a14="http://schemas.microsoft.com/office/drawing/2010/main" val="0"/>
+              </a:ext>
+            </a:extLst>
+          </a:blip>
+          <a:stretch>
+            <a:fillRect/>
+          </a:stretch>
+        </p:blipFill>
+        <p:spPr>
+          <a:xfrm>
+            <a:off x="4183650" y="177045"/>
+            <a:ext cx="2880000" cy="2976459"/>
+          </a:xfrm>
+          <a:prstGeom prst="rect">
+            <a:avLst/>
+          </a:prstGeom>
+        </p:spPr>
+      </p:pic>
+      <p:grpSp>
+        <p:nvGrpSpPr>
+          <p:cNvPr id="10" name="그룹 9"/>
+          <p:cNvGrpSpPr/>
+          <p:nvPr/>
+        </p:nvGrpSpPr>
+        <p:grpSpPr>
+          <a:xfrm>
+            <a:off x="7972412" y="2156624"/>
+            <a:ext cx="2880000" cy="2880000"/>
+            <a:chOff x="7972412" y="2156624"/>
+            <a:chExt cx="2880000" cy="2880000"/>
+          </a:xfrm>
+        </p:grpSpPr>
+        <p:sp>
+          <p:nvSpPr>
+            <p:cNvPr id="7" name="직사각형 6"/>
+            <p:cNvSpPr/>
+            <p:nvPr/>
+          </p:nvSpPr>
+          <p:spPr>
+            <a:xfrm>
+              <a:off x="7972412" y="2156624"/>
+              <a:ext cx="2880000" cy="2880000"/>
+            </a:xfrm>
+            <a:prstGeom prst="rect">
+              <a:avLst/>
+            </a:prstGeom>
+            <a:blipFill dpi="0" rotWithShape="1">
+              <a:blip r:embed="rId3">
+                <a:alphaModFix amt="50000"/>
+              </a:blip>
+              <a:srcRect/>
+              <a:stretch>
+                <a:fillRect l="-614" t="-493" r="-623" b="-405"/>
+              </a:stretch>
+            </a:blipFill>
+            <a:ln>
+              <a:noFill/>
+            </a:ln>
+          </p:spPr>
+          <p:style>
+            <a:lnRef idx="2">
+              <a:schemeClr val="accent1">
+                <a:shade val="50000"/>
+              </a:schemeClr>
+            </a:lnRef>
+            <a:fillRef idx="1">
+              <a:schemeClr val="accent1"/>
+            </a:fillRef>
+            <a:effectRef idx="0">
+              <a:schemeClr val="accent1"/>
+            </a:effectRef>
+            <a:fontRef idx="minor">
+              <a:schemeClr val="lt1"/>
+            </a:fontRef>
+          </p:style>
+          <p:txBody>
+            <a:bodyPr rtlCol="0" anchor="ctr"/>
+            <a:lstStyle/>
+            <a:p>
+              <a:pPr algn="ctr"/>
+              <a:endParaRPr lang="ko-KR" altLang="en-US" dirty="0"/>
+            </a:p>
+          </p:txBody>
+        </p:sp>
+        <p:sp>
+          <p:nvSpPr>
+            <p:cNvPr id="8" name="타원 7"/>
+            <p:cNvSpPr/>
+            <p:nvPr/>
+          </p:nvSpPr>
+          <p:spPr>
+            <a:xfrm>
+              <a:off x="7972412" y="2156624"/>
+              <a:ext cx="2880000" cy="2880000"/>
+            </a:xfrm>
+            <a:prstGeom prst="ellipse">
+              <a:avLst/>
+            </a:prstGeom>
+            <a:noFill/>
+            <a:ln w="38100">
+              <a:solidFill>
+                <a:srgbClr val="7030A0">
+                  <a:alpha val="60000"/>
+                </a:srgbClr>
+              </a:solidFill>
+            </a:ln>
+          </p:spPr>
+          <p:style>
+            <a:lnRef idx="2">
+              <a:schemeClr val="accent1">
+                <a:shade val="50000"/>
+              </a:schemeClr>
+            </a:lnRef>
+            <a:fillRef idx="1">
+              <a:schemeClr val="accent1"/>
+            </a:fillRef>
+            <a:effectRef idx="0">
+              <a:schemeClr val="accent1"/>
+            </a:effectRef>
+            <a:fontRef idx="minor">
+              <a:schemeClr val="lt1"/>
+            </a:fontRef>
+          </p:style>
+          <p:txBody>
+            <a:bodyPr rtlCol="0" anchor="ctr"/>
+            <a:lstStyle/>
+            <a:p>
+              <a:pPr algn="ctr"/>
+              <a:endParaRPr lang="ko-KR" altLang="en-US"/>
+            </a:p>
+          </p:txBody>
+        </p:sp>
+      </p:grpSp>
+      <p:sp>
+        <p:nvSpPr>
+          <p:cNvPr id="11" name="이등변 삼각형 10"/>
+          <p:cNvSpPr/>
+          <p:nvPr/>
+        </p:nvSpPr>
+        <p:spPr>
+          <a:xfrm flipV="1">
+            <a:off x="3034587" y="1838788"/>
+            <a:ext cx="480602" cy="394036"/>
           </a:xfrm>
           <a:prstGeom prst="triangle">
             <a:avLst/>
@@ -4964,6 +6892,73 @@
           <a:chExt cx="0" cy="0"/>
         </a:xfrm>
       </p:grpSpPr>
+      <p:sp>
+        <p:nvSpPr>
+          <p:cNvPr id="2" name="도넛 1"/>
+          <p:cNvSpPr/>
+          <p:nvPr/>
+        </p:nvSpPr>
+        <p:spPr>
+          <a:xfrm>
+            <a:off x="7134225" y="676275"/>
+            <a:ext cx="5486400" cy="5486400"/>
+          </a:xfrm>
+          <a:prstGeom prst="donut">
+            <a:avLst/>
+          </a:prstGeom>
+          <a:gradFill>
+            <a:gsLst>
+              <a:gs pos="0">
+                <a:srgbClr val="FF0000"/>
+              </a:gs>
+              <a:gs pos="57000">
+                <a:srgbClr val="FFD84B">
+                  <a:alpha val="70000"/>
+                </a:srgbClr>
+              </a:gs>
+              <a:gs pos="100000">
+                <a:srgbClr val="FFFF57">
+                  <a:alpha val="50000"/>
+                </a:srgbClr>
+              </a:gs>
+            </a:gsLst>
+            <a:path path="circle">
+              <a:fillToRect l="50000" t="50000" r="50000" b="50000"/>
+            </a:path>
+          </a:gradFill>
+          <a:ln>
+            <a:noFill/>
+          </a:ln>
+        </p:spPr>
+        <p:style>
+          <a:lnRef idx="2">
+            <a:schemeClr val="accent1">
+              <a:shade val="50000"/>
+            </a:schemeClr>
+          </a:lnRef>
+          <a:fillRef idx="1">
+            <a:schemeClr val="accent1"/>
+          </a:fillRef>
+          <a:effectRef idx="0">
+            <a:schemeClr val="accent1"/>
+          </a:effectRef>
+          <a:fontRef idx="minor">
+            <a:schemeClr val="lt1"/>
+          </a:fontRef>
+        </p:style>
+        <p:txBody>
+          <a:bodyPr rtlCol="0" anchor="ctr"/>
+          <a:lstStyle/>
+          <a:p>
+            <a:pPr algn="ctr"/>
+            <a:endParaRPr lang="ko-KR" altLang="en-US">
+              <a:solidFill>
+                <a:schemeClr val="tx1"/>
+              </a:solidFill>
+            </a:endParaRPr>
+          </a:p>
+        </p:txBody>
+      </p:sp>
     </p:spTree>
     <p:extLst>
       <p:ext uri="{BB962C8B-B14F-4D97-AF65-F5344CB8AC3E}">
@@ -5146,6 +7141,92 @@
       </p:grpSpPr>
       <p:sp>
         <p:nvSpPr>
+          <p:cNvPr id="2" name="직사각형 1"/>
+          <p:cNvSpPr/>
+          <p:nvPr/>
+        </p:nvSpPr>
+        <p:spPr>
+          <a:xfrm>
+            <a:off x="357445" y="133002"/>
+            <a:ext cx="11520000" cy="6480000"/>
+          </a:xfrm>
+          <a:prstGeom prst="rect">
+            <a:avLst/>
+          </a:prstGeom>
+          <a:blipFill>
+            <a:blip r:embed="rId2"/>
+            <a:tile tx="0" ty="0" sx="100000" sy="100000" flip="none" algn="tl"/>
+          </a:blipFill>
+          <a:ln>
+            <a:solidFill>
+              <a:schemeClr val="bg1"/>
+            </a:solidFill>
+          </a:ln>
+        </p:spPr>
+        <p:style>
+          <a:lnRef idx="2">
+            <a:schemeClr val="accent1">
+              <a:shade val="50000"/>
+            </a:schemeClr>
+          </a:lnRef>
+          <a:fillRef idx="1">
+            <a:schemeClr val="accent1"/>
+          </a:fillRef>
+          <a:effectRef idx="0">
+            <a:schemeClr val="accent1"/>
+          </a:effectRef>
+          <a:fontRef idx="minor">
+            <a:schemeClr val="lt1"/>
+          </a:fontRef>
+        </p:style>
+        <p:txBody>
+          <a:bodyPr rtlCol="0" anchor="ctr"/>
+          <a:lstStyle/>
+          <a:p>
+            <a:pPr algn="ctr"/>
+            <a:endParaRPr lang="ko-KR" altLang="en-US"/>
+          </a:p>
+        </p:txBody>
+      </p:sp>
+    </p:spTree>
+    <p:extLst>
+      <p:ext uri="{BB962C8B-B14F-4D97-AF65-F5344CB8AC3E}">
+        <p14:creationId xmlns:p14="http://schemas.microsoft.com/office/powerpoint/2010/main" val="3314254897"/>
+      </p:ext>
+    </p:extLst>
+  </p:cSld>
+  <p:clrMapOvr>
+    <a:masterClrMapping/>
+  </p:clrMapOvr>
+  <p:timing>
+    <p:tnLst>
+      <p:par>
+        <p:cTn id="1" dur="indefinite" restart="never" nodeType="tmRoot"/>
+      </p:par>
+    </p:tnLst>
+  </p:timing>
+</p:sld>
+</file>
+
+<file path=ppt/slides/slide3.xml><?xml version="1.0" encoding="utf-8"?>
+<p:sld xmlns:a="http://schemas.openxmlformats.org/drawingml/2006/main" xmlns:r="http://schemas.openxmlformats.org/officeDocument/2006/relationships" xmlns:p="http://schemas.openxmlformats.org/presentationml/2006/main">
+  <p:cSld>
+    <p:spTree>
+      <p:nvGrpSpPr>
+        <p:cNvPr id="1" name=""/>
+        <p:cNvGrpSpPr/>
+        <p:nvPr/>
+      </p:nvGrpSpPr>
+      <p:grpSpPr>
+        <a:xfrm>
+          <a:off x="0" y="0"/>
+          <a:ext cx="0" cy="0"/>
+          <a:chOff x="0" y="0"/>
+          <a:chExt cx="0" cy="0"/>
+        </a:xfrm>
+      </p:grpSpPr>
+      <p:sp>
+        <p:nvSpPr>
           <p:cNvPr id="4" name="모서리가 둥근 직사각형 3"/>
           <p:cNvSpPr/>
           <p:nvPr/>
@@ -5686,7 +7767,7 @@
 </p:sld>
 </file>
 
-<file path=ppt/slides/slide3.xml><?xml version="1.0" encoding="utf-8"?>
+<file path=ppt/slides/slide4.xml><?xml version="1.0" encoding="utf-8"?>
 <p:sld xmlns:a="http://schemas.openxmlformats.org/drawingml/2006/main" xmlns:r="http://schemas.openxmlformats.org/officeDocument/2006/relationships" xmlns:p="http://schemas.openxmlformats.org/presentationml/2006/main">
   <p:cSld>
     <p:spTree>
@@ -5988,7 +8069,7 @@
 </p:sld>
 </file>
 
-<file path=ppt/slides/slide4.xml><?xml version="1.0" encoding="utf-8"?>
+<file path=ppt/slides/slide5.xml><?xml version="1.0" encoding="utf-8"?>
 <p:sld xmlns:a="http://schemas.openxmlformats.org/drawingml/2006/main" xmlns:r="http://schemas.openxmlformats.org/officeDocument/2006/relationships" xmlns:p="http://schemas.openxmlformats.org/presentationml/2006/main">
   <p:cSld>
     <p:spTree>
@@ -6074,7 +8155,7 @@
 </p:sld>
 </file>
 
-<file path=ppt/slides/slide5.xml><?xml version="1.0" encoding="utf-8"?>
+<file path=ppt/slides/slide6.xml><?xml version="1.0" encoding="utf-8"?>
 <p:sld xmlns:a="http://schemas.openxmlformats.org/drawingml/2006/main" xmlns:r="http://schemas.openxmlformats.org/officeDocument/2006/relationships" xmlns:p="http://schemas.openxmlformats.org/presentationml/2006/main">
   <p:cSld>
     <p:spTree>
@@ -7427,7 +9508,7 @@
 </p:sld>
 </file>
 
-<file path=ppt/slides/slide6.xml><?xml version="1.0" encoding="utf-8"?>
+<file path=ppt/slides/slide7.xml><?xml version="1.0" encoding="utf-8"?>
 <p:sld xmlns:a="http://schemas.openxmlformats.org/drawingml/2006/main" xmlns:r="http://schemas.openxmlformats.org/officeDocument/2006/relationships" xmlns:p="http://schemas.openxmlformats.org/presentationml/2006/main">
   <p:cSld>
     <p:spTree>
@@ -9038,7 +11119,7 @@
 </p:sld>
 </file>
 
-<file path=ppt/slides/slide7.xml><?xml version="1.0" encoding="utf-8"?>
+<file path=ppt/slides/slide8.xml><?xml version="1.0" encoding="utf-8"?>
 <p:sld xmlns:a="http://schemas.openxmlformats.org/drawingml/2006/main" xmlns:r="http://schemas.openxmlformats.org/officeDocument/2006/relationships" xmlns:p="http://schemas.openxmlformats.org/presentationml/2006/main">
   <p:cSld>
     <p:spTree>
@@ -9358,7 +11439,7 @@
 </p:sld>
 </file>
 
-<file path=ppt/slides/slide8.xml><?xml version="1.0" encoding="utf-8"?>
+<file path=ppt/slides/slide9.xml><?xml version="1.0" encoding="utf-8"?>
 <p:sld xmlns:a="http://schemas.openxmlformats.org/drawingml/2006/main" xmlns:r="http://schemas.openxmlformats.org/officeDocument/2006/relationships" xmlns:p="http://schemas.openxmlformats.org/presentationml/2006/main">
   <p:cSld>
     <p:spTree>
@@ -9516,1820 +11597,6 @@
     <p:extLst>
       <p:ext uri="{BB962C8B-B14F-4D97-AF65-F5344CB8AC3E}">
         <p14:creationId xmlns:p14="http://schemas.microsoft.com/office/powerpoint/2010/main" val="560180755"/>
-      </p:ext>
-    </p:extLst>
-  </p:cSld>
-  <p:clrMapOvr>
-    <a:masterClrMapping/>
-  </p:clrMapOvr>
-  <p:timing>
-    <p:tnLst>
-      <p:par>
-        <p:cTn id="1" dur="indefinite" restart="never" nodeType="tmRoot"/>
-      </p:par>
-    </p:tnLst>
-  </p:timing>
-</p:sld>
-</file>
-
-<file path=ppt/slides/slide9.xml><?xml version="1.0" encoding="utf-8"?>
-<p:sld xmlns:a="http://schemas.openxmlformats.org/drawingml/2006/main" xmlns:r="http://schemas.openxmlformats.org/officeDocument/2006/relationships" xmlns:p="http://schemas.openxmlformats.org/presentationml/2006/main">
-  <p:cSld>
-    <p:spTree>
-      <p:nvGrpSpPr>
-        <p:cNvPr id="1" name=""/>
-        <p:cNvGrpSpPr/>
-        <p:nvPr/>
-      </p:nvGrpSpPr>
-      <p:grpSpPr>
-        <a:xfrm>
-          <a:off x="0" y="0"/>
-          <a:ext cx="0" cy="0"/>
-          <a:chOff x="0" y="0"/>
-          <a:chExt cx="0" cy="0"/>
-        </a:xfrm>
-      </p:grpSpPr>
-      <p:sp>
-        <p:nvSpPr>
-          <p:cNvPr id="2" name="직각 삼각형 1"/>
-          <p:cNvSpPr/>
-          <p:nvPr/>
-        </p:nvSpPr>
-        <p:spPr>
-          <a:xfrm flipH="1">
-            <a:off x="4758983" y="2718454"/>
-            <a:ext cx="2193398" cy="1221235"/>
-          </a:xfrm>
-          <a:prstGeom prst="rtTriangle">
-            <a:avLst/>
-          </a:prstGeom>
-          <a:noFill/>
-          <a:ln w="38100">
-            <a:solidFill>
-              <a:schemeClr val="tx1"/>
-            </a:solidFill>
-          </a:ln>
-        </p:spPr>
-        <p:style>
-          <a:lnRef idx="2">
-            <a:schemeClr val="accent1">
-              <a:shade val="50000"/>
-            </a:schemeClr>
-          </a:lnRef>
-          <a:fillRef idx="1">
-            <a:schemeClr val="accent1"/>
-          </a:fillRef>
-          <a:effectRef idx="0">
-            <a:schemeClr val="accent1"/>
-          </a:effectRef>
-          <a:fontRef idx="minor">
-            <a:schemeClr val="lt1"/>
-          </a:fontRef>
-        </p:style>
-        <p:txBody>
-          <a:bodyPr rtlCol="0" anchor="ctr"/>
-          <a:lstStyle/>
-          <a:p>
-            <a:pPr algn="ctr"/>
-            <a:endParaRPr lang="ko-KR" altLang="en-US"/>
-          </a:p>
-        </p:txBody>
-      </p:sp>
-      <p:pic>
-        <p:nvPicPr>
-          <p:cNvPr id="3" name="그림 2"/>
-          <p:cNvPicPr>
-            <a:picLocks noChangeAspect="1"/>
-          </p:cNvPicPr>
-          <p:nvPr/>
-        </p:nvPicPr>
-        <p:blipFill rotWithShape="1">
-          <a:blip r:embed="rId2">
-            <a:extLst>
-              <a:ext uri="{28A0092B-C50C-407E-A947-70E740481C1C}">
-                <a14:useLocalDpi xmlns:a14="http://schemas.microsoft.com/office/drawing/2010/main" val="0"/>
-              </a:ext>
-            </a:extLst>
-          </a:blip>
-          <a:srcRect l="29288" t="17149" r="33060" b="11694"/>
-          <a:stretch/>
-        </p:blipFill>
-        <p:spPr>
-          <a:xfrm>
-            <a:off x="10438738" y="2767061"/>
-            <a:ext cx="316782" cy="3125981"/>
-          </a:xfrm>
-          <a:prstGeom prst="rect">
-            <a:avLst/>
-          </a:prstGeom>
-          <a:noFill/>
-          <a:effectLst/>
-        </p:spPr>
-      </p:pic>
-      <p:grpSp>
-        <p:nvGrpSpPr>
-          <p:cNvPr id="10" name="그룹 9"/>
-          <p:cNvGrpSpPr/>
-          <p:nvPr/>
-        </p:nvGrpSpPr>
-        <p:grpSpPr>
-          <a:xfrm>
-            <a:off x="621600" y="3058352"/>
-            <a:ext cx="1895475" cy="324208"/>
-            <a:chOff x="1400175" y="3367318"/>
-            <a:chExt cx="1895475" cy="324208"/>
-          </a:xfrm>
-        </p:grpSpPr>
-        <p:cxnSp>
-          <p:nvCxnSpPr>
-            <p:cNvPr id="7" name="직선 화살표 연결선 6"/>
-            <p:cNvCxnSpPr/>
-            <p:nvPr/>
-          </p:nvCxnSpPr>
-          <p:spPr>
-            <a:xfrm>
-              <a:off x="1428750" y="3533775"/>
-              <a:ext cx="1866900" cy="0"/>
-            </a:xfrm>
-            <a:prstGeom prst="straightConnector1">
-              <a:avLst/>
-            </a:prstGeom>
-            <a:ln w="76200">
-              <a:solidFill>
-                <a:schemeClr val="tx1">
-                  <a:alpha val="50000"/>
-                </a:schemeClr>
-              </a:solidFill>
-              <a:tailEnd type="triangle"/>
-            </a:ln>
-          </p:spPr>
-          <p:style>
-            <a:lnRef idx="1">
-              <a:schemeClr val="accent1"/>
-            </a:lnRef>
-            <a:fillRef idx="0">
-              <a:schemeClr val="accent1"/>
-            </a:fillRef>
-            <a:effectRef idx="0">
-              <a:schemeClr val="accent1"/>
-            </a:effectRef>
-            <a:fontRef idx="minor">
-              <a:schemeClr val="tx1"/>
-            </a:fontRef>
-          </p:style>
-        </p:cxnSp>
-        <p:sp>
-          <p:nvSpPr>
-            <p:cNvPr id="8" name="평행 사변형 7"/>
-            <p:cNvSpPr/>
-            <p:nvPr/>
-          </p:nvSpPr>
-          <p:spPr>
-            <a:xfrm flipH="1">
-              <a:off x="1400175" y="3367318"/>
-              <a:ext cx="342900" cy="117982"/>
-            </a:xfrm>
-            <a:prstGeom prst="parallelogram">
-              <a:avLst/>
-            </a:prstGeom>
-            <a:blipFill dpi="0" rotWithShape="1">
-              <a:blip r:embed="rId3">
-                <a:alphaModFix amt="50000"/>
-              </a:blip>
-              <a:srcRect/>
-              <a:tile tx="0" ty="0" sx="100000" sy="100000" flip="none" algn="tl"/>
-            </a:blipFill>
-            <a:ln>
-              <a:noFill/>
-            </a:ln>
-          </p:spPr>
-          <p:style>
-            <a:lnRef idx="2">
-              <a:schemeClr val="accent1">
-                <a:shade val="50000"/>
-              </a:schemeClr>
-            </a:lnRef>
-            <a:fillRef idx="1">
-              <a:schemeClr val="accent1"/>
-            </a:fillRef>
-            <a:effectRef idx="0">
-              <a:schemeClr val="accent1"/>
-            </a:effectRef>
-            <a:fontRef idx="minor">
-              <a:schemeClr val="lt1"/>
-            </a:fontRef>
-          </p:style>
-          <p:txBody>
-            <a:bodyPr rtlCol="0" anchor="ctr"/>
-            <a:lstStyle/>
-            <a:p>
-              <a:pPr algn="ctr"/>
-              <a:endParaRPr lang="ko-KR" altLang="en-US"/>
-            </a:p>
-          </p:txBody>
-        </p:sp>
-        <p:sp>
-          <p:nvSpPr>
-            <p:cNvPr id="9" name="평행 사변형 8"/>
-            <p:cNvSpPr/>
-            <p:nvPr/>
-          </p:nvSpPr>
-          <p:spPr>
-            <a:xfrm flipH="1" flipV="1">
-              <a:off x="1400175" y="3572726"/>
-              <a:ext cx="342900" cy="118800"/>
-            </a:xfrm>
-            <a:prstGeom prst="parallelogram">
-              <a:avLst/>
-            </a:prstGeom>
-            <a:blipFill dpi="0" rotWithShape="1">
-              <a:blip r:embed="rId3">
-                <a:alphaModFix amt="50000"/>
-              </a:blip>
-              <a:srcRect/>
-              <a:tile tx="0" ty="0" sx="100000" sy="100000" flip="none" algn="tl"/>
-            </a:blipFill>
-            <a:ln>
-              <a:noFill/>
-            </a:ln>
-          </p:spPr>
-          <p:style>
-            <a:lnRef idx="2">
-              <a:schemeClr val="accent1">
-                <a:shade val="50000"/>
-              </a:schemeClr>
-            </a:lnRef>
-            <a:fillRef idx="1">
-              <a:schemeClr val="accent1"/>
-            </a:fillRef>
-            <a:effectRef idx="0">
-              <a:schemeClr val="accent1"/>
-            </a:effectRef>
-            <a:fontRef idx="minor">
-              <a:schemeClr val="lt1"/>
-            </a:fontRef>
-          </p:style>
-          <p:txBody>
-            <a:bodyPr rtlCol="0" anchor="ctr"/>
-            <a:lstStyle/>
-            <a:p>
-              <a:pPr algn="ctr"/>
-              <a:endParaRPr lang="ko-KR" altLang="en-US"/>
-            </a:p>
-          </p:txBody>
-        </p:sp>
-      </p:grpSp>
-      <p:grpSp>
-        <p:nvGrpSpPr>
-          <p:cNvPr id="27" name="그룹 26"/>
-          <p:cNvGrpSpPr/>
-          <p:nvPr/>
-        </p:nvGrpSpPr>
-        <p:grpSpPr>
-          <a:xfrm>
-            <a:off x="508185" y="2276264"/>
-            <a:ext cx="1895475" cy="324208"/>
-            <a:chOff x="761132" y="4163595"/>
-            <a:chExt cx="1895475" cy="324208"/>
-          </a:xfrm>
-        </p:grpSpPr>
-        <p:cxnSp>
-          <p:nvCxnSpPr>
-            <p:cNvPr id="12" name="직선 화살표 연결선 11"/>
-            <p:cNvCxnSpPr/>
-            <p:nvPr/>
-          </p:nvCxnSpPr>
-          <p:spPr>
-            <a:xfrm>
-              <a:off x="789707" y="4330052"/>
-              <a:ext cx="1866900" cy="0"/>
-            </a:xfrm>
-            <a:prstGeom prst="straightConnector1">
-              <a:avLst/>
-            </a:prstGeom>
-            <a:ln w="76200">
-              <a:solidFill>
-                <a:schemeClr val="tx1"/>
-              </a:solidFill>
-              <a:tailEnd type="triangle"/>
-            </a:ln>
-          </p:spPr>
-          <p:style>
-            <a:lnRef idx="1">
-              <a:schemeClr val="accent1"/>
-            </a:lnRef>
-            <a:fillRef idx="0">
-              <a:schemeClr val="accent1"/>
-            </a:fillRef>
-            <a:effectRef idx="0">
-              <a:schemeClr val="accent1"/>
-            </a:effectRef>
-            <a:fontRef idx="minor">
-              <a:schemeClr val="tx1"/>
-            </a:fontRef>
-          </p:style>
-        </p:cxnSp>
-        <p:sp>
-          <p:nvSpPr>
-            <p:cNvPr id="13" name="평행 사변형 12"/>
-            <p:cNvSpPr/>
-            <p:nvPr/>
-          </p:nvSpPr>
-          <p:spPr>
-            <a:xfrm flipH="1">
-              <a:off x="761132" y="4163595"/>
-              <a:ext cx="342900" cy="117982"/>
-            </a:xfrm>
-            <a:prstGeom prst="parallelogram">
-              <a:avLst/>
-            </a:prstGeom>
-            <a:blipFill dpi="0" rotWithShape="1">
-              <a:blip r:embed="rId3"/>
-              <a:srcRect/>
-              <a:tile tx="0" ty="0" sx="100000" sy="100000" flip="none" algn="tl"/>
-            </a:blipFill>
-            <a:ln>
-              <a:noFill/>
-            </a:ln>
-          </p:spPr>
-          <p:style>
-            <a:lnRef idx="2">
-              <a:schemeClr val="accent1">
-                <a:shade val="50000"/>
-              </a:schemeClr>
-            </a:lnRef>
-            <a:fillRef idx="1">
-              <a:schemeClr val="accent1"/>
-            </a:fillRef>
-            <a:effectRef idx="0">
-              <a:schemeClr val="accent1"/>
-            </a:effectRef>
-            <a:fontRef idx="minor">
-              <a:schemeClr val="lt1"/>
-            </a:fontRef>
-          </p:style>
-          <p:txBody>
-            <a:bodyPr rtlCol="0" anchor="ctr"/>
-            <a:lstStyle/>
-            <a:p>
-              <a:pPr algn="ctr"/>
-              <a:endParaRPr lang="ko-KR" altLang="en-US"/>
-            </a:p>
-          </p:txBody>
-        </p:sp>
-        <p:sp>
-          <p:nvSpPr>
-            <p:cNvPr id="14" name="평행 사변형 13"/>
-            <p:cNvSpPr/>
-            <p:nvPr/>
-          </p:nvSpPr>
-          <p:spPr>
-            <a:xfrm flipH="1" flipV="1">
-              <a:off x="761132" y="4369003"/>
-              <a:ext cx="342900" cy="118800"/>
-            </a:xfrm>
-            <a:prstGeom prst="parallelogram">
-              <a:avLst/>
-            </a:prstGeom>
-            <a:blipFill dpi="0" rotWithShape="1">
-              <a:blip r:embed="rId3"/>
-              <a:srcRect/>
-              <a:tile tx="0" ty="0" sx="100000" sy="100000" flip="none" algn="tl"/>
-            </a:blipFill>
-            <a:ln>
-              <a:noFill/>
-            </a:ln>
-          </p:spPr>
-          <p:style>
-            <a:lnRef idx="2">
-              <a:schemeClr val="accent1">
-                <a:shade val="50000"/>
-              </a:schemeClr>
-            </a:lnRef>
-            <a:fillRef idx="1">
-              <a:schemeClr val="accent1"/>
-            </a:fillRef>
-            <a:effectRef idx="0">
-              <a:schemeClr val="accent1"/>
-            </a:effectRef>
-            <a:fontRef idx="minor">
-              <a:schemeClr val="lt1"/>
-            </a:fontRef>
-          </p:style>
-          <p:txBody>
-            <a:bodyPr rtlCol="0" anchor="ctr"/>
-            <a:lstStyle/>
-            <a:p>
-              <a:pPr algn="ctr"/>
-              <a:endParaRPr lang="ko-KR" altLang="en-US"/>
-            </a:p>
-          </p:txBody>
-        </p:sp>
-      </p:grpSp>
-      <p:sp>
-        <p:nvSpPr>
-          <p:cNvPr id="15" name="달 14"/>
-          <p:cNvSpPr/>
-          <p:nvPr/>
-        </p:nvSpPr>
-        <p:spPr>
-          <a:xfrm flipH="1">
-            <a:off x="6952378" y="2600472"/>
-            <a:ext cx="753346" cy="2676378"/>
-          </a:xfrm>
-          <a:prstGeom prst="moon">
-            <a:avLst>
-              <a:gd name="adj" fmla="val 10465"/>
-            </a:avLst>
-          </a:prstGeom>
-        </p:spPr>
-        <p:style>
-          <a:lnRef idx="2">
-            <a:schemeClr val="dk1">
-              <a:shade val="50000"/>
-            </a:schemeClr>
-          </a:lnRef>
-          <a:fillRef idx="1">
-            <a:schemeClr val="dk1"/>
-          </a:fillRef>
-          <a:effectRef idx="0">
-            <a:schemeClr val="dk1"/>
-          </a:effectRef>
-          <a:fontRef idx="minor">
-            <a:schemeClr val="lt1"/>
-          </a:fontRef>
-        </p:style>
-        <p:txBody>
-          <a:bodyPr rtlCol="0" anchor="ctr"/>
-          <a:lstStyle/>
-          <a:p>
-            <a:pPr algn="ctr"/>
-            <a:endParaRPr lang="ko-KR" altLang="en-US"/>
-          </a:p>
-        </p:txBody>
-      </p:sp>
-      <p:sp>
-        <p:nvSpPr>
-          <p:cNvPr id="16" name="달 15"/>
-          <p:cNvSpPr/>
-          <p:nvPr/>
-        </p:nvSpPr>
-        <p:spPr>
-          <a:xfrm flipH="1">
-            <a:off x="7705724" y="3382560"/>
-            <a:ext cx="753346" cy="2676378"/>
-          </a:xfrm>
-          <a:prstGeom prst="moon">
-            <a:avLst>
-              <a:gd name="adj" fmla="val 10465"/>
-            </a:avLst>
-          </a:prstGeom>
-          <a:solidFill>
-            <a:schemeClr val="dk1">
-              <a:alpha val="50000"/>
-            </a:schemeClr>
-          </a:solidFill>
-          <a:ln>
-            <a:noFill/>
-          </a:ln>
-        </p:spPr>
-        <p:style>
-          <a:lnRef idx="2">
-            <a:schemeClr val="dk1">
-              <a:shade val="50000"/>
-            </a:schemeClr>
-          </a:lnRef>
-          <a:fillRef idx="1">
-            <a:schemeClr val="dk1"/>
-          </a:fillRef>
-          <a:effectRef idx="0">
-            <a:schemeClr val="dk1"/>
-          </a:effectRef>
-          <a:fontRef idx="minor">
-            <a:schemeClr val="lt1"/>
-          </a:fontRef>
-        </p:style>
-        <p:txBody>
-          <a:bodyPr rtlCol="0" anchor="ctr"/>
-          <a:lstStyle/>
-          <a:p>
-            <a:pPr algn="ctr"/>
-            <a:endParaRPr lang="ko-KR" altLang="en-US"/>
-          </a:p>
-        </p:txBody>
-      </p:sp>
-      <p:grpSp>
-        <p:nvGrpSpPr>
-          <p:cNvPr id="19" name="그룹 18"/>
-          <p:cNvGrpSpPr/>
-          <p:nvPr/>
-        </p:nvGrpSpPr>
-        <p:grpSpPr>
-          <a:xfrm rot="19828605">
-            <a:off x="3677877" y="2662285"/>
-            <a:ext cx="1709822" cy="209550"/>
-            <a:chOff x="1343025" y="1042987"/>
-            <a:chExt cx="1709822" cy="209550"/>
-          </a:xfrm>
-        </p:grpSpPr>
-        <p:sp>
-          <p:nvSpPr>
-            <p:cNvPr id="17" name="직사각형 16"/>
-            <p:cNvSpPr/>
-            <p:nvPr/>
-          </p:nvSpPr>
-          <p:spPr>
-            <a:xfrm>
-              <a:off x="1343025" y="1123950"/>
-              <a:ext cx="1400175" cy="47625"/>
-            </a:xfrm>
-            <a:prstGeom prst="rect">
-              <a:avLst/>
-            </a:prstGeom>
-            <a:solidFill>
-              <a:schemeClr val="tx1"/>
-            </a:solidFill>
-            <a:ln>
-              <a:solidFill>
-                <a:schemeClr val="tx1"/>
-              </a:solidFill>
-            </a:ln>
-          </p:spPr>
-          <p:style>
-            <a:lnRef idx="2">
-              <a:schemeClr val="accent1">
-                <a:shade val="50000"/>
-              </a:schemeClr>
-            </a:lnRef>
-            <a:fillRef idx="1">
-              <a:schemeClr val="accent1"/>
-            </a:fillRef>
-            <a:effectRef idx="0">
-              <a:schemeClr val="accent1"/>
-            </a:effectRef>
-            <a:fontRef idx="minor">
-              <a:schemeClr val="lt1"/>
-            </a:fontRef>
-          </p:style>
-          <p:txBody>
-            <a:bodyPr rtlCol="0" anchor="ctr"/>
-            <a:lstStyle/>
-            <a:p>
-              <a:pPr algn="ctr"/>
-              <a:endParaRPr lang="ko-KR" altLang="en-US"/>
-            </a:p>
-          </p:txBody>
-        </p:sp>
-        <p:sp>
-          <p:nvSpPr>
-            <p:cNvPr id="18" name="다이아몬드 17"/>
-            <p:cNvSpPr/>
-            <p:nvPr/>
-          </p:nvSpPr>
-          <p:spPr>
-            <a:xfrm>
-              <a:off x="2671847" y="1042987"/>
-              <a:ext cx="381000" cy="209550"/>
-            </a:xfrm>
-            <a:prstGeom prst="diamond">
-              <a:avLst/>
-            </a:prstGeom>
-            <a:solidFill>
-              <a:schemeClr val="tx1"/>
-            </a:solidFill>
-            <a:ln>
-              <a:solidFill>
-                <a:schemeClr val="tx1"/>
-              </a:solidFill>
-            </a:ln>
-          </p:spPr>
-          <p:style>
-            <a:lnRef idx="2">
-              <a:schemeClr val="accent1">
-                <a:shade val="50000"/>
-              </a:schemeClr>
-            </a:lnRef>
-            <a:fillRef idx="1">
-              <a:schemeClr val="accent1"/>
-            </a:fillRef>
-            <a:effectRef idx="0">
-              <a:schemeClr val="accent1"/>
-            </a:effectRef>
-            <a:fontRef idx="minor">
-              <a:schemeClr val="lt1"/>
-            </a:fontRef>
-          </p:style>
-          <p:txBody>
-            <a:bodyPr rtlCol="0" anchor="ctr"/>
-            <a:lstStyle/>
-            <a:p>
-              <a:pPr algn="ctr"/>
-              <a:endParaRPr lang="ko-KR" altLang="en-US"/>
-            </a:p>
-          </p:txBody>
-        </p:sp>
-      </p:grpSp>
-      <p:grpSp>
-        <p:nvGrpSpPr>
-          <p:cNvPr id="23" name="그룹 22"/>
-          <p:cNvGrpSpPr/>
-          <p:nvPr/>
-        </p:nvGrpSpPr>
-        <p:grpSpPr>
-          <a:xfrm rot="19875096">
-            <a:off x="3342697" y="2291254"/>
-            <a:ext cx="1732682" cy="209550"/>
-            <a:chOff x="1504950" y="1433799"/>
-            <a:chExt cx="1732682" cy="209550"/>
-          </a:xfrm>
-        </p:grpSpPr>
-        <p:sp>
-          <p:nvSpPr>
-            <p:cNvPr id="21" name="직사각형 20"/>
-            <p:cNvSpPr/>
-            <p:nvPr/>
-          </p:nvSpPr>
-          <p:spPr>
-            <a:xfrm>
-              <a:off x="1504950" y="1512380"/>
-              <a:ext cx="1400175" cy="47625"/>
-            </a:xfrm>
-            <a:prstGeom prst="rect">
-              <a:avLst/>
-            </a:prstGeom>
-            <a:solidFill>
-              <a:schemeClr val="tx1">
-                <a:alpha val="50000"/>
-              </a:schemeClr>
-            </a:solidFill>
-            <a:ln>
-              <a:noFill/>
-            </a:ln>
-          </p:spPr>
-          <p:style>
-            <a:lnRef idx="2">
-              <a:schemeClr val="accent1">
-                <a:shade val="50000"/>
-              </a:schemeClr>
-            </a:lnRef>
-            <a:fillRef idx="1">
-              <a:schemeClr val="accent1"/>
-            </a:fillRef>
-            <a:effectRef idx="0">
-              <a:schemeClr val="accent1"/>
-            </a:effectRef>
-            <a:fontRef idx="minor">
-              <a:schemeClr val="lt1"/>
-            </a:fontRef>
-          </p:style>
-          <p:txBody>
-            <a:bodyPr rtlCol="0" anchor="ctr"/>
-            <a:lstStyle/>
-            <a:p>
-              <a:pPr algn="ctr"/>
-              <a:endParaRPr lang="ko-KR" altLang="en-US"/>
-            </a:p>
-          </p:txBody>
-        </p:sp>
-        <p:sp>
-          <p:nvSpPr>
-            <p:cNvPr id="22" name="다이아몬드 21"/>
-            <p:cNvSpPr/>
-            <p:nvPr/>
-          </p:nvSpPr>
-          <p:spPr>
-            <a:xfrm>
-              <a:off x="2856632" y="1433799"/>
-              <a:ext cx="381000" cy="209550"/>
-            </a:xfrm>
-            <a:prstGeom prst="diamond">
-              <a:avLst/>
-            </a:prstGeom>
-            <a:solidFill>
-              <a:schemeClr val="tx1">
-                <a:alpha val="50000"/>
-              </a:schemeClr>
-            </a:solidFill>
-            <a:ln>
-              <a:noFill/>
-            </a:ln>
-          </p:spPr>
-          <p:style>
-            <a:lnRef idx="2">
-              <a:schemeClr val="accent1">
-                <a:shade val="50000"/>
-              </a:schemeClr>
-            </a:lnRef>
-            <a:fillRef idx="1">
-              <a:schemeClr val="accent1"/>
-            </a:fillRef>
-            <a:effectRef idx="0">
-              <a:schemeClr val="accent1"/>
-            </a:effectRef>
-            <a:fontRef idx="minor">
-              <a:schemeClr val="lt1"/>
-            </a:fontRef>
-          </p:style>
-          <p:txBody>
-            <a:bodyPr rtlCol="0" anchor="ctr"/>
-            <a:lstStyle/>
-            <a:p>
-              <a:pPr algn="ctr"/>
-              <a:endParaRPr lang="ko-KR" altLang="en-US"/>
-            </a:p>
-          </p:txBody>
-        </p:sp>
-      </p:grpSp>
-      <p:sp>
-        <p:nvSpPr>
-          <p:cNvPr id="25" name="자유형 24"/>
-          <p:cNvSpPr/>
-          <p:nvPr/>
-        </p:nvSpPr>
-        <p:spPr>
-          <a:xfrm>
-            <a:off x="7649550" y="256110"/>
-            <a:ext cx="573033" cy="3067050"/>
-          </a:xfrm>
-          <a:custGeom>
-            <a:avLst/>
-            <a:gdLst>
-              <a:gd name="connsiteX0" fmla="*/ 0 w 285750"/>
-              <a:gd name="connsiteY0" fmla="*/ 0 h 3067050"/>
-              <a:gd name="connsiteX1" fmla="*/ 28575 w 285750"/>
-              <a:gd name="connsiteY1" fmla="*/ 2105025 h 3067050"/>
-              <a:gd name="connsiteX2" fmla="*/ 171450 w 285750"/>
-              <a:gd name="connsiteY2" fmla="*/ 3067050 h 3067050"/>
-              <a:gd name="connsiteX3" fmla="*/ 285750 w 285750"/>
-              <a:gd name="connsiteY3" fmla="*/ 2457450 h 3067050"/>
-              <a:gd name="connsiteX4" fmla="*/ 285750 w 285750"/>
-              <a:gd name="connsiteY4" fmla="*/ 285750 h 3067050"/>
-              <a:gd name="connsiteX5" fmla="*/ 161925 w 285750"/>
-              <a:gd name="connsiteY5" fmla="*/ 542925 h 3067050"/>
-              <a:gd name="connsiteX6" fmla="*/ 0 w 285750"/>
-              <a:gd name="connsiteY6" fmla="*/ 0 h 3067050"/>
-            </a:gdLst>
-            <a:ahLst/>
-            <a:cxnLst>
-              <a:cxn ang="0">
-                <a:pos x="connsiteX0" y="connsiteY0"/>
-              </a:cxn>
-              <a:cxn ang="0">
-                <a:pos x="connsiteX1" y="connsiteY1"/>
-              </a:cxn>
-              <a:cxn ang="0">
-                <a:pos x="connsiteX2" y="connsiteY2"/>
-              </a:cxn>
-              <a:cxn ang="0">
-                <a:pos x="connsiteX3" y="connsiteY3"/>
-              </a:cxn>
-              <a:cxn ang="0">
-                <a:pos x="connsiteX4" y="connsiteY4"/>
-              </a:cxn>
-              <a:cxn ang="0">
-                <a:pos x="connsiteX5" y="connsiteY5"/>
-              </a:cxn>
-              <a:cxn ang="0">
-                <a:pos x="connsiteX6" y="connsiteY6"/>
-              </a:cxn>
-            </a:cxnLst>
-            <a:rect l="l" t="t" r="r" b="b"/>
-            <a:pathLst>
-              <a:path w="285750" h="3067050">
-                <a:moveTo>
-                  <a:pt x="0" y="0"/>
-                </a:moveTo>
-                <a:lnTo>
-                  <a:pt x="28575" y="2105025"/>
-                </a:lnTo>
-                <a:lnTo>
-                  <a:pt x="171450" y="3067050"/>
-                </a:lnTo>
-                <a:lnTo>
-                  <a:pt x="285750" y="2457450"/>
-                </a:lnTo>
-                <a:lnTo>
-                  <a:pt x="285750" y="285750"/>
-                </a:lnTo>
-                <a:lnTo>
-                  <a:pt x="161925" y="542925"/>
-                </a:lnTo>
-                <a:lnTo>
-                  <a:pt x="0" y="0"/>
-                </a:lnTo>
-                <a:close/>
-              </a:path>
-            </a:pathLst>
-          </a:custGeom>
-          <a:solidFill>
-            <a:schemeClr val="tx1"/>
-          </a:solidFill>
-          <a:ln>
-            <a:solidFill>
-              <a:schemeClr val="tx1"/>
-            </a:solidFill>
-          </a:ln>
-        </p:spPr>
-        <p:style>
-          <a:lnRef idx="2">
-            <a:schemeClr val="accent1">
-              <a:shade val="50000"/>
-            </a:schemeClr>
-          </a:lnRef>
-          <a:fillRef idx="1">
-            <a:schemeClr val="accent1"/>
-          </a:fillRef>
-          <a:effectRef idx="0">
-            <a:schemeClr val="accent1"/>
-          </a:effectRef>
-          <a:fontRef idx="minor">
-            <a:schemeClr val="lt1"/>
-          </a:fontRef>
-        </p:style>
-        <p:txBody>
-          <a:bodyPr rtlCol="0" anchor="ctr"/>
-          <a:lstStyle/>
-          <a:p>
-            <a:pPr algn="ctr"/>
-            <a:endParaRPr lang="ko-KR" altLang="en-US"/>
-          </a:p>
-        </p:txBody>
-      </p:sp>
-      <p:sp>
-        <p:nvSpPr>
-          <p:cNvPr id="26" name="자유형 25"/>
-          <p:cNvSpPr/>
-          <p:nvPr/>
-        </p:nvSpPr>
-        <p:spPr>
-          <a:xfrm>
-            <a:off x="8925900" y="1006072"/>
-            <a:ext cx="573033" cy="3067050"/>
-          </a:xfrm>
-          <a:custGeom>
-            <a:avLst/>
-            <a:gdLst>
-              <a:gd name="connsiteX0" fmla="*/ 0 w 285750"/>
-              <a:gd name="connsiteY0" fmla="*/ 0 h 3067050"/>
-              <a:gd name="connsiteX1" fmla="*/ 28575 w 285750"/>
-              <a:gd name="connsiteY1" fmla="*/ 2105025 h 3067050"/>
-              <a:gd name="connsiteX2" fmla="*/ 171450 w 285750"/>
-              <a:gd name="connsiteY2" fmla="*/ 3067050 h 3067050"/>
-              <a:gd name="connsiteX3" fmla="*/ 285750 w 285750"/>
-              <a:gd name="connsiteY3" fmla="*/ 2457450 h 3067050"/>
-              <a:gd name="connsiteX4" fmla="*/ 285750 w 285750"/>
-              <a:gd name="connsiteY4" fmla="*/ 285750 h 3067050"/>
-              <a:gd name="connsiteX5" fmla="*/ 161925 w 285750"/>
-              <a:gd name="connsiteY5" fmla="*/ 542925 h 3067050"/>
-              <a:gd name="connsiteX6" fmla="*/ 0 w 285750"/>
-              <a:gd name="connsiteY6" fmla="*/ 0 h 3067050"/>
-            </a:gdLst>
-            <a:ahLst/>
-            <a:cxnLst>
-              <a:cxn ang="0">
-                <a:pos x="connsiteX0" y="connsiteY0"/>
-              </a:cxn>
-              <a:cxn ang="0">
-                <a:pos x="connsiteX1" y="connsiteY1"/>
-              </a:cxn>
-              <a:cxn ang="0">
-                <a:pos x="connsiteX2" y="connsiteY2"/>
-              </a:cxn>
-              <a:cxn ang="0">
-                <a:pos x="connsiteX3" y="connsiteY3"/>
-              </a:cxn>
-              <a:cxn ang="0">
-                <a:pos x="connsiteX4" y="connsiteY4"/>
-              </a:cxn>
-              <a:cxn ang="0">
-                <a:pos x="connsiteX5" y="connsiteY5"/>
-              </a:cxn>
-              <a:cxn ang="0">
-                <a:pos x="connsiteX6" y="connsiteY6"/>
-              </a:cxn>
-            </a:cxnLst>
-            <a:rect l="l" t="t" r="r" b="b"/>
-            <a:pathLst>
-              <a:path w="285750" h="3067050">
-                <a:moveTo>
-                  <a:pt x="0" y="0"/>
-                </a:moveTo>
-                <a:lnTo>
-                  <a:pt x="28575" y="2105025"/>
-                </a:lnTo>
-                <a:lnTo>
-                  <a:pt x="171450" y="3067050"/>
-                </a:lnTo>
-                <a:lnTo>
-                  <a:pt x="285750" y="2457450"/>
-                </a:lnTo>
-                <a:lnTo>
-                  <a:pt x="285750" y="285750"/>
-                </a:lnTo>
-                <a:lnTo>
-                  <a:pt x="161925" y="542925"/>
-                </a:lnTo>
-                <a:lnTo>
-                  <a:pt x="0" y="0"/>
-                </a:lnTo>
-                <a:close/>
-              </a:path>
-            </a:pathLst>
-          </a:custGeom>
-          <a:solidFill>
-            <a:schemeClr val="tx1">
-              <a:alpha val="50000"/>
-            </a:schemeClr>
-          </a:solidFill>
-          <a:ln>
-            <a:noFill/>
-          </a:ln>
-        </p:spPr>
-        <p:style>
-          <a:lnRef idx="2">
-            <a:schemeClr val="accent1">
-              <a:shade val="50000"/>
-            </a:schemeClr>
-          </a:lnRef>
-          <a:fillRef idx="1">
-            <a:schemeClr val="accent1"/>
-          </a:fillRef>
-          <a:effectRef idx="0">
-            <a:schemeClr val="accent1"/>
-          </a:effectRef>
-          <a:fontRef idx="minor">
-            <a:schemeClr val="lt1"/>
-          </a:fontRef>
-        </p:style>
-        <p:txBody>
-          <a:bodyPr rtlCol="0" anchor="ctr"/>
-          <a:lstStyle/>
-          <a:p>
-            <a:pPr algn="ctr"/>
-            <a:endParaRPr lang="ko-KR" altLang="en-US"/>
-          </a:p>
-        </p:txBody>
-      </p:sp>
-      <p:sp>
-        <p:nvSpPr>
-          <p:cNvPr id="28" name="달 27"/>
-          <p:cNvSpPr/>
-          <p:nvPr/>
-        </p:nvSpPr>
-        <p:spPr>
-          <a:xfrm rot="5400000" flipH="1">
-            <a:off x="6351073" y="2160073"/>
-            <a:ext cx="1107525" cy="4478328"/>
-          </a:xfrm>
-          <a:prstGeom prst="moon">
-            <a:avLst>
-              <a:gd name="adj" fmla="val 10465"/>
-            </a:avLst>
-          </a:prstGeom>
-        </p:spPr>
-        <p:style>
-          <a:lnRef idx="2">
-            <a:schemeClr val="dk1">
-              <a:shade val="50000"/>
-            </a:schemeClr>
-          </a:lnRef>
-          <a:fillRef idx="1">
-            <a:schemeClr val="dk1"/>
-          </a:fillRef>
-          <a:effectRef idx="0">
-            <a:schemeClr val="dk1"/>
-          </a:effectRef>
-          <a:fontRef idx="minor">
-            <a:schemeClr val="lt1"/>
-          </a:fontRef>
-        </p:style>
-        <p:txBody>
-          <a:bodyPr rtlCol="0" anchor="ctr"/>
-          <a:lstStyle/>
-          <a:p>
-            <a:pPr algn="ctr"/>
-            <a:endParaRPr lang="ko-KR" altLang="en-US"/>
-          </a:p>
-        </p:txBody>
-      </p:sp>
-      <p:sp>
-        <p:nvSpPr>
-          <p:cNvPr id="29" name="자유형 28"/>
-          <p:cNvSpPr/>
-          <p:nvPr/>
-        </p:nvSpPr>
-        <p:spPr>
-          <a:xfrm rot="16200000">
-            <a:off x="6577565" y="1658739"/>
-            <a:ext cx="573033" cy="4559839"/>
-          </a:xfrm>
-          <a:custGeom>
-            <a:avLst/>
-            <a:gdLst>
-              <a:gd name="connsiteX0" fmla="*/ 0 w 285750"/>
-              <a:gd name="connsiteY0" fmla="*/ 0 h 3067050"/>
-              <a:gd name="connsiteX1" fmla="*/ 28575 w 285750"/>
-              <a:gd name="connsiteY1" fmla="*/ 2105025 h 3067050"/>
-              <a:gd name="connsiteX2" fmla="*/ 171450 w 285750"/>
-              <a:gd name="connsiteY2" fmla="*/ 3067050 h 3067050"/>
-              <a:gd name="connsiteX3" fmla="*/ 285750 w 285750"/>
-              <a:gd name="connsiteY3" fmla="*/ 2457450 h 3067050"/>
-              <a:gd name="connsiteX4" fmla="*/ 285750 w 285750"/>
-              <a:gd name="connsiteY4" fmla="*/ 285750 h 3067050"/>
-              <a:gd name="connsiteX5" fmla="*/ 161925 w 285750"/>
-              <a:gd name="connsiteY5" fmla="*/ 542925 h 3067050"/>
-              <a:gd name="connsiteX6" fmla="*/ 0 w 285750"/>
-              <a:gd name="connsiteY6" fmla="*/ 0 h 3067050"/>
-            </a:gdLst>
-            <a:ahLst/>
-            <a:cxnLst>
-              <a:cxn ang="0">
-                <a:pos x="connsiteX0" y="connsiteY0"/>
-              </a:cxn>
-              <a:cxn ang="0">
-                <a:pos x="connsiteX1" y="connsiteY1"/>
-              </a:cxn>
-              <a:cxn ang="0">
-                <a:pos x="connsiteX2" y="connsiteY2"/>
-              </a:cxn>
-              <a:cxn ang="0">
-                <a:pos x="connsiteX3" y="connsiteY3"/>
-              </a:cxn>
-              <a:cxn ang="0">
-                <a:pos x="connsiteX4" y="connsiteY4"/>
-              </a:cxn>
-              <a:cxn ang="0">
-                <a:pos x="connsiteX5" y="connsiteY5"/>
-              </a:cxn>
-              <a:cxn ang="0">
-                <a:pos x="connsiteX6" y="connsiteY6"/>
-              </a:cxn>
-            </a:cxnLst>
-            <a:rect l="l" t="t" r="r" b="b"/>
-            <a:pathLst>
-              <a:path w="285750" h="3067050">
-                <a:moveTo>
-                  <a:pt x="0" y="0"/>
-                </a:moveTo>
-                <a:lnTo>
-                  <a:pt x="28575" y="2105025"/>
-                </a:lnTo>
-                <a:lnTo>
-                  <a:pt x="171450" y="3067050"/>
-                </a:lnTo>
-                <a:lnTo>
-                  <a:pt x="285750" y="2457450"/>
-                </a:lnTo>
-                <a:lnTo>
-                  <a:pt x="285750" y="285750"/>
-                </a:lnTo>
-                <a:lnTo>
-                  <a:pt x="161925" y="542925"/>
-                </a:lnTo>
-                <a:lnTo>
-                  <a:pt x="0" y="0"/>
-                </a:lnTo>
-                <a:close/>
-              </a:path>
-            </a:pathLst>
-          </a:custGeom>
-          <a:solidFill>
-            <a:schemeClr val="tx1"/>
-          </a:solidFill>
-          <a:ln>
-            <a:solidFill>
-              <a:schemeClr val="tx1"/>
-            </a:solidFill>
-          </a:ln>
-        </p:spPr>
-        <p:style>
-          <a:lnRef idx="2">
-            <a:schemeClr val="accent1">
-              <a:shade val="50000"/>
-            </a:schemeClr>
-          </a:lnRef>
-          <a:fillRef idx="1">
-            <a:schemeClr val="accent1"/>
-          </a:fillRef>
-          <a:effectRef idx="0">
-            <a:schemeClr val="accent1"/>
-          </a:effectRef>
-          <a:fontRef idx="minor">
-            <a:schemeClr val="lt1"/>
-          </a:fontRef>
-        </p:style>
-        <p:txBody>
-          <a:bodyPr rtlCol="0" anchor="ctr"/>
-          <a:lstStyle/>
-          <a:p>
-            <a:pPr algn="ctr"/>
-            <a:endParaRPr lang="ko-KR" altLang="en-US"/>
-          </a:p>
-        </p:txBody>
-      </p:sp>
-      <p:grpSp>
-        <p:nvGrpSpPr>
-          <p:cNvPr id="30" name="그룹 29"/>
-          <p:cNvGrpSpPr/>
-          <p:nvPr/>
-        </p:nvGrpSpPr>
-        <p:grpSpPr>
-          <a:xfrm rot="5400000">
-            <a:off x="5924111" y="1266188"/>
-            <a:ext cx="1895475" cy="324208"/>
-            <a:chOff x="761132" y="4163595"/>
-            <a:chExt cx="1895475" cy="324208"/>
-          </a:xfrm>
-        </p:grpSpPr>
-        <p:cxnSp>
-          <p:nvCxnSpPr>
-            <p:cNvPr id="31" name="직선 화살표 연결선 30"/>
-            <p:cNvCxnSpPr/>
-            <p:nvPr/>
-          </p:nvCxnSpPr>
-          <p:spPr>
-            <a:xfrm>
-              <a:off x="789707" y="4330052"/>
-              <a:ext cx="1866900" cy="0"/>
-            </a:xfrm>
-            <a:prstGeom prst="straightConnector1">
-              <a:avLst/>
-            </a:prstGeom>
-            <a:ln w="76200">
-              <a:solidFill>
-                <a:schemeClr val="tx1"/>
-              </a:solidFill>
-              <a:tailEnd type="triangle"/>
-            </a:ln>
-          </p:spPr>
-          <p:style>
-            <a:lnRef idx="1">
-              <a:schemeClr val="accent1"/>
-            </a:lnRef>
-            <a:fillRef idx="0">
-              <a:schemeClr val="accent1"/>
-            </a:fillRef>
-            <a:effectRef idx="0">
-              <a:schemeClr val="accent1"/>
-            </a:effectRef>
-            <a:fontRef idx="minor">
-              <a:schemeClr val="tx1"/>
-            </a:fontRef>
-          </p:style>
-        </p:cxnSp>
-        <p:sp>
-          <p:nvSpPr>
-            <p:cNvPr id="32" name="평행 사변형 31"/>
-            <p:cNvSpPr/>
-            <p:nvPr/>
-          </p:nvSpPr>
-          <p:spPr>
-            <a:xfrm flipH="1">
-              <a:off x="761132" y="4163595"/>
-              <a:ext cx="342900" cy="117982"/>
-            </a:xfrm>
-            <a:prstGeom prst="parallelogram">
-              <a:avLst/>
-            </a:prstGeom>
-            <a:blipFill dpi="0" rotWithShape="1">
-              <a:blip r:embed="rId3"/>
-              <a:srcRect/>
-              <a:tile tx="0" ty="0" sx="100000" sy="100000" flip="none" algn="tl"/>
-            </a:blipFill>
-            <a:ln>
-              <a:noFill/>
-            </a:ln>
-          </p:spPr>
-          <p:style>
-            <a:lnRef idx="2">
-              <a:schemeClr val="accent1">
-                <a:shade val="50000"/>
-              </a:schemeClr>
-            </a:lnRef>
-            <a:fillRef idx="1">
-              <a:schemeClr val="accent1"/>
-            </a:fillRef>
-            <a:effectRef idx="0">
-              <a:schemeClr val="accent1"/>
-            </a:effectRef>
-            <a:fontRef idx="minor">
-              <a:schemeClr val="lt1"/>
-            </a:fontRef>
-          </p:style>
-          <p:txBody>
-            <a:bodyPr rtlCol="0" anchor="ctr"/>
-            <a:lstStyle/>
-            <a:p>
-              <a:pPr algn="ctr"/>
-              <a:endParaRPr lang="ko-KR" altLang="en-US"/>
-            </a:p>
-          </p:txBody>
-        </p:sp>
-        <p:sp>
-          <p:nvSpPr>
-            <p:cNvPr id="33" name="평행 사변형 32"/>
-            <p:cNvSpPr/>
-            <p:nvPr/>
-          </p:nvSpPr>
-          <p:spPr>
-            <a:xfrm flipH="1" flipV="1">
-              <a:off x="761132" y="4369003"/>
-              <a:ext cx="342900" cy="118800"/>
-            </a:xfrm>
-            <a:prstGeom prst="parallelogram">
-              <a:avLst/>
-            </a:prstGeom>
-            <a:blipFill dpi="0" rotWithShape="1">
-              <a:blip r:embed="rId3"/>
-              <a:srcRect/>
-              <a:tile tx="0" ty="0" sx="100000" sy="100000" flip="none" algn="tl"/>
-            </a:blipFill>
-            <a:ln>
-              <a:noFill/>
-            </a:ln>
-          </p:spPr>
-          <p:style>
-            <a:lnRef idx="2">
-              <a:schemeClr val="accent1">
-                <a:shade val="50000"/>
-              </a:schemeClr>
-            </a:lnRef>
-            <a:fillRef idx="1">
-              <a:schemeClr val="accent1"/>
-            </a:fillRef>
-            <a:effectRef idx="0">
-              <a:schemeClr val="accent1"/>
-            </a:effectRef>
-            <a:fontRef idx="minor">
-              <a:schemeClr val="lt1"/>
-            </a:fontRef>
-          </p:style>
-          <p:txBody>
-            <a:bodyPr rtlCol="0" anchor="ctr"/>
-            <a:lstStyle/>
-            <a:p>
-              <a:pPr algn="ctr"/>
-              <a:endParaRPr lang="ko-KR" altLang="en-US"/>
-            </a:p>
-          </p:txBody>
-        </p:sp>
-      </p:grpSp>
-      <p:sp>
-        <p:nvSpPr>
-          <p:cNvPr id="37" name="달 36"/>
-          <p:cNvSpPr/>
-          <p:nvPr/>
-        </p:nvSpPr>
-        <p:spPr>
-          <a:xfrm rot="5400000" flipH="1">
-            <a:off x="2658617" y="3790133"/>
-            <a:ext cx="1107525" cy="4478328"/>
-          </a:xfrm>
-          <a:prstGeom prst="moon">
-            <a:avLst>
-              <a:gd name="adj" fmla="val 10465"/>
-            </a:avLst>
-          </a:prstGeom>
-          <a:solidFill>
-            <a:schemeClr val="tx1">
-              <a:alpha val="50000"/>
-            </a:schemeClr>
-          </a:solidFill>
-          <a:ln>
-            <a:noFill/>
-          </a:ln>
-        </p:spPr>
-        <p:style>
-          <a:lnRef idx="2">
-            <a:schemeClr val="dk1">
-              <a:shade val="50000"/>
-            </a:schemeClr>
-          </a:lnRef>
-          <a:fillRef idx="1">
-            <a:schemeClr val="dk1"/>
-          </a:fillRef>
-          <a:effectRef idx="0">
-            <a:schemeClr val="dk1"/>
-          </a:effectRef>
-          <a:fontRef idx="minor">
-            <a:schemeClr val="lt1"/>
-          </a:fontRef>
-        </p:style>
-        <p:txBody>
-          <a:bodyPr rtlCol="0" anchor="ctr"/>
-          <a:lstStyle/>
-          <a:p>
-            <a:pPr algn="ctr"/>
-            <a:endParaRPr lang="ko-KR" altLang="en-US"/>
-          </a:p>
-        </p:txBody>
-      </p:sp>
-      <p:sp>
-        <p:nvSpPr>
-          <p:cNvPr id="38" name="자유형 37"/>
-          <p:cNvSpPr/>
-          <p:nvPr/>
-        </p:nvSpPr>
-        <p:spPr>
-          <a:xfrm rot="16200000">
-            <a:off x="2885109" y="3288799"/>
-            <a:ext cx="573033" cy="4559839"/>
-          </a:xfrm>
-          <a:custGeom>
-            <a:avLst/>
-            <a:gdLst>
-              <a:gd name="connsiteX0" fmla="*/ 0 w 285750"/>
-              <a:gd name="connsiteY0" fmla="*/ 0 h 3067050"/>
-              <a:gd name="connsiteX1" fmla="*/ 28575 w 285750"/>
-              <a:gd name="connsiteY1" fmla="*/ 2105025 h 3067050"/>
-              <a:gd name="connsiteX2" fmla="*/ 171450 w 285750"/>
-              <a:gd name="connsiteY2" fmla="*/ 3067050 h 3067050"/>
-              <a:gd name="connsiteX3" fmla="*/ 285750 w 285750"/>
-              <a:gd name="connsiteY3" fmla="*/ 2457450 h 3067050"/>
-              <a:gd name="connsiteX4" fmla="*/ 285750 w 285750"/>
-              <a:gd name="connsiteY4" fmla="*/ 285750 h 3067050"/>
-              <a:gd name="connsiteX5" fmla="*/ 161925 w 285750"/>
-              <a:gd name="connsiteY5" fmla="*/ 542925 h 3067050"/>
-              <a:gd name="connsiteX6" fmla="*/ 0 w 285750"/>
-              <a:gd name="connsiteY6" fmla="*/ 0 h 3067050"/>
-            </a:gdLst>
-            <a:ahLst/>
-            <a:cxnLst>
-              <a:cxn ang="0">
-                <a:pos x="connsiteX0" y="connsiteY0"/>
-              </a:cxn>
-              <a:cxn ang="0">
-                <a:pos x="connsiteX1" y="connsiteY1"/>
-              </a:cxn>
-              <a:cxn ang="0">
-                <a:pos x="connsiteX2" y="connsiteY2"/>
-              </a:cxn>
-              <a:cxn ang="0">
-                <a:pos x="connsiteX3" y="connsiteY3"/>
-              </a:cxn>
-              <a:cxn ang="0">
-                <a:pos x="connsiteX4" y="connsiteY4"/>
-              </a:cxn>
-              <a:cxn ang="0">
-                <a:pos x="connsiteX5" y="connsiteY5"/>
-              </a:cxn>
-              <a:cxn ang="0">
-                <a:pos x="connsiteX6" y="connsiteY6"/>
-              </a:cxn>
-            </a:cxnLst>
-            <a:rect l="l" t="t" r="r" b="b"/>
-            <a:pathLst>
-              <a:path w="285750" h="3067050">
-                <a:moveTo>
-                  <a:pt x="0" y="0"/>
-                </a:moveTo>
-                <a:lnTo>
-                  <a:pt x="28575" y="2105025"/>
-                </a:lnTo>
-                <a:lnTo>
-                  <a:pt x="171450" y="3067050"/>
-                </a:lnTo>
-                <a:lnTo>
-                  <a:pt x="285750" y="2457450"/>
-                </a:lnTo>
-                <a:lnTo>
-                  <a:pt x="285750" y="285750"/>
-                </a:lnTo>
-                <a:lnTo>
-                  <a:pt x="161925" y="542925"/>
-                </a:lnTo>
-                <a:lnTo>
-                  <a:pt x="0" y="0"/>
-                </a:lnTo>
-                <a:close/>
-              </a:path>
-            </a:pathLst>
-          </a:custGeom>
-          <a:solidFill>
-            <a:schemeClr val="tx1">
-              <a:alpha val="50000"/>
-            </a:schemeClr>
-          </a:solidFill>
-          <a:ln>
-            <a:noFill/>
-          </a:ln>
-        </p:spPr>
-        <p:style>
-          <a:lnRef idx="2">
-            <a:schemeClr val="accent1">
-              <a:shade val="50000"/>
-            </a:schemeClr>
-          </a:lnRef>
-          <a:fillRef idx="1">
-            <a:schemeClr val="accent1"/>
-          </a:fillRef>
-          <a:effectRef idx="0">
-            <a:schemeClr val="accent1"/>
-          </a:effectRef>
-          <a:fontRef idx="minor">
-            <a:schemeClr val="lt1"/>
-          </a:fontRef>
-        </p:style>
-        <p:txBody>
-          <a:bodyPr rtlCol="0" anchor="ctr"/>
-          <a:lstStyle/>
-          <a:p>
-            <a:pPr algn="ctr"/>
-            <a:endParaRPr lang="ko-KR" altLang="en-US"/>
-          </a:p>
-        </p:txBody>
-      </p:sp>
-      <p:grpSp>
-        <p:nvGrpSpPr>
-          <p:cNvPr id="47" name="그룹 46"/>
-          <p:cNvGrpSpPr/>
-          <p:nvPr/>
-        </p:nvGrpSpPr>
-        <p:grpSpPr>
-          <a:xfrm rot="19875096">
-            <a:off x="669326" y="4411085"/>
-            <a:ext cx="1732682" cy="209550"/>
-            <a:chOff x="1504950" y="1433799"/>
-            <a:chExt cx="1732682" cy="209550"/>
-          </a:xfrm>
-          <a:scene3d>
-            <a:camera prst="orthographicFront">
-              <a:rot lat="0" lon="0" rev="10800000"/>
-            </a:camera>
-            <a:lightRig rig="threePt" dir="t"/>
-          </a:scene3d>
-        </p:grpSpPr>
-        <p:sp>
-          <p:nvSpPr>
-            <p:cNvPr id="48" name="직사각형 47"/>
-            <p:cNvSpPr/>
-            <p:nvPr/>
-          </p:nvSpPr>
-          <p:spPr>
-            <a:xfrm>
-              <a:off x="1504950" y="1512380"/>
-              <a:ext cx="1400175" cy="47625"/>
-            </a:xfrm>
-            <a:prstGeom prst="rect">
-              <a:avLst/>
-            </a:prstGeom>
-            <a:solidFill>
-              <a:schemeClr val="tx1">
-                <a:alpha val="50000"/>
-              </a:schemeClr>
-            </a:solidFill>
-            <a:ln>
-              <a:noFill/>
-            </a:ln>
-          </p:spPr>
-          <p:style>
-            <a:lnRef idx="2">
-              <a:schemeClr val="accent1">
-                <a:shade val="50000"/>
-              </a:schemeClr>
-            </a:lnRef>
-            <a:fillRef idx="1">
-              <a:schemeClr val="accent1"/>
-            </a:fillRef>
-            <a:effectRef idx="0">
-              <a:schemeClr val="accent1"/>
-            </a:effectRef>
-            <a:fontRef idx="minor">
-              <a:schemeClr val="lt1"/>
-            </a:fontRef>
-          </p:style>
-          <p:txBody>
-            <a:bodyPr rtlCol="0" anchor="ctr"/>
-            <a:lstStyle/>
-            <a:p>
-              <a:pPr algn="ctr"/>
-              <a:endParaRPr lang="ko-KR" altLang="en-US"/>
-            </a:p>
-          </p:txBody>
-        </p:sp>
-        <p:sp>
-          <p:nvSpPr>
-            <p:cNvPr id="49" name="다이아몬드 48"/>
-            <p:cNvSpPr/>
-            <p:nvPr/>
-          </p:nvSpPr>
-          <p:spPr>
-            <a:xfrm>
-              <a:off x="2856632" y="1433799"/>
-              <a:ext cx="381000" cy="209550"/>
-            </a:xfrm>
-            <a:prstGeom prst="diamond">
-              <a:avLst/>
-            </a:prstGeom>
-            <a:solidFill>
-              <a:schemeClr val="tx1">
-                <a:alpha val="50000"/>
-              </a:schemeClr>
-            </a:solidFill>
-            <a:ln>
-              <a:noFill/>
-            </a:ln>
-          </p:spPr>
-          <p:style>
-            <a:lnRef idx="2">
-              <a:schemeClr val="accent1">
-                <a:shade val="50000"/>
-              </a:schemeClr>
-            </a:lnRef>
-            <a:fillRef idx="1">
-              <a:schemeClr val="accent1"/>
-            </a:fillRef>
-            <a:effectRef idx="0">
-              <a:schemeClr val="accent1"/>
-            </a:effectRef>
-            <a:fontRef idx="minor">
-              <a:schemeClr val="lt1"/>
-            </a:fontRef>
-          </p:style>
-          <p:txBody>
-            <a:bodyPr rtlCol="0" anchor="ctr"/>
-            <a:lstStyle/>
-            <a:p>
-              <a:pPr algn="ctr"/>
-              <a:endParaRPr lang="ko-KR" altLang="en-US"/>
-            </a:p>
-          </p:txBody>
-        </p:sp>
-      </p:grpSp>
-      <p:grpSp>
-        <p:nvGrpSpPr>
-          <p:cNvPr id="50" name="그룹 49"/>
-          <p:cNvGrpSpPr/>
-          <p:nvPr/>
-        </p:nvGrpSpPr>
-        <p:grpSpPr>
-          <a:xfrm rot="5400000">
-            <a:off x="2489145" y="3903898"/>
-            <a:ext cx="1895475" cy="324208"/>
-            <a:chOff x="1400175" y="3367318"/>
-            <a:chExt cx="1895475" cy="324208"/>
-          </a:xfrm>
-        </p:grpSpPr>
-        <p:cxnSp>
-          <p:nvCxnSpPr>
-            <p:cNvPr id="51" name="직선 화살표 연결선 50"/>
-            <p:cNvCxnSpPr/>
-            <p:nvPr/>
-          </p:nvCxnSpPr>
-          <p:spPr>
-            <a:xfrm>
-              <a:off x="1428750" y="3533775"/>
-              <a:ext cx="1866900" cy="0"/>
-            </a:xfrm>
-            <a:prstGeom prst="straightConnector1">
-              <a:avLst/>
-            </a:prstGeom>
-            <a:ln w="76200">
-              <a:solidFill>
-                <a:schemeClr val="tx1">
-                  <a:alpha val="50000"/>
-                </a:schemeClr>
-              </a:solidFill>
-              <a:tailEnd type="triangle"/>
-            </a:ln>
-          </p:spPr>
-          <p:style>
-            <a:lnRef idx="1">
-              <a:schemeClr val="accent1"/>
-            </a:lnRef>
-            <a:fillRef idx="0">
-              <a:schemeClr val="accent1"/>
-            </a:fillRef>
-            <a:effectRef idx="0">
-              <a:schemeClr val="accent1"/>
-            </a:effectRef>
-            <a:fontRef idx="minor">
-              <a:schemeClr val="tx1"/>
-            </a:fontRef>
-          </p:style>
-        </p:cxnSp>
-        <p:sp>
-          <p:nvSpPr>
-            <p:cNvPr id="52" name="평행 사변형 51"/>
-            <p:cNvSpPr/>
-            <p:nvPr/>
-          </p:nvSpPr>
-          <p:spPr>
-            <a:xfrm flipH="1">
-              <a:off x="1400175" y="3367318"/>
-              <a:ext cx="342900" cy="117982"/>
-            </a:xfrm>
-            <a:prstGeom prst="parallelogram">
-              <a:avLst/>
-            </a:prstGeom>
-            <a:blipFill dpi="0" rotWithShape="1">
-              <a:blip r:embed="rId3">
-                <a:alphaModFix amt="50000"/>
-              </a:blip>
-              <a:srcRect/>
-              <a:tile tx="0" ty="0" sx="100000" sy="100000" flip="none" algn="tl"/>
-            </a:blipFill>
-            <a:ln>
-              <a:noFill/>
-            </a:ln>
-          </p:spPr>
-          <p:style>
-            <a:lnRef idx="2">
-              <a:schemeClr val="accent1">
-                <a:shade val="50000"/>
-              </a:schemeClr>
-            </a:lnRef>
-            <a:fillRef idx="1">
-              <a:schemeClr val="accent1"/>
-            </a:fillRef>
-            <a:effectRef idx="0">
-              <a:schemeClr val="accent1"/>
-            </a:effectRef>
-            <a:fontRef idx="minor">
-              <a:schemeClr val="lt1"/>
-            </a:fontRef>
-          </p:style>
-          <p:txBody>
-            <a:bodyPr rtlCol="0" anchor="ctr"/>
-            <a:lstStyle/>
-            <a:p>
-              <a:pPr algn="ctr"/>
-              <a:endParaRPr lang="ko-KR" altLang="en-US"/>
-            </a:p>
-          </p:txBody>
-        </p:sp>
-        <p:sp>
-          <p:nvSpPr>
-            <p:cNvPr id="53" name="평행 사변형 52"/>
-            <p:cNvSpPr/>
-            <p:nvPr/>
-          </p:nvSpPr>
-          <p:spPr>
-            <a:xfrm flipH="1" flipV="1">
-              <a:off x="1400175" y="3572726"/>
-              <a:ext cx="342900" cy="118800"/>
-            </a:xfrm>
-            <a:prstGeom prst="parallelogram">
-              <a:avLst/>
-            </a:prstGeom>
-            <a:blipFill dpi="0" rotWithShape="1">
-              <a:blip r:embed="rId3">
-                <a:alphaModFix amt="50000"/>
-              </a:blip>
-              <a:srcRect/>
-              <a:tile tx="0" ty="0" sx="100000" sy="100000" flip="none" algn="tl"/>
-            </a:blipFill>
-            <a:ln>
-              <a:noFill/>
-            </a:ln>
-          </p:spPr>
-          <p:style>
-            <a:lnRef idx="2">
-              <a:schemeClr val="accent1">
-                <a:shade val="50000"/>
-              </a:schemeClr>
-            </a:lnRef>
-            <a:fillRef idx="1">
-              <a:schemeClr val="accent1"/>
-            </a:fillRef>
-            <a:effectRef idx="0">
-              <a:schemeClr val="accent1"/>
-            </a:effectRef>
-            <a:fontRef idx="minor">
-              <a:schemeClr val="lt1"/>
-            </a:fontRef>
-          </p:style>
-          <p:txBody>
-            <a:bodyPr rtlCol="0" anchor="ctr"/>
-            <a:lstStyle/>
-            <a:p>
-              <a:pPr algn="ctr"/>
-              <a:endParaRPr lang="ko-KR" altLang="en-US"/>
-            </a:p>
-          </p:txBody>
-        </p:sp>
-      </p:grpSp>
-      <p:grpSp>
-        <p:nvGrpSpPr>
-          <p:cNvPr id="54" name="그룹 53"/>
-          <p:cNvGrpSpPr/>
-          <p:nvPr/>
-        </p:nvGrpSpPr>
-        <p:grpSpPr>
-          <a:xfrm rot="19828605">
-            <a:off x="3580980" y="3432506"/>
-            <a:ext cx="1709822" cy="209550"/>
-            <a:chOff x="1343025" y="1042987"/>
-            <a:chExt cx="1709822" cy="209550"/>
-          </a:xfrm>
-          <a:scene3d>
-            <a:camera prst="orthographicFront">
-              <a:rot lat="0" lon="0" rev="10800000"/>
-            </a:camera>
-            <a:lightRig rig="threePt" dir="t"/>
-          </a:scene3d>
-        </p:grpSpPr>
-        <p:sp>
-          <p:nvSpPr>
-            <p:cNvPr id="55" name="직사각형 54"/>
-            <p:cNvSpPr/>
-            <p:nvPr/>
-          </p:nvSpPr>
-          <p:spPr>
-            <a:xfrm>
-              <a:off x="1343025" y="1123950"/>
-              <a:ext cx="1400175" cy="47625"/>
-            </a:xfrm>
-            <a:prstGeom prst="rect">
-              <a:avLst/>
-            </a:prstGeom>
-            <a:solidFill>
-              <a:schemeClr val="tx1"/>
-            </a:solidFill>
-            <a:ln>
-              <a:solidFill>
-                <a:schemeClr val="tx1"/>
-              </a:solidFill>
-            </a:ln>
-          </p:spPr>
-          <p:style>
-            <a:lnRef idx="2">
-              <a:schemeClr val="accent1">
-                <a:shade val="50000"/>
-              </a:schemeClr>
-            </a:lnRef>
-            <a:fillRef idx="1">
-              <a:schemeClr val="accent1"/>
-            </a:fillRef>
-            <a:effectRef idx="0">
-              <a:schemeClr val="accent1"/>
-            </a:effectRef>
-            <a:fontRef idx="minor">
-              <a:schemeClr val="lt1"/>
-            </a:fontRef>
-          </p:style>
-          <p:txBody>
-            <a:bodyPr rtlCol="0" anchor="ctr"/>
-            <a:lstStyle/>
-            <a:p>
-              <a:pPr algn="ctr"/>
-              <a:endParaRPr lang="ko-KR" altLang="en-US"/>
-            </a:p>
-          </p:txBody>
-        </p:sp>
-        <p:sp>
-          <p:nvSpPr>
-            <p:cNvPr id="56" name="다이아몬드 55"/>
-            <p:cNvSpPr/>
-            <p:nvPr/>
-          </p:nvSpPr>
-          <p:spPr>
-            <a:xfrm>
-              <a:off x="2671847" y="1042987"/>
-              <a:ext cx="381000" cy="209550"/>
-            </a:xfrm>
-            <a:prstGeom prst="diamond">
-              <a:avLst/>
-            </a:prstGeom>
-            <a:solidFill>
-              <a:schemeClr val="tx1"/>
-            </a:solidFill>
-            <a:ln>
-              <a:solidFill>
-                <a:schemeClr val="tx1"/>
-              </a:solidFill>
-            </a:ln>
-          </p:spPr>
-          <p:style>
-            <a:lnRef idx="2">
-              <a:schemeClr val="accent1">
-                <a:shade val="50000"/>
-              </a:schemeClr>
-            </a:lnRef>
-            <a:fillRef idx="1">
-              <a:schemeClr val="accent1"/>
-            </a:fillRef>
-            <a:effectRef idx="0">
-              <a:schemeClr val="accent1"/>
-            </a:effectRef>
-            <a:fontRef idx="minor">
-              <a:schemeClr val="lt1"/>
-            </a:fontRef>
-          </p:style>
-          <p:txBody>
-            <a:bodyPr rtlCol="0" anchor="ctr"/>
-            <a:lstStyle/>
-            <a:p>
-              <a:pPr algn="ctr"/>
-              <a:endParaRPr lang="ko-KR" altLang="en-US"/>
-            </a:p>
-          </p:txBody>
-        </p:sp>
-      </p:grpSp>
-    </p:spTree>
-    <p:extLst>
-      <p:ext uri="{BB962C8B-B14F-4D97-AF65-F5344CB8AC3E}">
-        <p14:creationId xmlns:p14="http://schemas.microsoft.com/office/powerpoint/2010/main" val="4022564585"/>
       </p:ext>
     </p:extLst>
   </p:cSld>

--- a/TriFunction/그림용.pptx
+++ b/TriFunction/그림용.pptx
@@ -5,7 +5,7 @@
     <p:sldMasterId id="2147483648" r:id="rId1"/>
   </p:sldMasterIdLst>
   <p:notesMasterIdLst>
-    <p:notesMasterId r:id="rId21"/>
+    <p:notesMasterId r:id="rId22"/>
   </p:notesMasterIdLst>
   <p:sldIdLst>
     <p:sldId id="266" r:id="rId2"/>
@@ -22,11 +22,12 @@
     <p:sldId id="269" r:id="rId13"/>
     <p:sldId id="270" r:id="rId14"/>
     <p:sldId id="271" r:id="rId15"/>
-    <p:sldId id="272" r:id="rId16"/>
-    <p:sldId id="273" r:id="rId17"/>
-    <p:sldId id="274" r:id="rId18"/>
-    <p:sldId id="275" r:id="rId19"/>
-    <p:sldId id="276" r:id="rId20"/>
+    <p:sldId id="277" r:id="rId16"/>
+    <p:sldId id="272" r:id="rId17"/>
+    <p:sldId id="273" r:id="rId18"/>
+    <p:sldId id="274" r:id="rId19"/>
+    <p:sldId id="275" r:id="rId20"/>
+    <p:sldId id="276" r:id="rId21"/>
   </p:sldIdLst>
   <p:sldSz cx="12192000" cy="6858000"/>
   <p:notesSz cx="6858000" cy="9144000"/>
@@ -215,7 +216,7 @@
           <a:p>
             <a:fld id="{7A69A65F-D152-468D-9567-D5957D3F5103}" type="datetimeFigureOut">
               <a:rPr lang="ko-KR" altLang="en-US" smtClean="0"/>
-              <a:t>2018-10-11</a:t>
+              <a:t>2018-10-12</a:t>
             </a:fld>
             <a:endParaRPr lang="ko-KR" altLang="en-US"/>
           </a:p>
@@ -614,7 +615,7 @@
           <a:p>
             <a:fld id="{39D6D5D5-D1C6-465B-B735-E2307C7708EA}" type="datetimeFigureOut">
               <a:rPr lang="ko-KR" altLang="en-US" smtClean="0"/>
-              <a:t>2018-10-11</a:t>
+              <a:t>2018-10-12</a:t>
             </a:fld>
             <a:endParaRPr lang="ko-KR" altLang="en-US"/>
           </a:p>
@@ -784,7 +785,7 @@
           <a:p>
             <a:fld id="{39D6D5D5-D1C6-465B-B735-E2307C7708EA}" type="datetimeFigureOut">
               <a:rPr lang="ko-KR" altLang="en-US" smtClean="0"/>
-              <a:t>2018-10-11</a:t>
+              <a:t>2018-10-12</a:t>
             </a:fld>
             <a:endParaRPr lang="ko-KR" altLang="en-US"/>
           </a:p>
@@ -964,7 +965,7 @@
           <a:p>
             <a:fld id="{39D6D5D5-D1C6-465B-B735-E2307C7708EA}" type="datetimeFigureOut">
               <a:rPr lang="ko-KR" altLang="en-US" smtClean="0"/>
-              <a:t>2018-10-11</a:t>
+              <a:t>2018-10-12</a:t>
             </a:fld>
             <a:endParaRPr lang="ko-KR" altLang="en-US"/>
           </a:p>
@@ -1134,7 +1135,7 @@
           <a:p>
             <a:fld id="{39D6D5D5-D1C6-465B-B735-E2307C7708EA}" type="datetimeFigureOut">
               <a:rPr lang="ko-KR" altLang="en-US" smtClean="0"/>
-              <a:t>2018-10-11</a:t>
+              <a:t>2018-10-12</a:t>
             </a:fld>
             <a:endParaRPr lang="ko-KR" altLang="en-US"/>
           </a:p>
@@ -1380,7 +1381,7 @@
           <a:p>
             <a:fld id="{39D6D5D5-D1C6-465B-B735-E2307C7708EA}" type="datetimeFigureOut">
               <a:rPr lang="ko-KR" altLang="en-US" smtClean="0"/>
-              <a:t>2018-10-11</a:t>
+              <a:t>2018-10-12</a:t>
             </a:fld>
             <a:endParaRPr lang="ko-KR" altLang="en-US"/>
           </a:p>
@@ -1612,7 +1613,7 @@
           <a:p>
             <a:fld id="{39D6D5D5-D1C6-465B-B735-E2307C7708EA}" type="datetimeFigureOut">
               <a:rPr lang="ko-KR" altLang="en-US" smtClean="0"/>
-              <a:t>2018-10-11</a:t>
+              <a:t>2018-10-12</a:t>
             </a:fld>
             <a:endParaRPr lang="ko-KR" altLang="en-US"/>
           </a:p>
@@ -1979,7 +1980,7 @@
           <a:p>
             <a:fld id="{39D6D5D5-D1C6-465B-B735-E2307C7708EA}" type="datetimeFigureOut">
               <a:rPr lang="ko-KR" altLang="en-US" smtClean="0"/>
-              <a:t>2018-10-11</a:t>
+              <a:t>2018-10-12</a:t>
             </a:fld>
             <a:endParaRPr lang="ko-KR" altLang="en-US"/>
           </a:p>
@@ -2097,7 +2098,7 @@
           <a:p>
             <a:fld id="{39D6D5D5-D1C6-465B-B735-E2307C7708EA}" type="datetimeFigureOut">
               <a:rPr lang="ko-KR" altLang="en-US" smtClean="0"/>
-              <a:t>2018-10-11</a:t>
+              <a:t>2018-10-12</a:t>
             </a:fld>
             <a:endParaRPr lang="ko-KR" altLang="en-US"/>
           </a:p>
@@ -2192,7 +2193,7 @@
           <a:p>
             <a:fld id="{39D6D5D5-D1C6-465B-B735-E2307C7708EA}" type="datetimeFigureOut">
               <a:rPr lang="ko-KR" altLang="en-US" smtClean="0"/>
-              <a:t>2018-10-11</a:t>
+              <a:t>2018-10-12</a:t>
             </a:fld>
             <a:endParaRPr lang="ko-KR" altLang="en-US"/>
           </a:p>
@@ -2469,7 +2470,7 @@
           <a:p>
             <a:fld id="{39D6D5D5-D1C6-465B-B735-E2307C7708EA}" type="datetimeFigureOut">
               <a:rPr lang="ko-KR" altLang="en-US" smtClean="0"/>
-              <a:t>2018-10-11</a:t>
+              <a:t>2018-10-12</a:t>
             </a:fld>
             <a:endParaRPr lang="ko-KR" altLang="en-US"/>
           </a:p>
@@ -2722,7 +2723,7 @@
           <a:p>
             <a:fld id="{39D6D5D5-D1C6-465B-B735-E2307C7708EA}" type="datetimeFigureOut">
               <a:rPr lang="ko-KR" altLang="en-US" smtClean="0"/>
-              <a:t>2018-10-11</a:t>
+              <a:t>2018-10-12</a:t>
             </a:fld>
             <a:endParaRPr lang="ko-KR" altLang="en-US"/>
           </a:p>
@@ -2935,7 +2936,7 @@
           <a:p>
             <a:fld id="{39D6D5D5-D1C6-465B-B735-E2307C7708EA}" type="datetimeFigureOut">
               <a:rPr lang="ko-KR" altLang="en-US" smtClean="0"/>
-              <a:t>2018-10-11</a:t>
+              <a:t>2018-10-12</a:t>
             </a:fld>
             <a:endParaRPr lang="ko-KR" altLang="en-US"/>
           </a:p>
@@ -6989,6 +6990,1462 @@
           <a:chExt cx="0" cy="0"/>
         </a:xfrm>
       </p:grpSpPr>
+      <p:cxnSp>
+        <p:nvCxnSpPr>
+          <p:cNvPr id="57" name="직선 연결선 56"/>
+          <p:cNvCxnSpPr/>
+          <p:nvPr/>
+        </p:nvCxnSpPr>
+        <p:spPr>
+          <a:xfrm flipV="1">
+            <a:off x="5329528" y="-1020458"/>
+            <a:ext cx="6697912" cy="4918914"/>
+          </a:xfrm>
+          <a:prstGeom prst="line">
+            <a:avLst/>
+          </a:prstGeom>
+          <a:ln w="12700">
+            <a:solidFill>
+              <a:srgbClr val="FF0000"/>
+            </a:solidFill>
+            <a:prstDash val="solid"/>
+          </a:ln>
+        </p:spPr>
+        <p:style>
+          <a:lnRef idx="1">
+            <a:schemeClr val="dk1"/>
+          </a:lnRef>
+          <a:fillRef idx="0">
+            <a:schemeClr val="dk1"/>
+          </a:fillRef>
+          <a:effectRef idx="0">
+            <a:schemeClr val="dk1"/>
+          </a:effectRef>
+          <a:fontRef idx="minor">
+            <a:schemeClr val="tx1"/>
+          </a:fontRef>
+        </p:style>
+      </p:cxnSp>
+      <p:sp>
+        <p:nvSpPr>
+          <p:cNvPr id="44" name="막힌 원호 43"/>
+          <p:cNvSpPr/>
+          <p:nvPr/>
+        </p:nvSpPr>
+        <p:spPr>
+          <a:xfrm>
+            <a:off x="6557032" y="2344054"/>
+            <a:ext cx="748800" cy="748800"/>
+          </a:xfrm>
+          <a:prstGeom prst="blockArc">
+            <a:avLst>
+              <a:gd name="adj1" fmla="val 5400017"/>
+              <a:gd name="adj2" fmla="val 8362406"/>
+              <a:gd name="adj3" fmla="val 12146"/>
+            </a:avLst>
+          </a:prstGeom>
+          <a:solidFill>
+            <a:srgbClr val="56D1F8"/>
+          </a:solidFill>
+          <a:ln>
+            <a:noFill/>
+          </a:ln>
+        </p:spPr>
+        <p:style>
+          <a:lnRef idx="2">
+            <a:schemeClr val="accent1">
+              <a:shade val="50000"/>
+            </a:schemeClr>
+          </a:lnRef>
+          <a:fillRef idx="1">
+            <a:schemeClr val="accent1"/>
+          </a:fillRef>
+          <a:effectRef idx="0">
+            <a:schemeClr val="accent1"/>
+          </a:effectRef>
+          <a:fontRef idx="minor">
+            <a:schemeClr val="lt1"/>
+          </a:fontRef>
+        </p:style>
+        <p:txBody>
+          <a:bodyPr rtlCol="0" anchor="ctr"/>
+          <a:lstStyle/>
+          <a:p>
+            <a:pPr algn="ctr"/>
+            <a:endParaRPr lang="ko-KR" altLang="en-US">
+              <a:solidFill>
+                <a:schemeClr val="tx1"/>
+              </a:solidFill>
+            </a:endParaRPr>
+          </a:p>
+        </p:txBody>
+      </p:sp>
+      <p:sp>
+        <p:nvSpPr>
+          <p:cNvPr id="4" name="Rectangle 2"/>
+          <p:cNvSpPr>
+            <a:spLocks noChangeArrowheads="1"/>
+          </p:cNvSpPr>
+          <p:nvPr/>
+        </p:nvSpPr>
+        <p:spPr bwMode="auto">
+          <a:xfrm>
+            <a:off x="-838354" y="-5241302"/>
+            <a:ext cx="3062453" cy="252847"/>
+          </a:xfrm>
+          <a:prstGeom prst="rect">
+            <a:avLst/>
+          </a:prstGeom>
+          <a:noFill/>
+          <a:ln>
+            <a:noFill/>
+          </a:ln>
+          <a:effectLst/>
+          <a:extLst>
+            <a:ext uri="{909E8E84-426E-40DD-AFC4-6F175D3DCCD1}">
+              <a14:hiddenFill xmlns:a14="http://schemas.microsoft.com/office/drawing/2010/main">
+                <a:solidFill>
+                  <a:schemeClr val="accent1"/>
+                </a:solidFill>
+              </a14:hiddenFill>
+            </a:ext>
+            <a:ext uri="{91240B29-F687-4F45-9708-019B960494DF}">
+              <a14:hiddenLine xmlns:a14="http://schemas.microsoft.com/office/drawing/2010/main" w="9525">
+                <a:solidFill>
+                  <a:schemeClr val="tx1"/>
+                </a:solidFill>
+                <a:miter lim="800000"/>
+                <a:headEnd/>
+                <a:tailEnd/>
+              </a14:hiddenLine>
+            </a:ext>
+            <a:ext uri="{AF507438-7753-43E0-B8FC-AC1667EBCBE1}">
+              <a14:hiddenEffects xmlns:a14="http://schemas.microsoft.com/office/drawing/2010/main">
+                <a:effectLst>
+                  <a:outerShdw dist="35921" dir="2700000" algn="ctr" rotWithShape="0">
+                    <a:schemeClr val="bg2"/>
+                  </a:outerShdw>
+                </a:effectLst>
+              </a14:hiddenEffects>
+            </a:ext>
+          </a:extLst>
+        </p:spPr>
+        <p:txBody>
+          <a:bodyPr vert="horz" wrap="square" lIns="91440" tIns="45720" rIns="91440" bIns="45720" numCol="1" anchor="ctr" anchorCtr="0" compatLnSpc="1">
+            <a:prstTxWarp prst="textNoShape">
+              <a:avLst/>
+            </a:prstTxWarp>
+            <a:spAutoFit/>
+          </a:bodyPr>
+          <a:lstStyle/>
+          <a:p>
+            <a:endParaRPr lang="ko-KR" altLang="en-US"/>
+          </a:p>
+        </p:txBody>
+      </p:sp>
+      <p:sp>
+        <p:nvSpPr>
+          <p:cNvPr id="11" name="직각 삼각형 10"/>
+          <p:cNvSpPr/>
+          <p:nvPr/>
+        </p:nvSpPr>
+        <p:spPr>
+          <a:xfrm flipH="1">
+            <a:off x="5283288" y="2714856"/>
+            <a:ext cx="1669093" cy="1224834"/>
+          </a:xfrm>
+          <a:prstGeom prst="rtTriangle">
+            <a:avLst/>
+          </a:prstGeom>
+          <a:noFill/>
+          <a:ln w="38100">
+            <a:solidFill>
+              <a:schemeClr val="tx1"/>
+            </a:solidFill>
+          </a:ln>
+        </p:spPr>
+        <p:style>
+          <a:lnRef idx="2">
+            <a:schemeClr val="accent1">
+              <a:shade val="50000"/>
+            </a:schemeClr>
+          </a:lnRef>
+          <a:fillRef idx="1">
+            <a:schemeClr val="accent1"/>
+          </a:fillRef>
+          <a:effectRef idx="0">
+            <a:schemeClr val="accent1"/>
+          </a:effectRef>
+          <a:fontRef idx="minor">
+            <a:schemeClr val="lt1"/>
+          </a:fontRef>
+        </p:style>
+        <p:txBody>
+          <a:bodyPr rtlCol="0" anchor="ctr"/>
+          <a:lstStyle/>
+          <a:p>
+            <a:pPr algn="ctr"/>
+            <a:endParaRPr lang="ko-KR" altLang="en-US"/>
+          </a:p>
+        </p:txBody>
+      </p:sp>
+      <p:sp>
+        <p:nvSpPr>
+          <p:cNvPr id="12" name="원호 11"/>
+          <p:cNvSpPr/>
+          <p:nvPr/>
+        </p:nvSpPr>
+        <p:spPr>
+          <a:xfrm>
+            <a:off x="4835959" y="3526169"/>
+            <a:ext cx="788982" cy="788981"/>
+          </a:xfrm>
+          <a:prstGeom prst="arc">
+            <a:avLst>
+              <a:gd name="adj1" fmla="val 19989574"/>
+              <a:gd name="adj2" fmla="val 0"/>
+            </a:avLst>
+          </a:prstGeom>
+          <a:ln w="38100">
+            <a:solidFill>
+              <a:srgbClr val="FF0000"/>
+            </a:solidFill>
+          </a:ln>
+        </p:spPr>
+        <p:style>
+          <a:lnRef idx="1">
+            <a:schemeClr val="accent1"/>
+          </a:lnRef>
+          <a:fillRef idx="0">
+            <a:schemeClr val="accent1"/>
+          </a:fillRef>
+          <a:effectRef idx="0">
+            <a:schemeClr val="accent1"/>
+          </a:effectRef>
+          <a:fontRef idx="minor">
+            <a:schemeClr val="tx1"/>
+          </a:fontRef>
+        </p:style>
+        <p:txBody>
+          <a:bodyPr rtlCol="0" anchor="ctr"/>
+          <a:lstStyle/>
+          <a:p>
+            <a:pPr algn="ctr"/>
+            <a:endParaRPr lang="ko-KR" altLang="en-US"/>
+          </a:p>
+        </p:txBody>
+      </p:sp>
+      <p:cxnSp>
+        <p:nvCxnSpPr>
+          <p:cNvPr id="33" name="직선 연결선 32"/>
+          <p:cNvCxnSpPr/>
+          <p:nvPr/>
+        </p:nvCxnSpPr>
+        <p:spPr>
+          <a:xfrm flipH="1">
+            <a:off x="4041173" y="5084017"/>
+            <a:ext cx="2193398" cy="0"/>
+          </a:xfrm>
+          <a:prstGeom prst="line">
+            <a:avLst/>
+          </a:prstGeom>
+          <a:ln w="76200">
+            <a:solidFill>
+              <a:schemeClr val="accent1">
+                <a:lumMod val="20000"/>
+                <a:lumOff val="80000"/>
+                <a:alpha val="70000"/>
+              </a:schemeClr>
+            </a:solidFill>
+          </a:ln>
+        </p:spPr>
+        <p:style>
+          <a:lnRef idx="1">
+            <a:schemeClr val="accent1"/>
+          </a:lnRef>
+          <a:fillRef idx="0">
+            <a:schemeClr val="accent1"/>
+          </a:fillRef>
+          <a:effectRef idx="0">
+            <a:schemeClr val="accent1"/>
+          </a:effectRef>
+          <a:fontRef idx="minor">
+            <a:schemeClr val="tx1"/>
+          </a:fontRef>
+        </p:style>
+      </p:cxnSp>
+      <p:cxnSp>
+        <p:nvCxnSpPr>
+          <p:cNvPr id="34" name="직선 연결선 33"/>
+          <p:cNvCxnSpPr/>
+          <p:nvPr/>
+        </p:nvCxnSpPr>
+        <p:spPr>
+          <a:xfrm>
+            <a:off x="6974798" y="3936090"/>
+            <a:ext cx="7200000" cy="0"/>
+          </a:xfrm>
+          <a:prstGeom prst="line">
+            <a:avLst/>
+          </a:prstGeom>
+          <a:ln w="12700">
+            <a:solidFill>
+              <a:srgbClr val="FF0000"/>
+            </a:solidFill>
+            <a:prstDash val="solid"/>
+          </a:ln>
+        </p:spPr>
+        <p:style>
+          <a:lnRef idx="1">
+            <a:schemeClr val="dk1"/>
+          </a:lnRef>
+          <a:fillRef idx="0">
+            <a:schemeClr val="dk1"/>
+          </a:fillRef>
+          <a:effectRef idx="0">
+            <a:schemeClr val="dk1"/>
+          </a:effectRef>
+          <a:fontRef idx="minor">
+            <a:schemeClr val="tx1"/>
+          </a:fontRef>
+        </p:style>
+      </p:cxnSp>
+      <p:sp>
+        <p:nvSpPr>
+          <p:cNvPr id="40" name="타원 39"/>
+          <p:cNvSpPr/>
+          <p:nvPr/>
+        </p:nvSpPr>
+        <p:spPr>
+          <a:xfrm>
+            <a:off x="3198436" y="1866090"/>
+            <a:ext cx="4140000" cy="4140000"/>
+          </a:xfrm>
+          <a:prstGeom prst="ellipse">
+            <a:avLst/>
+          </a:prstGeom>
+          <a:noFill/>
+          <a:ln w="38100">
+            <a:solidFill>
+              <a:schemeClr val="tx2">
+                <a:lumMod val="40000"/>
+                <a:lumOff val="60000"/>
+              </a:schemeClr>
+            </a:solidFill>
+          </a:ln>
+        </p:spPr>
+        <p:style>
+          <a:lnRef idx="2">
+            <a:schemeClr val="accent1">
+              <a:shade val="50000"/>
+            </a:schemeClr>
+          </a:lnRef>
+          <a:fillRef idx="1">
+            <a:schemeClr val="accent1"/>
+          </a:fillRef>
+          <a:effectRef idx="0">
+            <a:schemeClr val="accent1"/>
+          </a:effectRef>
+          <a:fontRef idx="minor">
+            <a:schemeClr val="lt1"/>
+          </a:fontRef>
+        </p:style>
+        <p:txBody>
+          <a:bodyPr rtlCol="0" anchor="ctr"/>
+          <a:lstStyle/>
+          <a:p>
+            <a:pPr algn="ctr"/>
+            <a:endParaRPr lang="ko-KR" altLang="en-US"/>
+          </a:p>
+        </p:txBody>
+      </p:sp>
+      <p:sp>
+        <p:nvSpPr>
+          <p:cNvPr id="41" name="타원 40"/>
+          <p:cNvSpPr/>
+          <p:nvPr/>
+        </p:nvSpPr>
+        <p:spPr>
+          <a:xfrm>
+            <a:off x="3612525" y="2289085"/>
+            <a:ext cx="3340800" cy="3340800"/>
+          </a:xfrm>
+          <a:prstGeom prst="ellipse">
+            <a:avLst/>
+          </a:prstGeom>
+          <a:noFill/>
+          <a:ln w="38100">
+            <a:solidFill>
+              <a:schemeClr val="tx2">
+                <a:lumMod val="40000"/>
+                <a:lumOff val="60000"/>
+              </a:schemeClr>
+            </a:solidFill>
+          </a:ln>
+        </p:spPr>
+        <p:style>
+          <a:lnRef idx="2">
+            <a:schemeClr val="accent1">
+              <a:shade val="50000"/>
+            </a:schemeClr>
+          </a:lnRef>
+          <a:fillRef idx="1">
+            <a:schemeClr val="accent1"/>
+          </a:fillRef>
+          <a:effectRef idx="0">
+            <a:schemeClr val="accent1"/>
+          </a:effectRef>
+          <a:fontRef idx="minor">
+            <a:schemeClr val="lt1"/>
+          </a:fontRef>
+        </p:style>
+        <p:txBody>
+          <a:bodyPr rtlCol="0" anchor="ctr"/>
+          <a:lstStyle/>
+          <a:p>
+            <a:pPr algn="ctr"/>
+            <a:endParaRPr lang="ko-KR" altLang="en-US"/>
+          </a:p>
+        </p:txBody>
+      </p:sp>
+      <p:sp>
+        <p:nvSpPr>
+          <p:cNvPr id="42" name="타원 41"/>
+          <p:cNvSpPr/>
+          <p:nvPr/>
+        </p:nvSpPr>
+        <p:spPr>
+          <a:xfrm>
+            <a:off x="5661068" y="2721882"/>
+            <a:ext cx="2440800" cy="2440800"/>
+          </a:xfrm>
+          <a:prstGeom prst="ellipse">
+            <a:avLst/>
+          </a:prstGeom>
+          <a:noFill/>
+          <a:ln w="38100">
+            <a:solidFill>
+              <a:schemeClr val="tx2">
+                <a:lumMod val="40000"/>
+                <a:lumOff val="60000"/>
+              </a:schemeClr>
+            </a:solidFill>
+          </a:ln>
+        </p:spPr>
+        <p:style>
+          <a:lnRef idx="2">
+            <a:schemeClr val="accent1">
+              <a:shade val="50000"/>
+            </a:schemeClr>
+          </a:lnRef>
+          <a:fillRef idx="1">
+            <a:schemeClr val="accent1"/>
+          </a:fillRef>
+          <a:effectRef idx="0">
+            <a:schemeClr val="accent1"/>
+          </a:effectRef>
+          <a:fontRef idx="minor">
+            <a:schemeClr val="lt1"/>
+          </a:fontRef>
+        </p:style>
+        <p:txBody>
+          <a:bodyPr rtlCol="0" anchor="ctr"/>
+          <a:lstStyle/>
+          <a:p>
+            <a:pPr algn="ctr"/>
+            <a:endParaRPr lang="ko-KR" altLang="en-US"/>
+          </a:p>
+        </p:txBody>
+      </p:sp>
+      <p:sp>
+        <p:nvSpPr>
+          <p:cNvPr id="2" name="직사각형 1"/>
+          <p:cNvSpPr/>
+          <p:nvPr/>
+        </p:nvSpPr>
+        <p:spPr>
+          <a:xfrm rot="14023817">
+            <a:off x="5588832" y="2062240"/>
+            <a:ext cx="68400" cy="2082420"/>
+          </a:xfrm>
+          <a:prstGeom prst="rect">
+            <a:avLst/>
+          </a:prstGeom>
+          <a:solidFill>
+            <a:srgbClr val="FFFF00">
+              <a:alpha val="70000"/>
+            </a:srgbClr>
+          </a:solidFill>
+          <a:ln>
+            <a:noFill/>
+          </a:ln>
+        </p:spPr>
+        <p:style>
+          <a:lnRef idx="2">
+            <a:schemeClr val="accent1">
+              <a:shade val="50000"/>
+            </a:schemeClr>
+          </a:lnRef>
+          <a:fillRef idx="1">
+            <a:schemeClr val="accent1"/>
+          </a:fillRef>
+          <a:effectRef idx="0">
+            <a:schemeClr val="accent1"/>
+          </a:effectRef>
+          <a:fontRef idx="minor">
+            <a:schemeClr val="lt1"/>
+          </a:fontRef>
+        </p:style>
+        <p:txBody>
+          <a:bodyPr rtlCol="0" anchor="ctr"/>
+          <a:lstStyle/>
+          <a:p>
+            <a:pPr algn="ctr"/>
+            <a:endParaRPr lang="ko-KR" altLang="en-US"/>
+          </a:p>
+        </p:txBody>
+      </p:sp>
+      <p:sp>
+        <p:nvSpPr>
+          <p:cNvPr id="38" name="직사각형 37"/>
+          <p:cNvSpPr/>
+          <p:nvPr/>
+        </p:nvSpPr>
+        <p:spPr>
+          <a:xfrm rot="16200000">
+            <a:off x="6082307" y="3221495"/>
+            <a:ext cx="69075" cy="1667112"/>
+          </a:xfrm>
+          <a:prstGeom prst="rect">
+            <a:avLst/>
+          </a:prstGeom>
+          <a:gradFill flip="none" rotWithShape="1">
+            <a:gsLst>
+              <a:gs pos="0">
+                <a:srgbClr val="FFFF00"/>
+              </a:gs>
+              <a:gs pos="50000">
+                <a:srgbClr val="FF0000"/>
+              </a:gs>
+              <a:gs pos="100000">
+                <a:srgbClr val="FFFF00"/>
+              </a:gs>
+            </a:gsLst>
+            <a:lin ang="0" scaled="1"/>
+            <a:tileRect/>
+          </a:gradFill>
+          <a:ln>
+            <a:noFill/>
+          </a:ln>
+        </p:spPr>
+        <p:style>
+          <a:lnRef idx="2">
+            <a:schemeClr val="accent1">
+              <a:shade val="50000"/>
+            </a:schemeClr>
+          </a:lnRef>
+          <a:fillRef idx="1">
+            <a:schemeClr val="accent1"/>
+          </a:fillRef>
+          <a:effectRef idx="0">
+            <a:schemeClr val="accent1"/>
+          </a:effectRef>
+          <a:fontRef idx="minor">
+            <a:schemeClr val="lt1"/>
+          </a:fontRef>
+        </p:style>
+        <p:txBody>
+          <a:bodyPr rtlCol="0" anchor="ctr"/>
+          <a:lstStyle/>
+          <a:p>
+            <a:pPr algn="ctr"/>
+            <a:endParaRPr lang="ko-KR" altLang="en-US"/>
+          </a:p>
+        </p:txBody>
+      </p:sp>
+      <p:sp>
+        <p:nvSpPr>
+          <p:cNvPr id="43" name="직사각형 42"/>
+          <p:cNvSpPr/>
+          <p:nvPr/>
+        </p:nvSpPr>
+        <p:spPr>
+          <a:xfrm>
+            <a:off x="7356499" y="2632115"/>
+            <a:ext cx="69075" cy="1229185"/>
+          </a:xfrm>
+          <a:prstGeom prst="rect">
+            <a:avLst/>
+          </a:prstGeom>
+          <a:gradFill flip="none" rotWithShape="1">
+            <a:gsLst>
+              <a:gs pos="0">
+                <a:srgbClr val="FFFF00"/>
+              </a:gs>
+              <a:gs pos="50000">
+                <a:srgbClr val="FF0000"/>
+              </a:gs>
+              <a:gs pos="100000">
+                <a:srgbClr val="FFFF00"/>
+              </a:gs>
+            </a:gsLst>
+            <a:lin ang="0" scaled="1"/>
+            <a:tileRect/>
+          </a:gradFill>
+          <a:ln>
+            <a:noFill/>
+          </a:ln>
+        </p:spPr>
+        <p:style>
+          <a:lnRef idx="2">
+            <a:schemeClr val="accent1">
+              <a:shade val="50000"/>
+            </a:schemeClr>
+          </a:lnRef>
+          <a:fillRef idx="1">
+            <a:schemeClr val="accent1"/>
+          </a:fillRef>
+          <a:effectRef idx="0">
+            <a:schemeClr val="accent1"/>
+          </a:effectRef>
+          <a:fontRef idx="minor">
+            <a:schemeClr val="lt1"/>
+          </a:fontRef>
+        </p:style>
+        <p:txBody>
+          <a:bodyPr rtlCol="0" anchor="ctr"/>
+          <a:lstStyle/>
+          <a:p>
+            <a:pPr algn="ctr"/>
+            <a:endParaRPr lang="ko-KR" altLang="en-US"/>
+          </a:p>
+        </p:txBody>
+      </p:sp>
+      <p:sp>
+        <p:nvSpPr>
+          <p:cNvPr id="47" name="직사각형 46"/>
+          <p:cNvSpPr/>
+          <p:nvPr/>
+        </p:nvSpPr>
+        <p:spPr>
+          <a:xfrm rot="14023817">
+            <a:off x="5770393" y="2187795"/>
+            <a:ext cx="68400" cy="2082420"/>
+          </a:xfrm>
+          <a:prstGeom prst="rect">
+            <a:avLst/>
+          </a:prstGeom>
+          <a:gradFill flip="none" rotWithShape="1">
+            <a:gsLst>
+              <a:gs pos="0">
+                <a:srgbClr val="FFFF00"/>
+              </a:gs>
+              <a:gs pos="50000">
+                <a:srgbClr val="FF0000"/>
+              </a:gs>
+              <a:gs pos="100000">
+                <a:srgbClr val="FFFF00"/>
+              </a:gs>
+            </a:gsLst>
+            <a:lin ang="0" scaled="1"/>
+            <a:tileRect/>
+          </a:gradFill>
+          <a:ln>
+            <a:noFill/>
+          </a:ln>
+        </p:spPr>
+        <p:style>
+          <a:lnRef idx="2">
+            <a:schemeClr val="accent1">
+              <a:shade val="50000"/>
+            </a:schemeClr>
+          </a:lnRef>
+          <a:fillRef idx="1">
+            <a:schemeClr val="accent1"/>
+          </a:fillRef>
+          <a:effectRef idx="0">
+            <a:schemeClr val="accent1"/>
+          </a:effectRef>
+          <a:fontRef idx="minor">
+            <a:schemeClr val="lt1"/>
+          </a:fontRef>
+        </p:style>
+        <p:txBody>
+          <a:bodyPr rtlCol="0" anchor="ctr"/>
+          <a:lstStyle/>
+          <a:p>
+            <a:pPr algn="ctr"/>
+            <a:endParaRPr lang="ko-KR" altLang="en-US"/>
+          </a:p>
+        </p:txBody>
+      </p:sp>
+      <p:sp>
+        <p:nvSpPr>
+          <p:cNvPr id="48" name="직사각형 47"/>
+          <p:cNvSpPr/>
+          <p:nvPr/>
+        </p:nvSpPr>
+        <p:spPr>
+          <a:xfrm rot="14023817">
+            <a:off x="5419809" y="1911289"/>
+            <a:ext cx="68400" cy="2082420"/>
+          </a:xfrm>
+          <a:prstGeom prst="rect">
+            <a:avLst/>
+          </a:prstGeom>
+          <a:solidFill>
+            <a:schemeClr val="bg2">
+              <a:lumMod val="90000"/>
+              <a:alpha val="70000"/>
+            </a:schemeClr>
+          </a:solidFill>
+          <a:ln>
+            <a:noFill/>
+          </a:ln>
+        </p:spPr>
+        <p:style>
+          <a:lnRef idx="2">
+            <a:schemeClr val="accent1">
+              <a:shade val="50000"/>
+            </a:schemeClr>
+          </a:lnRef>
+          <a:fillRef idx="1">
+            <a:schemeClr val="accent1"/>
+          </a:fillRef>
+          <a:effectRef idx="0">
+            <a:schemeClr val="accent1"/>
+          </a:effectRef>
+          <a:fontRef idx="minor">
+            <a:schemeClr val="lt1"/>
+          </a:fontRef>
+        </p:style>
+        <p:txBody>
+          <a:bodyPr rtlCol="0" anchor="ctr"/>
+          <a:lstStyle/>
+          <a:p>
+            <a:pPr algn="ctr"/>
+            <a:endParaRPr lang="ko-KR" altLang="en-US"/>
+          </a:p>
+        </p:txBody>
+      </p:sp>
+      <p:sp>
+        <p:nvSpPr>
+          <p:cNvPr id="49" name="직사각형 48"/>
+          <p:cNvSpPr/>
+          <p:nvPr/>
+        </p:nvSpPr>
+        <p:spPr>
+          <a:xfrm>
+            <a:off x="7552425" y="2643360"/>
+            <a:ext cx="69075" cy="1229185"/>
+          </a:xfrm>
+          <a:prstGeom prst="rect">
+            <a:avLst/>
+          </a:prstGeom>
+          <a:solidFill>
+            <a:srgbClr val="FFFF00">
+              <a:alpha val="70000"/>
+            </a:srgbClr>
+          </a:solidFill>
+          <a:ln>
+            <a:noFill/>
+          </a:ln>
+        </p:spPr>
+        <p:style>
+          <a:lnRef idx="2">
+            <a:schemeClr val="accent1">
+              <a:shade val="50000"/>
+            </a:schemeClr>
+          </a:lnRef>
+          <a:fillRef idx="1">
+            <a:schemeClr val="accent1"/>
+          </a:fillRef>
+          <a:effectRef idx="0">
+            <a:schemeClr val="accent1"/>
+          </a:effectRef>
+          <a:fontRef idx="minor">
+            <a:schemeClr val="lt1"/>
+          </a:fontRef>
+        </p:style>
+        <p:txBody>
+          <a:bodyPr rtlCol="0" anchor="ctr"/>
+          <a:lstStyle/>
+          <a:p>
+            <a:pPr algn="ctr"/>
+            <a:endParaRPr lang="ko-KR" altLang="en-US"/>
+          </a:p>
+        </p:txBody>
+      </p:sp>
+      <p:sp>
+        <p:nvSpPr>
+          <p:cNvPr id="50" name="직사각형 49"/>
+          <p:cNvSpPr/>
+          <p:nvPr/>
+        </p:nvSpPr>
+        <p:spPr>
+          <a:xfrm>
+            <a:off x="7747869" y="2626786"/>
+            <a:ext cx="69075" cy="1229185"/>
+          </a:xfrm>
+          <a:prstGeom prst="rect">
+            <a:avLst/>
+          </a:prstGeom>
+          <a:solidFill>
+            <a:schemeClr val="bg2">
+              <a:lumMod val="90000"/>
+              <a:alpha val="70000"/>
+            </a:schemeClr>
+          </a:solidFill>
+          <a:ln>
+            <a:noFill/>
+          </a:ln>
+        </p:spPr>
+        <p:style>
+          <a:lnRef idx="2">
+            <a:schemeClr val="accent1">
+              <a:shade val="50000"/>
+            </a:schemeClr>
+          </a:lnRef>
+          <a:fillRef idx="1">
+            <a:schemeClr val="accent1"/>
+          </a:fillRef>
+          <a:effectRef idx="0">
+            <a:schemeClr val="accent1"/>
+          </a:effectRef>
+          <a:fontRef idx="minor">
+            <a:schemeClr val="lt1"/>
+          </a:fontRef>
+        </p:style>
+        <p:txBody>
+          <a:bodyPr rtlCol="0" anchor="ctr"/>
+          <a:lstStyle/>
+          <a:p>
+            <a:pPr algn="ctr"/>
+            <a:endParaRPr lang="ko-KR" altLang="en-US"/>
+          </a:p>
+        </p:txBody>
+      </p:sp>
+      <p:sp>
+        <p:nvSpPr>
+          <p:cNvPr id="51" name="직사각형 50"/>
+          <p:cNvSpPr/>
+          <p:nvPr/>
+        </p:nvSpPr>
+        <p:spPr>
+          <a:xfrm rot="16200000">
+            <a:off x="6082307" y="3365840"/>
+            <a:ext cx="69075" cy="1667112"/>
+          </a:xfrm>
+          <a:prstGeom prst="rect">
+            <a:avLst/>
+          </a:prstGeom>
+          <a:solidFill>
+            <a:srgbClr val="FFFF00">
+              <a:alpha val="70000"/>
+            </a:srgbClr>
+          </a:solidFill>
+          <a:ln>
+            <a:noFill/>
+          </a:ln>
+        </p:spPr>
+        <p:style>
+          <a:lnRef idx="2">
+            <a:schemeClr val="accent1">
+              <a:shade val="50000"/>
+            </a:schemeClr>
+          </a:lnRef>
+          <a:fillRef idx="1">
+            <a:schemeClr val="accent1"/>
+          </a:fillRef>
+          <a:effectRef idx="0">
+            <a:schemeClr val="accent1"/>
+          </a:effectRef>
+          <a:fontRef idx="minor">
+            <a:schemeClr val="lt1"/>
+          </a:fontRef>
+        </p:style>
+        <p:txBody>
+          <a:bodyPr rtlCol="0" anchor="ctr"/>
+          <a:lstStyle/>
+          <a:p>
+            <a:pPr algn="ctr"/>
+            <a:endParaRPr lang="ko-KR" altLang="en-US"/>
+          </a:p>
+        </p:txBody>
+      </p:sp>
+      <p:sp>
+        <p:nvSpPr>
+          <p:cNvPr id="52" name="직사각형 51"/>
+          <p:cNvSpPr/>
+          <p:nvPr/>
+        </p:nvSpPr>
+        <p:spPr>
+          <a:xfrm rot="16200000">
+            <a:off x="6072195" y="3518994"/>
+            <a:ext cx="69075" cy="1667112"/>
+          </a:xfrm>
+          <a:prstGeom prst="rect">
+            <a:avLst/>
+          </a:prstGeom>
+          <a:solidFill>
+            <a:schemeClr val="bg2">
+              <a:lumMod val="90000"/>
+              <a:alpha val="70000"/>
+            </a:schemeClr>
+          </a:solidFill>
+          <a:ln>
+            <a:noFill/>
+          </a:ln>
+        </p:spPr>
+        <p:style>
+          <a:lnRef idx="2">
+            <a:schemeClr val="accent1">
+              <a:shade val="50000"/>
+            </a:schemeClr>
+          </a:lnRef>
+          <a:fillRef idx="1">
+            <a:schemeClr val="accent1"/>
+          </a:fillRef>
+          <a:effectRef idx="0">
+            <a:schemeClr val="accent1"/>
+          </a:effectRef>
+          <a:fontRef idx="minor">
+            <a:schemeClr val="lt1"/>
+          </a:fontRef>
+        </p:style>
+        <p:txBody>
+          <a:bodyPr rtlCol="0" anchor="ctr"/>
+          <a:lstStyle/>
+          <a:p>
+            <a:pPr algn="ctr"/>
+            <a:endParaRPr lang="ko-KR" altLang="en-US"/>
+          </a:p>
+        </p:txBody>
+      </p:sp>
+      <p:sp>
+        <p:nvSpPr>
+          <p:cNvPr id="53" name="막힌 원호 52"/>
+          <p:cNvSpPr/>
+          <p:nvPr/>
+        </p:nvSpPr>
+        <p:spPr>
+          <a:xfrm>
+            <a:off x="6847808" y="1544438"/>
+            <a:ext cx="748800" cy="748800"/>
+          </a:xfrm>
+          <a:prstGeom prst="blockArc">
+            <a:avLst>
+              <a:gd name="adj1" fmla="val 5400017"/>
+              <a:gd name="adj2" fmla="val 8362406"/>
+              <a:gd name="adj3" fmla="val 12146"/>
+            </a:avLst>
+          </a:prstGeom>
+          <a:solidFill>
+            <a:srgbClr val="FFFF00">
+              <a:alpha val="70000"/>
+            </a:srgbClr>
+          </a:solidFill>
+          <a:ln>
+            <a:noFill/>
+          </a:ln>
+        </p:spPr>
+        <p:style>
+          <a:lnRef idx="2">
+            <a:schemeClr val="accent1">
+              <a:shade val="50000"/>
+            </a:schemeClr>
+          </a:lnRef>
+          <a:fillRef idx="1">
+            <a:schemeClr val="accent1"/>
+          </a:fillRef>
+          <a:effectRef idx="0">
+            <a:schemeClr val="accent1"/>
+          </a:effectRef>
+          <a:fontRef idx="minor">
+            <a:schemeClr val="lt1"/>
+          </a:fontRef>
+        </p:style>
+        <p:txBody>
+          <a:bodyPr rtlCol="0" anchor="ctr"/>
+          <a:lstStyle/>
+          <a:p>
+            <a:pPr algn="ctr"/>
+            <a:endParaRPr lang="ko-KR" altLang="en-US">
+              <a:solidFill>
+                <a:schemeClr val="tx1"/>
+              </a:solidFill>
+            </a:endParaRPr>
+          </a:p>
+        </p:txBody>
+      </p:sp>
+      <p:sp>
+        <p:nvSpPr>
+          <p:cNvPr id="54" name="막힌 원호 53"/>
+          <p:cNvSpPr/>
+          <p:nvPr/>
+        </p:nvSpPr>
+        <p:spPr>
+          <a:xfrm>
+            <a:off x="6999069" y="1209092"/>
+            <a:ext cx="748800" cy="748800"/>
+          </a:xfrm>
+          <a:prstGeom prst="blockArc">
+            <a:avLst>
+              <a:gd name="adj1" fmla="val 5400017"/>
+              <a:gd name="adj2" fmla="val 8362406"/>
+              <a:gd name="adj3" fmla="val 12146"/>
+            </a:avLst>
+          </a:prstGeom>
+          <a:solidFill>
+            <a:schemeClr val="bg2">
+              <a:lumMod val="90000"/>
+              <a:alpha val="70000"/>
+            </a:schemeClr>
+          </a:solidFill>
+          <a:ln>
+            <a:noFill/>
+          </a:ln>
+        </p:spPr>
+        <p:style>
+          <a:lnRef idx="2">
+            <a:schemeClr val="accent1">
+              <a:shade val="50000"/>
+            </a:schemeClr>
+          </a:lnRef>
+          <a:fillRef idx="1">
+            <a:schemeClr val="accent1"/>
+          </a:fillRef>
+          <a:effectRef idx="0">
+            <a:schemeClr val="accent1"/>
+          </a:effectRef>
+          <a:fontRef idx="minor">
+            <a:schemeClr val="lt1"/>
+          </a:fontRef>
+        </p:style>
+        <p:txBody>
+          <a:bodyPr rtlCol="0" anchor="ctr"/>
+          <a:lstStyle/>
+          <a:p>
+            <a:pPr algn="ctr"/>
+            <a:endParaRPr lang="ko-KR" altLang="en-US">
+              <a:solidFill>
+                <a:schemeClr val="tx1"/>
+              </a:solidFill>
+            </a:endParaRPr>
+          </a:p>
+        </p:txBody>
+      </p:sp>
+      <p:sp>
+        <p:nvSpPr>
+          <p:cNvPr id="56" name="막힌 원호 55"/>
+          <p:cNvSpPr/>
+          <p:nvPr/>
+        </p:nvSpPr>
+        <p:spPr>
+          <a:xfrm>
+            <a:off x="4021033" y="3702106"/>
+            <a:ext cx="834062" cy="834062"/>
+          </a:xfrm>
+          <a:prstGeom prst="blockArc">
+            <a:avLst>
+              <a:gd name="adj1" fmla="val 19655502"/>
+              <a:gd name="adj2" fmla="val 21456132"/>
+              <a:gd name="adj3" fmla="val 11318"/>
+            </a:avLst>
+          </a:prstGeom>
+          <a:solidFill>
+            <a:srgbClr val="FFFF00">
+              <a:alpha val="70000"/>
+            </a:srgbClr>
+          </a:solidFill>
+          <a:ln>
+            <a:noFill/>
+          </a:ln>
+        </p:spPr>
+        <p:style>
+          <a:lnRef idx="2">
+            <a:schemeClr val="accent1">
+              <a:shade val="50000"/>
+            </a:schemeClr>
+          </a:lnRef>
+          <a:fillRef idx="1">
+            <a:schemeClr val="accent1"/>
+          </a:fillRef>
+          <a:effectRef idx="0">
+            <a:schemeClr val="accent1"/>
+          </a:effectRef>
+          <a:fontRef idx="minor">
+            <a:schemeClr val="lt1"/>
+          </a:fontRef>
+        </p:style>
+        <p:txBody>
+          <a:bodyPr rtlCol="0" anchor="ctr"/>
+          <a:lstStyle/>
+          <a:p>
+            <a:pPr algn="ctr"/>
+            <a:endParaRPr lang="ko-KR" altLang="en-US">
+              <a:solidFill>
+                <a:schemeClr val="tx1"/>
+              </a:solidFill>
+            </a:endParaRPr>
+          </a:p>
+        </p:txBody>
+      </p:sp>
+    </p:spTree>
+    <p:extLst>
+      <p:ext uri="{BB962C8B-B14F-4D97-AF65-F5344CB8AC3E}">
+        <p14:creationId xmlns:p14="http://schemas.microsoft.com/office/powerpoint/2010/main" val="3696863731"/>
+      </p:ext>
+    </p:extLst>
+  </p:cSld>
+  <p:clrMapOvr>
+    <a:masterClrMapping/>
+  </p:clrMapOvr>
+  <p:timing>
+    <p:tnLst>
+      <p:par>
+        <p:cTn id="1" dur="indefinite" restart="never" nodeType="tmRoot"/>
+      </p:par>
+    </p:tnLst>
+  </p:timing>
+</p:sld>
+</file>
+
+<file path=ppt/slides/slide16.xml><?xml version="1.0" encoding="utf-8"?>
+<p:sld xmlns:a="http://schemas.openxmlformats.org/drawingml/2006/main" xmlns:r="http://schemas.openxmlformats.org/officeDocument/2006/relationships" xmlns:p="http://schemas.openxmlformats.org/presentationml/2006/main">
+  <p:cSld>
+    <p:spTree>
+      <p:nvGrpSpPr>
+        <p:cNvPr id="1" name=""/>
+        <p:cNvGrpSpPr/>
+        <p:nvPr/>
+      </p:nvGrpSpPr>
+      <p:grpSpPr>
+        <a:xfrm>
+          <a:off x="0" y="0"/>
+          <a:ext cx="0" cy="0"/>
+          <a:chOff x="0" y="0"/>
+          <a:chExt cx="0" cy="0"/>
+        </a:xfrm>
+      </p:grpSpPr>
+      <p:sp>
+        <p:nvSpPr>
+          <p:cNvPr id="2" name="타원 1"/>
+          <p:cNvSpPr/>
+          <p:nvPr/>
+        </p:nvSpPr>
+        <p:spPr>
+          <a:xfrm>
+            <a:off x="971550" y="561975"/>
+            <a:ext cx="2305050" cy="2305050"/>
+          </a:xfrm>
+          <a:prstGeom prst="ellipse">
+            <a:avLst/>
+          </a:prstGeom>
+        </p:spPr>
+        <p:style>
+          <a:lnRef idx="0">
+            <a:schemeClr val="accent4"/>
+          </a:lnRef>
+          <a:fillRef idx="3">
+            <a:schemeClr val="accent4"/>
+          </a:fillRef>
+          <a:effectRef idx="3">
+            <a:schemeClr val="accent4"/>
+          </a:effectRef>
+          <a:fontRef idx="minor">
+            <a:schemeClr val="lt1"/>
+          </a:fontRef>
+        </p:style>
+        <p:txBody>
+          <a:bodyPr rtlCol="0" anchor="ctr"/>
+          <a:lstStyle/>
+          <a:p>
+            <a:pPr algn="ctr"/>
+            <a:r>
+              <a:rPr lang="ko-KR" altLang="en-US" sz="5000" dirty="0" smtClean="0"/>
+              <a:t>종류</a:t>
+            </a:r>
+            <a:endParaRPr lang="en-US" altLang="ko-KR" sz="5000" dirty="0" smtClean="0"/>
+          </a:p>
+          <a:p>
+            <a:pPr algn="ctr"/>
+            <a:r>
+              <a:rPr lang="en-US" altLang="ko-KR" sz="5000" dirty="0" smtClean="0"/>
+              <a:t>ON</a:t>
+            </a:r>
+            <a:endParaRPr lang="ko-KR" altLang="en-US" sz="5000" dirty="0"/>
+          </a:p>
+        </p:txBody>
+      </p:sp>
+      <p:sp>
+        <p:nvSpPr>
+          <p:cNvPr id="3" name="타원 2"/>
+          <p:cNvSpPr/>
+          <p:nvPr/>
+        </p:nvSpPr>
+        <p:spPr>
+          <a:xfrm>
+            <a:off x="4076700" y="561975"/>
+            <a:ext cx="2305050" cy="2305050"/>
+          </a:xfrm>
+          <a:prstGeom prst="ellipse">
+            <a:avLst/>
+          </a:prstGeom>
+        </p:spPr>
+        <p:style>
+          <a:lnRef idx="0">
+            <a:schemeClr val="accent4"/>
+          </a:lnRef>
+          <a:fillRef idx="3">
+            <a:schemeClr val="accent4"/>
+          </a:fillRef>
+          <a:effectRef idx="3">
+            <a:schemeClr val="accent4"/>
+          </a:effectRef>
+          <a:fontRef idx="minor">
+            <a:schemeClr val="lt1"/>
+          </a:fontRef>
+        </p:style>
+        <p:txBody>
+          <a:bodyPr rtlCol="0" anchor="ctr"/>
+          <a:lstStyle/>
+          <a:p>
+            <a:pPr algn="ctr"/>
+            <a:r>
+              <a:rPr lang="ko-KR" altLang="en-US" sz="5000" dirty="0" smtClean="0"/>
+              <a:t>종류</a:t>
+            </a:r>
+            <a:endParaRPr lang="en-US" altLang="ko-KR" sz="5000" dirty="0" smtClean="0"/>
+          </a:p>
+          <a:p>
+            <a:pPr algn="ctr"/>
+            <a:r>
+              <a:rPr lang="en-US" altLang="ko-KR" sz="5000" dirty="0" smtClean="0"/>
+              <a:t>OFF</a:t>
+            </a:r>
+            <a:endParaRPr lang="ko-KR" altLang="en-US" sz="5000" dirty="0"/>
+          </a:p>
+        </p:txBody>
+      </p:sp>
+      <p:sp>
+        <p:nvSpPr>
+          <p:cNvPr id="4" name="TextBox 3"/>
+          <p:cNvSpPr txBox="1"/>
+          <p:nvPr/>
+        </p:nvSpPr>
+        <p:spPr>
+          <a:xfrm>
+            <a:off x="1562098" y="3800475"/>
+            <a:ext cx="540000" cy="369332"/>
+          </a:xfrm>
+          <a:prstGeom prst="rect">
+            <a:avLst/>
+          </a:prstGeom>
+          <a:noFill/>
+        </p:spPr>
+        <p:txBody>
+          <a:bodyPr wrap="square" rtlCol="0">
+            <a:spAutoFit/>
+          </a:bodyPr>
+          <a:lstStyle/>
+          <a:p>
+            <a:r>
+              <a:rPr lang="en-US" altLang="ko-KR" dirty="0" smtClean="0"/>
+              <a:t>sin</a:t>
+            </a:r>
+            <a:endParaRPr lang="ko-KR" altLang="en-US" dirty="0"/>
+          </a:p>
+        </p:txBody>
+      </p:sp>
+      <p:sp>
+        <p:nvSpPr>
+          <p:cNvPr id="5" name="TextBox 4"/>
+          <p:cNvSpPr txBox="1"/>
+          <p:nvPr/>
+        </p:nvSpPr>
+        <p:spPr>
+          <a:xfrm>
+            <a:off x="1647824" y="4206657"/>
+            <a:ext cx="540000" cy="360000"/>
+          </a:xfrm>
+          <a:prstGeom prst="rect">
+            <a:avLst/>
+          </a:prstGeom>
+          <a:noFill/>
+        </p:spPr>
+        <p:txBody>
+          <a:bodyPr wrap="square" rtlCol="0">
+            <a:spAutoFit/>
+          </a:bodyPr>
+          <a:lstStyle/>
+          <a:p>
+            <a:r>
+              <a:rPr lang="en-US" altLang="ko-KR" dirty="0" smtClean="0"/>
+              <a:t>sec</a:t>
+            </a:r>
+            <a:endParaRPr lang="ko-KR" altLang="en-US" dirty="0"/>
+          </a:p>
+        </p:txBody>
+      </p:sp>
+      <p:sp>
+        <p:nvSpPr>
+          <p:cNvPr id="6" name="TextBox 5"/>
+          <p:cNvSpPr txBox="1"/>
+          <p:nvPr/>
+        </p:nvSpPr>
+        <p:spPr>
+          <a:xfrm>
+            <a:off x="1647824" y="4577834"/>
+            <a:ext cx="540000" cy="360000"/>
+          </a:xfrm>
+          <a:prstGeom prst="rect">
+            <a:avLst/>
+          </a:prstGeom>
+          <a:noFill/>
+        </p:spPr>
+        <p:txBody>
+          <a:bodyPr wrap="square" rtlCol="0">
+            <a:spAutoFit/>
+          </a:bodyPr>
+          <a:lstStyle/>
+          <a:p>
+            <a:r>
+              <a:rPr lang="en-US" altLang="ko-KR" dirty="0" smtClean="0"/>
+              <a:t>tan</a:t>
+            </a:r>
+            <a:endParaRPr lang="ko-KR" altLang="en-US" dirty="0"/>
+          </a:p>
+        </p:txBody>
+      </p:sp>
+      <p:sp>
+        <p:nvSpPr>
+          <p:cNvPr id="7" name="TextBox 6"/>
+          <p:cNvSpPr txBox="1"/>
+          <p:nvPr/>
+        </p:nvSpPr>
+        <p:spPr>
+          <a:xfrm>
+            <a:off x="1562100" y="4950857"/>
+            <a:ext cx="540000" cy="360000"/>
+          </a:xfrm>
+          <a:prstGeom prst="rect">
+            <a:avLst/>
+          </a:prstGeom>
+          <a:noFill/>
+        </p:spPr>
+        <p:txBody>
+          <a:bodyPr wrap="square" rtlCol="0">
+            <a:spAutoFit/>
+          </a:bodyPr>
+          <a:lstStyle/>
+          <a:p>
+            <a:r>
+              <a:rPr lang="en-US" altLang="ko-KR" dirty="0" smtClean="0"/>
+              <a:t>cos</a:t>
+            </a:r>
+            <a:endParaRPr lang="ko-KR" altLang="en-US" dirty="0"/>
+          </a:p>
+        </p:txBody>
+      </p:sp>
+      <p:sp>
+        <p:nvSpPr>
+          <p:cNvPr id="8" name="TextBox 7"/>
+          <p:cNvSpPr txBox="1"/>
+          <p:nvPr/>
+        </p:nvSpPr>
+        <p:spPr>
+          <a:xfrm>
+            <a:off x="1562098" y="5384616"/>
+            <a:ext cx="828000" cy="360000"/>
+          </a:xfrm>
+          <a:prstGeom prst="rect">
+            <a:avLst/>
+          </a:prstGeom>
+          <a:noFill/>
+        </p:spPr>
+        <p:txBody>
+          <a:bodyPr wrap="square" rtlCol="0">
+            <a:spAutoFit/>
+          </a:bodyPr>
+          <a:lstStyle/>
+          <a:p>
+            <a:r>
+              <a:rPr lang="en-US" altLang="ko-KR" dirty="0" smtClean="0"/>
+              <a:t>cosec</a:t>
+            </a:r>
+            <a:endParaRPr lang="ko-KR" altLang="en-US" dirty="0"/>
+          </a:p>
+        </p:txBody>
+      </p:sp>
+      <p:sp>
+        <p:nvSpPr>
+          <p:cNvPr id="9" name="TextBox 8"/>
+          <p:cNvSpPr txBox="1"/>
+          <p:nvPr/>
+        </p:nvSpPr>
+        <p:spPr>
+          <a:xfrm>
+            <a:off x="1561422" y="5741239"/>
+            <a:ext cx="828676" cy="360000"/>
+          </a:xfrm>
+          <a:prstGeom prst="rect">
+            <a:avLst/>
+          </a:prstGeom>
+          <a:noFill/>
+        </p:spPr>
+        <p:txBody>
+          <a:bodyPr wrap="square" rtlCol="0">
+            <a:spAutoFit/>
+          </a:bodyPr>
+          <a:lstStyle/>
+          <a:p>
+            <a:r>
+              <a:rPr lang="en-US" altLang="ko-KR" dirty="0" smtClean="0"/>
+              <a:t>cotan</a:t>
+            </a:r>
+            <a:endParaRPr lang="ko-KR" altLang="en-US" dirty="0"/>
+          </a:p>
+        </p:txBody>
+      </p:sp>
+      <p:sp>
+        <p:nvSpPr>
+          <p:cNvPr id="10" name="TextBox 9"/>
+          <p:cNvSpPr txBox="1"/>
+          <p:nvPr/>
+        </p:nvSpPr>
+        <p:spPr>
+          <a:xfrm>
+            <a:off x="4991100" y="3562350"/>
+            <a:ext cx="317716" cy="369332"/>
+          </a:xfrm>
+          <a:prstGeom prst="rect">
+            <a:avLst/>
+          </a:prstGeom>
+          <a:noFill/>
+        </p:spPr>
+        <p:txBody>
+          <a:bodyPr wrap="none" rtlCol="0">
+            <a:spAutoFit/>
+          </a:bodyPr>
+          <a:lstStyle/>
+          <a:p>
+            <a:r>
+              <a:rPr lang="en-US" altLang="ko-KR" b="1" dirty="0" smtClean="0">
+                <a:solidFill>
+                  <a:srgbClr val="FF0000"/>
+                </a:solidFill>
+              </a:rPr>
+              <a:t>1</a:t>
+            </a:r>
+            <a:endParaRPr lang="ko-KR" altLang="en-US" b="1" dirty="0">
+              <a:solidFill>
+                <a:srgbClr val="FF0000"/>
+              </a:solidFill>
+            </a:endParaRPr>
+          </a:p>
+        </p:txBody>
+      </p:sp>
     </p:spTree>
     <p:extLst>
       <p:ext uri="{BB962C8B-B14F-4D97-AF65-F5344CB8AC3E}">
@@ -7002,7 +8459,7 @@
 </p:sld>
 </file>
 
-<file path=ppt/slides/slide16.xml><?xml version="1.0" encoding="utf-8"?>
+<file path=ppt/slides/slide17.xml><?xml version="1.0" encoding="utf-8"?>
 <p:sld xmlns:a="http://schemas.openxmlformats.org/drawingml/2006/main" xmlns:r="http://schemas.openxmlformats.org/officeDocument/2006/relationships" xmlns:p="http://schemas.openxmlformats.org/presentationml/2006/main">
   <p:cSld>
     <p:spTree>
@@ -7032,7 +8489,7 @@
 </p:sld>
 </file>
 
-<file path=ppt/slides/slide17.xml><?xml version="1.0" encoding="utf-8"?>
+<file path=ppt/slides/slide18.xml><?xml version="1.0" encoding="utf-8"?>
 <p:sld xmlns:a="http://schemas.openxmlformats.org/drawingml/2006/main" xmlns:r="http://schemas.openxmlformats.org/officeDocument/2006/relationships" xmlns:p="http://schemas.openxmlformats.org/presentationml/2006/main">
   <p:cSld>
     <p:spTree>
@@ -7062,7 +8519,7 @@
 </p:sld>
 </file>
 
-<file path=ppt/slides/slide18.xml><?xml version="1.0" encoding="utf-8"?>
+<file path=ppt/slides/slide19.xml><?xml version="1.0" encoding="utf-8"?>
 <p:sld xmlns:a="http://schemas.openxmlformats.org/drawingml/2006/main" xmlns:r="http://schemas.openxmlformats.org/officeDocument/2006/relationships" xmlns:p="http://schemas.openxmlformats.org/presentationml/2006/main">
   <p:cSld>
     <p:spTree>
@@ -7092,7 +8549,93 @@
 </p:sld>
 </file>
 
-<file path=ppt/slides/slide19.xml><?xml version="1.0" encoding="utf-8"?>
+<file path=ppt/slides/slide2.xml><?xml version="1.0" encoding="utf-8"?>
+<p:sld xmlns:a="http://schemas.openxmlformats.org/drawingml/2006/main" xmlns:r="http://schemas.openxmlformats.org/officeDocument/2006/relationships" xmlns:p="http://schemas.openxmlformats.org/presentationml/2006/main">
+  <p:cSld>
+    <p:spTree>
+      <p:nvGrpSpPr>
+        <p:cNvPr id="1" name=""/>
+        <p:cNvGrpSpPr/>
+        <p:nvPr/>
+      </p:nvGrpSpPr>
+      <p:grpSpPr>
+        <a:xfrm>
+          <a:off x="0" y="0"/>
+          <a:ext cx="0" cy="0"/>
+          <a:chOff x="0" y="0"/>
+          <a:chExt cx="0" cy="0"/>
+        </a:xfrm>
+      </p:grpSpPr>
+      <p:sp>
+        <p:nvSpPr>
+          <p:cNvPr id="2" name="직사각형 1"/>
+          <p:cNvSpPr/>
+          <p:nvPr/>
+        </p:nvSpPr>
+        <p:spPr>
+          <a:xfrm>
+            <a:off x="357445" y="133002"/>
+            <a:ext cx="11520000" cy="6480000"/>
+          </a:xfrm>
+          <a:prstGeom prst="rect">
+            <a:avLst/>
+          </a:prstGeom>
+          <a:blipFill>
+            <a:blip r:embed="rId2"/>
+            <a:tile tx="0" ty="0" sx="100000" sy="100000" flip="none" algn="tl"/>
+          </a:blipFill>
+          <a:ln>
+            <a:solidFill>
+              <a:schemeClr val="bg1"/>
+            </a:solidFill>
+          </a:ln>
+        </p:spPr>
+        <p:style>
+          <a:lnRef idx="2">
+            <a:schemeClr val="accent1">
+              <a:shade val="50000"/>
+            </a:schemeClr>
+          </a:lnRef>
+          <a:fillRef idx="1">
+            <a:schemeClr val="accent1"/>
+          </a:fillRef>
+          <a:effectRef idx="0">
+            <a:schemeClr val="accent1"/>
+          </a:effectRef>
+          <a:fontRef idx="minor">
+            <a:schemeClr val="lt1"/>
+          </a:fontRef>
+        </p:style>
+        <p:txBody>
+          <a:bodyPr rtlCol="0" anchor="ctr"/>
+          <a:lstStyle/>
+          <a:p>
+            <a:pPr algn="ctr"/>
+            <a:endParaRPr lang="ko-KR" altLang="en-US"/>
+          </a:p>
+        </p:txBody>
+      </p:sp>
+    </p:spTree>
+    <p:extLst>
+      <p:ext uri="{BB962C8B-B14F-4D97-AF65-F5344CB8AC3E}">
+        <p14:creationId xmlns:p14="http://schemas.microsoft.com/office/powerpoint/2010/main" val="3314254897"/>
+      </p:ext>
+    </p:extLst>
+  </p:cSld>
+  <p:clrMapOvr>
+    <a:masterClrMapping/>
+  </p:clrMapOvr>
+  <p:timing>
+    <p:tnLst>
+      <p:par>
+        <p:cTn id="1" dur="indefinite" restart="never" nodeType="tmRoot"/>
+      </p:par>
+    </p:tnLst>
+  </p:timing>
+</p:sld>
+</file>
+
+<file path=ppt/slides/slide20.xml><?xml version="1.0" encoding="utf-8"?>
 <p:sld xmlns:a="http://schemas.openxmlformats.org/drawingml/2006/main" xmlns:r="http://schemas.openxmlformats.org/officeDocument/2006/relationships" xmlns:p="http://schemas.openxmlformats.org/presentationml/2006/main">
   <p:cSld>
     <p:spTree>
@@ -7119,92 +8662,6 @@
   <p:clrMapOvr>
     <a:masterClrMapping/>
   </p:clrMapOvr>
-</p:sld>
-</file>
-
-<file path=ppt/slides/slide2.xml><?xml version="1.0" encoding="utf-8"?>
-<p:sld xmlns:a="http://schemas.openxmlformats.org/drawingml/2006/main" xmlns:r="http://schemas.openxmlformats.org/officeDocument/2006/relationships" xmlns:p="http://schemas.openxmlformats.org/presentationml/2006/main">
-  <p:cSld>
-    <p:spTree>
-      <p:nvGrpSpPr>
-        <p:cNvPr id="1" name=""/>
-        <p:cNvGrpSpPr/>
-        <p:nvPr/>
-      </p:nvGrpSpPr>
-      <p:grpSpPr>
-        <a:xfrm>
-          <a:off x="0" y="0"/>
-          <a:ext cx="0" cy="0"/>
-          <a:chOff x="0" y="0"/>
-          <a:chExt cx="0" cy="0"/>
-        </a:xfrm>
-      </p:grpSpPr>
-      <p:sp>
-        <p:nvSpPr>
-          <p:cNvPr id="2" name="직사각형 1"/>
-          <p:cNvSpPr/>
-          <p:nvPr/>
-        </p:nvSpPr>
-        <p:spPr>
-          <a:xfrm>
-            <a:off x="357445" y="133002"/>
-            <a:ext cx="11520000" cy="6480000"/>
-          </a:xfrm>
-          <a:prstGeom prst="rect">
-            <a:avLst/>
-          </a:prstGeom>
-          <a:blipFill>
-            <a:blip r:embed="rId2"/>
-            <a:tile tx="0" ty="0" sx="100000" sy="100000" flip="none" algn="tl"/>
-          </a:blipFill>
-          <a:ln>
-            <a:solidFill>
-              <a:schemeClr val="bg1"/>
-            </a:solidFill>
-          </a:ln>
-        </p:spPr>
-        <p:style>
-          <a:lnRef idx="2">
-            <a:schemeClr val="accent1">
-              <a:shade val="50000"/>
-            </a:schemeClr>
-          </a:lnRef>
-          <a:fillRef idx="1">
-            <a:schemeClr val="accent1"/>
-          </a:fillRef>
-          <a:effectRef idx="0">
-            <a:schemeClr val="accent1"/>
-          </a:effectRef>
-          <a:fontRef idx="minor">
-            <a:schemeClr val="lt1"/>
-          </a:fontRef>
-        </p:style>
-        <p:txBody>
-          <a:bodyPr rtlCol="0" anchor="ctr"/>
-          <a:lstStyle/>
-          <a:p>
-            <a:pPr algn="ctr"/>
-            <a:endParaRPr lang="ko-KR" altLang="en-US"/>
-          </a:p>
-        </p:txBody>
-      </p:sp>
-    </p:spTree>
-    <p:extLst>
-      <p:ext uri="{BB962C8B-B14F-4D97-AF65-F5344CB8AC3E}">
-        <p14:creationId xmlns:p14="http://schemas.microsoft.com/office/powerpoint/2010/main" val="3314254897"/>
-      </p:ext>
-    </p:extLst>
-  </p:cSld>
-  <p:clrMapOvr>
-    <a:masterClrMapping/>
-  </p:clrMapOvr>
-  <p:timing>
-    <p:tnLst>
-      <p:par>
-        <p:cTn id="1" dur="indefinite" restart="never" nodeType="tmRoot"/>
-      </p:par>
-    </p:tnLst>
-  </p:timing>
 </p:sld>
 </file>
 

--- a/TriFunction/그림용.pptx
+++ b/TriFunction/그림용.pptx
@@ -216,7 +216,7 @@
           <a:p>
             <a:fld id="{7A69A65F-D152-468D-9567-D5957D3F5103}" type="datetimeFigureOut">
               <a:rPr lang="ko-KR" altLang="en-US" smtClean="0"/>
-              <a:t>2018-10-12</a:t>
+              <a:t>2018-11-05</a:t>
             </a:fld>
             <a:endParaRPr lang="ko-KR" altLang="en-US"/>
           </a:p>
@@ -615,7 +615,7 @@
           <a:p>
             <a:fld id="{39D6D5D5-D1C6-465B-B735-E2307C7708EA}" type="datetimeFigureOut">
               <a:rPr lang="ko-KR" altLang="en-US" smtClean="0"/>
-              <a:t>2018-10-12</a:t>
+              <a:t>2018-11-05</a:t>
             </a:fld>
             <a:endParaRPr lang="ko-KR" altLang="en-US"/>
           </a:p>
@@ -785,7 +785,7 @@
           <a:p>
             <a:fld id="{39D6D5D5-D1C6-465B-B735-E2307C7708EA}" type="datetimeFigureOut">
               <a:rPr lang="ko-KR" altLang="en-US" smtClean="0"/>
-              <a:t>2018-10-12</a:t>
+              <a:t>2018-11-05</a:t>
             </a:fld>
             <a:endParaRPr lang="ko-KR" altLang="en-US"/>
           </a:p>
@@ -965,7 +965,7 @@
           <a:p>
             <a:fld id="{39D6D5D5-D1C6-465B-B735-E2307C7708EA}" type="datetimeFigureOut">
               <a:rPr lang="ko-KR" altLang="en-US" smtClean="0"/>
-              <a:t>2018-10-12</a:t>
+              <a:t>2018-11-05</a:t>
             </a:fld>
             <a:endParaRPr lang="ko-KR" altLang="en-US"/>
           </a:p>
@@ -1135,7 +1135,7 @@
           <a:p>
             <a:fld id="{39D6D5D5-D1C6-465B-B735-E2307C7708EA}" type="datetimeFigureOut">
               <a:rPr lang="ko-KR" altLang="en-US" smtClean="0"/>
-              <a:t>2018-10-12</a:t>
+              <a:t>2018-11-05</a:t>
             </a:fld>
             <a:endParaRPr lang="ko-KR" altLang="en-US"/>
           </a:p>
@@ -1381,7 +1381,7 @@
           <a:p>
             <a:fld id="{39D6D5D5-D1C6-465B-B735-E2307C7708EA}" type="datetimeFigureOut">
               <a:rPr lang="ko-KR" altLang="en-US" smtClean="0"/>
-              <a:t>2018-10-12</a:t>
+              <a:t>2018-11-05</a:t>
             </a:fld>
             <a:endParaRPr lang="ko-KR" altLang="en-US"/>
           </a:p>
@@ -1613,7 +1613,7 @@
           <a:p>
             <a:fld id="{39D6D5D5-D1C6-465B-B735-E2307C7708EA}" type="datetimeFigureOut">
               <a:rPr lang="ko-KR" altLang="en-US" smtClean="0"/>
-              <a:t>2018-10-12</a:t>
+              <a:t>2018-11-05</a:t>
             </a:fld>
             <a:endParaRPr lang="ko-KR" altLang="en-US"/>
           </a:p>
@@ -1980,7 +1980,7 @@
           <a:p>
             <a:fld id="{39D6D5D5-D1C6-465B-B735-E2307C7708EA}" type="datetimeFigureOut">
               <a:rPr lang="ko-KR" altLang="en-US" smtClean="0"/>
-              <a:t>2018-10-12</a:t>
+              <a:t>2018-11-05</a:t>
             </a:fld>
             <a:endParaRPr lang="ko-KR" altLang="en-US"/>
           </a:p>
@@ -2098,7 +2098,7 @@
           <a:p>
             <a:fld id="{39D6D5D5-D1C6-465B-B735-E2307C7708EA}" type="datetimeFigureOut">
               <a:rPr lang="ko-KR" altLang="en-US" smtClean="0"/>
-              <a:t>2018-10-12</a:t>
+              <a:t>2018-11-05</a:t>
             </a:fld>
             <a:endParaRPr lang="ko-KR" altLang="en-US"/>
           </a:p>
@@ -2193,7 +2193,7 @@
           <a:p>
             <a:fld id="{39D6D5D5-D1C6-465B-B735-E2307C7708EA}" type="datetimeFigureOut">
               <a:rPr lang="ko-KR" altLang="en-US" smtClean="0"/>
-              <a:t>2018-10-12</a:t>
+              <a:t>2018-11-05</a:t>
             </a:fld>
             <a:endParaRPr lang="ko-KR" altLang="en-US"/>
           </a:p>
@@ -2470,7 +2470,7 @@
           <a:p>
             <a:fld id="{39D6D5D5-D1C6-465B-B735-E2307C7708EA}" type="datetimeFigureOut">
               <a:rPr lang="ko-KR" altLang="en-US" smtClean="0"/>
-              <a:t>2018-10-12</a:t>
+              <a:t>2018-11-05</a:t>
             </a:fld>
             <a:endParaRPr lang="ko-KR" altLang="en-US"/>
           </a:p>
@@ -2723,7 +2723,7 @@
           <a:p>
             <a:fld id="{39D6D5D5-D1C6-465B-B735-E2307C7708EA}" type="datetimeFigureOut">
               <a:rPr lang="ko-KR" altLang="en-US" smtClean="0"/>
-              <a:t>2018-10-12</a:t>
+              <a:t>2018-11-05</a:t>
             </a:fld>
             <a:endParaRPr lang="ko-KR" altLang="en-US"/>
           </a:p>
@@ -2936,7 +2936,7 @@
           <a:p>
             <a:fld id="{39D6D5D5-D1C6-465B-B735-E2307C7708EA}" type="datetimeFigureOut">
               <a:rPr lang="ko-KR" altLang="en-US" smtClean="0"/>
-              <a:t>2018-10-12</a:t>
+              <a:t>2018-11-05</a:t>
             </a:fld>
             <a:endParaRPr lang="ko-KR" altLang="en-US"/>
           </a:p>
@@ -12704,7 +12704,7 @@
         </p:nvSpPr>
         <p:spPr>
           <a:xfrm>
-            <a:off x="1409960" y="4015453"/>
+            <a:off x="3562956" y="4015453"/>
             <a:ext cx="2044931" cy="665018"/>
           </a:xfrm>
           <a:prstGeom prst="roundRect">
@@ -12764,7 +12764,7 @@
         </p:nvSpPr>
         <p:spPr>
           <a:xfrm>
-            <a:off x="3687388" y="4015453"/>
+            <a:off x="1161096" y="4015453"/>
             <a:ext cx="2044931" cy="665018"/>
           </a:xfrm>
           <a:prstGeom prst="roundRect">
@@ -13050,6 +13050,186 @@
           </p:txBody>
         </p:sp>
       </p:grpSp>
+      <p:sp>
+        <p:nvSpPr>
+          <p:cNvPr id="7" name="모서리가 둥근 직사각형 6"/>
+          <p:cNvSpPr/>
+          <p:nvPr/>
+        </p:nvSpPr>
+        <p:spPr>
+          <a:xfrm>
+            <a:off x="5981441" y="4248210"/>
+            <a:ext cx="2044931" cy="665018"/>
+          </a:xfrm>
+          <a:prstGeom prst="roundRect">
+            <a:avLst/>
+          </a:prstGeom>
+          <a:solidFill>
+            <a:schemeClr val="bg1"/>
+          </a:solidFill>
+          <a:ln>
+            <a:solidFill>
+              <a:schemeClr val="tx1"/>
+            </a:solidFill>
+          </a:ln>
+        </p:spPr>
+        <p:style>
+          <a:lnRef idx="2">
+            <a:schemeClr val="accent1">
+              <a:shade val="50000"/>
+            </a:schemeClr>
+          </a:lnRef>
+          <a:fillRef idx="1">
+            <a:schemeClr val="accent1"/>
+          </a:fillRef>
+          <a:effectRef idx="0">
+            <a:schemeClr val="accent1"/>
+          </a:effectRef>
+          <a:fontRef idx="minor">
+            <a:schemeClr val="lt1"/>
+          </a:fontRef>
+        </p:style>
+        <p:txBody>
+          <a:bodyPr rtlCol="0" anchor="ctr"/>
+          <a:lstStyle/>
+          <a:p>
+            <a:pPr algn="ctr"/>
+            <a:r>
+              <a:rPr lang="ko-KR" altLang="en-US" dirty="0" err="1" smtClean="0">
+                <a:solidFill>
+                  <a:schemeClr val="tx1"/>
+                </a:solidFill>
+              </a:rPr>
+              <a:t>무한모드</a:t>
+            </a:r>
+            <a:endParaRPr lang="en-US" altLang="ko-KR" dirty="0" smtClean="0">
+              <a:solidFill>
+                <a:schemeClr val="tx1"/>
+              </a:solidFill>
+            </a:endParaRPr>
+          </a:p>
+        </p:txBody>
+      </p:sp>
+      <p:sp>
+        <p:nvSpPr>
+          <p:cNvPr id="8" name="모서리가 둥근 직사각형 7"/>
+          <p:cNvSpPr/>
+          <p:nvPr/>
+        </p:nvSpPr>
+        <p:spPr>
+          <a:xfrm>
+            <a:off x="3624567" y="4248210"/>
+            <a:ext cx="2044931" cy="665018"/>
+          </a:xfrm>
+          <a:prstGeom prst="roundRect">
+            <a:avLst/>
+          </a:prstGeom>
+          <a:solidFill>
+            <a:schemeClr val="bg1"/>
+          </a:solidFill>
+          <a:ln>
+            <a:solidFill>
+              <a:schemeClr val="tx1"/>
+            </a:solidFill>
+          </a:ln>
+        </p:spPr>
+        <p:style>
+          <a:lnRef idx="2">
+            <a:schemeClr val="accent1">
+              <a:shade val="50000"/>
+            </a:schemeClr>
+          </a:lnRef>
+          <a:fillRef idx="1">
+            <a:schemeClr val="accent1"/>
+          </a:fillRef>
+          <a:effectRef idx="0">
+            <a:schemeClr val="accent1"/>
+          </a:effectRef>
+          <a:fontRef idx="minor">
+            <a:schemeClr val="lt1"/>
+          </a:fontRef>
+        </p:style>
+        <p:txBody>
+          <a:bodyPr rtlCol="0" anchor="ctr"/>
+          <a:lstStyle/>
+          <a:p>
+            <a:pPr algn="ctr"/>
+            <a:r>
+              <a:rPr lang="ko-KR" altLang="en-US" dirty="0" err="1" smtClean="0">
+                <a:solidFill>
+                  <a:schemeClr val="tx1"/>
+                </a:solidFill>
+              </a:rPr>
+              <a:t>재시작</a:t>
+            </a:r>
+            <a:endParaRPr lang="en-US" altLang="ko-KR" dirty="0" smtClean="0">
+              <a:solidFill>
+                <a:schemeClr val="tx1"/>
+              </a:solidFill>
+            </a:endParaRPr>
+          </a:p>
+        </p:txBody>
+      </p:sp>
+      <p:sp>
+        <p:nvSpPr>
+          <p:cNvPr id="9" name="모서리가 둥근 직사각형 8"/>
+          <p:cNvSpPr/>
+          <p:nvPr/>
+        </p:nvSpPr>
+        <p:spPr>
+          <a:xfrm>
+            <a:off x="1222707" y="4248210"/>
+            <a:ext cx="2044931" cy="665018"/>
+          </a:xfrm>
+          <a:prstGeom prst="roundRect">
+            <a:avLst/>
+          </a:prstGeom>
+          <a:solidFill>
+            <a:schemeClr val="bg1"/>
+          </a:solidFill>
+          <a:ln>
+            <a:solidFill>
+              <a:schemeClr val="tx1"/>
+            </a:solidFill>
+          </a:ln>
+        </p:spPr>
+        <p:style>
+          <a:lnRef idx="2">
+            <a:schemeClr val="accent1">
+              <a:shade val="50000"/>
+            </a:schemeClr>
+          </a:lnRef>
+          <a:fillRef idx="1">
+            <a:schemeClr val="accent1"/>
+          </a:fillRef>
+          <a:effectRef idx="0">
+            <a:schemeClr val="accent1"/>
+          </a:effectRef>
+          <a:fontRef idx="minor">
+            <a:schemeClr val="lt1"/>
+          </a:fontRef>
+        </p:style>
+        <p:txBody>
+          <a:bodyPr rtlCol="0" anchor="ctr"/>
+          <a:lstStyle/>
+          <a:p>
+            <a:pPr algn="ctr"/>
+            <a:r>
+              <a:rPr lang="ko-KR" altLang="en-US" smtClean="0">
+                <a:solidFill>
+                  <a:schemeClr val="tx1"/>
+                </a:solidFill>
+              </a:rPr>
+              <a:t>시작화면</a:t>
+            </a:r>
+            <a:endParaRPr lang="en-US" altLang="ko-KR" dirty="0" smtClean="0">
+              <a:solidFill>
+                <a:schemeClr val="tx1"/>
+              </a:solidFill>
+            </a:endParaRPr>
+          </a:p>
+        </p:txBody>
+      </p:sp>
     </p:spTree>
     <p:extLst>
       <p:ext uri="{BB962C8B-B14F-4D97-AF65-F5344CB8AC3E}">
